--- a/doc/StationMeteo_Soutenance_Lucas.pptx
+++ b/doc/StationMeteo_Soutenance_Lucas.pptx
@@ -5,10 +5,10 @@
     <p:sldMasterId id="2147483673" r:id="rId1"/>
   </p:sldMasterIdLst>
   <p:notesMasterIdLst>
-    <p:notesMasterId r:id="rId37"/>
+    <p:notesMasterId r:id="rId44"/>
   </p:notesMasterIdLst>
   <p:handoutMasterIdLst>
-    <p:handoutMasterId r:id="rId38"/>
+    <p:handoutMasterId r:id="rId45"/>
   </p:handoutMasterIdLst>
   <p:sldIdLst>
     <p:sldId id="257" r:id="rId2"/>
@@ -43,9 +43,16 @@
     <p:sldId id="291" r:id="rId31"/>
     <p:sldId id="292" r:id="rId32"/>
     <p:sldId id="293" r:id="rId33"/>
-    <p:sldId id="269" r:id="rId34"/>
-    <p:sldId id="271" r:id="rId35"/>
-    <p:sldId id="270" r:id="rId36"/>
+    <p:sldId id="298" r:id="rId34"/>
+    <p:sldId id="299" r:id="rId35"/>
+    <p:sldId id="300" r:id="rId36"/>
+    <p:sldId id="301" r:id="rId37"/>
+    <p:sldId id="302" r:id="rId38"/>
+    <p:sldId id="303" r:id="rId39"/>
+    <p:sldId id="304" r:id="rId40"/>
+    <p:sldId id="269" r:id="rId41"/>
+    <p:sldId id="271" r:id="rId42"/>
+    <p:sldId id="270" r:id="rId43"/>
   </p:sldIdLst>
   <p:sldSz cx="12192000" cy="6858000"/>
   <p:notesSz cx="6858000" cy="9144000"/>
@@ -145,6 +152,68 @@
     </a:lvl9pPr>
   </p:defaultTextStyle>
   <p:extLst>
+    <p:ext uri="{521415D9-36F7-43E2-AB2F-B90AF26B5E84}">
+      <p14:sectionLst xmlns:p14="http://schemas.microsoft.com/office/powerpoint/2010/main">
+        <p14:section name="Section par défaut" id="{03AFB352-7395-4D37-82B4-BEF628A1D9C5}">
+          <p14:sldIdLst>
+            <p14:sldId id="257"/>
+            <p14:sldId id="263"/>
+            <p14:sldId id="285"/>
+            <p14:sldId id="287"/>
+            <p14:sldId id="286"/>
+            <p14:sldId id="288"/>
+            <p14:sldId id="289"/>
+            <p14:sldId id="265"/>
+            <p14:sldId id="272"/>
+            <p14:sldId id="274"/>
+            <p14:sldId id="273"/>
+            <p14:sldId id="277"/>
+            <p14:sldId id="278"/>
+            <p14:sldId id="264"/>
+            <p14:sldId id="290"/>
+            <p14:sldId id="275"/>
+            <p14:sldId id="276"/>
+            <p14:sldId id="266"/>
+            <p14:sldId id="279"/>
+            <p14:sldId id="280"/>
+            <p14:sldId id="281"/>
+            <p14:sldId id="282"/>
+            <p14:sldId id="284"/>
+            <p14:sldId id="283"/>
+            <p14:sldId id="267"/>
+            <p14:sldId id="294"/>
+            <p14:sldId id="296"/>
+            <p14:sldId id="297"/>
+            <p14:sldId id="295"/>
+            <p14:sldId id="291"/>
+            <p14:sldId id="292"/>
+            <p14:sldId id="293"/>
+          </p14:sldIdLst>
+        </p14:section>
+        <p14:section name="Détail fonctionnement" id="{F8758BB3-7FC8-446B-A98D-CE8BEEA27943}">
+          <p14:sldIdLst>
+            <p14:sldId id="298"/>
+            <p14:sldId id="299"/>
+            <p14:sldId id="300"/>
+          </p14:sldIdLst>
+        </p14:section>
+        <p14:section name="Ajout de fonctionnalité - Graphique" id="{2C6DE1C2-7AE7-4536-B899-BAE7307989F6}">
+          <p14:sldIdLst>
+            <p14:sldId id="301"/>
+            <p14:sldId id="302"/>
+            <p14:sldId id="303"/>
+            <p14:sldId id="304"/>
+          </p14:sldIdLst>
+        </p14:section>
+        <p14:section name="Section sans titre" id="{5E998F6C-49E5-4BF9-9BF2-C29AB7723E6F}">
+          <p14:sldIdLst>
+            <p14:sldId id="269"/>
+            <p14:sldId id="271"/>
+            <p14:sldId id="270"/>
+          </p14:sldIdLst>
+        </p14:section>
+      </p14:sectionLst>
+    </p:ext>
     <p:ext uri="{EFAFB233-063F-42B5-8137-9DF3F51BA10A}">
       <p15:sldGuideLst xmlns:p15="http://schemas.microsoft.com/office/powerpoint/2012/main"/>
     </p:ext>
@@ -680,6 +749,588 @@
     </a:lvl9pPr>
   </p:notesStyle>
 </p:notesMaster>
+</file>
+
+<file path=ppt/notesSlides/notesSlide1.xml><?xml version="1.0" encoding="utf-8"?>
+<p:notes xmlns:a="http://schemas.openxmlformats.org/drawingml/2006/main" xmlns:r="http://schemas.openxmlformats.org/officeDocument/2006/relationships" xmlns:p="http://schemas.openxmlformats.org/presentationml/2006/main">
+  <p:cSld>
+    <p:spTree>
+      <p:nvGrpSpPr>
+        <p:cNvPr id="1" name=""/>
+        <p:cNvGrpSpPr/>
+        <p:nvPr/>
+      </p:nvGrpSpPr>
+      <p:grpSpPr>
+        <a:xfrm>
+          <a:off x="0" y="0"/>
+          <a:ext cx="0" cy="0"/>
+          <a:chOff x="0" y="0"/>
+          <a:chExt cx="0" cy="0"/>
+        </a:xfrm>
+      </p:grpSpPr>
+      <p:sp>
+        <p:nvSpPr>
+          <p:cNvPr id="2" name="Espace réservé de l'image des diapositives 1"/>
+          <p:cNvSpPr>
+            <a:spLocks noGrp="1" noRot="1" noChangeAspect="1"/>
+          </p:cNvSpPr>
+          <p:nvPr>
+            <p:ph type="sldImg"/>
+          </p:nvPr>
+        </p:nvSpPr>
+        <p:spPr/>
+      </p:sp>
+      <p:sp>
+        <p:nvSpPr>
+          <p:cNvPr id="3" name="Espace réservé des notes 2"/>
+          <p:cNvSpPr>
+            <a:spLocks noGrp="1"/>
+          </p:cNvSpPr>
+          <p:nvPr>
+            <p:ph type="body" idx="1"/>
+          </p:nvPr>
+        </p:nvSpPr>
+        <p:spPr/>
+        <p:txBody>
+          <a:bodyPr/>
+          <a:lstStyle/>
+          <a:p>
+            <a:pPr algn="l"/>
+            <a:r>
+              <a:rPr lang="fr-FR" sz="1200" dirty="0"/>
+              <a:t>Envoie de la requête au serveur</a:t>
+            </a:r>
+          </a:p>
+          <a:p>
+            <a:pPr algn="l"/>
+            <a:r>
+              <a:rPr lang="fr-FR" sz="1200" dirty="0"/>
+              <a:t>Stockage des donnée</a:t>
+            </a:r>
+          </a:p>
+          <a:p>
+            <a:pPr algn="l"/>
+            <a:endParaRPr lang="fr-FR" sz="1400" dirty="0"/>
+          </a:p>
+        </p:txBody>
+      </p:sp>
+      <p:sp>
+        <p:nvSpPr>
+          <p:cNvPr id="4" name="Espace réservé de la date 3"/>
+          <p:cNvSpPr>
+            <a:spLocks noGrp="1"/>
+          </p:cNvSpPr>
+          <p:nvPr>
+            <p:ph type="dt" idx="1"/>
+          </p:nvPr>
+        </p:nvSpPr>
+        <p:spPr/>
+        <p:txBody>
+          <a:bodyPr/>
+          <a:lstStyle/>
+          <a:p>
+            <a:pPr rtl="0"/>
+            <a:fld id="{139F4AB6-716B-4E95-AAD2-DB349D9AC9BA}" type="datetime1">
+              <a:rPr lang="fr-FR" smtClean="0"/>
+              <a:t>22/06/2021</a:t>
+            </a:fld>
+            <a:endParaRPr lang="en-US"/>
+          </a:p>
+        </p:txBody>
+      </p:sp>
+      <p:sp>
+        <p:nvSpPr>
+          <p:cNvPr id="5" name="Espace réservé du numéro de diapositive 4"/>
+          <p:cNvSpPr>
+            <a:spLocks noGrp="1"/>
+          </p:cNvSpPr>
+          <p:nvPr>
+            <p:ph type="sldNum" sz="quarter" idx="5"/>
+          </p:nvPr>
+        </p:nvSpPr>
+        <p:spPr/>
+        <p:txBody>
+          <a:bodyPr/>
+          <a:lstStyle/>
+          <a:p>
+            <a:pPr rtl="0"/>
+            <a:fld id="{37A705E3-E620-489D-9973-6221209A4B3B}" type="slidenum">
+              <a:rPr lang="en-US" smtClean="0"/>
+              <a:t>34</a:t>
+            </a:fld>
+            <a:endParaRPr lang="en-US"/>
+          </a:p>
+        </p:txBody>
+      </p:sp>
+    </p:spTree>
+    <p:extLst>
+      <p:ext uri="{BB962C8B-B14F-4D97-AF65-F5344CB8AC3E}">
+        <p14:creationId xmlns:p14="http://schemas.microsoft.com/office/powerpoint/2010/main" val="2984386660"/>
+      </p:ext>
+    </p:extLst>
+  </p:cSld>
+  <p:clrMapOvr>
+    <a:masterClrMapping/>
+  </p:clrMapOvr>
+</p:notes>
+</file>
+
+<file path=ppt/notesSlides/notesSlide2.xml><?xml version="1.0" encoding="utf-8"?>
+<p:notes xmlns:a="http://schemas.openxmlformats.org/drawingml/2006/main" xmlns:r="http://schemas.openxmlformats.org/officeDocument/2006/relationships" xmlns:p="http://schemas.openxmlformats.org/presentationml/2006/main">
+  <p:cSld>
+    <p:spTree>
+      <p:nvGrpSpPr>
+        <p:cNvPr id="1" name=""/>
+        <p:cNvGrpSpPr/>
+        <p:nvPr/>
+      </p:nvGrpSpPr>
+      <p:grpSpPr>
+        <a:xfrm>
+          <a:off x="0" y="0"/>
+          <a:ext cx="0" cy="0"/>
+          <a:chOff x="0" y="0"/>
+          <a:chExt cx="0" cy="0"/>
+        </a:xfrm>
+      </p:grpSpPr>
+      <p:sp>
+        <p:nvSpPr>
+          <p:cNvPr id="2" name="Espace réservé de l'image des diapositives 1"/>
+          <p:cNvSpPr>
+            <a:spLocks noGrp="1" noRot="1" noChangeAspect="1"/>
+          </p:cNvSpPr>
+          <p:nvPr>
+            <p:ph type="sldImg"/>
+          </p:nvPr>
+        </p:nvSpPr>
+        <p:spPr/>
+      </p:sp>
+      <p:sp>
+        <p:nvSpPr>
+          <p:cNvPr id="3" name="Espace réservé des notes 2"/>
+          <p:cNvSpPr>
+            <a:spLocks noGrp="1"/>
+          </p:cNvSpPr>
+          <p:nvPr>
+            <p:ph type="body" idx="1"/>
+          </p:nvPr>
+        </p:nvSpPr>
+        <p:spPr/>
+        <p:txBody>
+          <a:bodyPr/>
+          <a:lstStyle/>
+          <a:p>
+            <a:pPr algn="l"/>
+            <a:endParaRPr lang="fr-FR" sz="1400" dirty="0"/>
+          </a:p>
+        </p:txBody>
+      </p:sp>
+      <p:sp>
+        <p:nvSpPr>
+          <p:cNvPr id="4" name="Espace réservé de la date 3"/>
+          <p:cNvSpPr>
+            <a:spLocks noGrp="1"/>
+          </p:cNvSpPr>
+          <p:nvPr>
+            <p:ph type="dt" idx="1"/>
+          </p:nvPr>
+        </p:nvSpPr>
+        <p:spPr/>
+        <p:txBody>
+          <a:bodyPr/>
+          <a:lstStyle/>
+          <a:p>
+            <a:pPr rtl="0"/>
+            <a:fld id="{139F4AB6-716B-4E95-AAD2-DB349D9AC9BA}" type="datetime1">
+              <a:rPr lang="fr-FR" smtClean="0"/>
+              <a:t>22/06/2021</a:t>
+            </a:fld>
+            <a:endParaRPr lang="en-US"/>
+          </a:p>
+        </p:txBody>
+      </p:sp>
+      <p:sp>
+        <p:nvSpPr>
+          <p:cNvPr id="5" name="Espace réservé du numéro de diapositive 4"/>
+          <p:cNvSpPr>
+            <a:spLocks noGrp="1"/>
+          </p:cNvSpPr>
+          <p:nvPr>
+            <p:ph type="sldNum" sz="quarter" idx="5"/>
+          </p:nvPr>
+        </p:nvSpPr>
+        <p:spPr/>
+        <p:txBody>
+          <a:bodyPr/>
+          <a:lstStyle/>
+          <a:p>
+            <a:pPr rtl="0"/>
+            <a:fld id="{37A705E3-E620-489D-9973-6221209A4B3B}" type="slidenum">
+              <a:rPr lang="en-US" smtClean="0"/>
+              <a:t>35</a:t>
+            </a:fld>
+            <a:endParaRPr lang="en-US"/>
+          </a:p>
+        </p:txBody>
+      </p:sp>
+    </p:spTree>
+    <p:extLst>
+      <p:ext uri="{BB962C8B-B14F-4D97-AF65-F5344CB8AC3E}">
+        <p14:creationId xmlns:p14="http://schemas.microsoft.com/office/powerpoint/2010/main" val="2996486706"/>
+      </p:ext>
+    </p:extLst>
+  </p:cSld>
+  <p:clrMapOvr>
+    <a:masterClrMapping/>
+  </p:clrMapOvr>
+</p:notes>
+</file>
+
+<file path=ppt/notesSlides/notesSlide3.xml><?xml version="1.0" encoding="utf-8"?>
+<p:notes xmlns:a="http://schemas.openxmlformats.org/drawingml/2006/main" xmlns:r="http://schemas.openxmlformats.org/officeDocument/2006/relationships" xmlns:p="http://schemas.openxmlformats.org/presentationml/2006/main">
+  <p:cSld>
+    <p:spTree>
+      <p:nvGrpSpPr>
+        <p:cNvPr id="1" name=""/>
+        <p:cNvGrpSpPr/>
+        <p:nvPr/>
+      </p:nvGrpSpPr>
+      <p:grpSpPr>
+        <a:xfrm>
+          <a:off x="0" y="0"/>
+          <a:ext cx="0" cy="0"/>
+          <a:chOff x="0" y="0"/>
+          <a:chExt cx="0" cy="0"/>
+        </a:xfrm>
+      </p:grpSpPr>
+      <p:sp>
+        <p:nvSpPr>
+          <p:cNvPr id="2" name="Espace réservé de l'image des diapositives 1"/>
+          <p:cNvSpPr>
+            <a:spLocks noGrp="1" noRot="1" noChangeAspect="1"/>
+          </p:cNvSpPr>
+          <p:nvPr>
+            <p:ph type="sldImg"/>
+          </p:nvPr>
+        </p:nvSpPr>
+        <p:spPr/>
+      </p:sp>
+      <p:sp>
+        <p:nvSpPr>
+          <p:cNvPr id="3" name="Espace réservé des notes 2"/>
+          <p:cNvSpPr>
+            <a:spLocks noGrp="1"/>
+          </p:cNvSpPr>
+          <p:nvPr>
+            <p:ph type="body" idx="1"/>
+          </p:nvPr>
+        </p:nvSpPr>
+        <p:spPr/>
+        <p:txBody>
+          <a:bodyPr/>
+          <a:lstStyle/>
+          <a:p>
+            <a:r>
+              <a:rPr lang="fr-FR" dirty="0"/>
+              <a:t>Objectif de remplir l’application graphiquement car peu d’information à représenter pour la partie mer. Solution -&gt; ajouter des éléments visuel aussi bien décoratifs qu’informatif.</a:t>
+            </a:r>
+          </a:p>
+          <a:p>
+            <a:r>
+              <a:rPr lang="fr-FR" dirty="0"/>
+              <a:t>Graphiques cependant non conformes aux attentes: pas de légende possible sans trop réduire la courbe, pas de bornes, courbe qui « flotte » dans sons espace</a:t>
+            </a:r>
+            <a:endParaRPr lang="en-US" dirty="0"/>
+          </a:p>
+        </p:txBody>
+      </p:sp>
+      <p:sp>
+        <p:nvSpPr>
+          <p:cNvPr id="4" name="Espace réservé de la date 3"/>
+          <p:cNvSpPr>
+            <a:spLocks noGrp="1"/>
+          </p:cNvSpPr>
+          <p:nvPr>
+            <p:ph type="dt" idx="1"/>
+          </p:nvPr>
+        </p:nvSpPr>
+        <p:spPr/>
+        <p:txBody>
+          <a:bodyPr/>
+          <a:lstStyle/>
+          <a:p>
+            <a:pPr rtl="0"/>
+            <a:fld id="{139F4AB6-716B-4E95-AAD2-DB349D9AC9BA}" type="datetime1">
+              <a:rPr lang="fr-FR" smtClean="0"/>
+              <a:t>22/06/2021</a:t>
+            </a:fld>
+            <a:endParaRPr lang="en-US"/>
+          </a:p>
+        </p:txBody>
+      </p:sp>
+      <p:sp>
+        <p:nvSpPr>
+          <p:cNvPr id="5" name="Espace réservé du numéro de diapositive 4"/>
+          <p:cNvSpPr>
+            <a:spLocks noGrp="1"/>
+          </p:cNvSpPr>
+          <p:nvPr>
+            <p:ph type="sldNum" sz="quarter" idx="5"/>
+          </p:nvPr>
+        </p:nvSpPr>
+        <p:spPr/>
+        <p:txBody>
+          <a:bodyPr/>
+          <a:lstStyle/>
+          <a:p>
+            <a:pPr rtl="0"/>
+            <a:fld id="{37A705E3-E620-489D-9973-6221209A4B3B}" type="slidenum">
+              <a:rPr lang="en-US" smtClean="0"/>
+              <a:t>37</a:t>
+            </a:fld>
+            <a:endParaRPr lang="en-US"/>
+          </a:p>
+        </p:txBody>
+      </p:sp>
+    </p:spTree>
+    <p:extLst>
+      <p:ext uri="{BB962C8B-B14F-4D97-AF65-F5344CB8AC3E}">
+        <p14:creationId xmlns:p14="http://schemas.microsoft.com/office/powerpoint/2010/main" val="2792135011"/>
+      </p:ext>
+    </p:extLst>
+  </p:cSld>
+  <p:clrMapOvr>
+    <a:masterClrMapping/>
+  </p:clrMapOvr>
+</p:notes>
+</file>
+
+<file path=ppt/notesSlides/notesSlide4.xml><?xml version="1.0" encoding="utf-8"?>
+<p:notes xmlns:a="http://schemas.openxmlformats.org/drawingml/2006/main" xmlns:r="http://schemas.openxmlformats.org/officeDocument/2006/relationships" xmlns:p="http://schemas.openxmlformats.org/presentationml/2006/main">
+  <p:cSld>
+    <p:spTree>
+      <p:nvGrpSpPr>
+        <p:cNvPr id="1" name=""/>
+        <p:cNvGrpSpPr/>
+        <p:nvPr/>
+      </p:nvGrpSpPr>
+      <p:grpSpPr>
+        <a:xfrm>
+          <a:off x="0" y="0"/>
+          <a:ext cx="0" cy="0"/>
+          <a:chOff x="0" y="0"/>
+          <a:chExt cx="0" cy="0"/>
+        </a:xfrm>
+      </p:grpSpPr>
+      <p:sp>
+        <p:nvSpPr>
+          <p:cNvPr id="2" name="Espace réservé de l'image des diapositives 1"/>
+          <p:cNvSpPr>
+            <a:spLocks noGrp="1" noRot="1" noChangeAspect="1"/>
+          </p:cNvSpPr>
+          <p:nvPr>
+            <p:ph type="sldImg"/>
+          </p:nvPr>
+        </p:nvSpPr>
+        <p:spPr/>
+      </p:sp>
+      <p:sp>
+        <p:nvSpPr>
+          <p:cNvPr id="3" name="Espace réservé des notes 2"/>
+          <p:cNvSpPr>
+            <a:spLocks noGrp="1"/>
+          </p:cNvSpPr>
+          <p:nvPr>
+            <p:ph type="body" idx="1"/>
+          </p:nvPr>
+        </p:nvSpPr>
+        <p:spPr/>
+        <p:txBody>
+          <a:bodyPr/>
+          <a:lstStyle/>
+          <a:p>
+            <a:r>
+              <a:rPr lang="fr-FR" dirty="0"/>
+              <a:t>Création de nouveaux graphiques totalement customisés afin d’améliorer l’expérience utilisateur</a:t>
+            </a:r>
+            <a:r>
+              <a:rPr lang="en-US" dirty="0"/>
+              <a:t>.</a:t>
+            </a:r>
+            <a:endParaRPr lang="fr-FR" dirty="0"/>
+          </a:p>
+        </p:txBody>
+      </p:sp>
+      <p:sp>
+        <p:nvSpPr>
+          <p:cNvPr id="4" name="Espace réservé de la date 3"/>
+          <p:cNvSpPr>
+            <a:spLocks noGrp="1"/>
+          </p:cNvSpPr>
+          <p:nvPr>
+            <p:ph type="dt" idx="1"/>
+          </p:nvPr>
+        </p:nvSpPr>
+        <p:spPr/>
+        <p:txBody>
+          <a:bodyPr/>
+          <a:lstStyle/>
+          <a:p>
+            <a:pPr rtl="0"/>
+            <a:fld id="{139F4AB6-716B-4E95-AAD2-DB349D9AC9BA}" type="datetime1">
+              <a:rPr lang="fr-FR" smtClean="0"/>
+              <a:t>22/06/2021</a:t>
+            </a:fld>
+            <a:endParaRPr lang="en-US"/>
+          </a:p>
+        </p:txBody>
+      </p:sp>
+      <p:sp>
+        <p:nvSpPr>
+          <p:cNvPr id="5" name="Espace réservé du numéro de diapositive 4"/>
+          <p:cNvSpPr>
+            <a:spLocks noGrp="1"/>
+          </p:cNvSpPr>
+          <p:nvPr>
+            <p:ph type="sldNum" sz="quarter" idx="5"/>
+          </p:nvPr>
+        </p:nvSpPr>
+        <p:spPr/>
+        <p:txBody>
+          <a:bodyPr/>
+          <a:lstStyle/>
+          <a:p>
+            <a:pPr rtl="0"/>
+            <a:fld id="{37A705E3-E620-489D-9973-6221209A4B3B}" type="slidenum">
+              <a:rPr lang="en-US" smtClean="0"/>
+              <a:t>38</a:t>
+            </a:fld>
+            <a:endParaRPr lang="en-US"/>
+          </a:p>
+        </p:txBody>
+      </p:sp>
+    </p:spTree>
+    <p:extLst>
+      <p:ext uri="{BB962C8B-B14F-4D97-AF65-F5344CB8AC3E}">
+        <p14:creationId xmlns:p14="http://schemas.microsoft.com/office/powerpoint/2010/main" val="23481013"/>
+      </p:ext>
+    </p:extLst>
+  </p:cSld>
+  <p:clrMapOvr>
+    <a:masterClrMapping/>
+  </p:clrMapOvr>
+</p:notes>
+</file>
+
+<file path=ppt/notesSlides/notesSlide5.xml><?xml version="1.0" encoding="utf-8"?>
+<p:notes xmlns:a="http://schemas.openxmlformats.org/drawingml/2006/main" xmlns:r="http://schemas.openxmlformats.org/officeDocument/2006/relationships" xmlns:p="http://schemas.openxmlformats.org/presentationml/2006/main">
+  <p:cSld>
+    <p:spTree>
+      <p:nvGrpSpPr>
+        <p:cNvPr id="1" name=""/>
+        <p:cNvGrpSpPr/>
+        <p:nvPr/>
+      </p:nvGrpSpPr>
+      <p:grpSpPr>
+        <a:xfrm>
+          <a:off x="0" y="0"/>
+          <a:ext cx="0" cy="0"/>
+          <a:chOff x="0" y="0"/>
+          <a:chExt cx="0" cy="0"/>
+        </a:xfrm>
+      </p:grpSpPr>
+      <p:sp>
+        <p:nvSpPr>
+          <p:cNvPr id="2" name="Espace réservé de l'image des diapositives 1"/>
+          <p:cNvSpPr>
+            <a:spLocks noGrp="1" noRot="1" noChangeAspect="1"/>
+          </p:cNvSpPr>
+          <p:nvPr>
+            <p:ph type="sldImg"/>
+          </p:nvPr>
+        </p:nvSpPr>
+        <p:spPr/>
+      </p:sp>
+      <p:sp>
+        <p:nvSpPr>
+          <p:cNvPr id="3" name="Espace réservé des notes 2"/>
+          <p:cNvSpPr>
+            <a:spLocks noGrp="1"/>
+          </p:cNvSpPr>
+          <p:nvPr>
+            <p:ph type="body" idx="1"/>
+          </p:nvPr>
+        </p:nvSpPr>
+        <p:spPr/>
+        <p:txBody>
+          <a:bodyPr/>
+          <a:lstStyle/>
+          <a:p>
+            <a:r>
+              <a:rPr lang="fr-FR" dirty="0"/>
+              <a:t>Affichage d’une icone météo en se basant sur la pression. Imitation d’un baromètre traditionnel</a:t>
+            </a:r>
+          </a:p>
+        </p:txBody>
+      </p:sp>
+      <p:sp>
+        <p:nvSpPr>
+          <p:cNvPr id="4" name="Espace réservé de la date 3"/>
+          <p:cNvSpPr>
+            <a:spLocks noGrp="1"/>
+          </p:cNvSpPr>
+          <p:nvPr>
+            <p:ph type="dt" idx="1"/>
+          </p:nvPr>
+        </p:nvSpPr>
+        <p:spPr/>
+        <p:txBody>
+          <a:bodyPr/>
+          <a:lstStyle/>
+          <a:p>
+            <a:pPr rtl="0"/>
+            <a:fld id="{139F4AB6-716B-4E95-AAD2-DB349D9AC9BA}" type="datetime1">
+              <a:rPr lang="fr-FR" smtClean="0"/>
+              <a:t>22/06/2021</a:t>
+            </a:fld>
+            <a:endParaRPr lang="en-US"/>
+          </a:p>
+        </p:txBody>
+      </p:sp>
+      <p:sp>
+        <p:nvSpPr>
+          <p:cNvPr id="5" name="Espace réservé du numéro de diapositive 4"/>
+          <p:cNvSpPr>
+            <a:spLocks noGrp="1"/>
+          </p:cNvSpPr>
+          <p:nvPr>
+            <p:ph type="sldNum" sz="quarter" idx="5"/>
+          </p:nvPr>
+        </p:nvSpPr>
+        <p:spPr/>
+        <p:txBody>
+          <a:bodyPr/>
+          <a:lstStyle/>
+          <a:p>
+            <a:pPr rtl="0"/>
+            <a:fld id="{37A705E3-E620-489D-9973-6221209A4B3B}" type="slidenum">
+              <a:rPr lang="en-US" smtClean="0"/>
+              <a:t>39</a:t>
+            </a:fld>
+            <a:endParaRPr lang="en-US"/>
+          </a:p>
+        </p:txBody>
+      </p:sp>
+    </p:spTree>
+    <p:extLst>
+      <p:ext uri="{BB962C8B-B14F-4D97-AF65-F5344CB8AC3E}">
+        <p14:creationId xmlns:p14="http://schemas.microsoft.com/office/powerpoint/2010/main" val="1492101514"/>
+      </p:ext>
+    </p:extLst>
+  </p:cSld>
+  <p:clrMapOvr>
+    <a:masterClrMapping/>
+  </p:clrMapOvr>
+</p:notes>
 </file>
 
 <file path=ppt/slideLayouts/slideLayout1.xml><?xml version="1.0" encoding="utf-8"?>
@@ -15652,12 +16303,866 @@
           <a:chExt cx="0" cy="0"/>
         </a:xfrm>
       </p:grpSpPr>
-      <p:sp>
-        <p:nvSpPr>
-          <p:cNvPr id="5" name="Titre 4">
-            <a:extLst>
-              <a:ext uri="{FF2B5EF4-FFF2-40B4-BE49-F238E27FC236}">
-                <a16:creationId xmlns:a16="http://schemas.microsoft.com/office/drawing/2014/main" id="{B535D397-2E1B-4C1E-A392-E2A43916D949}"/>
+      <p:grpSp>
+        <p:nvGrpSpPr>
+          <p:cNvPr id="21" name="Groupe 20">
+            <a:extLst>
+              <a:ext uri="{FF2B5EF4-FFF2-40B4-BE49-F238E27FC236}">
+                <a16:creationId xmlns:a16="http://schemas.microsoft.com/office/drawing/2014/main" id="{907CD3DF-D086-4F74-97DF-145DA0C7AE15}"/>
+              </a:ext>
+            </a:extLst>
+          </p:cNvPr>
+          <p:cNvGrpSpPr/>
+          <p:nvPr/>
+        </p:nvGrpSpPr>
+        <p:grpSpPr>
+          <a:xfrm>
+            <a:off x="6175828" y="3998806"/>
+            <a:ext cx="5394560" cy="2296160"/>
+            <a:chOff x="3074127" y="1169851"/>
+            <a:chExt cx="5394560" cy="2296160"/>
+          </a:xfrm>
+          <a:solidFill>
+            <a:srgbClr val="00B0F0"/>
+          </a:solidFill>
+        </p:grpSpPr>
+        <p:sp>
+          <p:nvSpPr>
+            <p:cNvPr id="14" name="Rectangle 13">
+              <a:extLst>
+                <a:ext uri="{FF2B5EF4-FFF2-40B4-BE49-F238E27FC236}">
+                  <a16:creationId xmlns:a16="http://schemas.microsoft.com/office/drawing/2014/main" id="{65DED3FD-2E74-40BF-8418-037C451D4E0C}"/>
+                </a:ext>
+              </a:extLst>
+            </p:cNvPr>
+            <p:cNvSpPr/>
+            <p:nvPr/>
+          </p:nvSpPr>
+          <p:spPr>
+            <a:xfrm>
+              <a:off x="3074127" y="1169851"/>
+              <a:ext cx="5394560" cy="2296160"/>
+            </a:xfrm>
+            <a:prstGeom prst="rect">
+              <a:avLst/>
+            </a:prstGeom>
+            <a:grpFill/>
+          </p:spPr>
+          <p:style>
+            <a:lnRef idx="0">
+              <a:schemeClr val="accent3"/>
+            </a:lnRef>
+            <a:fillRef idx="3">
+              <a:schemeClr val="accent3"/>
+            </a:fillRef>
+            <a:effectRef idx="3">
+              <a:schemeClr val="accent3"/>
+            </a:effectRef>
+            <a:fontRef idx="minor">
+              <a:schemeClr val="lt1"/>
+            </a:fontRef>
+          </p:style>
+          <p:txBody>
+            <a:bodyPr rtlCol="0" anchor="ctr"/>
+            <a:lstStyle/>
+            <a:p>
+              <a:pPr algn="ctr"/>
+              <a:r>
+                <a:rPr lang="fr-FR" sz="1400" dirty="0"/>
+                <a:t>Interface Graphique Ville</a:t>
+              </a:r>
+            </a:p>
+            <a:p>
+              <a:pPr algn="ctr"/>
+              <a:endParaRPr lang="fr-FR" sz="1400" dirty="0"/>
+            </a:p>
+            <a:p>
+              <a:pPr algn="ctr"/>
+              <a:endParaRPr lang="fr-FR" sz="1400" dirty="0"/>
+            </a:p>
+            <a:p>
+              <a:pPr algn="ctr"/>
+              <a:endParaRPr lang="fr-FR" sz="1400" dirty="0"/>
+            </a:p>
+            <a:p>
+              <a:pPr algn="ctr"/>
+              <a:endParaRPr lang="fr-FR" sz="1400" dirty="0"/>
+            </a:p>
+            <a:p>
+              <a:pPr algn="ctr"/>
+              <a:endParaRPr lang="fr-FR" sz="1400" dirty="0"/>
+            </a:p>
+            <a:p>
+              <a:pPr algn="ctr"/>
+              <a:endParaRPr lang="fr-FR" sz="1400" dirty="0"/>
+            </a:p>
+            <a:p>
+              <a:pPr algn="ctr"/>
+              <a:endParaRPr lang="fr-FR" sz="1400" dirty="0"/>
+            </a:p>
+            <a:p>
+              <a:pPr algn="ctr"/>
+              <a:endParaRPr lang="fr-FR" sz="1400" dirty="0"/>
+            </a:p>
+          </p:txBody>
+        </p:sp>
+        <p:sp>
+          <p:nvSpPr>
+            <p:cNvPr id="15" name="Rectangle 14">
+              <a:extLst>
+                <a:ext uri="{FF2B5EF4-FFF2-40B4-BE49-F238E27FC236}">
+                  <a16:creationId xmlns:a16="http://schemas.microsoft.com/office/drawing/2014/main" id="{8563E393-A133-44D9-8AC0-AA808D7CFB4B}"/>
+                </a:ext>
+              </a:extLst>
+            </p:cNvPr>
+            <p:cNvSpPr/>
+            <p:nvPr/>
+          </p:nvSpPr>
+          <p:spPr>
+            <a:xfrm>
+              <a:off x="6397996" y="2282583"/>
+              <a:ext cx="775063" cy="1027110"/>
+            </a:xfrm>
+            <a:prstGeom prst="rect">
+              <a:avLst/>
+            </a:prstGeom>
+            <a:grpFill/>
+          </p:spPr>
+          <p:style>
+            <a:lnRef idx="0">
+              <a:schemeClr val="accent3"/>
+            </a:lnRef>
+            <a:fillRef idx="3">
+              <a:schemeClr val="accent3"/>
+            </a:fillRef>
+            <a:effectRef idx="3">
+              <a:schemeClr val="accent3"/>
+            </a:effectRef>
+            <a:fontRef idx="minor">
+              <a:schemeClr val="lt1"/>
+            </a:fontRef>
+          </p:style>
+          <p:txBody>
+            <a:bodyPr rtlCol="0" anchor="ctr"/>
+            <a:lstStyle/>
+            <a:p>
+              <a:pPr algn="ctr"/>
+              <a:r>
+                <a:rPr lang="fr-FR" sz="1200" dirty="0"/>
+                <a:t>Widget météo</a:t>
+              </a:r>
+              <a:endParaRPr lang="fr-FR" sz="1400" dirty="0"/>
+            </a:p>
+          </p:txBody>
+        </p:sp>
+        <p:sp>
+          <p:nvSpPr>
+            <p:cNvPr id="16" name="Rectangle 15">
+              <a:extLst>
+                <a:ext uri="{FF2B5EF4-FFF2-40B4-BE49-F238E27FC236}">
+                  <a16:creationId xmlns:a16="http://schemas.microsoft.com/office/drawing/2014/main" id="{1776CF20-28E4-4065-A6F4-0800CFDF7018}"/>
+                </a:ext>
+              </a:extLst>
+            </p:cNvPr>
+            <p:cNvSpPr/>
+            <p:nvPr/>
+          </p:nvSpPr>
+          <p:spPr>
+            <a:xfrm>
+              <a:off x="5204146" y="1654629"/>
+              <a:ext cx="1193849" cy="520725"/>
+            </a:xfrm>
+            <a:prstGeom prst="rect">
+              <a:avLst/>
+            </a:prstGeom>
+            <a:grpFill/>
+          </p:spPr>
+          <p:style>
+            <a:lnRef idx="0">
+              <a:schemeClr val="accent3"/>
+            </a:lnRef>
+            <a:fillRef idx="3">
+              <a:schemeClr val="accent3"/>
+            </a:fillRef>
+            <a:effectRef idx="3">
+              <a:schemeClr val="accent3"/>
+            </a:effectRef>
+            <a:fontRef idx="minor">
+              <a:schemeClr val="lt1"/>
+            </a:fontRef>
+          </p:style>
+          <p:txBody>
+            <a:bodyPr rtlCol="0" anchor="ctr"/>
+            <a:lstStyle/>
+            <a:p>
+              <a:pPr algn="ctr"/>
+              <a:r>
+                <a:rPr lang="fr-FR" sz="1200" dirty="0"/>
+                <a:t>Widget météo</a:t>
+              </a:r>
+              <a:endParaRPr lang="fr-FR" sz="1400" dirty="0"/>
+            </a:p>
+          </p:txBody>
+        </p:sp>
+        <p:sp>
+          <p:nvSpPr>
+            <p:cNvPr id="17" name="Rectangle 16">
+              <a:extLst>
+                <a:ext uri="{FF2B5EF4-FFF2-40B4-BE49-F238E27FC236}">
+                  <a16:creationId xmlns:a16="http://schemas.microsoft.com/office/drawing/2014/main" id="{2706B0E9-3AC7-4B1A-BC1B-6CB8AD3707D8}"/>
+                </a:ext>
+              </a:extLst>
+            </p:cNvPr>
+            <p:cNvSpPr/>
+            <p:nvPr/>
+          </p:nvSpPr>
+          <p:spPr>
+            <a:xfrm>
+              <a:off x="7440219" y="2276294"/>
+              <a:ext cx="775063" cy="1027110"/>
+            </a:xfrm>
+            <a:prstGeom prst="rect">
+              <a:avLst/>
+            </a:prstGeom>
+            <a:grpFill/>
+          </p:spPr>
+          <p:style>
+            <a:lnRef idx="0">
+              <a:schemeClr val="accent3"/>
+            </a:lnRef>
+            <a:fillRef idx="3">
+              <a:schemeClr val="accent3"/>
+            </a:fillRef>
+            <a:effectRef idx="3">
+              <a:schemeClr val="accent3"/>
+            </a:effectRef>
+            <a:fontRef idx="minor">
+              <a:schemeClr val="lt1"/>
+            </a:fontRef>
+          </p:style>
+          <p:txBody>
+            <a:bodyPr rtlCol="0" anchor="ctr"/>
+            <a:lstStyle/>
+            <a:p>
+              <a:pPr algn="ctr"/>
+              <a:r>
+                <a:rPr lang="fr-FR" sz="1200" dirty="0"/>
+                <a:t>Widget météo</a:t>
+              </a:r>
+              <a:endParaRPr lang="fr-FR" sz="1400" dirty="0"/>
+            </a:p>
+          </p:txBody>
+        </p:sp>
+        <p:sp>
+          <p:nvSpPr>
+            <p:cNvPr id="18" name="Rectangle 17">
+              <a:extLst>
+                <a:ext uri="{FF2B5EF4-FFF2-40B4-BE49-F238E27FC236}">
+                  <a16:creationId xmlns:a16="http://schemas.microsoft.com/office/drawing/2014/main" id="{87F4901E-E913-4A7D-86E0-0E7A22782BEB}"/>
+                </a:ext>
+              </a:extLst>
+            </p:cNvPr>
+            <p:cNvSpPr/>
+            <p:nvPr/>
+          </p:nvSpPr>
+          <p:spPr>
+            <a:xfrm>
+              <a:off x="5355773" y="2276294"/>
+              <a:ext cx="775063" cy="1027110"/>
+            </a:xfrm>
+            <a:prstGeom prst="rect">
+              <a:avLst/>
+            </a:prstGeom>
+            <a:grpFill/>
+          </p:spPr>
+          <p:style>
+            <a:lnRef idx="0">
+              <a:schemeClr val="accent3"/>
+            </a:lnRef>
+            <a:fillRef idx="3">
+              <a:schemeClr val="accent3"/>
+            </a:fillRef>
+            <a:effectRef idx="3">
+              <a:schemeClr val="accent3"/>
+            </a:effectRef>
+            <a:fontRef idx="minor">
+              <a:schemeClr val="lt1"/>
+            </a:fontRef>
+          </p:style>
+          <p:txBody>
+            <a:bodyPr rtlCol="0" anchor="ctr"/>
+            <a:lstStyle/>
+            <a:p>
+              <a:pPr algn="ctr"/>
+              <a:r>
+                <a:rPr lang="fr-FR" sz="1200" dirty="0"/>
+                <a:t>Widget météo</a:t>
+              </a:r>
+              <a:endParaRPr lang="fr-FR" sz="1400" dirty="0"/>
+            </a:p>
+          </p:txBody>
+        </p:sp>
+        <p:sp>
+          <p:nvSpPr>
+            <p:cNvPr id="19" name="Rectangle 18">
+              <a:extLst>
+                <a:ext uri="{FF2B5EF4-FFF2-40B4-BE49-F238E27FC236}">
+                  <a16:creationId xmlns:a16="http://schemas.microsoft.com/office/drawing/2014/main" id="{9BBB7345-19EF-41CB-80EE-B345B0C97360}"/>
+                </a:ext>
+              </a:extLst>
+            </p:cNvPr>
+            <p:cNvSpPr/>
+            <p:nvPr/>
+          </p:nvSpPr>
+          <p:spPr>
+            <a:xfrm>
+              <a:off x="4313550" y="2276294"/>
+              <a:ext cx="775063" cy="1027110"/>
+            </a:xfrm>
+            <a:prstGeom prst="rect">
+              <a:avLst/>
+            </a:prstGeom>
+            <a:grpFill/>
+          </p:spPr>
+          <p:style>
+            <a:lnRef idx="0">
+              <a:schemeClr val="accent3"/>
+            </a:lnRef>
+            <a:fillRef idx="3">
+              <a:schemeClr val="accent3"/>
+            </a:fillRef>
+            <a:effectRef idx="3">
+              <a:schemeClr val="accent3"/>
+            </a:effectRef>
+            <a:fontRef idx="minor">
+              <a:schemeClr val="lt1"/>
+            </a:fontRef>
+          </p:style>
+          <p:txBody>
+            <a:bodyPr rtlCol="0" anchor="ctr"/>
+            <a:lstStyle/>
+            <a:p>
+              <a:pPr algn="ctr"/>
+              <a:r>
+                <a:rPr lang="fr-FR" sz="1200" dirty="0"/>
+                <a:t>Widget météo</a:t>
+              </a:r>
+              <a:endParaRPr lang="fr-FR" sz="1400" dirty="0"/>
+            </a:p>
+          </p:txBody>
+        </p:sp>
+        <p:sp>
+          <p:nvSpPr>
+            <p:cNvPr id="20" name="Rectangle 19">
+              <a:extLst>
+                <a:ext uri="{FF2B5EF4-FFF2-40B4-BE49-F238E27FC236}">
+                  <a16:creationId xmlns:a16="http://schemas.microsoft.com/office/drawing/2014/main" id="{E5D97BFA-E6A1-4071-9E91-CD727B65138E}"/>
+                </a:ext>
+              </a:extLst>
+            </p:cNvPr>
+            <p:cNvSpPr/>
+            <p:nvPr/>
+          </p:nvSpPr>
+          <p:spPr>
+            <a:xfrm>
+              <a:off x="3271327" y="2276294"/>
+              <a:ext cx="775063" cy="1027110"/>
+            </a:xfrm>
+            <a:prstGeom prst="rect">
+              <a:avLst/>
+            </a:prstGeom>
+            <a:grpFill/>
+          </p:spPr>
+          <p:style>
+            <a:lnRef idx="0">
+              <a:schemeClr val="accent3"/>
+            </a:lnRef>
+            <a:fillRef idx="3">
+              <a:schemeClr val="accent3"/>
+            </a:fillRef>
+            <a:effectRef idx="3">
+              <a:schemeClr val="accent3"/>
+            </a:effectRef>
+            <a:fontRef idx="minor">
+              <a:schemeClr val="lt1"/>
+            </a:fontRef>
+          </p:style>
+          <p:txBody>
+            <a:bodyPr rtlCol="0" anchor="ctr"/>
+            <a:lstStyle/>
+            <a:p>
+              <a:pPr algn="ctr"/>
+              <a:r>
+                <a:rPr lang="fr-FR" sz="1200" dirty="0"/>
+                <a:t>Widget météo</a:t>
+              </a:r>
+              <a:endParaRPr lang="fr-FR" sz="1400" dirty="0"/>
+            </a:p>
+          </p:txBody>
+        </p:sp>
+      </p:grpSp>
+      <p:grpSp>
+        <p:nvGrpSpPr>
+          <p:cNvPr id="69" name="Groupe 68">
+            <a:extLst>
+              <a:ext uri="{FF2B5EF4-FFF2-40B4-BE49-F238E27FC236}">
+                <a16:creationId xmlns:a16="http://schemas.microsoft.com/office/drawing/2014/main" id="{100581AA-148B-4207-A8F5-462EB9242CED}"/>
+              </a:ext>
+            </a:extLst>
+          </p:cNvPr>
+          <p:cNvGrpSpPr/>
+          <p:nvPr/>
+        </p:nvGrpSpPr>
+        <p:grpSpPr>
+          <a:xfrm>
+            <a:off x="1323703" y="3998806"/>
+            <a:ext cx="3477197" cy="2296160"/>
+            <a:chOff x="580997" y="3998806"/>
+            <a:chExt cx="3477197" cy="2296160"/>
+          </a:xfrm>
+        </p:grpSpPr>
+        <p:sp>
+          <p:nvSpPr>
+            <p:cNvPr id="24" name="Rectangle 23">
+              <a:extLst>
+                <a:ext uri="{FF2B5EF4-FFF2-40B4-BE49-F238E27FC236}">
+                  <a16:creationId xmlns:a16="http://schemas.microsoft.com/office/drawing/2014/main" id="{D0C2C1CD-8C25-4AAE-80DF-400A1DE3D63D}"/>
+                </a:ext>
+              </a:extLst>
+            </p:cNvPr>
+            <p:cNvSpPr/>
+            <p:nvPr/>
+          </p:nvSpPr>
+          <p:spPr>
+            <a:xfrm>
+              <a:off x="580997" y="3998806"/>
+              <a:ext cx="3477197" cy="2296160"/>
+            </a:xfrm>
+            <a:prstGeom prst="rect">
+              <a:avLst/>
+            </a:prstGeom>
+            <a:solidFill>
+              <a:srgbClr val="00B0F0"/>
+            </a:solidFill>
+          </p:spPr>
+          <p:style>
+            <a:lnRef idx="0">
+              <a:schemeClr val="accent3"/>
+            </a:lnRef>
+            <a:fillRef idx="3">
+              <a:schemeClr val="accent3"/>
+            </a:fillRef>
+            <a:effectRef idx="3">
+              <a:schemeClr val="accent3"/>
+            </a:effectRef>
+            <a:fontRef idx="minor">
+              <a:schemeClr val="lt1"/>
+            </a:fontRef>
+          </p:style>
+          <p:txBody>
+            <a:bodyPr rtlCol="0" anchor="ctr"/>
+            <a:lstStyle/>
+            <a:p>
+              <a:pPr algn="ctr"/>
+              <a:r>
+                <a:rPr lang="fr-FR" sz="1400" dirty="0"/>
+                <a:t>Interface Graphique Mer</a:t>
+              </a:r>
+            </a:p>
+            <a:p>
+              <a:pPr algn="ctr"/>
+              <a:endParaRPr lang="fr-FR" sz="1400" dirty="0"/>
+            </a:p>
+            <a:p>
+              <a:pPr algn="ctr"/>
+              <a:endParaRPr lang="fr-FR" sz="1400" dirty="0"/>
+            </a:p>
+            <a:p>
+              <a:pPr algn="ctr"/>
+              <a:endParaRPr lang="fr-FR" sz="1400" dirty="0"/>
+            </a:p>
+            <a:p>
+              <a:pPr algn="ctr"/>
+              <a:endParaRPr lang="fr-FR" sz="1400" dirty="0"/>
+            </a:p>
+            <a:p>
+              <a:pPr algn="ctr"/>
+              <a:endParaRPr lang="fr-FR" sz="1400" dirty="0"/>
+            </a:p>
+            <a:p>
+              <a:pPr algn="ctr"/>
+              <a:endParaRPr lang="fr-FR" sz="1400" dirty="0"/>
+            </a:p>
+            <a:p>
+              <a:pPr algn="ctr"/>
+              <a:endParaRPr lang="fr-FR" sz="1400" dirty="0"/>
+            </a:p>
+            <a:p>
+              <a:pPr algn="ctr"/>
+              <a:endParaRPr lang="fr-FR" sz="1400" dirty="0"/>
+            </a:p>
+          </p:txBody>
+        </p:sp>
+        <p:sp>
+          <p:nvSpPr>
+            <p:cNvPr id="30" name="Rectangle 29">
+              <a:extLst>
+                <a:ext uri="{FF2B5EF4-FFF2-40B4-BE49-F238E27FC236}">
+                  <a16:creationId xmlns:a16="http://schemas.microsoft.com/office/drawing/2014/main" id="{336F2FCF-B455-435C-971D-E32D795F96AE}"/>
+                </a:ext>
+              </a:extLst>
+            </p:cNvPr>
+            <p:cNvSpPr/>
+            <p:nvPr/>
+          </p:nvSpPr>
+          <p:spPr>
+            <a:xfrm>
+              <a:off x="783212" y="4759697"/>
+              <a:ext cx="1747289" cy="569950"/>
+            </a:xfrm>
+            <a:prstGeom prst="rect">
+              <a:avLst/>
+            </a:prstGeom>
+            <a:solidFill>
+              <a:srgbClr val="00B0F0"/>
+            </a:solidFill>
+          </p:spPr>
+          <p:style>
+            <a:lnRef idx="0">
+              <a:schemeClr val="accent3"/>
+            </a:lnRef>
+            <a:fillRef idx="3">
+              <a:schemeClr val="accent3"/>
+            </a:fillRef>
+            <a:effectRef idx="3">
+              <a:schemeClr val="accent3"/>
+            </a:effectRef>
+            <a:fontRef idx="minor">
+              <a:schemeClr val="lt1"/>
+            </a:fontRef>
+          </p:style>
+          <p:txBody>
+            <a:bodyPr rtlCol="0" anchor="ctr"/>
+            <a:lstStyle/>
+            <a:p>
+              <a:pPr algn="ctr"/>
+              <a:r>
+                <a:rPr lang="fr-FR" sz="1200" dirty="0"/>
+                <a:t>Widget météo</a:t>
+              </a:r>
+              <a:endParaRPr lang="fr-FR" sz="1400" dirty="0"/>
+            </a:p>
+          </p:txBody>
+        </p:sp>
+        <p:sp>
+          <p:nvSpPr>
+            <p:cNvPr id="66" name="Rectangle 65">
+              <a:extLst>
+                <a:ext uri="{FF2B5EF4-FFF2-40B4-BE49-F238E27FC236}">
+                  <a16:creationId xmlns:a16="http://schemas.microsoft.com/office/drawing/2014/main" id="{1B4808DC-CA58-4002-B49A-2A1C6F911E2D}"/>
+                </a:ext>
+              </a:extLst>
+            </p:cNvPr>
+            <p:cNvSpPr/>
+            <p:nvPr/>
+          </p:nvSpPr>
+          <p:spPr>
+            <a:xfrm>
+              <a:off x="780015" y="5461604"/>
+              <a:ext cx="1747289" cy="569950"/>
+            </a:xfrm>
+            <a:prstGeom prst="rect">
+              <a:avLst/>
+            </a:prstGeom>
+            <a:solidFill>
+              <a:srgbClr val="00B0F0"/>
+            </a:solidFill>
+          </p:spPr>
+          <p:style>
+            <a:lnRef idx="0">
+              <a:schemeClr val="accent3"/>
+            </a:lnRef>
+            <a:fillRef idx="3">
+              <a:schemeClr val="accent3"/>
+            </a:fillRef>
+            <a:effectRef idx="3">
+              <a:schemeClr val="accent3"/>
+            </a:effectRef>
+            <a:fontRef idx="minor">
+              <a:schemeClr val="lt1"/>
+            </a:fontRef>
+          </p:style>
+          <p:txBody>
+            <a:bodyPr rtlCol="0" anchor="ctr"/>
+            <a:lstStyle/>
+            <a:p>
+              <a:pPr algn="ctr"/>
+              <a:r>
+                <a:rPr lang="fr-FR" sz="1200" dirty="0"/>
+                <a:t>Widget météo</a:t>
+              </a:r>
+              <a:endParaRPr lang="fr-FR" sz="1400" dirty="0"/>
+            </a:p>
+          </p:txBody>
+        </p:sp>
+        <p:sp>
+          <p:nvSpPr>
+            <p:cNvPr id="67" name="Rectangle 66">
+              <a:extLst>
+                <a:ext uri="{FF2B5EF4-FFF2-40B4-BE49-F238E27FC236}">
+                  <a16:creationId xmlns:a16="http://schemas.microsoft.com/office/drawing/2014/main" id="{A51BE971-7A62-4396-89B0-2FA47AB2A9DD}"/>
+                </a:ext>
+              </a:extLst>
+            </p:cNvPr>
+            <p:cNvSpPr/>
+            <p:nvPr/>
+          </p:nvSpPr>
+          <p:spPr>
+            <a:xfrm>
+              <a:off x="2688959" y="4743946"/>
+              <a:ext cx="750928" cy="569950"/>
+            </a:xfrm>
+            <a:prstGeom prst="rect">
+              <a:avLst/>
+            </a:prstGeom>
+            <a:solidFill>
+              <a:srgbClr val="00B0F0"/>
+            </a:solidFill>
+          </p:spPr>
+          <p:style>
+            <a:lnRef idx="0">
+              <a:schemeClr val="accent3"/>
+            </a:lnRef>
+            <a:fillRef idx="3">
+              <a:schemeClr val="accent3"/>
+            </a:fillRef>
+            <a:effectRef idx="3">
+              <a:schemeClr val="accent3"/>
+            </a:effectRef>
+            <a:fontRef idx="minor">
+              <a:schemeClr val="lt1"/>
+            </a:fontRef>
+          </p:style>
+          <p:txBody>
+            <a:bodyPr rtlCol="0" anchor="ctr"/>
+            <a:lstStyle/>
+            <a:p>
+              <a:pPr algn="ctr"/>
+              <a:r>
+                <a:rPr lang="fr-FR" sz="1200" dirty="0"/>
+                <a:t>Widget météo</a:t>
+              </a:r>
+              <a:endParaRPr lang="fr-FR" sz="1400" dirty="0"/>
+            </a:p>
+          </p:txBody>
+        </p:sp>
+        <p:sp>
+          <p:nvSpPr>
+            <p:cNvPr id="68" name="Rectangle 67">
+              <a:extLst>
+                <a:ext uri="{FF2B5EF4-FFF2-40B4-BE49-F238E27FC236}">
+                  <a16:creationId xmlns:a16="http://schemas.microsoft.com/office/drawing/2014/main" id="{C53D3CA5-71CF-4D61-A564-9C5939C07058}"/>
+                </a:ext>
+              </a:extLst>
+            </p:cNvPr>
+            <p:cNvSpPr/>
+            <p:nvPr/>
+          </p:nvSpPr>
+          <p:spPr>
+            <a:xfrm>
+              <a:off x="2688959" y="5461604"/>
+              <a:ext cx="750928" cy="569950"/>
+            </a:xfrm>
+            <a:prstGeom prst="rect">
+              <a:avLst/>
+            </a:prstGeom>
+            <a:solidFill>
+              <a:srgbClr val="00B0F0"/>
+            </a:solidFill>
+          </p:spPr>
+          <p:style>
+            <a:lnRef idx="0">
+              <a:schemeClr val="accent3"/>
+            </a:lnRef>
+            <a:fillRef idx="3">
+              <a:schemeClr val="accent3"/>
+            </a:fillRef>
+            <a:effectRef idx="3">
+              <a:schemeClr val="accent3"/>
+            </a:effectRef>
+            <a:fontRef idx="minor">
+              <a:schemeClr val="lt1"/>
+            </a:fontRef>
+          </p:style>
+          <p:txBody>
+            <a:bodyPr rtlCol="0" anchor="ctr"/>
+            <a:lstStyle/>
+            <a:p>
+              <a:pPr algn="ctr"/>
+              <a:r>
+                <a:rPr lang="fr-FR" sz="1200" dirty="0"/>
+                <a:t>Widget météo</a:t>
+              </a:r>
+              <a:endParaRPr lang="fr-FR" sz="1400" dirty="0"/>
+            </a:p>
+          </p:txBody>
+        </p:sp>
+      </p:grpSp>
+      <p:grpSp>
+        <p:nvGrpSpPr>
+          <p:cNvPr id="42" name="Groupe 41">
+            <a:extLst>
+              <a:ext uri="{FF2B5EF4-FFF2-40B4-BE49-F238E27FC236}">
+                <a16:creationId xmlns:a16="http://schemas.microsoft.com/office/drawing/2014/main" id="{894852D4-6977-4228-8833-263A616B3113}"/>
+              </a:ext>
+            </a:extLst>
+          </p:cNvPr>
+          <p:cNvGrpSpPr/>
+          <p:nvPr/>
+        </p:nvGrpSpPr>
+        <p:grpSpPr>
+          <a:xfrm>
+            <a:off x="730922" y="1722916"/>
+            <a:ext cx="2123340" cy="1752382"/>
+            <a:chOff x="8927838" y="3805270"/>
+            <a:chExt cx="2123340" cy="1752382"/>
+          </a:xfrm>
+        </p:grpSpPr>
+        <p:sp>
+          <p:nvSpPr>
+            <p:cNvPr id="43" name="Rectangle 42">
+              <a:extLst>
+                <a:ext uri="{FF2B5EF4-FFF2-40B4-BE49-F238E27FC236}">
+                  <a16:creationId xmlns:a16="http://schemas.microsoft.com/office/drawing/2014/main" id="{867C7D19-0CD0-48F4-A126-005D8330D5E4}"/>
+                </a:ext>
+              </a:extLst>
+            </p:cNvPr>
+            <p:cNvSpPr/>
+            <p:nvPr/>
+          </p:nvSpPr>
+          <p:spPr>
+            <a:xfrm>
+              <a:off x="8927838" y="3805270"/>
+              <a:ext cx="2123340" cy="1752382"/>
+            </a:xfrm>
+            <a:prstGeom prst="rect">
+              <a:avLst/>
+            </a:prstGeom>
+            <a:solidFill>
+              <a:srgbClr val="00CC99"/>
+            </a:solidFill>
+          </p:spPr>
+          <p:style>
+            <a:lnRef idx="0">
+              <a:schemeClr val="accent3"/>
+            </a:lnRef>
+            <a:fillRef idx="3">
+              <a:schemeClr val="accent3"/>
+            </a:fillRef>
+            <a:effectRef idx="3">
+              <a:schemeClr val="accent3"/>
+            </a:effectRef>
+            <a:fontRef idx="minor">
+              <a:schemeClr val="lt1"/>
+            </a:fontRef>
+          </p:style>
+          <p:txBody>
+            <a:bodyPr rtlCol="0" anchor="ctr"/>
+            <a:lstStyle/>
+            <a:p>
+              <a:pPr algn="ctr"/>
+              <a:r>
+                <a:rPr lang="fr-FR" sz="1400" dirty="0"/>
+                <a:t>Module « Balise Mer »</a:t>
+              </a:r>
+            </a:p>
+            <a:p>
+              <a:pPr algn="ctr"/>
+              <a:endParaRPr lang="fr-FR" sz="1400" dirty="0"/>
+            </a:p>
+            <a:p>
+              <a:pPr algn="ctr"/>
+              <a:endParaRPr lang="fr-FR" sz="1400" dirty="0"/>
+            </a:p>
+            <a:p>
+              <a:pPr algn="ctr"/>
+              <a:endParaRPr lang="fr-FR" sz="1400" dirty="0"/>
+            </a:p>
+            <a:p>
+              <a:pPr algn="ctr"/>
+              <a:endParaRPr lang="fr-FR" sz="1400" dirty="0"/>
+            </a:p>
+            <a:p>
+              <a:pPr algn="ctr"/>
+              <a:endParaRPr lang="fr-FR" sz="1400" dirty="0"/>
+            </a:p>
+            <a:p>
+              <a:pPr algn="ctr"/>
+              <a:endParaRPr lang="fr-FR" sz="1400" dirty="0"/>
+            </a:p>
+          </p:txBody>
+        </p:sp>
+        <p:sp>
+          <p:nvSpPr>
+            <p:cNvPr id="44" name="Rectangle 43">
+              <a:extLst>
+                <a:ext uri="{FF2B5EF4-FFF2-40B4-BE49-F238E27FC236}">
+                  <a16:creationId xmlns:a16="http://schemas.microsoft.com/office/drawing/2014/main" id="{F26DF2F7-C1FE-40EC-94AD-B0D864DF9336}"/>
+                </a:ext>
+              </a:extLst>
+            </p:cNvPr>
+            <p:cNvSpPr/>
+            <p:nvPr/>
+          </p:nvSpPr>
+          <p:spPr>
+            <a:xfrm>
+              <a:off x="8998359" y="4745497"/>
+              <a:ext cx="1982297" cy="273333"/>
+            </a:xfrm>
+            <a:prstGeom prst="rect">
+              <a:avLst/>
+            </a:prstGeom>
+            <a:solidFill>
+              <a:srgbClr val="00CC99"/>
+            </a:solidFill>
+          </p:spPr>
+          <p:style>
+            <a:lnRef idx="0">
+              <a:schemeClr val="accent3"/>
+            </a:lnRef>
+            <a:fillRef idx="3">
+              <a:schemeClr val="accent3"/>
+            </a:fillRef>
+            <a:effectRef idx="3">
+              <a:schemeClr val="accent3"/>
+            </a:effectRef>
+            <a:fontRef idx="minor">
+              <a:schemeClr val="lt1"/>
+            </a:fontRef>
+          </p:style>
+          <p:txBody>
+            <a:bodyPr rtlCol="0" anchor="ctr"/>
+            <a:lstStyle/>
+            <a:p>
+              <a:pPr algn="ctr"/>
+              <a:r>
+                <a:rPr lang="fr-FR" sz="1200" dirty="0"/>
+                <a:t>Envoie requête ‘mer</a:t>
+              </a:r>
+              <a:r>
+                <a:rPr lang="fr-FR" sz="1400" dirty="0"/>
+                <a:t>’</a:t>
+              </a:r>
+            </a:p>
+          </p:txBody>
+        </p:sp>
+      </p:grpSp>
+      <p:sp>
+        <p:nvSpPr>
+          <p:cNvPr id="5" name="Titre 1">
+            <a:extLst>
+              <a:ext uri="{FF2B5EF4-FFF2-40B4-BE49-F238E27FC236}">
+                <a16:creationId xmlns:a16="http://schemas.microsoft.com/office/drawing/2014/main" id="{EAF59B4F-9428-4CC9-AD08-268A94AC5CF9}"/>
               </a:ext>
             </a:extLst>
           </p:cNvPr>
@@ -15665,55 +17170,183 @@
             <a:spLocks noGrp="1"/>
           </p:cNvSpPr>
           <p:nvPr>
-            <p:ph type="ctrTitle"/>
+            <p:ph type="title"/>
           </p:nvPr>
         </p:nvSpPr>
-        <p:spPr/>
-        <p:txBody>
-          <a:bodyPr/>
-          <a:lstStyle/>
-          <a:p>
-            <a:r>
-              <a:rPr lang="fr-FR" dirty="0"/>
-              <a:t>LA FINITION</a:t>
-            </a:r>
-          </a:p>
-        </p:txBody>
-      </p:sp>
-      <p:sp>
-        <p:nvSpPr>
-          <p:cNvPr id="6" name="Sous-titre 5">
-            <a:extLst>
-              <a:ext uri="{FF2B5EF4-FFF2-40B4-BE49-F238E27FC236}">
-                <a16:creationId xmlns:a16="http://schemas.microsoft.com/office/drawing/2014/main" id="{42DF712F-84EC-48F3-B510-83E590DD97F0}"/>
-              </a:ext>
-            </a:extLst>
-          </p:cNvPr>
-          <p:cNvSpPr>
-            <a:spLocks noGrp="1"/>
-          </p:cNvSpPr>
-          <p:nvPr>
-            <p:ph type="subTitle" idx="1"/>
-          </p:nvPr>
-        </p:nvSpPr>
-        <p:spPr/>
-        <p:txBody>
-          <a:bodyPr/>
-          <a:lstStyle/>
-          <a:p>
-            <a:r>
-              <a:rPr lang="fr-FR" dirty="0"/>
-              <a:t>DESIGN / OPTIMISATION / SIMPLIFCATION</a:t>
-            </a:r>
-          </a:p>
-        </p:txBody>
-      </p:sp>
-      <p:sp>
-        <p:nvSpPr>
-          <p:cNvPr id="4" name="Espace réservé de la date 3">
-            <a:extLst>
-              <a:ext uri="{FF2B5EF4-FFF2-40B4-BE49-F238E27FC236}">
-                <a16:creationId xmlns:a16="http://schemas.microsoft.com/office/drawing/2014/main" id="{030B0D3A-6441-43DC-BDBC-2E9EE16205E9}"/>
+        <p:spPr>
+          <a:xfrm>
+            <a:off x="1066800" y="642594"/>
+            <a:ext cx="10058400" cy="556814"/>
+          </a:xfrm>
+        </p:spPr>
+        <p:txBody>
+          <a:bodyPr>
+            <a:normAutofit fontScale="90000"/>
+          </a:bodyPr>
+          <a:lstStyle/>
+          <a:p>
+            <a:r>
+              <a:rPr lang="fr-FR" dirty="0"/>
+              <a:t>Architecture de l’application</a:t>
+            </a:r>
+          </a:p>
+        </p:txBody>
+      </p:sp>
+      <p:grpSp>
+        <p:nvGrpSpPr>
+          <p:cNvPr id="22" name="Groupe 21">
+            <a:extLst>
+              <a:ext uri="{FF2B5EF4-FFF2-40B4-BE49-F238E27FC236}">
+                <a16:creationId xmlns:a16="http://schemas.microsoft.com/office/drawing/2014/main" id="{011CB31F-12CC-466E-87D5-45501E63BBFD}"/>
+              </a:ext>
+            </a:extLst>
+          </p:cNvPr>
+          <p:cNvGrpSpPr/>
+          <p:nvPr/>
+        </p:nvGrpSpPr>
+        <p:grpSpPr>
+          <a:xfrm>
+            <a:off x="8618297" y="1761734"/>
+            <a:ext cx="2123340" cy="1752382"/>
+            <a:chOff x="8927838" y="3805270"/>
+            <a:chExt cx="2123340" cy="1752382"/>
+          </a:xfrm>
+        </p:grpSpPr>
+        <p:sp>
+          <p:nvSpPr>
+            <p:cNvPr id="12" name="Rectangle 11">
+              <a:extLst>
+                <a:ext uri="{FF2B5EF4-FFF2-40B4-BE49-F238E27FC236}">
+                  <a16:creationId xmlns:a16="http://schemas.microsoft.com/office/drawing/2014/main" id="{8C798A64-BD74-481B-B704-21A9C7205347}"/>
+                </a:ext>
+              </a:extLst>
+            </p:cNvPr>
+            <p:cNvSpPr/>
+            <p:nvPr/>
+          </p:nvSpPr>
+          <p:spPr>
+            <a:xfrm>
+              <a:off x="8927838" y="3805270"/>
+              <a:ext cx="2123340" cy="1752382"/>
+            </a:xfrm>
+            <a:prstGeom prst="rect">
+              <a:avLst/>
+            </a:prstGeom>
+            <a:solidFill>
+              <a:srgbClr val="00CC99"/>
+            </a:solidFill>
+          </p:spPr>
+          <p:style>
+            <a:lnRef idx="0">
+              <a:schemeClr val="accent3"/>
+            </a:lnRef>
+            <a:fillRef idx="3">
+              <a:schemeClr val="accent3"/>
+            </a:fillRef>
+            <a:effectRef idx="3">
+              <a:schemeClr val="accent3"/>
+            </a:effectRef>
+            <a:fontRef idx="minor">
+              <a:schemeClr val="lt1"/>
+            </a:fontRef>
+          </p:style>
+          <p:txBody>
+            <a:bodyPr rtlCol="0" anchor="ctr"/>
+            <a:lstStyle/>
+            <a:p>
+              <a:pPr algn="ctr"/>
+              <a:r>
+                <a:rPr lang="fr-FR" sz="1400" dirty="0"/>
+                <a:t>Module « Balise Ville »</a:t>
+              </a:r>
+            </a:p>
+            <a:p>
+              <a:pPr algn="ctr"/>
+              <a:endParaRPr lang="fr-FR" sz="1400" dirty="0"/>
+            </a:p>
+            <a:p>
+              <a:pPr algn="ctr"/>
+              <a:endParaRPr lang="fr-FR" sz="1400" dirty="0"/>
+            </a:p>
+            <a:p>
+              <a:pPr algn="ctr"/>
+              <a:endParaRPr lang="fr-FR" sz="1400" dirty="0"/>
+            </a:p>
+            <a:p>
+              <a:pPr algn="ctr"/>
+              <a:endParaRPr lang="fr-FR" sz="1400" dirty="0"/>
+            </a:p>
+            <a:p>
+              <a:pPr algn="ctr"/>
+              <a:endParaRPr lang="fr-FR" sz="1400" dirty="0"/>
+            </a:p>
+            <a:p>
+              <a:pPr algn="ctr"/>
+              <a:endParaRPr lang="fr-FR" sz="1400" dirty="0"/>
+            </a:p>
+          </p:txBody>
+        </p:sp>
+        <p:sp>
+          <p:nvSpPr>
+            <p:cNvPr id="13" name="Rectangle 12">
+              <a:extLst>
+                <a:ext uri="{FF2B5EF4-FFF2-40B4-BE49-F238E27FC236}">
+                  <a16:creationId xmlns:a16="http://schemas.microsoft.com/office/drawing/2014/main" id="{7F02E698-FE32-499E-93CF-39B06C51382B}"/>
+                </a:ext>
+              </a:extLst>
+            </p:cNvPr>
+            <p:cNvSpPr/>
+            <p:nvPr/>
+          </p:nvSpPr>
+          <p:spPr>
+            <a:xfrm>
+              <a:off x="8998359" y="4745497"/>
+              <a:ext cx="1982297" cy="273333"/>
+            </a:xfrm>
+            <a:prstGeom prst="rect">
+              <a:avLst/>
+            </a:prstGeom>
+            <a:solidFill>
+              <a:srgbClr val="00CC99"/>
+            </a:solidFill>
+          </p:spPr>
+          <p:style>
+            <a:lnRef idx="0">
+              <a:schemeClr val="accent3"/>
+            </a:lnRef>
+            <a:fillRef idx="3">
+              <a:schemeClr val="accent3"/>
+            </a:fillRef>
+            <a:effectRef idx="3">
+              <a:schemeClr val="accent3"/>
+            </a:effectRef>
+            <a:fontRef idx="minor">
+              <a:schemeClr val="lt1"/>
+            </a:fontRef>
+          </p:style>
+          <p:txBody>
+            <a:bodyPr rtlCol="0" anchor="ctr"/>
+            <a:lstStyle/>
+            <a:p>
+              <a:pPr algn="ctr"/>
+              <a:r>
+                <a:rPr lang="fr-FR" sz="1200" dirty="0"/>
+                <a:t>Envoie requête ‘ville</a:t>
+              </a:r>
+              <a:r>
+                <a:rPr lang="fr-FR" sz="1400" dirty="0"/>
+                <a:t>’</a:t>
+              </a:r>
+            </a:p>
+          </p:txBody>
+        </p:sp>
+      </p:grpSp>
+      <p:sp>
+        <p:nvSpPr>
+          <p:cNvPr id="7" name="Espace réservé de la date 3">
+            <a:extLst>
+              <a:ext uri="{FF2B5EF4-FFF2-40B4-BE49-F238E27FC236}">
+                <a16:creationId xmlns:a16="http://schemas.microsoft.com/office/drawing/2014/main" id="{D239ED06-4DCB-44DF-AA9C-1BD54E2823A9}"/>
               </a:ext>
             </a:extLst>
           </p:cNvPr>
@@ -15724,7 +17357,12 @@
             <p:ph type="dt" sz="half" idx="10"/>
           </p:nvPr>
         </p:nvSpPr>
-        <p:spPr/>
+        <p:spPr>
+          <a:xfrm>
+            <a:off x="7256794" y="6035040"/>
+            <a:ext cx="2893045" cy="365760"/>
+          </a:xfrm>
+        </p:spPr>
         <p:txBody>
           <a:bodyPr/>
           <a:lstStyle/>
@@ -15738,10 +17376,489 @@
           </a:p>
         </p:txBody>
       </p:sp>
+      <p:cxnSp>
+        <p:nvCxnSpPr>
+          <p:cNvPr id="34" name="Connecteur droit avec flèche 33">
+            <a:extLst>
+              <a:ext uri="{FF2B5EF4-FFF2-40B4-BE49-F238E27FC236}">
+                <a16:creationId xmlns:a16="http://schemas.microsoft.com/office/drawing/2014/main" id="{E1238A3E-2788-4A6F-BD23-C81077F79FCD}"/>
+              </a:ext>
+            </a:extLst>
+          </p:cNvPr>
+          <p:cNvCxnSpPr>
+            <a:cxnSpLocks/>
+            <a:stCxn id="12" idx="2"/>
+          </p:cNvCxnSpPr>
+          <p:nvPr/>
+        </p:nvCxnSpPr>
+        <p:spPr>
+          <a:xfrm>
+            <a:off x="9679967" y="3514116"/>
+            <a:ext cx="1188330" cy="940227"/>
+          </a:xfrm>
+          <a:prstGeom prst="straightConnector1">
+            <a:avLst/>
+          </a:prstGeom>
+          <a:ln w="57150">
+            <a:solidFill>
+              <a:srgbClr val="00CC99"/>
+            </a:solidFill>
+            <a:tailEnd type="triangle"/>
+          </a:ln>
+        </p:spPr>
+        <p:style>
+          <a:lnRef idx="3">
+            <a:schemeClr val="accent3"/>
+          </a:lnRef>
+          <a:fillRef idx="0">
+            <a:schemeClr val="accent3"/>
+          </a:fillRef>
+          <a:effectRef idx="2">
+            <a:schemeClr val="accent3"/>
+          </a:effectRef>
+          <a:fontRef idx="minor">
+            <a:schemeClr val="tx1"/>
+          </a:fontRef>
+        </p:style>
+      </p:cxnSp>
+      <p:sp>
+        <p:nvSpPr>
+          <p:cNvPr id="35" name="Rectangle 34">
+            <a:extLst>
+              <a:ext uri="{FF2B5EF4-FFF2-40B4-BE49-F238E27FC236}">
+                <a16:creationId xmlns:a16="http://schemas.microsoft.com/office/drawing/2014/main" id="{1F0BDDA5-C603-4343-BBD3-2C063B38E80B}"/>
+              </a:ext>
+            </a:extLst>
+          </p:cNvPr>
+          <p:cNvSpPr/>
+          <p:nvPr/>
+        </p:nvSpPr>
+        <p:spPr>
+          <a:xfrm>
+            <a:off x="10678901" y="4217290"/>
+            <a:ext cx="300430" cy="289970"/>
+          </a:xfrm>
+          <a:prstGeom prst="rect">
+            <a:avLst/>
+          </a:prstGeom>
+          <a:solidFill>
+            <a:srgbClr val="00CC99"/>
+          </a:solidFill>
+          <a:scene3d>
+            <a:camera prst="orthographicFront">
+              <a:rot lat="0" lon="0" rev="0"/>
+            </a:camera>
+            <a:lightRig rig="flat" dir="tl">
+              <a:rot lat="0" lon="0" rev="4200000"/>
+            </a:lightRig>
+          </a:scene3d>
+        </p:spPr>
+        <p:style>
+          <a:lnRef idx="0">
+            <a:schemeClr val="accent3"/>
+          </a:lnRef>
+          <a:fillRef idx="3">
+            <a:schemeClr val="accent3"/>
+          </a:fillRef>
+          <a:effectRef idx="3">
+            <a:schemeClr val="accent3"/>
+          </a:effectRef>
+          <a:fontRef idx="minor">
+            <a:schemeClr val="lt1"/>
+          </a:fontRef>
+        </p:style>
+        <p:txBody>
+          <a:bodyPr rtlCol="0" anchor="ctr"/>
+          <a:lstStyle/>
+          <a:p>
+            <a:pPr algn="ctr"/>
+            <a:endParaRPr lang="fr-FR" sz="1400" dirty="0"/>
+          </a:p>
+        </p:txBody>
+      </p:sp>
+      <p:cxnSp>
+        <p:nvCxnSpPr>
+          <p:cNvPr id="52" name="Connecteur droit avec flèche 51">
+            <a:extLst>
+              <a:ext uri="{FF2B5EF4-FFF2-40B4-BE49-F238E27FC236}">
+                <a16:creationId xmlns:a16="http://schemas.microsoft.com/office/drawing/2014/main" id="{8C2B8B90-BC27-474C-A997-0CFE288C85A2}"/>
+              </a:ext>
+            </a:extLst>
+          </p:cNvPr>
+          <p:cNvCxnSpPr>
+            <a:cxnSpLocks/>
+            <a:stCxn id="10" idx="1"/>
+            <a:endCxn id="53" idx="1"/>
+          </p:cNvCxnSpPr>
+          <p:nvPr/>
+        </p:nvCxnSpPr>
+        <p:spPr>
+          <a:xfrm flipH="1">
+            <a:off x="2396365" y="2100600"/>
+            <a:ext cx="2212240" cy="256162"/>
+          </a:xfrm>
+          <a:prstGeom prst="straightConnector1">
+            <a:avLst/>
+          </a:prstGeom>
+          <a:ln w="57150">
+            <a:tailEnd type="triangle"/>
+          </a:ln>
+        </p:spPr>
+        <p:style>
+          <a:lnRef idx="3">
+            <a:schemeClr val="accent3"/>
+          </a:lnRef>
+          <a:fillRef idx="0">
+            <a:schemeClr val="accent3"/>
+          </a:fillRef>
+          <a:effectRef idx="2">
+            <a:schemeClr val="accent3"/>
+          </a:effectRef>
+          <a:fontRef idx="minor">
+            <a:schemeClr val="tx1"/>
+          </a:fontRef>
+        </p:style>
+      </p:cxnSp>
+      <p:sp>
+        <p:nvSpPr>
+          <p:cNvPr id="53" name="Rectangle 52">
+            <a:extLst>
+              <a:ext uri="{FF2B5EF4-FFF2-40B4-BE49-F238E27FC236}">
+                <a16:creationId xmlns:a16="http://schemas.microsoft.com/office/drawing/2014/main" id="{8B240426-A8D9-4C78-9C8D-44D834D60724}"/>
+              </a:ext>
+            </a:extLst>
+          </p:cNvPr>
+          <p:cNvSpPr/>
+          <p:nvPr/>
+        </p:nvSpPr>
+        <p:spPr>
+          <a:xfrm>
+            <a:off x="2396365" y="2211777"/>
+            <a:ext cx="300430" cy="289970"/>
+          </a:xfrm>
+          <a:prstGeom prst="rect">
+            <a:avLst/>
+          </a:prstGeom>
+          <a:scene3d>
+            <a:camera prst="orthographicFront">
+              <a:rot lat="0" lon="0" rev="0"/>
+            </a:camera>
+            <a:lightRig rig="flat" dir="tl">
+              <a:rot lat="0" lon="0" rev="4200000"/>
+            </a:lightRig>
+          </a:scene3d>
+        </p:spPr>
+        <p:style>
+          <a:lnRef idx="0">
+            <a:schemeClr val="accent3"/>
+          </a:lnRef>
+          <a:fillRef idx="3">
+            <a:schemeClr val="accent3"/>
+          </a:fillRef>
+          <a:effectRef idx="3">
+            <a:schemeClr val="accent3"/>
+          </a:effectRef>
+          <a:fontRef idx="minor">
+            <a:schemeClr val="lt1"/>
+          </a:fontRef>
+        </p:style>
+        <p:txBody>
+          <a:bodyPr rtlCol="0" anchor="ctr"/>
+          <a:lstStyle/>
+          <a:p>
+            <a:pPr algn="ctr"/>
+            <a:endParaRPr lang="fr-FR" sz="1400" dirty="0"/>
+          </a:p>
+        </p:txBody>
+      </p:sp>
+      <p:sp>
+        <p:nvSpPr>
+          <p:cNvPr id="10" name="Rectangle 9">
+            <a:extLst>
+              <a:ext uri="{FF2B5EF4-FFF2-40B4-BE49-F238E27FC236}">
+                <a16:creationId xmlns:a16="http://schemas.microsoft.com/office/drawing/2014/main" id="{808B615E-8374-4F8A-8ABE-9D618708DE52}"/>
+              </a:ext>
+            </a:extLst>
+          </p:cNvPr>
+          <p:cNvSpPr/>
+          <p:nvPr/>
+        </p:nvSpPr>
+        <p:spPr>
+          <a:xfrm>
+            <a:off x="4608605" y="1300348"/>
+            <a:ext cx="2390275" cy="1600503"/>
+          </a:xfrm>
+          <a:prstGeom prst="rect">
+            <a:avLst/>
+          </a:prstGeom>
+        </p:spPr>
+        <p:style>
+          <a:lnRef idx="0">
+            <a:schemeClr val="accent3"/>
+          </a:lnRef>
+          <a:fillRef idx="3">
+            <a:schemeClr val="accent3"/>
+          </a:fillRef>
+          <a:effectRef idx="3">
+            <a:schemeClr val="accent3"/>
+          </a:effectRef>
+          <a:fontRef idx="minor">
+            <a:schemeClr val="lt1"/>
+          </a:fontRef>
+        </p:style>
+        <p:txBody>
+          <a:bodyPr rtlCol="0" anchor="ctr"/>
+          <a:lstStyle/>
+          <a:p>
+            <a:pPr algn="ctr"/>
+            <a:r>
+              <a:rPr lang="fr-FR" sz="1400" dirty="0"/>
+              <a:t>Module « Datas Météo »</a:t>
+            </a:r>
+          </a:p>
+          <a:p>
+            <a:pPr algn="ctr"/>
+            <a:r>
+              <a:rPr lang="fr-FR" sz="1400" dirty="0"/>
+              <a:t>- Ville</a:t>
+            </a:r>
+          </a:p>
+          <a:p>
+            <a:pPr algn="ctr"/>
+            <a:r>
+              <a:rPr lang="fr-FR" sz="1400" dirty="0"/>
+              <a:t>- Humidité</a:t>
+            </a:r>
+          </a:p>
+          <a:p>
+            <a:pPr algn="ctr"/>
+            <a:r>
+              <a:rPr lang="fr-FR" sz="1400" dirty="0"/>
+              <a:t>- Temps</a:t>
+            </a:r>
+          </a:p>
+          <a:p>
+            <a:pPr algn="ctr"/>
+            <a:r>
+              <a:rPr lang="fr-FR" sz="1400" dirty="0"/>
+              <a:t>- Pression</a:t>
+            </a:r>
+          </a:p>
+          <a:p>
+            <a:pPr algn="ctr"/>
+            <a:r>
+              <a:rPr lang="fr-FR" sz="1400" dirty="0"/>
+              <a:t>- Température</a:t>
+            </a:r>
+          </a:p>
+          <a:p>
+            <a:pPr algn="ctr"/>
+            <a:r>
+              <a:rPr lang="fr-FR" sz="1400" dirty="0"/>
+              <a:t>- Icone</a:t>
+            </a:r>
+          </a:p>
+        </p:txBody>
+      </p:sp>
+      <p:cxnSp>
+        <p:nvCxnSpPr>
+          <p:cNvPr id="59" name="Connecteur droit avec flèche 58">
+            <a:extLst>
+              <a:ext uri="{FF2B5EF4-FFF2-40B4-BE49-F238E27FC236}">
+                <a16:creationId xmlns:a16="http://schemas.microsoft.com/office/drawing/2014/main" id="{21ECB9B7-D80B-402A-A385-A1DDADE75A6B}"/>
+              </a:ext>
+            </a:extLst>
+          </p:cNvPr>
+          <p:cNvCxnSpPr>
+            <a:cxnSpLocks/>
+            <a:stCxn id="43" idx="2"/>
+          </p:cNvCxnSpPr>
+          <p:nvPr/>
+        </p:nvCxnSpPr>
+        <p:spPr>
+          <a:xfrm flipH="1">
+            <a:off x="1603191" y="3475298"/>
+            <a:ext cx="189401" cy="951517"/>
+          </a:xfrm>
+          <a:prstGeom prst="straightConnector1">
+            <a:avLst/>
+          </a:prstGeom>
+          <a:ln w="57150">
+            <a:solidFill>
+              <a:srgbClr val="00CC99"/>
+            </a:solidFill>
+            <a:tailEnd type="triangle"/>
+          </a:ln>
+        </p:spPr>
+        <p:style>
+          <a:lnRef idx="3">
+            <a:schemeClr val="accent3"/>
+          </a:lnRef>
+          <a:fillRef idx="0">
+            <a:schemeClr val="accent3"/>
+          </a:fillRef>
+          <a:effectRef idx="2">
+            <a:schemeClr val="accent3"/>
+          </a:effectRef>
+          <a:fontRef idx="minor">
+            <a:schemeClr val="tx1"/>
+          </a:fontRef>
+        </p:style>
+      </p:cxnSp>
+      <p:sp>
+        <p:nvSpPr>
+          <p:cNvPr id="60" name="Rectangle 59">
+            <a:extLst>
+              <a:ext uri="{FF2B5EF4-FFF2-40B4-BE49-F238E27FC236}">
+                <a16:creationId xmlns:a16="http://schemas.microsoft.com/office/drawing/2014/main" id="{80EDDAA9-817D-49A5-AD7F-E1E7AC721059}"/>
+              </a:ext>
+            </a:extLst>
+          </p:cNvPr>
+          <p:cNvSpPr/>
+          <p:nvPr/>
+        </p:nvSpPr>
+        <p:spPr>
+          <a:xfrm>
+            <a:off x="1443557" y="4246937"/>
+            <a:ext cx="300430" cy="289970"/>
+          </a:xfrm>
+          <a:prstGeom prst="rect">
+            <a:avLst/>
+          </a:prstGeom>
+          <a:solidFill>
+            <a:srgbClr val="00CC99"/>
+          </a:solidFill>
+          <a:scene3d>
+            <a:camera prst="orthographicFront">
+              <a:rot lat="0" lon="0" rev="0"/>
+            </a:camera>
+            <a:lightRig rig="flat" dir="tl">
+              <a:rot lat="0" lon="0" rev="4200000"/>
+            </a:lightRig>
+          </a:scene3d>
+        </p:spPr>
+        <p:style>
+          <a:lnRef idx="0">
+            <a:schemeClr val="accent3"/>
+          </a:lnRef>
+          <a:fillRef idx="3">
+            <a:schemeClr val="accent3"/>
+          </a:fillRef>
+          <a:effectRef idx="3">
+            <a:schemeClr val="accent3"/>
+          </a:effectRef>
+          <a:fontRef idx="minor">
+            <a:schemeClr val="lt1"/>
+          </a:fontRef>
+        </p:style>
+        <p:txBody>
+          <a:bodyPr rtlCol="0" anchor="ctr"/>
+          <a:lstStyle/>
+          <a:p>
+            <a:pPr algn="ctr"/>
+            <a:endParaRPr lang="fr-FR" sz="1400" dirty="0"/>
+          </a:p>
+        </p:txBody>
+      </p:sp>
+      <p:cxnSp>
+        <p:nvCxnSpPr>
+          <p:cNvPr id="9" name="Connecteur droit avec flèche 8">
+            <a:extLst>
+              <a:ext uri="{FF2B5EF4-FFF2-40B4-BE49-F238E27FC236}">
+                <a16:creationId xmlns:a16="http://schemas.microsoft.com/office/drawing/2014/main" id="{7B580AA9-2694-4B63-B561-E1BF178CC4DD}"/>
+              </a:ext>
+            </a:extLst>
+          </p:cNvPr>
+          <p:cNvCxnSpPr>
+            <a:cxnSpLocks/>
+            <a:stCxn id="10" idx="3"/>
+            <a:endCxn id="33" idx="3"/>
+          </p:cNvCxnSpPr>
+          <p:nvPr/>
+        </p:nvCxnSpPr>
+        <p:spPr>
+          <a:xfrm>
+            <a:off x="6998880" y="2100600"/>
+            <a:ext cx="2123340" cy="336106"/>
+          </a:xfrm>
+          <a:prstGeom prst="straightConnector1">
+            <a:avLst/>
+          </a:prstGeom>
+          <a:ln w="57150">
+            <a:tailEnd type="triangle"/>
+          </a:ln>
+        </p:spPr>
+        <p:style>
+          <a:lnRef idx="3">
+            <a:schemeClr val="accent3"/>
+          </a:lnRef>
+          <a:fillRef idx="0">
+            <a:schemeClr val="accent3"/>
+          </a:fillRef>
+          <a:effectRef idx="2">
+            <a:schemeClr val="accent3"/>
+          </a:effectRef>
+          <a:fontRef idx="minor">
+            <a:schemeClr val="tx1"/>
+          </a:fontRef>
+        </p:style>
+      </p:cxnSp>
+      <p:sp>
+        <p:nvSpPr>
+          <p:cNvPr id="33" name="Rectangle 32">
+            <a:extLst>
+              <a:ext uri="{FF2B5EF4-FFF2-40B4-BE49-F238E27FC236}">
+                <a16:creationId xmlns:a16="http://schemas.microsoft.com/office/drawing/2014/main" id="{527E7D78-1064-4CC8-8839-C60ADC6AA286}"/>
+              </a:ext>
+            </a:extLst>
+          </p:cNvPr>
+          <p:cNvSpPr/>
+          <p:nvPr/>
+        </p:nvSpPr>
+        <p:spPr>
+          <a:xfrm>
+            <a:off x="8821790" y="2291721"/>
+            <a:ext cx="300430" cy="289970"/>
+          </a:xfrm>
+          <a:prstGeom prst="rect">
+            <a:avLst/>
+          </a:prstGeom>
+          <a:scene3d>
+            <a:camera prst="orthographicFront">
+              <a:rot lat="0" lon="0" rev="0"/>
+            </a:camera>
+            <a:lightRig rig="flat" dir="tl">
+              <a:rot lat="0" lon="0" rev="4200000"/>
+            </a:lightRig>
+          </a:scene3d>
+        </p:spPr>
+        <p:style>
+          <a:lnRef idx="0">
+            <a:schemeClr val="accent3"/>
+          </a:lnRef>
+          <a:fillRef idx="3">
+            <a:schemeClr val="accent3"/>
+          </a:fillRef>
+          <a:effectRef idx="3">
+            <a:schemeClr val="accent3"/>
+          </a:effectRef>
+          <a:fontRef idx="minor">
+            <a:schemeClr val="lt1"/>
+          </a:fontRef>
+        </p:style>
+        <p:txBody>
+          <a:bodyPr rtlCol="0" anchor="ctr"/>
+          <a:lstStyle/>
+          <a:p>
+            <a:pPr algn="ctr"/>
+            <a:endParaRPr lang="fr-FR" sz="1400" dirty="0"/>
+          </a:p>
+        </p:txBody>
+      </p:sp>
     </p:spTree>
     <p:extLst>
       <p:ext uri="{BB962C8B-B14F-4D97-AF65-F5344CB8AC3E}">
-        <p14:creationId xmlns:p14="http://schemas.microsoft.com/office/powerpoint/2010/main" val="1130815813"/>
+        <p14:creationId xmlns:p14="http://schemas.microsoft.com/office/powerpoint/2010/main" val="1310772316"/>
       </p:ext>
     </p:extLst>
   </p:cSld>
@@ -15770,10 +17887,10 @@
       </p:grpSpPr>
       <p:sp>
         <p:nvSpPr>
-          <p:cNvPr id="5" name="Titre 4">
-            <a:extLst>
-              <a:ext uri="{FF2B5EF4-FFF2-40B4-BE49-F238E27FC236}">
-                <a16:creationId xmlns:a16="http://schemas.microsoft.com/office/drawing/2014/main" id="{B535D397-2E1B-4C1E-A392-E2A43916D949}"/>
+          <p:cNvPr id="5" name="Titre 1">
+            <a:extLst>
+              <a:ext uri="{FF2B5EF4-FFF2-40B4-BE49-F238E27FC236}">
+                <a16:creationId xmlns:a16="http://schemas.microsoft.com/office/drawing/2014/main" id="{EAF59B4F-9428-4CC9-AD08-268A94AC5CF9}"/>
               </a:ext>
             </a:extLst>
           </p:cNvPr>
@@ -15781,55 +17898,34 @@
             <a:spLocks noGrp="1"/>
           </p:cNvSpPr>
           <p:nvPr>
-            <p:ph type="ctrTitle"/>
+            <p:ph type="title"/>
           </p:nvPr>
         </p:nvSpPr>
-        <p:spPr/>
-        <p:txBody>
-          <a:bodyPr/>
-          <a:lstStyle/>
-          <a:p>
-            <a:r>
-              <a:rPr lang="fr-FR" dirty="0"/>
-              <a:t>DEMONSTRATION</a:t>
-            </a:r>
-          </a:p>
-        </p:txBody>
-      </p:sp>
-      <p:sp>
-        <p:nvSpPr>
-          <p:cNvPr id="6" name="Sous-titre 5">
-            <a:extLst>
-              <a:ext uri="{FF2B5EF4-FFF2-40B4-BE49-F238E27FC236}">
-                <a16:creationId xmlns:a16="http://schemas.microsoft.com/office/drawing/2014/main" id="{42DF712F-84EC-48F3-B510-83E590DD97F0}"/>
-              </a:ext>
-            </a:extLst>
-          </p:cNvPr>
-          <p:cNvSpPr>
-            <a:spLocks noGrp="1"/>
-          </p:cNvSpPr>
-          <p:nvPr>
-            <p:ph type="subTitle" idx="1"/>
-          </p:nvPr>
-        </p:nvSpPr>
-        <p:spPr/>
-        <p:txBody>
-          <a:bodyPr/>
-          <a:lstStyle/>
-          <a:p>
-            <a:r>
-              <a:rPr lang="fr-FR" dirty="0"/>
-              <a:t>DEMO DU LOGICIEL FINI</a:t>
-            </a:r>
-          </a:p>
-        </p:txBody>
-      </p:sp>
-      <p:sp>
-        <p:nvSpPr>
-          <p:cNvPr id="4" name="Espace réservé de la date 3">
-            <a:extLst>
-              <a:ext uri="{FF2B5EF4-FFF2-40B4-BE49-F238E27FC236}">
-                <a16:creationId xmlns:a16="http://schemas.microsoft.com/office/drawing/2014/main" id="{030B0D3A-6441-43DC-BDBC-2E9EE16205E9}"/>
+        <p:spPr>
+          <a:xfrm>
+            <a:off x="1066800" y="642594"/>
+            <a:ext cx="10058400" cy="556814"/>
+          </a:xfrm>
+        </p:spPr>
+        <p:txBody>
+          <a:bodyPr>
+            <a:normAutofit fontScale="90000"/>
+          </a:bodyPr>
+          <a:lstStyle/>
+          <a:p>
+            <a:r>
+              <a:rPr lang="fr-FR" dirty="0"/>
+              <a:t>Traitement des données</a:t>
+            </a:r>
+          </a:p>
+        </p:txBody>
+      </p:sp>
+      <p:sp>
+        <p:nvSpPr>
+          <p:cNvPr id="7" name="Espace réservé de la date 3">
+            <a:extLst>
+              <a:ext uri="{FF2B5EF4-FFF2-40B4-BE49-F238E27FC236}">
+                <a16:creationId xmlns:a16="http://schemas.microsoft.com/office/drawing/2014/main" id="{D239ED06-4DCB-44DF-AA9C-1BD54E2823A9}"/>
               </a:ext>
             </a:extLst>
           </p:cNvPr>
@@ -15840,7 +17936,12 @@
             <p:ph type="dt" sz="half" idx="10"/>
           </p:nvPr>
         </p:nvSpPr>
-        <p:spPr/>
+        <p:spPr>
+          <a:xfrm>
+            <a:off x="7256794" y="6035040"/>
+            <a:ext cx="2893045" cy="365760"/>
+          </a:xfrm>
+        </p:spPr>
         <p:txBody>
           <a:bodyPr/>
           <a:lstStyle/>
@@ -15854,10 +17955,359 @@
           </a:p>
         </p:txBody>
       </p:sp>
+      <p:sp>
+        <p:nvSpPr>
+          <p:cNvPr id="43" name="Rectangle 42">
+            <a:extLst>
+              <a:ext uri="{FF2B5EF4-FFF2-40B4-BE49-F238E27FC236}">
+                <a16:creationId xmlns:a16="http://schemas.microsoft.com/office/drawing/2014/main" id="{867C7D19-0CD0-48F4-A126-005D8330D5E4}"/>
+              </a:ext>
+            </a:extLst>
+          </p:cNvPr>
+          <p:cNvSpPr/>
+          <p:nvPr/>
+        </p:nvSpPr>
+        <p:spPr>
+          <a:xfrm>
+            <a:off x="488185" y="1468582"/>
+            <a:ext cx="3338907" cy="3233518"/>
+          </a:xfrm>
+          <a:prstGeom prst="rect">
+            <a:avLst/>
+          </a:prstGeom>
+          <a:gradFill flip="none" rotWithShape="1">
+            <a:gsLst>
+              <a:gs pos="0">
+                <a:srgbClr val="00CC99">
+                  <a:tint val="66000"/>
+                  <a:satMod val="160000"/>
+                </a:srgbClr>
+              </a:gs>
+              <a:gs pos="50000">
+                <a:srgbClr val="00CC99">
+                  <a:tint val="44500"/>
+                  <a:satMod val="160000"/>
+                </a:srgbClr>
+              </a:gs>
+              <a:gs pos="100000">
+                <a:srgbClr val="00CC99">
+                  <a:tint val="23500"/>
+                  <a:satMod val="160000"/>
+                </a:srgbClr>
+              </a:gs>
+            </a:gsLst>
+            <a:path path="circle">
+              <a:fillToRect l="50000" t="50000" r="50000" b="50000"/>
+            </a:path>
+            <a:tileRect/>
+          </a:gradFill>
+        </p:spPr>
+        <p:style>
+          <a:lnRef idx="0">
+            <a:schemeClr val="accent3"/>
+          </a:lnRef>
+          <a:fillRef idx="3">
+            <a:schemeClr val="accent3"/>
+          </a:fillRef>
+          <a:effectRef idx="3">
+            <a:schemeClr val="accent3"/>
+          </a:effectRef>
+          <a:fontRef idx="minor">
+            <a:schemeClr val="lt1"/>
+          </a:fontRef>
+        </p:style>
+        <p:txBody>
+          <a:bodyPr rtlCol="0" anchor="ctr"/>
+          <a:lstStyle/>
+          <a:p>
+            <a:pPr algn="ctr"/>
+            <a:r>
+              <a:rPr lang="fr-FR" sz="1400" dirty="0"/>
+              <a:t>Module « Balise Mer »</a:t>
+            </a:r>
+          </a:p>
+          <a:p>
+            <a:pPr algn="ctr"/>
+            <a:endParaRPr lang="fr-FR" sz="1400" dirty="0"/>
+          </a:p>
+          <a:p>
+            <a:pPr algn="ctr"/>
+            <a:endParaRPr lang="fr-FR" sz="1400" dirty="0"/>
+          </a:p>
+          <a:p>
+            <a:pPr algn="ctr"/>
+            <a:endParaRPr lang="fr-FR" sz="1400" dirty="0"/>
+          </a:p>
+          <a:p>
+            <a:pPr algn="ctr"/>
+            <a:endParaRPr lang="fr-FR" sz="1400" dirty="0"/>
+          </a:p>
+          <a:p>
+            <a:pPr algn="ctr"/>
+            <a:endParaRPr lang="fr-FR" sz="1400" dirty="0"/>
+          </a:p>
+          <a:p>
+            <a:pPr algn="ctr"/>
+            <a:endParaRPr lang="fr-FR" sz="1400" dirty="0"/>
+          </a:p>
+          <a:p>
+            <a:pPr algn="ctr"/>
+            <a:endParaRPr lang="fr-FR" sz="1400" dirty="0"/>
+          </a:p>
+          <a:p>
+            <a:pPr algn="ctr"/>
+            <a:endParaRPr lang="fr-FR" sz="1400" dirty="0"/>
+          </a:p>
+          <a:p>
+            <a:pPr algn="ctr"/>
+            <a:endParaRPr lang="fr-FR" sz="1400" dirty="0"/>
+          </a:p>
+          <a:p>
+            <a:pPr algn="ctr"/>
+            <a:endParaRPr lang="fr-FR" sz="1400" dirty="0"/>
+          </a:p>
+          <a:p>
+            <a:pPr algn="ctr"/>
+            <a:endParaRPr lang="fr-FR" sz="1400" dirty="0"/>
+          </a:p>
+          <a:p>
+            <a:pPr algn="ctr"/>
+            <a:endParaRPr lang="fr-FR" sz="1400" dirty="0"/>
+          </a:p>
+        </p:txBody>
+      </p:sp>
+      <p:sp>
+        <p:nvSpPr>
+          <p:cNvPr id="44" name="Rectangle 43">
+            <a:extLst>
+              <a:ext uri="{FF2B5EF4-FFF2-40B4-BE49-F238E27FC236}">
+                <a16:creationId xmlns:a16="http://schemas.microsoft.com/office/drawing/2014/main" id="{F26DF2F7-C1FE-40EC-94AD-B0D864DF9336}"/>
+              </a:ext>
+            </a:extLst>
+          </p:cNvPr>
+          <p:cNvSpPr/>
+          <p:nvPr/>
+        </p:nvSpPr>
+        <p:spPr>
+          <a:xfrm>
+            <a:off x="612475" y="2315339"/>
+            <a:ext cx="3117120" cy="504358"/>
+          </a:xfrm>
+          <a:prstGeom prst="rect">
+            <a:avLst/>
+          </a:prstGeom>
+          <a:solidFill>
+            <a:srgbClr val="00CC99"/>
+          </a:solidFill>
+        </p:spPr>
+        <p:style>
+          <a:lnRef idx="0">
+            <a:schemeClr val="accent3"/>
+          </a:lnRef>
+          <a:fillRef idx="3">
+            <a:schemeClr val="accent3"/>
+          </a:fillRef>
+          <a:effectRef idx="3">
+            <a:schemeClr val="accent3"/>
+          </a:effectRef>
+          <a:fontRef idx="minor">
+            <a:schemeClr val="lt1"/>
+          </a:fontRef>
+        </p:style>
+        <p:txBody>
+          <a:bodyPr rtlCol="0" anchor="ctr"/>
+          <a:lstStyle/>
+          <a:p>
+            <a:pPr algn="ctr"/>
+            <a:r>
+              <a:rPr lang="fr-FR" sz="1200" dirty="0"/>
+              <a:t>Envoie requête vers la carte Raspberry</a:t>
+            </a:r>
+            <a:endParaRPr lang="fr-FR" sz="1400" dirty="0"/>
+          </a:p>
+        </p:txBody>
+      </p:sp>
+      <p:sp>
+        <p:nvSpPr>
+          <p:cNvPr id="36" name="Rectangle 35">
+            <a:extLst>
+              <a:ext uri="{FF2B5EF4-FFF2-40B4-BE49-F238E27FC236}">
+                <a16:creationId xmlns:a16="http://schemas.microsoft.com/office/drawing/2014/main" id="{14119440-BE71-4CBE-B3C9-0212EFAE9020}"/>
+              </a:ext>
+            </a:extLst>
+          </p:cNvPr>
+          <p:cNvSpPr/>
+          <p:nvPr/>
+        </p:nvSpPr>
+        <p:spPr>
+          <a:xfrm>
+            <a:off x="612475" y="2982739"/>
+            <a:ext cx="3117120" cy="504358"/>
+          </a:xfrm>
+          <a:prstGeom prst="rect">
+            <a:avLst/>
+          </a:prstGeom>
+          <a:gradFill flip="none" rotWithShape="1">
+            <a:gsLst>
+              <a:gs pos="0">
+                <a:srgbClr val="00CC99">
+                  <a:tint val="66000"/>
+                  <a:satMod val="160000"/>
+                </a:srgbClr>
+              </a:gs>
+              <a:gs pos="50000">
+                <a:srgbClr val="00CC99">
+                  <a:tint val="44500"/>
+                  <a:satMod val="160000"/>
+                </a:srgbClr>
+              </a:gs>
+              <a:gs pos="100000">
+                <a:srgbClr val="00CC99">
+                  <a:tint val="23500"/>
+                  <a:satMod val="160000"/>
+                </a:srgbClr>
+              </a:gs>
+            </a:gsLst>
+            <a:path path="circle">
+              <a:fillToRect l="50000" t="50000" r="50000" b="50000"/>
+            </a:path>
+            <a:tileRect/>
+          </a:gradFill>
+        </p:spPr>
+        <p:style>
+          <a:lnRef idx="0">
+            <a:schemeClr val="accent3"/>
+          </a:lnRef>
+          <a:fillRef idx="3">
+            <a:schemeClr val="accent3"/>
+          </a:fillRef>
+          <a:effectRef idx="3">
+            <a:schemeClr val="accent3"/>
+          </a:effectRef>
+          <a:fontRef idx="minor">
+            <a:schemeClr val="lt1"/>
+          </a:fontRef>
+        </p:style>
+        <p:txBody>
+          <a:bodyPr rtlCol="0" anchor="ctr"/>
+          <a:lstStyle/>
+          <a:p>
+            <a:pPr algn="ctr"/>
+            <a:r>
+              <a:rPr lang="fr-FR" sz="1200" dirty="0"/>
+              <a:t>Récupération des données</a:t>
+            </a:r>
+            <a:endParaRPr lang="fr-FR" sz="1400" dirty="0"/>
+          </a:p>
+        </p:txBody>
+      </p:sp>
+      <p:sp>
+        <p:nvSpPr>
+          <p:cNvPr id="37" name="Rectangle 36">
+            <a:extLst>
+              <a:ext uri="{FF2B5EF4-FFF2-40B4-BE49-F238E27FC236}">
+                <a16:creationId xmlns:a16="http://schemas.microsoft.com/office/drawing/2014/main" id="{14BCE1D2-7196-4079-8284-EFEEC83EC157}"/>
+              </a:ext>
+            </a:extLst>
+          </p:cNvPr>
+          <p:cNvSpPr/>
+          <p:nvPr/>
+        </p:nvSpPr>
+        <p:spPr>
+          <a:xfrm>
+            <a:off x="647310" y="3696843"/>
+            <a:ext cx="3117120" cy="504358"/>
+          </a:xfrm>
+          <a:prstGeom prst="rect">
+            <a:avLst/>
+          </a:prstGeom>
+          <a:gradFill flip="none" rotWithShape="1">
+            <a:gsLst>
+              <a:gs pos="0">
+                <a:srgbClr val="00CC99">
+                  <a:tint val="66000"/>
+                  <a:satMod val="160000"/>
+                </a:srgbClr>
+              </a:gs>
+              <a:gs pos="50000">
+                <a:srgbClr val="00CC99">
+                  <a:tint val="44500"/>
+                  <a:satMod val="160000"/>
+                </a:srgbClr>
+              </a:gs>
+              <a:gs pos="100000">
+                <a:srgbClr val="00CC99">
+                  <a:tint val="23500"/>
+                  <a:satMod val="160000"/>
+                </a:srgbClr>
+              </a:gs>
+            </a:gsLst>
+            <a:path path="circle">
+              <a:fillToRect l="50000" t="50000" r="50000" b="50000"/>
+            </a:path>
+            <a:tileRect/>
+          </a:gradFill>
+        </p:spPr>
+        <p:style>
+          <a:lnRef idx="0">
+            <a:schemeClr val="accent3"/>
+          </a:lnRef>
+          <a:fillRef idx="3">
+            <a:schemeClr val="accent3"/>
+          </a:fillRef>
+          <a:effectRef idx="3">
+            <a:schemeClr val="accent3"/>
+          </a:effectRef>
+          <a:fontRef idx="minor">
+            <a:schemeClr val="lt1"/>
+          </a:fontRef>
+        </p:style>
+        <p:txBody>
+          <a:bodyPr rtlCol="0" anchor="ctr"/>
+          <a:lstStyle/>
+          <a:p>
+            <a:pPr algn="ctr"/>
+            <a:r>
+              <a:rPr lang="fr-FR" sz="1200" dirty="0"/>
+              <a:t>Traitement des données</a:t>
+            </a:r>
+            <a:endParaRPr lang="fr-FR" sz="1400" dirty="0"/>
+          </a:p>
+        </p:txBody>
+      </p:sp>
+      <p:pic>
+        <p:nvPicPr>
+          <p:cNvPr id="3" name="Image 2">
+            <a:extLst>
+              <a:ext uri="{FF2B5EF4-FFF2-40B4-BE49-F238E27FC236}">
+                <a16:creationId xmlns:a16="http://schemas.microsoft.com/office/drawing/2014/main" id="{351C011A-4800-4800-9C9D-94B0A18F4795}"/>
+              </a:ext>
+            </a:extLst>
+          </p:cNvPr>
+          <p:cNvPicPr>
+            <a:picLocks noChangeAspect="1"/>
+          </p:cNvPicPr>
+          <p:nvPr/>
+        </p:nvPicPr>
+        <p:blipFill rotWithShape="1">
+          <a:blip r:embed="rId3"/>
+          <a:srcRect l="10766" t="26368" r="59809" b="46231"/>
+          <a:stretch/>
+        </p:blipFill>
+        <p:spPr>
+          <a:xfrm>
+            <a:off x="2876501" y="2982739"/>
+            <a:ext cx="8554593" cy="2618162"/>
+          </a:xfrm>
+          <a:prstGeom prst="rect">
+            <a:avLst/>
+          </a:prstGeom>
+        </p:spPr>
+      </p:pic>
     </p:spTree>
     <p:extLst>
       <p:ext uri="{BB962C8B-B14F-4D97-AF65-F5344CB8AC3E}">
-        <p14:creationId xmlns:p14="http://schemas.microsoft.com/office/powerpoint/2010/main" val="962287830"/>
+        <p14:creationId xmlns:p14="http://schemas.microsoft.com/office/powerpoint/2010/main" val="1318064013"/>
       </p:ext>
     </p:extLst>
   </p:cSld>
@@ -15886,10 +18336,10 @@
       </p:grpSpPr>
       <p:sp>
         <p:nvSpPr>
-          <p:cNvPr id="5" name="Titre 4">
-            <a:extLst>
-              <a:ext uri="{FF2B5EF4-FFF2-40B4-BE49-F238E27FC236}">
-                <a16:creationId xmlns:a16="http://schemas.microsoft.com/office/drawing/2014/main" id="{B535D397-2E1B-4C1E-A392-E2A43916D949}"/>
+          <p:cNvPr id="5" name="Titre 1">
+            <a:extLst>
+              <a:ext uri="{FF2B5EF4-FFF2-40B4-BE49-F238E27FC236}">
+                <a16:creationId xmlns:a16="http://schemas.microsoft.com/office/drawing/2014/main" id="{EAF59B4F-9428-4CC9-AD08-268A94AC5CF9}"/>
               </a:ext>
             </a:extLst>
           </p:cNvPr>
@@ -15897,57 +18347,34 @@
             <a:spLocks noGrp="1"/>
           </p:cNvSpPr>
           <p:nvPr>
-            <p:ph type="ctrTitle"/>
+            <p:ph type="title"/>
           </p:nvPr>
         </p:nvSpPr>
-        <p:spPr/>
-        <p:txBody>
-          <a:bodyPr/>
-          <a:lstStyle/>
-          <a:p>
-            <a:r>
-              <a:rPr lang="fr-FR" dirty="0"/>
-              <a:t>CONCLUSION</a:t>
-            </a:r>
-          </a:p>
-        </p:txBody>
-      </p:sp>
-      <p:sp>
-        <p:nvSpPr>
-          <p:cNvPr id="6" name="Sous-titre 5">
-            <a:extLst>
-              <a:ext uri="{FF2B5EF4-FFF2-40B4-BE49-F238E27FC236}">
-                <a16:creationId xmlns:a16="http://schemas.microsoft.com/office/drawing/2014/main" id="{42DF712F-84EC-48F3-B510-83E590DD97F0}"/>
-              </a:ext>
-            </a:extLst>
-          </p:cNvPr>
-          <p:cNvSpPr>
-            <a:spLocks noGrp="1"/>
-          </p:cNvSpPr>
-          <p:nvPr>
-            <p:ph type="subTitle" idx="1"/>
-          </p:nvPr>
-        </p:nvSpPr>
-        <p:spPr/>
+        <p:spPr>
+          <a:xfrm>
+            <a:off x="1066800" y="642594"/>
+            <a:ext cx="10058400" cy="556814"/>
+          </a:xfrm>
+        </p:spPr>
         <p:txBody>
           <a:bodyPr>
-            <a:normAutofit fontScale="92500"/>
+            <a:normAutofit fontScale="90000"/>
           </a:bodyPr>
           <a:lstStyle/>
           <a:p>
             <a:r>
               <a:rPr lang="fr-FR" dirty="0"/>
-              <a:t>PROBLEMES RENCONTRES / EVOLUTIONS POSSIBLES / APPORTS PERSONNELS </a:t>
-            </a:r>
-          </a:p>
-        </p:txBody>
-      </p:sp>
-      <p:sp>
-        <p:nvSpPr>
-          <p:cNvPr id="4" name="Espace réservé de la date 3">
-            <a:extLst>
-              <a:ext uri="{FF2B5EF4-FFF2-40B4-BE49-F238E27FC236}">
-                <a16:creationId xmlns:a16="http://schemas.microsoft.com/office/drawing/2014/main" id="{030B0D3A-6441-43DC-BDBC-2E9EE16205E9}"/>
+              <a:t>Traitement des données</a:t>
+            </a:r>
+          </a:p>
+        </p:txBody>
+      </p:sp>
+      <p:sp>
+        <p:nvSpPr>
+          <p:cNvPr id="7" name="Espace réservé de la date 3">
+            <a:extLst>
+              <a:ext uri="{FF2B5EF4-FFF2-40B4-BE49-F238E27FC236}">
+                <a16:creationId xmlns:a16="http://schemas.microsoft.com/office/drawing/2014/main" id="{D239ED06-4DCB-44DF-AA9C-1BD54E2823A9}"/>
               </a:ext>
             </a:extLst>
           </p:cNvPr>
@@ -15958,7 +18385,12 @@
             <p:ph type="dt" sz="half" idx="10"/>
           </p:nvPr>
         </p:nvSpPr>
-        <p:spPr/>
+        <p:spPr>
+          <a:xfrm>
+            <a:off x="7256794" y="6035040"/>
+            <a:ext cx="2893045" cy="365760"/>
+          </a:xfrm>
+        </p:spPr>
         <p:txBody>
           <a:bodyPr/>
           <a:lstStyle/>
@@ -15972,10 +18404,1494 @@
           </a:p>
         </p:txBody>
       </p:sp>
+      <p:sp>
+        <p:nvSpPr>
+          <p:cNvPr id="43" name="Rectangle 42">
+            <a:extLst>
+              <a:ext uri="{FF2B5EF4-FFF2-40B4-BE49-F238E27FC236}">
+                <a16:creationId xmlns:a16="http://schemas.microsoft.com/office/drawing/2014/main" id="{867C7D19-0CD0-48F4-A126-005D8330D5E4}"/>
+              </a:ext>
+            </a:extLst>
+          </p:cNvPr>
+          <p:cNvSpPr/>
+          <p:nvPr/>
+        </p:nvSpPr>
+        <p:spPr>
+          <a:xfrm>
+            <a:off x="488185" y="1468582"/>
+            <a:ext cx="3338907" cy="3233518"/>
+          </a:xfrm>
+          <a:prstGeom prst="rect">
+            <a:avLst/>
+          </a:prstGeom>
+          <a:solidFill>
+            <a:srgbClr val="E1FFF7"/>
+          </a:solidFill>
+          <a:ln>
+            <a:noFill/>
+          </a:ln>
+        </p:spPr>
+        <p:style>
+          <a:lnRef idx="0">
+            <a:schemeClr val="accent3"/>
+          </a:lnRef>
+          <a:fillRef idx="3">
+            <a:schemeClr val="accent3"/>
+          </a:fillRef>
+          <a:effectRef idx="3">
+            <a:schemeClr val="accent3"/>
+          </a:effectRef>
+          <a:fontRef idx="minor">
+            <a:schemeClr val="lt1"/>
+          </a:fontRef>
+        </p:style>
+        <p:txBody>
+          <a:bodyPr rtlCol="0" anchor="ctr"/>
+          <a:lstStyle/>
+          <a:p>
+            <a:pPr algn="ctr"/>
+            <a:r>
+              <a:rPr lang="fr-FR" sz="1400" dirty="0"/>
+              <a:t>Module « Balise Mer »</a:t>
+            </a:r>
+          </a:p>
+          <a:p>
+            <a:pPr algn="ctr"/>
+            <a:endParaRPr lang="fr-FR" sz="1400" dirty="0"/>
+          </a:p>
+          <a:p>
+            <a:pPr algn="ctr"/>
+            <a:endParaRPr lang="fr-FR" sz="1400" dirty="0"/>
+          </a:p>
+          <a:p>
+            <a:pPr algn="ctr"/>
+            <a:endParaRPr lang="fr-FR" sz="1400" dirty="0"/>
+          </a:p>
+          <a:p>
+            <a:pPr algn="ctr"/>
+            <a:endParaRPr lang="fr-FR" sz="1400" dirty="0"/>
+          </a:p>
+          <a:p>
+            <a:pPr algn="ctr"/>
+            <a:endParaRPr lang="fr-FR" sz="1400" dirty="0"/>
+          </a:p>
+          <a:p>
+            <a:pPr algn="ctr"/>
+            <a:endParaRPr lang="fr-FR" sz="1400" dirty="0"/>
+          </a:p>
+          <a:p>
+            <a:pPr algn="ctr"/>
+            <a:endParaRPr lang="fr-FR" sz="1400" dirty="0"/>
+          </a:p>
+          <a:p>
+            <a:pPr algn="ctr"/>
+            <a:endParaRPr lang="fr-FR" sz="1400" dirty="0"/>
+          </a:p>
+          <a:p>
+            <a:pPr algn="ctr"/>
+            <a:endParaRPr lang="fr-FR" sz="1400" dirty="0"/>
+          </a:p>
+          <a:p>
+            <a:pPr algn="ctr"/>
+            <a:endParaRPr lang="fr-FR" sz="1400" dirty="0"/>
+          </a:p>
+          <a:p>
+            <a:pPr algn="ctr"/>
+            <a:endParaRPr lang="fr-FR" sz="1400" dirty="0"/>
+          </a:p>
+          <a:p>
+            <a:pPr algn="ctr"/>
+            <a:endParaRPr lang="fr-FR" sz="1400" dirty="0"/>
+          </a:p>
+        </p:txBody>
+      </p:sp>
+      <p:sp>
+        <p:nvSpPr>
+          <p:cNvPr id="44" name="Rectangle 43">
+            <a:extLst>
+              <a:ext uri="{FF2B5EF4-FFF2-40B4-BE49-F238E27FC236}">
+                <a16:creationId xmlns:a16="http://schemas.microsoft.com/office/drawing/2014/main" id="{F26DF2F7-C1FE-40EC-94AD-B0D864DF9336}"/>
+              </a:ext>
+            </a:extLst>
+          </p:cNvPr>
+          <p:cNvSpPr/>
+          <p:nvPr/>
+        </p:nvSpPr>
+        <p:spPr>
+          <a:xfrm>
+            <a:off x="612475" y="2315339"/>
+            <a:ext cx="3117120" cy="504358"/>
+          </a:xfrm>
+          <a:prstGeom prst="rect">
+            <a:avLst/>
+          </a:prstGeom>
+          <a:solidFill>
+            <a:srgbClr val="00CC99"/>
+          </a:solidFill>
+        </p:spPr>
+        <p:style>
+          <a:lnRef idx="0">
+            <a:schemeClr val="accent3"/>
+          </a:lnRef>
+          <a:fillRef idx="3">
+            <a:schemeClr val="accent3"/>
+          </a:fillRef>
+          <a:effectRef idx="3">
+            <a:schemeClr val="accent3"/>
+          </a:effectRef>
+          <a:fontRef idx="minor">
+            <a:schemeClr val="lt1"/>
+          </a:fontRef>
+        </p:style>
+        <p:txBody>
+          <a:bodyPr rtlCol="0" anchor="ctr"/>
+          <a:lstStyle/>
+          <a:p>
+            <a:pPr algn="ctr"/>
+            <a:r>
+              <a:rPr lang="fr-FR" sz="1200" dirty="0"/>
+              <a:t>Envoie requête vers la carte Raspberry</a:t>
+            </a:r>
+            <a:endParaRPr lang="fr-FR" sz="1400" dirty="0"/>
+          </a:p>
+        </p:txBody>
+      </p:sp>
+      <p:sp>
+        <p:nvSpPr>
+          <p:cNvPr id="36" name="Rectangle 35">
+            <a:extLst>
+              <a:ext uri="{FF2B5EF4-FFF2-40B4-BE49-F238E27FC236}">
+                <a16:creationId xmlns:a16="http://schemas.microsoft.com/office/drawing/2014/main" id="{14119440-BE71-4CBE-B3C9-0212EFAE9020}"/>
+              </a:ext>
+            </a:extLst>
+          </p:cNvPr>
+          <p:cNvSpPr/>
+          <p:nvPr/>
+        </p:nvSpPr>
+        <p:spPr>
+          <a:xfrm>
+            <a:off x="612475" y="2982739"/>
+            <a:ext cx="3117120" cy="504358"/>
+          </a:xfrm>
+          <a:prstGeom prst="rect">
+            <a:avLst/>
+          </a:prstGeom>
+          <a:solidFill>
+            <a:srgbClr val="E1FFF7"/>
+          </a:solidFill>
+          <a:ln>
+            <a:noFill/>
+          </a:ln>
+        </p:spPr>
+        <p:style>
+          <a:lnRef idx="0">
+            <a:schemeClr val="accent3"/>
+          </a:lnRef>
+          <a:fillRef idx="3">
+            <a:schemeClr val="accent3"/>
+          </a:fillRef>
+          <a:effectRef idx="3">
+            <a:schemeClr val="accent3"/>
+          </a:effectRef>
+          <a:fontRef idx="minor">
+            <a:schemeClr val="lt1"/>
+          </a:fontRef>
+        </p:style>
+        <p:txBody>
+          <a:bodyPr rtlCol="0" anchor="ctr"/>
+          <a:lstStyle/>
+          <a:p>
+            <a:pPr algn="ctr"/>
+            <a:r>
+              <a:rPr lang="fr-FR" sz="1200" dirty="0"/>
+              <a:t>Récupération des données</a:t>
+            </a:r>
+            <a:endParaRPr lang="fr-FR" sz="1400" dirty="0"/>
+          </a:p>
+        </p:txBody>
+      </p:sp>
+      <p:sp>
+        <p:nvSpPr>
+          <p:cNvPr id="37" name="Rectangle 36">
+            <a:extLst>
+              <a:ext uri="{FF2B5EF4-FFF2-40B4-BE49-F238E27FC236}">
+                <a16:creationId xmlns:a16="http://schemas.microsoft.com/office/drawing/2014/main" id="{14BCE1D2-7196-4079-8284-EFEEC83EC157}"/>
+              </a:ext>
+            </a:extLst>
+          </p:cNvPr>
+          <p:cNvSpPr/>
+          <p:nvPr/>
+        </p:nvSpPr>
+        <p:spPr>
+          <a:xfrm>
+            <a:off x="647310" y="3696843"/>
+            <a:ext cx="3117120" cy="504358"/>
+          </a:xfrm>
+          <a:prstGeom prst="rect">
+            <a:avLst/>
+          </a:prstGeom>
+          <a:solidFill>
+            <a:srgbClr val="E1FFF7"/>
+          </a:solidFill>
+          <a:ln>
+            <a:noFill/>
+          </a:ln>
+        </p:spPr>
+        <p:style>
+          <a:lnRef idx="0">
+            <a:schemeClr val="accent3"/>
+          </a:lnRef>
+          <a:fillRef idx="3">
+            <a:schemeClr val="accent3"/>
+          </a:fillRef>
+          <a:effectRef idx="3">
+            <a:schemeClr val="accent3"/>
+          </a:effectRef>
+          <a:fontRef idx="minor">
+            <a:schemeClr val="lt1"/>
+          </a:fontRef>
+        </p:style>
+        <p:txBody>
+          <a:bodyPr rtlCol="0" anchor="ctr"/>
+          <a:lstStyle/>
+          <a:p>
+            <a:pPr algn="ctr"/>
+            <a:r>
+              <a:rPr lang="fr-FR" sz="1200" dirty="0"/>
+              <a:t>Traitement des données</a:t>
+            </a:r>
+            <a:endParaRPr lang="fr-FR" sz="1400" dirty="0"/>
+          </a:p>
+        </p:txBody>
+      </p:sp>
+      <p:pic>
+        <p:nvPicPr>
+          <p:cNvPr id="3" name="Image 2">
+            <a:extLst>
+              <a:ext uri="{FF2B5EF4-FFF2-40B4-BE49-F238E27FC236}">
+                <a16:creationId xmlns:a16="http://schemas.microsoft.com/office/drawing/2014/main" id="{351C011A-4800-4800-9C9D-94B0A18F4795}"/>
+              </a:ext>
+            </a:extLst>
+          </p:cNvPr>
+          <p:cNvPicPr>
+            <a:picLocks noChangeAspect="1"/>
+          </p:cNvPicPr>
+          <p:nvPr/>
+        </p:nvPicPr>
+        <p:blipFill rotWithShape="1">
+          <a:blip r:embed="rId3"/>
+          <a:srcRect l="10766" t="26368" r="59809" b="61832"/>
+          <a:stretch/>
+        </p:blipFill>
+        <p:spPr>
+          <a:xfrm>
+            <a:off x="2034898" y="3285493"/>
+            <a:ext cx="9346314" cy="1231787"/>
+          </a:xfrm>
+          <a:prstGeom prst="rect">
+            <a:avLst/>
+          </a:prstGeom>
+        </p:spPr>
+      </p:pic>
     </p:spTree>
     <p:extLst>
       <p:ext uri="{BB962C8B-B14F-4D97-AF65-F5344CB8AC3E}">
-        <p14:creationId xmlns:p14="http://schemas.microsoft.com/office/powerpoint/2010/main" val="2085507041"/>
+        <p14:creationId xmlns:p14="http://schemas.microsoft.com/office/powerpoint/2010/main" val="3461417138"/>
+      </p:ext>
+    </p:extLst>
+  </p:cSld>
+  <p:clrMapOvr>
+    <a:masterClrMapping/>
+  </p:clrMapOvr>
+</p:sld>
+</file>
+
+<file path=ppt/slides/slide36.xml><?xml version="1.0" encoding="utf-8"?>
+<p:sld xmlns:a="http://schemas.openxmlformats.org/drawingml/2006/main" xmlns:r="http://schemas.openxmlformats.org/officeDocument/2006/relationships" xmlns:p="http://schemas.openxmlformats.org/presentationml/2006/main">
+  <p:cSld>
+    <p:spTree>
+      <p:nvGrpSpPr>
+        <p:cNvPr id="1" name=""/>
+        <p:cNvGrpSpPr/>
+        <p:nvPr/>
+      </p:nvGrpSpPr>
+      <p:grpSpPr>
+        <a:xfrm>
+          <a:off x="0" y="0"/>
+          <a:ext cx="0" cy="0"/>
+          <a:chOff x="0" y="0"/>
+          <a:chExt cx="0" cy="0"/>
+        </a:xfrm>
+      </p:grpSpPr>
+      <p:sp>
+        <p:nvSpPr>
+          <p:cNvPr id="5" name="Titre 1">
+            <a:extLst>
+              <a:ext uri="{FF2B5EF4-FFF2-40B4-BE49-F238E27FC236}">
+                <a16:creationId xmlns:a16="http://schemas.microsoft.com/office/drawing/2014/main" id="{EAF59B4F-9428-4CC9-AD08-268A94AC5CF9}"/>
+              </a:ext>
+            </a:extLst>
+          </p:cNvPr>
+          <p:cNvSpPr>
+            <a:spLocks noGrp="1"/>
+          </p:cNvSpPr>
+          <p:nvPr>
+            <p:ph type="title"/>
+          </p:nvPr>
+        </p:nvSpPr>
+        <p:spPr>
+          <a:xfrm>
+            <a:off x="1066800" y="642594"/>
+            <a:ext cx="10058400" cy="556814"/>
+          </a:xfrm>
+        </p:spPr>
+        <p:txBody>
+          <a:bodyPr>
+            <a:normAutofit fontScale="90000"/>
+          </a:bodyPr>
+          <a:lstStyle/>
+          <a:p>
+            <a:r>
+              <a:rPr lang="fr-FR" dirty="0"/>
+              <a:t>Ajout de fonctionnalités - Graphiques</a:t>
+            </a:r>
+          </a:p>
+        </p:txBody>
+      </p:sp>
+      <p:sp>
+        <p:nvSpPr>
+          <p:cNvPr id="7" name="Espace réservé de la date 3">
+            <a:extLst>
+              <a:ext uri="{FF2B5EF4-FFF2-40B4-BE49-F238E27FC236}">
+                <a16:creationId xmlns:a16="http://schemas.microsoft.com/office/drawing/2014/main" id="{D239ED06-4DCB-44DF-AA9C-1BD54E2823A9}"/>
+              </a:ext>
+            </a:extLst>
+          </p:cNvPr>
+          <p:cNvSpPr>
+            <a:spLocks noGrp="1"/>
+          </p:cNvSpPr>
+          <p:nvPr>
+            <p:ph type="dt" sz="half" idx="10"/>
+          </p:nvPr>
+        </p:nvSpPr>
+        <p:spPr>
+          <a:xfrm>
+            <a:off x="7256794" y="6035040"/>
+            <a:ext cx="2893045" cy="365760"/>
+          </a:xfrm>
+        </p:spPr>
+        <p:txBody>
+          <a:bodyPr/>
+          <a:lstStyle/>
+          <a:p>
+            <a:pPr rtl="0"/>
+            <a:fld id="{802FE938-1586-4780-B61A-DD3B60BAB93C}" type="datetime1">
+              <a:rPr lang="fr-FR" smtClean="0"/>
+              <a:t>22/06/2021</a:t>
+            </a:fld>
+            <a:endParaRPr lang="en-US"/>
+          </a:p>
+        </p:txBody>
+      </p:sp>
+      <p:sp>
+        <p:nvSpPr>
+          <p:cNvPr id="36" name="Espace réservé du contenu 2">
+            <a:extLst>
+              <a:ext uri="{FF2B5EF4-FFF2-40B4-BE49-F238E27FC236}">
+                <a16:creationId xmlns:a16="http://schemas.microsoft.com/office/drawing/2014/main" id="{3FF35677-6192-408A-AA48-73F50617F656}"/>
+              </a:ext>
+            </a:extLst>
+          </p:cNvPr>
+          <p:cNvSpPr>
+            <a:spLocks noGrp="1"/>
+          </p:cNvSpPr>
+          <p:nvPr>
+            <p:ph idx="1"/>
+          </p:nvPr>
+        </p:nvSpPr>
+        <p:spPr>
+          <a:xfrm>
+            <a:off x="1066800" y="1300348"/>
+            <a:ext cx="10058400" cy="4652396"/>
+          </a:xfrm>
+        </p:spPr>
+        <p:txBody>
+          <a:bodyPr>
+            <a:normAutofit/>
+          </a:bodyPr>
+          <a:lstStyle/>
+          <a:p>
+            <a:pPr marL="0" lvl="0" indent="0">
+              <a:buClr>
+                <a:prstClr val="black">
+                  <a:lumMod val="85000"/>
+                  <a:lumOff val="15000"/>
+                </a:prstClr>
+              </a:buClr>
+              <a:buNone/>
+            </a:pPr>
+            <a:r>
+              <a:rPr lang="fr-FR" sz="1500" dirty="0">
+                <a:solidFill>
+                  <a:prstClr val="black"/>
+                </a:solidFill>
+              </a:rPr>
+              <a:t>Concevoir une application intuitive, design et pertinente</a:t>
+            </a:r>
+          </a:p>
+          <a:p>
+            <a:pPr marL="0" lvl="0" indent="0">
+              <a:buClr>
+                <a:prstClr val="black">
+                  <a:lumMod val="85000"/>
+                  <a:lumOff val="15000"/>
+                </a:prstClr>
+              </a:buClr>
+              <a:buNone/>
+            </a:pPr>
+            <a:r>
+              <a:rPr lang="fr-FR" sz="1500" dirty="0">
+                <a:solidFill>
+                  <a:prstClr val="black"/>
+                </a:solidFill>
+              </a:rPr>
+              <a:t>Utilisation du module Qt Charts pour l’intégration de graphiques détaillés</a:t>
+            </a:r>
+          </a:p>
+          <a:p>
+            <a:pPr marL="822960" lvl="3" indent="0">
+              <a:buNone/>
+            </a:pPr>
+            <a:endParaRPr lang="fr-FR" sz="1500" dirty="0">
+              <a:solidFill>
+                <a:prstClr val="black"/>
+              </a:solidFill>
+            </a:endParaRPr>
+          </a:p>
+          <a:p>
+            <a:pPr marL="0" indent="0">
+              <a:buNone/>
+            </a:pPr>
+            <a:endParaRPr lang="fr-FR" dirty="0"/>
+          </a:p>
+        </p:txBody>
+      </p:sp>
+      <p:pic>
+        <p:nvPicPr>
+          <p:cNvPr id="4" name="Image 3">
+            <a:extLst>
+              <a:ext uri="{FF2B5EF4-FFF2-40B4-BE49-F238E27FC236}">
+                <a16:creationId xmlns:a16="http://schemas.microsoft.com/office/drawing/2014/main" id="{61456438-76CF-4A9D-81E3-927803D5F134}"/>
+              </a:ext>
+            </a:extLst>
+          </p:cNvPr>
+          <p:cNvPicPr>
+            <a:picLocks noChangeAspect="1"/>
+          </p:cNvPicPr>
+          <p:nvPr/>
+        </p:nvPicPr>
+        <p:blipFill>
+          <a:blip r:embed="rId2">
+            <a:extLst>
+              <a:ext uri="{28A0092B-C50C-407E-A947-70E740481C1C}">
+                <a14:useLocalDpi xmlns:a14="http://schemas.microsoft.com/office/drawing/2010/main" val="0"/>
+              </a:ext>
+            </a:extLst>
+          </a:blip>
+          <a:stretch>
+            <a:fillRect/>
+          </a:stretch>
+        </p:blipFill>
+        <p:spPr>
+          <a:xfrm>
+            <a:off x="2397969" y="2108000"/>
+            <a:ext cx="7396061" cy="4107406"/>
+          </a:xfrm>
+          <a:prstGeom prst="rect">
+            <a:avLst/>
+          </a:prstGeom>
+        </p:spPr>
+      </p:pic>
+    </p:spTree>
+    <p:extLst>
+      <p:ext uri="{BB962C8B-B14F-4D97-AF65-F5344CB8AC3E}">
+        <p14:creationId xmlns:p14="http://schemas.microsoft.com/office/powerpoint/2010/main" val="475171460"/>
+      </p:ext>
+    </p:extLst>
+  </p:cSld>
+  <p:clrMapOvr>
+    <a:masterClrMapping/>
+  </p:clrMapOvr>
+</p:sld>
+</file>
+
+<file path=ppt/slides/slide37.xml><?xml version="1.0" encoding="utf-8"?>
+<p:sld xmlns:a="http://schemas.openxmlformats.org/drawingml/2006/main" xmlns:r="http://schemas.openxmlformats.org/officeDocument/2006/relationships" xmlns:p="http://schemas.openxmlformats.org/presentationml/2006/main">
+  <p:cSld>
+    <p:spTree>
+      <p:nvGrpSpPr>
+        <p:cNvPr id="1" name=""/>
+        <p:cNvGrpSpPr/>
+        <p:nvPr/>
+      </p:nvGrpSpPr>
+      <p:grpSpPr>
+        <a:xfrm>
+          <a:off x="0" y="0"/>
+          <a:ext cx="0" cy="0"/>
+          <a:chOff x="0" y="0"/>
+          <a:chExt cx="0" cy="0"/>
+        </a:xfrm>
+      </p:grpSpPr>
+      <p:sp>
+        <p:nvSpPr>
+          <p:cNvPr id="5" name="Titre 1">
+            <a:extLst>
+              <a:ext uri="{FF2B5EF4-FFF2-40B4-BE49-F238E27FC236}">
+                <a16:creationId xmlns:a16="http://schemas.microsoft.com/office/drawing/2014/main" id="{EAF59B4F-9428-4CC9-AD08-268A94AC5CF9}"/>
+              </a:ext>
+            </a:extLst>
+          </p:cNvPr>
+          <p:cNvSpPr>
+            <a:spLocks noGrp="1"/>
+          </p:cNvSpPr>
+          <p:nvPr>
+            <p:ph type="title"/>
+          </p:nvPr>
+        </p:nvSpPr>
+        <p:spPr>
+          <a:xfrm>
+            <a:off x="1066800" y="642594"/>
+            <a:ext cx="10058400" cy="556814"/>
+          </a:xfrm>
+        </p:spPr>
+        <p:txBody>
+          <a:bodyPr>
+            <a:normAutofit fontScale="90000"/>
+          </a:bodyPr>
+          <a:lstStyle/>
+          <a:p>
+            <a:r>
+              <a:rPr lang="fr-FR" dirty="0"/>
+              <a:t>Ajout de fonctionnalités - Graphiques</a:t>
+            </a:r>
+          </a:p>
+        </p:txBody>
+      </p:sp>
+      <p:sp>
+        <p:nvSpPr>
+          <p:cNvPr id="7" name="Espace réservé de la date 3">
+            <a:extLst>
+              <a:ext uri="{FF2B5EF4-FFF2-40B4-BE49-F238E27FC236}">
+                <a16:creationId xmlns:a16="http://schemas.microsoft.com/office/drawing/2014/main" id="{D239ED06-4DCB-44DF-AA9C-1BD54E2823A9}"/>
+              </a:ext>
+            </a:extLst>
+          </p:cNvPr>
+          <p:cNvSpPr>
+            <a:spLocks noGrp="1"/>
+          </p:cNvSpPr>
+          <p:nvPr>
+            <p:ph type="dt" sz="half" idx="10"/>
+          </p:nvPr>
+        </p:nvSpPr>
+        <p:spPr>
+          <a:xfrm>
+            <a:off x="7256794" y="6035040"/>
+            <a:ext cx="2893045" cy="365760"/>
+          </a:xfrm>
+        </p:spPr>
+        <p:txBody>
+          <a:bodyPr/>
+          <a:lstStyle/>
+          <a:p>
+            <a:pPr rtl="0"/>
+            <a:fld id="{802FE938-1586-4780-B61A-DD3B60BAB93C}" type="datetime1">
+              <a:rPr lang="fr-FR" smtClean="0"/>
+              <a:t>22/06/2021</a:t>
+            </a:fld>
+            <a:endParaRPr lang="en-US"/>
+          </a:p>
+        </p:txBody>
+      </p:sp>
+      <p:sp>
+        <p:nvSpPr>
+          <p:cNvPr id="36" name="Espace réservé du contenu 2">
+            <a:extLst>
+              <a:ext uri="{FF2B5EF4-FFF2-40B4-BE49-F238E27FC236}">
+                <a16:creationId xmlns:a16="http://schemas.microsoft.com/office/drawing/2014/main" id="{3FF35677-6192-408A-AA48-73F50617F656}"/>
+              </a:ext>
+            </a:extLst>
+          </p:cNvPr>
+          <p:cNvSpPr>
+            <a:spLocks noGrp="1"/>
+          </p:cNvSpPr>
+          <p:nvPr>
+            <p:ph idx="1"/>
+          </p:nvPr>
+        </p:nvSpPr>
+        <p:spPr>
+          <a:xfrm>
+            <a:off x="1066800" y="1300348"/>
+            <a:ext cx="10058400" cy="4652396"/>
+          </a:xfrm>
+        </p:spPr>
+        <p:txBody>
+          <a:bodyPr>
+            <a:normAutofit/>
+          </a:bodyPr>
+          <a:lstStyle/>
+          <a:p>
+            <a:pPr marL="0" lvl="0" indent="0">
+              <a:buClr>
+                <a:prstClr val="black">
+                  <a:lumMod val="85000"/>
+                  <a:lumOff val="15000"/>
+                </a:prstClr>
+              </a:buClr>
+              <a:buNone/>
+            </a:pPr>
+            <a:r>
+              <a:rPr lang="fr-FR" sz="1500" dirty="0">
+                <a:solidFill>
+                  <a:prstClr val="black"/>
+                </a:solidFill>
+              </a:rPr>
+              <a:t>Concevoir une application intuitive, design et pertinente</a:t>
+            </a:r>
+          </a:p>
+          <a:p>
+            <a:pPr marL="0" lvl="0" indent="0">
+              <a:buClr>
+                <a:prstClr val="black">
+                  <a:lumMod val="85000"/>
+                  <a:lumOff val="15000"/>
+                </a:prstClr>
+              </a:buClr>
+              <a:buNone/>
+            </a:pPr>
+            <a:r>
+              <a:rPr lang="fr-FR" sz="1500" dirty="0">
+                <a:solidFill>
+                  <a:prstClr val="black"/>
+                </a:solidFill>
+              </a:rPr>
+              <a:t>Utilisation du module Qt Charts pour l’intégration de graphiques complémentaires designs</a:t>
+            </a:r>
+          </a:p>
+          <a:p>
+            <a:pPr marL="822960" lvl="3" indent="0">
+              <a:buNone/>
+            </a:pPr>
+            <a:endParaRPr lang="fr-FR" sz="1500" dirty="0">
+              <a:solidFill>
+                <a:prstClr val="black"/>
+              </a:solidFill>
+            </a:endParaRPr>
+          </a:p>
+          <a:p>
+            <a:pPr marL="0" indent="0">
+              <a:buNone/>
+            </a:pPr>
+            <a:endParaRPr lang="fr-FR" dirty="0"/>
+          </a:p>
+        </p:txBody>
+      </p:sp>
+      <p:pic>
+        <p:nvPicPr>
+          <p:cNvPr id="3" name="Image 2">
+            <a:extLst>
+              <a:ext uri="{FF2B5EF4-FFF2-40B4-BE49-F238E27FC236}">
+                <a16:creationId xmlns:a16="http://schemas.microsoft.com/office/drawing/2014/main" id="{6D6B44FB-0E78-48E8-9E3C-1B4269BAEE7D}"/>
+              </a:ext>
+            </a:extLst>
+          </p:cNvPr>
+          <p:cNvPicPr>
+            <a:picLocks noChangeAspect="1"/>
+          </p:cNvPicPr>
+          <p:nvPr/>
+        </p:nvPicPr>
+        <p:blipFill rotWithShape="1">
+          <a:blip r:embed="rId3">
+            <a:extLst>
+              <a:ext uri="{28A0092B-C50C-407E-A947-70E740481C1C}">
+                <a14:useLocalDpi xmlns:a14="http://schemas.microsoft.com/office/drawing/2010/main" val="0"/>
+              </a:ext>
+            </a:extLst>
+          </a:blip>
+          <a:srcRect l="66783" t="51803" r="2233" b="6623"/>
+          <a:stretch/>
+        </p:blipFill>
+        <p:spPr>
+          <a:xfrm>
+            <a:off x="4922982" y="2702908"/>
+            <a:ext cx="2346036" cy="2401893"/>
+          </a:xfrm>
+          <a:prstGeom prst="rect">
+            <a:avLst/>
+          </a:prstGeom>
+        </p:spPr>
+      </p:pic>
+    </p:spTree>
+    <p:extLst>
+      <p:ext uri="{BB962C8B-B14F-4D97-AF65-F5344CB8AC3E}">
+        <p14:creationId xmlns:p14="http://schemas.microsoft.com/office/powerpoint/2010/main" val="306688219"/>
+      </p:ext>
+    </p:extLst>
+  </p:cSld>
+  <p:clrMapOvr>
+    <a:masterClrMapping/>
+  </p:clrMapOvr>
+</p:sld>
+</file>
+
+<file path=ppt/slides/slide38.xml><?xml version="1.0" encoding="utf-8"?>
+<p:sld xmlns:a="http://schemas.openxmlformats.org/drawingml/2006/main" xmlns:r="http://schemas.openxmlformats.org/officeDocument/2006/relationships" xmlns:p="http://schemas.openxmlformats.org/presentationml/2006/main">
+  <p:cSld>
+    <p:spTree>
+      <p:nvGrpSpPr>
+        <p:cNvPr id="1" name=""/>
+        <p:cNvGrpSpPr/>
+        <p:nvPr/>
+      </p:nvGrpSpPr>
+      <p:grpSpPr>
+        <a:xfrm>
+          <a:off x="0" y="0"/>
+          <a:ext cx="0" cy="0"/>
+          <a:chOff x="0" y="0"/>
+          <a:chExt cx="0" cy="0"/>
+        </a:xfrm>
+      </p:grpSpPr>
+      <p:sp>
+        <p:nvSpPr>
+          <p:cNvPr id="5" name="Titre 1">
+            <a:extLst>
+              <a:ext uri="{FF2B5EF4-FFF2-40B4-BE49-F238E27FC236}">
+                <a16:creationId xmlns:a16="http://schemas.microsoft.com/office/drawing/2014/main" id="{EAF59B4F-9428-4CC9-AD08-268A94AC5CF9}"/>
+              </a:ext>
+            </a:extLst>
+          </p:cNvPr>
+          <p:cNvSpPr>
+            <a:spLocks noGrp="1"/>
+          </p:cNvSpPr>
+          <p:nvPr>
+            <p:ph type="title"/>
+          </p:nvPr>
+        </p:nvSpPr>
+        <p:spPr>
+          <a:xfrm>
+            <a:off x="1066800" y="642594"/>
+            <a:ext cx="10058400" cy="556814"/>
+          </a:xfrm>
+        </p:spPr>
+        <p:txBody>
+          <a:bodyPr>
+            <a:normAutofit fontScale="90000"/>
+          </a:bodyPr>
+          <a:lstStyle/>
+          <a:p>
+            <a:r>
+              <a:rPr lang="fr-FR" dirty="0"/>
+              <a:t>Ajout de fonctionnalités - Graphiques</a:t>
+            </a:r>
+          </a:p>
+        </p:txBody>
+      </p:sp>
+      <p:sp>
+        <p:nvSpPr>
+          <p:cNvPr id="7" name="Espace réservé de la date 3">
+            <a:extLst>
+              <a:ext uri="{FF2B5EF4-FFF2-40B4-BE49-F238E27FC236}">
+                <a16:creationId xmlns:a16="http://schemas.microsoft.com/office/drawing/2014/main" id="{D239ED06-4DCB-44DF-AA9C-1BD54E2823A9}"/>
+              </a:ext>
+            </a:extLst>
+          </p:cNvPr>
+          <p:cNvSpPr>
+            <a:spLocks noGrp="1"/>
+          </p:cNvSpPr>
+          <p:nvPr>
+            <p:ph type="dt" sz="half" idx="10"/>
+          </p:nvPr>
+        </p:nvSpPr>
+        <p:spPr>
+          <a:xfrm>
+            <a:off x="7256794" y="6035040"/>
+            <a:ext cx="2893045" cy="365760"/>
+          </a:xfrm>
+        </p:spPr>
+        <p:txBody>
+          <a:bodyPr/>
+          <a:lstStyle/>
+          <a:p>
+            <a:pPr rtl="0"/>
+            <a:fld id="{802FE938-1586-4780-B61A-DD3B60BAB93C}" type="datetime1">
+              <a:rPr lang="fr-FR" smtClean="0"/>
+              <a:t>22/06/2021</a:t>
+            </a:fld>
+            <a:endParaRPr lang="en-US"/>
+          </a:p>
+        </p:txBody>
+      </p:sp>
+      <p:sp>
+        <p:nvSpPr>
+          <p:cNvPr id="36" name="Espace réservé du contenu 2">
+            <a:extLst>
+              <a:ext uri="{FF2B5EF4-FFF2-40B4-BE49-F238E27FC236}">
+                <a16:creationId xmlns:a16="http://schemas.microsoft.com/office/drawing/2014/main" id="{3FF35677-6192-408A-AA48-73F50617F656}"/>
+              </a:ext>
+            </a:extLst>
+          </p:cNvPr>
+          <p:cNvSpPr>
+            <a:spLocks noGrp="1"/>
+          </p:cNvSpPr>
+          <p:nvPr>
+            <p:ph idx="1"/>
+          </p:nvPr>
+        </p:nvSpPr>
+        <p:spPr>
+          <a:xfrm>
+            <a:off x="1066800" y="1300348"/>
+            <a:ext cx="10058400" cy="4652396"/>
+          </a:xfrm>
+        </p:spPr>
+        <p:txBody>
+          <a:bodyPr>
+            <a:normAutofit/>
+          </a:bodyPr>
+          <a:lstStyle/>
+          <a:p>
+            <a:pPr marL="0" lvl="0" indent="0">
+              <a:buClr>
+                <a:prstClr val="black">
+                  <a:lumMod val="85000"/>
+                  <a:lumOff val="15000"/>
+                </a:prstClr>
+              </a:buClr>
+              <a:buNone/>
+            </a:pPr>
+            <a:r>
+              <a:rPr lang="fr-FR" sz="1500" dirty="0">
+                <a:solidFill>
+                  <a:prstClr val="black"/>
+                </a:solidFill>
+              </a:rPr>
+              <a:t>Concevoir une application intuitive, design et pertinente</a:t>
+            </a:r>
+          </a:p>
+          <a:p>
+            <a:pPr marL="822960" lvl="3" indent="0">
+              <a:buNone/>
+            </a:pPr>
+            <a:endParaRPr lang="fr-FR" sz="1500" dirty="0">
+              <a:solidFill>
+                <a:prstClr val="black"/>
+              </a:solidFill>
+            </a:endParaRPr>
+          </a:p>
+          <a:p>
+            <a:pPr marL="0" indent="0">
+              <a:buNone/>
+            </a:pPr>
+            <a:endParaRPr lang="fr-FR" dirty="0"/>
+          </a:p>
+        </p:txBody>
+      </p:sp>
+      <p:pic>
+        <p:nvPicPr>
+          <p:cNvPr id="6" name="Image 5">
+            <a:extLst>
+              <a:ext uri="{FF2B5EF4-FFF2-40B4-BE49-F238E27FC236}">
+                <a16:creationId xmlns:a16="http://schemas.microsoft.com/office/drawing/2014/main" id="{46EDC873-79C1-4C14-B4AF-57D155A977ED}"/>
+              </a:ext>
+            </a:extLst>
+          </p:cNvPr>
+          <p:cNvPicPr>
+            <a:picLocks noChangeAspect="1"/>
+          </p:cNvPicPr>
+          <p:nvPr/>
+        </p:nvPicPr>
+        <p:blipFill rotWithShape="1">
+          <a:blip r:embed="rId3">
+            <a:extLst>
+              <a:ext uri="{28A0092B-C50C-407E-A947-70E740481C1C}">
+                <a14:useLocalDpi xmlns:a14="http://schemas.microsoft.com/office/drawing/2010/main" val="0"/>
+              </a:ext>
+            </a:extLst>
+          </a:blip>
+          <a:srcRect l="66651" t="53781" r="1328" b="2787"/>
+          <a:stretch/>
+        </p:blipFill>
+        <p:spPr>
+          <a:xfrm>
+            <a:off x="3911861" y="2724728"/>
+            <a:ext cx="4368278" cy="2161309"/>
+          </a:xfrm>
+          <a:prstGeom prst="rect">
+            <a:avLst/>
+          </a:prstGeom>
+        </p:spPr>
+      </p:pic>
+    </p:spTree>
+    <p:extLst>
+      <p:ext uri="{BB962C8B-B14F-4D97-AF65-F5344CB8AC3E}">
+        <p14:creationId xmlns:p14="http://schemas.microsoft.com/office/powerpoint/2010/main" val="3704093507"/>
+      </p:ext>
+    </p:extLst>
+  </p:cSld>
+  <p:clrMapOvr>
+    <a:masterClrMapping/>
+  </p:clrMapOvr>
+</p:sld>
+</file>
+
+<file path=ppt/slides/slide39.xml><?xml version="1.0" encoding="utf-8"?>
+<p:sld xmlns:a="http://schemas.openxmlformats.org/drawingml/2006/main" xmlns:r="http://schemas.openxmlformats.org/officeDocument/2006/relationships" xmlns:p="http://schemas.openxmlformats.org/presentationml/2006/main">
+  <p:cSld>
+    <p:spTree>
+      <p:nvGrpSpPr>
+        <p:cNvPr id="1" name=""/>
+        <p:cNvGrpSpPr/>
+        <p:nvPr/>
+      </p:nvGrpSpPr>
+      <p:grpSpPr>
+        <a:xfrm>
+          <a:off x="0" y="0"/>
+          <a:ext cx="0" cy="0"/>
+          <a:chOff x="0" y="0"/>
+          <a:chExt cx="0" cy="0"/>
+        </a:xfrm>
+      </p:grpSpPr>
+      <p:sp>
+        <p:nvSpPr>
+          <p:cNvPr id="5" name="Titre 1">
+            <a:extLst>
+              <a:ext uri="{FF2B5EF4-FFF2-40B4-BE49-F238E27FC236}">
+                <a16:creationId xmlns:a16="http://schemas.microsoft.com/office/drawing/2014/main" id="{EAF59B4F-9428-4CC9-AD08-268A94AC5CF9}"/>
+              </a:ext>
+            </a:extLst>
+          </p:cNvPr>
+          <p:cNvSpPr>
+            <a:spLocks noGrp="1"/>
+          </p:cNvSpPr>
+          <p:nvPr>
+            <p:ph type="title"/>
+          </p:nvPr>
+        </p:nvSpPr>
+        <p:spPr>
+          <a:xfrm>
+            <a:off x="1066800" y="642594"/>
+            <a:ext cx="10058400" cy="556814"/>
+          </a:xfrm>
+        </p:spPr>
+        <p:txBody>
+          <a:bodyPr>
+            <a:normAutofit fontScale="90000"/>
+          </a:bodyPr>
+          <a:lstStyle/>
+          <a:p>
+            <a:r>
+              <a:rPr lang="fr-FR" dirty="0"/>
+              <a:t>Ajout de fonctionnalités - Icônes</a:t>
+            </a:r>
+          </a:p>
+        </p:txBody>
+      </p:sp>
+      <p:sp>
+        <p:nvSpPr>
+          <p:cNvPr id="7" name="Espace réservé de la date 3">
+            <a:extLst>
+              <a:ext uri="{FF2B5EF4-FFF2-40B4-BE49-F238E27FC236}">
+                <a16:creationId xmlns:a16="http://schemas.microsoft.com/office/drawing/2014/main" id="{D239ED06-4DCB-44DF-AA9C-1BD54E2823A9}"/>
+              </a:ext>
+            </a:extLst>
+          </p:cNvPr>
+          <p:cNvSpPr>
+            <a:spLocks noGrp="1"/>
+          </p:cNvSpPr>
+          <p:nvPr>
+            <p:ph type="dt" sz="half" idx="10"/>
+          </p:nvPr>
+        </p:nvSpPr>
+        <p:spPr>
+          <a:xfrm>
+            <a:off x="7256794" y="6035040"/>
+            <a:ext cx="2893045" cy="365760"/>
+          </a:xfrm>
+        </p:spPr>
+        <p:txBody>
+          <a:bodyPr/>
+          <a:lstStyle/>
+          <a:p>
+            <a:pPr rtl="0"/>
+            <a:fld id="{802FE938-1586-4780-B61A-DD3B60BAB93C}" type="datetime1">
+              <a:rPr lang="fr-FR" smtClean="0"/>
+              <a:t>22/06/2021</a:t>
+            </a:fld>
+            <a:endParaRPr lang="en-US"/>
+          </a:p>
+        </p:txBody>
+      </p:sp>
+      <p:sp>
+        <p:nvSpPr>
+          <p:cNvPr id="36" name="Espace réservé du contenu 2">
+            <a:extLst>
+              <a:ext uri="{FF2B5EF4-FFF2-40B4-BE49-F238E27FC236}">
+                <a16:creationId xmlns:a16="http://schemas.microsoft.com/office/drawing/2014/main" id="{3FF35677-6192-408A-AA48-73F50617F656}"/>
+              </a:ext>
+            </a:extLst>
+          </p:cNvPr>
+          <p:cNvSpPr>
+            <a:spLocks noGrp="1"/>
+          </p:cNvSpPr>
+          <p:nvPr>
+            <p:ph idx="1"/>
+          </p:nvPr>
+        </p:nvSpPr>
+        <p:spPr>
+          <a:xfrm>
+            <a:off x="1066800" y="1300348"/>
+            <a:ext cx="10058400" cy="4652396"/>
+          </a:xfrm>
+        </p:spPr>
+        <p:txBody>
+          <a:bodyPr>
+            <a:normAutofit/>
+          </a:bodyPr>
+          <a:lstStyle/>
+          <a:p>
+            <a:pPr marL="0" lvl="0" indent="0">
+              <a:buClr>
+                <a:prstClr val="black">
+                  <a:lumMod val="85000"/>
+                  <a:lumOff val="15000"/>
+                </a:prstClr>
+              </a:buClr>
+              <a:buNone/>
+            </a:pPr>
+            <a:r>
+              <a:rPr lang="fr-FR" sz="1500" dirty="0">
+                <a:solidFill>
+                  <a:prstClr val="black"/>
+                </a:solidFill>
+              </a:rPr>
+              <a:t>Concevoir une application intuitive, design et pertinente</a:t>
+            </a:r>
+          </a:p>
+          <a:p>
+            <a:pPr marL="822960" lvl="3" indent="0">
+              <a:buNone/>
+            </a:pPr>
+            <a:endParaRPr lang="fr-FR" sz="1500" dirty="0">
+              <a:solidFill>
+                <a:prstClr val="black"/>
+              </a:solidFill>
+            </a:endParaRPr>
+          </a:p>
+          <a:p>
+            <a:pPr marL="0" indent="0">
+              <a:buNone/>
+            </a:pPr>
+            <a:endParaRPr lang="fr-FR" dirty="0"/>
+          </a:p>
+        </p:txBody>
+      </p:sp>
+      <p:pic>
+        <p:nvPicPr>
+          <p:cNvPr id="1026" name="Picture 2" descr="XLTWKK Thermomètre mural maison hygromètre baromètre baromètre marin  baromètre famille baromètre ménage mural: Amazon.fr: Sports et Loisirs">
+            <a:extLst>
+              <a:ext uri="{FF2B5EF4-FFF2-40B4-BE49-F238E27FC236}">
+                <a16:creationId xmlns:a16="http://schemas.microsoft.com/office/drawing/2014/main" id="{C58F336D-D5C3-4F0C-AA8F-A100A0D0E9C7}"/>
+              </a:ext>
+            </a:extLst>
+          </p:cNvPr>
+          <p:cNvPicPr>
+            <a:picLocks noChangeAspect="1" noChangeArrowheads="1"/>
+          </p:cNvPicPr>
+          <p:nvPr/>
+        </p:nvPicPr>
+        <p:blipFill>
+          <a:blip r:embed="rId3">
+            <a:extLst>
+              <a:ext uri="{BEBA8EAE-BF5A-486C-A8C5-ECC9F3942E4B}">
+                <a14:imgProps xmlns:a14="http://schemas.microsoft.com/office/drawing/2010/main">
+                  <a14:imgLayer r:embed="rId4">
+                    <a14:imgEffect>
+                      <a14:backgroundRemoval t="2353" b="98588" l="1412" r="98353">
+                        <a14:foregroundMark x1="8252" y1="25228" x2="1176" y2="45647"/>
+                        <a14:foregroundMark x1="1176" y1="45647" x2="1125" y2="51403"/>
+                        <a14:foregroundMark x1="16785" y1="86095" x2="45412" y2="97882"/>
+                        <a14:foregroundMark x1="45412" y1="97882" x2="54439" y2="98566"/>
+                        <a14:foregroundMark x1="88117" y1="80668" x2="96160" y2="58509"/>
+                        <a14:foregroundMark x1="97119" y1="42759" x2="97027" y2="38887"/>
+                        <a14:foregroundMark x1="70607" y1="5904" x2="38118" y2="2588"/>
+                        <a14:foregroundMark x1="38118" y1="2588" x2="25527" y2="7649"/>
+                        <a14:foregroundMark x1="19294" y1="12706" x2="19294" y2="12706"/>
+                        <a14:foregroundMark x1="21176" y1="11529" x2="21176" y2="11529"/>
+                        <a14:foregroundMark x1="90588" y1="28471" x2="90588" y2="28471"/>
+                        <a14:foregroundMark x1="92941" y1="33412" x2="92941" y2="33412"/>
+                        <a14:foregroundMark x1="93647" y1="39059" x2="93647" y2="39059"/>
+                        <a14:foregroundMark x1="94824" y1="44000" x2="94824" y2="44000"/>
+                        <a14:foregroundMark x1="96000" y1="63765" x2="96000" y2="63765"/>
+                        <a14:foregroundMark x1="81412" y1="84000" x2="81412" y2="84000"/>
+                        <a14:foregroundMark x1="69412" y1="92000" x2="69412" y2="92000"/>
+                        <a14:foregroundMark x1="56000" y1="93412" x2="56000" y2="93412"/>
+                        <a14:foregroundMark x1="50353" y1="95294" x2="50353" y2="95294"/>
+                        <a14:foregroundMark x1="18588" y1="82353" x2="18588" y2="82353"/>
+                        <a14:foregroundMark x1="10588" y1="70118" x2="10588" y2="70118"/>
+                        <a14:foregroundMark x1="8000" y1="66353" x2="8000" y2="66353"/>
+                        <a14:foregroundMark x1="21176" y1="11294" x2="21176" y2="11294"/>
+                        <a14:foregroundMark x1="21539" y1="10959" x2="20706" y2="12000"/>
+                        <a14:foregroundMark x1="21176" y1="11294" x2="16000" y2="17176"/>
+                        <a14:foregroundMark x1="76706" y1="9647" x2="83294" y2="15294"/>
+                        <a14:foregroundMark x1="97882" y1="43294" x2="98118" y2="51059"/>
+                        <a14:foregroundMark x1="98588" y1="49882" x2="97176" y2="59765"/>
+                        <a14:foregroundMark x1="41647" y1="98118" x2="53412" y2="98588"/>
+                        <a14:foregroundMark x1="63684" y1="96355" x2="64235" y2="96235"/>
+                        <a14:foregroundMark x1="53412" y1="98588" x2="54315" y2="98392"/>
+                        <a14:foregroundMark x1="26353" y1="7294" x2="20706" y2="11294"/>
+                        <a14:foregroundMark x1="14353" y1="16941" x2="11811" y2="19737"/>
+                        <a14:backgroundMark x1="13318" y1="16177" x2="13981" y2="15719"/>
+                        <a14:backgroundMark x1="15069" y1="12205" x2="9412" y2="13647"/>
+                        <a14:backgroundMark x1="9412" y1="13647" x2="10346" y2="15431"/>
+                        <a14:backgroundMark x1="1647" y1="68000" x2="1647" y2="68000"/>
+                        <a14:backgroundMark x1="235" y1="62118" x2="4471" y2="77647"/>
+                        <a14:backgroundMark x1="4941" y1="76941" x2="13176" y2="84941"/>
+                        <a14:backgroundMark x1="13647" y1="85176" x2="14824" y2="86118"/>
+                        <a14:backgroundMark x1="14588" y1="84706" x2="14588" y2="84706"/>
+                        <a14:backgroundMark x1="14353" y1="84706" x2="14353" y2="84706"/>
+                        <a14:backgroundMark x1="63128" y1="98212" x2="86118" y2="87529"/>
+                        <a14:backgroundMark x1="86118" y1="87529" x2="89647" y2="84471"/>
+                        <a14:backgroundMark x1="88706" y1="83059" x2="85882" y2="84706"/>
+                        <a14:backgroundMark x1="84286" y1="14439" x2="91294" y2="20235"/>
+                        <a14:backgroundMark x1="72235" y1="4471" x2="77581" y2="8893"/>
+                        <a14:backgroundMark x1="91294" y1="20235" x2="99765" y2="37647"/>
+                        <a14:backgroundMark x1="92235" y1="20471" x2="92235" y2="20471"/>
+                        <a14:backgroundMark x1="471" y1="55765" x2="1882" y2="63059"/>
+                        <a14:backgroundMark x1="8991" y1="21634" x2="6824" y2="24235"/>
+                        <a14:backgroundMark x1="92235" y1="20000" x2="92235" y2="20000"/>
+                        <a14:backgroundMark x1="91529" y1="18824" x2="92471" y2="21176"/>
+                        <a14:backgroundMark x1="99294" y1="42824" x2="99281" y2="43252"/>
+                        <a14:backgroundMark x1="64941" y1="98118" x2="55294" y2="99765"/>
+                        <a14:backgroundMark x1="88706" y1="80941" x2="87529" y2="83294"/>
+                        <a14:backgroundMark x1="13176" y1="84706" x2="16000" y2="86824"/>
+                        <a14:backgroundMark x1="11059" y1="19294" x2="8235" y2="23529"/>
+                        <a14:backgroundMark x1="235" y1="51529" x2="1412" y2="59765"/>
+                      </a14:backgroundRemoval>
+                    </a14:imgEffect>
+                  </a14:imgLayer>
+                </a14:imgProps>
+              </a:ext>
+              <a:ext uri="{28A0092B-C50C-407E-A947-70E740481C1C}">
+                <a14:useLocalDpi xmlns:a14="http://schemas.microsoft.com/office/drawing/2010/main" val="0"/>
+              </a:ext>
+            </a:extLst>
+          </a:blip>
+          <a:srcRect/>
+          <a:stretch>
+            <a:fillRect/>
+          </a:stretch>
+        </p:blipFill>
+        <p:spPr bwMode="auto">
+          <a:xfrm>
+            <a:off x="1066800" y="1904619"/>
+            <a:ext cx="4048125" cy="4048125"/>
+          </a:xfrm>
+          <a:prstGeom prst="rect">
+            <a:avLst/>
+          </a:prstGeom>
+          <a:noFill/>
+          <a:extLst>
+            <a:ext uri="{909E8E84-426E-40DD-AFC4-6F175D3DCCD1}">
+              <a14:hiddenFill xmlns:a14="http://schemas.microsoft.com/office/drawing/2010/main">
+                <a:solidFill>
+                  <a:srgbClr val="FFFFFF"/>
+                </a:solidFill>
+              </a14:hiddenFill>
+            </a:ext>
+          </a:extLst>
+        </p:spPr>
+      </p:pic>
+      <p:sp>
+        <p:nvSpPr>
+          <p:cNvPr id="2" name="Arc 1">
+            <a:extLst>
+              <a:ext uri="{FF2B5EF4-FFF2-40B4-BE49-F238E27FC236}">
+                <a16:creationId xmlns:a16="http://schemas.microsoft.com/office/drawing/2014/main" id="{00BEC3AA-8F15-48CB-89EC-5B218ADF0DF9}"/>
+              </a:ext>
+            </a:extLst>
+          </p:cNvPr>
+          <p:cNvSpPr/>
+          <p:nvPr/>
+        </p:nvSpPr>
+        <p:spPr>
+          <a:xfrm>
+            <a:off x="1699480" y="2521461"/>
+            <a:ext cx="2772000" cy="2772000"/>
+          </a:xfrm>
+          <a:prstGeom prst="arc">
+            <a:avLst>
+              <a:gd name="adj1" fmla="val 8092805"/>
+              <a:gd name="adj2" fmla="val 14514872"/>
+            </a:avLst>
+          </a:prstGeom>
+          <a:ln w="57150">
+            <a:solidFill>
+              <a:srgbClr val="FF0000"/>
+            </a:solidFill>
+          </a:ln>
+        </p:spPr>
+        <p:style>
+          <a:lnRef idx="1">
+            <a:schemeClr val="accent1"/>
+          </a:lnRef>
+          <a:fillRef idx="0">
+            <a:schemeClr val="accent1"/>
+          </a:fillRef>
+          <a:effectRef idx="0">
+            <a:schemeClr val="accent1"/>
+          </a:effectRef>
+          <a:fontRef idx="minor">
+            <a:schemeClr val="tx1"/>
+          </a:fontRef>
+        </p:style>
+        <p:txBody>
+          <a:bodyPr rtlCol="0" anchor="ctr"/>
+          <a:lstStyle/>
+          <a:p>
+            <a:pPr algn="ctr"/>
+            <a:endParaRPr lang="en-US"/>
+          </a:p>
+        </p:txBody>
+      </p:sp>
+      <p:sp>
+        <p:nvSpPr>
+          <p:cNvPr id="8" name="Arc 7">
+            <a:extLst>
+              <a:ext uri="{FF2B5EF4-FFF2-40B4-BE49-F238E27FC236}">
+                <a16:creationId xmlns:a16="http://schemas.microsoft.com/office/drawing/2014/main" id="{FC423597-CA8D-412D-8138-B8ADE58AFC93}"/>
+              </a:ext>
+            </a:extLst>
+          </p:cNvPr>
+          <p:cNvSpPr/>
+          <p:nvPr/>
+        </p:nvSpPr>
+        <p:spPr>
+          <a:xfrm>
+            <a:off x="1718530" y="2530986"/>
+            <a:ext cx="2772000" cy="2772000"/>
+          </a:xfrm>
+          <a:prstGeom prst="arc">
+            <a:avLst>
+              <a:gd name="adj1" fmla="val 14556024"/>
+              <a:gd name="adj2" fmla="val 17752038"/>
+            </a:avLst>
+          </a:prstGeom>
+          <a:ln w="57150">
+            <a:solidFill>
+              <a:srgbClr val="00B0F0"/>
+            </a:solidFill>
+          </a:ln>
+        </p:spPr>
+        <p:style>
+          <a:lnRef idx="1">
+            <a:schemeClr val="accent1"/>
+          </a:lnRef>
+          <a:fillRef idx="0">
+            <a:schemeClr val="accent1"/>
+          </a:fillRef>
+          <a:effectRef idx="0">
+            <a:schemeClr val="accent1"/>
+          </a:effectRef>
+          <a:fontRef idx="minor">
+            <a:schemeClr val="tx1"/>
+          </a:fontRef>
+        </p:style>
+        <p:txBody>
+          <a:bodyPr rtlCol="0" anchor="ctr"/>
+          <a:lstStyle/>
+          <a:p>
+            <a:pPr algn="ctr"/>
+            <a:endParaRPr lang="en-US"/>
+          </a:p>
+        </p:txBody>
+      </p:sp>
+      <p:sp>
+        <p:nvSpPr>
+          <p:cNvPr id="9" name="Arc 8">
+            <a:extLst>
+              <a:ext uri="{FF2B5EF4-FFF2-40B4-BE49-F238E27FC236}">
+                <a16:creationId xmlns:a16="http://schemas.microsoft.com/office/drawing/2014/main" id="{B7A5C65C-9344-4088-A8EF-7EB68EF12D55}"/>
+              </a:ext>
+            </a:extLst>
+          </p:cNvPr>
+          <p:cNvSpPr/>
+          <p:nvPr/>
+        </p:nvSpPr>
+        <p:spPr>
+          <a:xfrm>
+            <a:off x="1728055" y="2530986"/>
+            <a:ext cx="2772000" cy="2772000"/>
+          </a:xfrm>
+          <a:prstGeom prst="arc">
+            <a:avLst>
+              <a:gd name="adj1" fmla="val 17719475"/>
+              <a:gd name="adj2" fmla="val 2692175"/>
+            </a:avLst>
+          </a:prstGeom>
+          <a:ln w="57150">
+            <a:solidFill>
+              <a:srgbClr val="00B050"/>
+            </a:solidFill>
+          </a:ln>
+        </p:spPr>
+        <p:style>
+          <a:lnRef idx="1">
+            <a:schemeClr val="accent1"/>
+          </a:lnRef>
+          <a:fillRef idx="0">
+            <a:schemeClr val="accent1"/>
+          </a:fillRef>
+          <a:effectRef idx="0">
+            <a:schemeClr val="accent1"/>
+          </a:effectRef>
+          <a:fontRef idx="minor">
+            <a:schemeClr val="tx1"/>
+          </a:fontRef>
+        </p:style>
+        <p:txBody>
+          <a:bodyPr rtlCol="0" anchor="ctr"/>
+          <a:lstStyle/>
+          <a:p>
+            <a:pPr algn="ctr"/>
+            <a:endParaRPr lang="en-US"/>
+          </a:p>
+        </p:txBody>
+      </p:sp>
+      <p:pic>
+        <p:nvPicPr>
+          <p:cNvPr id="10" name="Image 9">
+            <a:extLst>
+              <a:ext uri="{FF2B5EF4-FFF2-40B4-BE49-F238E27FC236}">
+                <a16:creationId xmlns:a16="http://schemas.microsoft.com/office/drawing/2014/main" id="{25E74573-98AD-476E-B88F-21D1E7C6A2E4}"/>
+              </a:ext>
+            </a:extLst>
+          </p:cNvPr>
+          <p:cNvPicPr>
+            <a:picLocks noChangeAspect="1"/>
+          </p:cNvPicPr>
+          <p:nvPr/>
+        </p:nvPicPr>
+        <p:blipFill>
+          <a:blip r:embed="rId5">
+            <a:extLst>
+              <a:ext uri="{28A0092B-C50C-407E-A947-70E740481C1C}">
+                <a14:useLocalDpi xmlns:a14="http://schemas.microsoft.com/office/drawing/2010/main" val="0"/>
+              </a:ext>
+            </a:extLst>
+          </a:blip>
+          <a:stretch>
+            <a:fillRect/>
+          </a:stretch>
+        </p:blipFill>
+        <p:spPr>
+          <a:xfrm>
+            <a:off x="7849596" y="1954295"/>
+            <a:ext cx="1440000" cy="1440000"/>
+          </a:xfrm>
+          <a:prstGeom prst="rect">
+            <a:avLst/>
+          </a:prstGeom>
+          <a:ln>
+            <a:solidFill>
+              <a:srgbClr val="00B0F0"/>
+            </a:solidFill>
+          </a:ln>
+        </p:spPr>
+      </p:pic>
+      <p:pic>
+        <p:nvPicPr>
+          <p:cNvPr id="12" name="Image 11">
+            <a:extLst>
+              <a:ext uri="{FF2B5EF4-FFF2-40B4-BE49-F238E27FC236}">
+                <a16:creationId xmlns:a16="http://schemas.microsoft.com/office/drawing/2014/main" id="{8C366201-C981-4DFE-9C33-82FBBDD067F6}"/>
+              </a:ext>
+            </a:extLst>
+          </p:cNvPr>
+          <p:cNvPicPr>
+            <a:picLocks noChangeAspect="1"/>
+          </p:cNvPicPr>
+          <p:nvPr/>
+        </p:nvPicPr>
+        <p:blipFill>
+          <a:blip r:embed="rId6">
+            <a:extLst>
+              <a:ext uri="{28A0092B-C50C-407E-A947-70E740481C1C}">
+                <a14:useLocalDpi xmlns:a14="http://schemas.microsoft.com/office/drawing/2010/main" val="0"/>
+              </a:ext>
+            </a:extLst>
+          </a:blip>
+          <a:stretch>
+            <a:fillRect/>
+          </a:stretch>
+        </p:blipFill>
+        <p:spPr>
+          <a:xfrm>
+            <a:off x="6096000" y="3394295"/>
+            <a:ext cx="1440000" cy="1440000"/>
+          </a:xfrm>
+          <a:prstGeom prst="rect">
+            <a:avLst/>
+          </a:prstGeom>
+          <a:ln>
+            <a:solidFill>
+              <a:srgbClr val="FF0000"/>
+            </a:solidFill>
+          </a:ln>
+        </p:spPr>
+      </p:pic>
+      <p:pic>
+        <p:nvPicPr>
+          <p:cNvPr id="14" name="Image 13">
+            <a:extLst>
+              <a:ext uri="{FF2B5EF4-FFF2-40B4-BE49-F238E27FC236}">
+                <a16:creationId xmlns:a16="http://schemas.microsoft.com/office/drawing/2014/main" id="{53A25302-AF31-4257-968D-FC5F37D9C0B4}"/>
+              </a:ext>
+            </a:extLst>
+          </p:cNvPr>
+          <p:cNvPicPr>
+            <a:picLocks noChangeAspect="1"/>
+          </p:cNvPicPr>
+          <p:nvPr/>
+        </p:nvPicPr>
+        <p:blipFill>
+          <a:blip r:embed="rId7">
+            <a:extLst>
+              <a:ext uri="{28A0092B-C50C-407E-A947-70E740481C1C}">
+                <a14:useLocalDpi xmlns:a14="http://schemas.microsoft.com/office/drawing/2010/main" val="0"/>
+              </a:ext>
+            </a:extLst>
+          </a:blip>
+          <a:stretch>
+            <a:fillRect/>
+          </a:stretch>
+        </p:blipFill>
+        <p:spPr>
+          <a:xfrm>
+            <a:off x="9603193" y="3394295"/>
+            <a:ext cx="1440000" cy="1440000"/>
+          </a:xfrm>
+          <a:prstGeom prst="rect">
+            <a:avLst/>
+          </a:prstGeom>
+          <a:ln>
+            <a:solidFill>
+              <a:srgbClr val="00CC99"/>
+            </a:solidFill>
+          </a:ln>
+        </p:spPr>
+      </p:pic>
+    </p:spTree>
+    <p:extLst>
+      <p:ext uri="{BB962C8B-B14F-4D97-AF65-F5344CB8AC3E}">
+        <p14:creationId xmlns:p14="http://schemas.microsoft.com/office/powerpoint/2010/main" val="571211001"/>
       </p:ext>
     </p:extLst>
   </p:cSld>
@@ -16246,6 +20162,356 @@
     <p:extLst>
       <p:ext uri="{BB962C8B-B14F-4D97-AF65-F5344CB8AC3E}">
         <p14:creationId xmlns:p14="http://schemas.microsoft.com/office/powerpoint/2010/main" val="2418709357"/>
+      </p:ext>
+    </p:extLst>
+  </p:cSld>
+  <p:clrMapOvr>
+    <a:masterClrMapping/>
+  </p:clrMapOvr>
+</p:sld>
+</file>
+
+<file path=ppt/slides/slide40.xml><?xml version="1.0" encoding="utf-8"?>
+<p:sld xmlns:a="http://schemas.openxmlformats.org/drawingml/2006/main" xmlns:r="http://schemas.openxmlformats.org/officeDocument/2006/relationships" xmlns:p="http://schemas.openxmlformats.org/presentationml/2006/main">
+  <p:cSld>
+    <p:spTree>
+      <p:nvGrpSpPr>
+        <p:cNvPr id="1" name=""/>
+        <p:cNvGrpSpPr/>
+        <p:nvPr/>
+      </p:nvGrpSpPr>
+      <p:grpSpPr>
+        <a:xfrm>
+          <a:off x="0" y="0"/>
+          <a:ext cx="0" cy="0"/>
+          <a:chOff x="0" y="0"/>
+          <a:chExt cx="0" cy="0"/>
+        </a:xfrm>
+      </p:grpSpPr>
+      <p:sp>
+        <p:nvSpPr>
+          <p:cNvPr id="5" name="Titre 4">
+            <a:extLst>
+              <a:ext uri="{FF2B5EF4-FFF2-40B4-BE49-F238E27FC236}">
+                <a16:creationId xmlns:a16="http://schemas.microsoft.com/office/drawing/2014/main" id="{B535D397-2E1B-4C1E-A392-E2A43916D949}"/>
+              </a:ext>
+            </a:extLst>
+          </p:cNvPr>
+          <p:cNvSpPr>
+            <a:spLocks noGrp="1"/>
+          </p:cNvSpPr>
+          <p:nvPr>
+            <p:ph type="ctrTitle"/>
+          </p:nvPr>
+        </p:nvSpPr>
+        <p:spPr/>
+        <p:txBody>
+          <a:bodyPr/>
+          <a:lstStyle/>
+          <a:p>
+            <a:r>
+              <a:rPr lang="fr-FR" dirty="0"/>
+              <a:t>LA FINITION</a:t>
+            </a:r>
+          </a:p>
+        </p:txBody>
+      </p:sp>
+      <p:sp>
+        <p:nvSpPr>
+          <p:cNvPr id="6" name="Sous-titre 5">
+            <a:extLst>
+              <a:ext uri="{FF2B5EF4-FFF2-40B4-BE49-F238E27FC236}">
+                <a16:creationId xmlns:a16="http://schemas.microsoft.com/office/drawing/2014/main" id="{42DF712F-84EC-48F3-B510-83E590DD97F0}"/>
+              </a:ext>
+            </a:extLst>
+          </p:cNvPr>
+          <p:cNvSpPr>
+            <a:spLocks noGrp="1"/>
+          </p:cNvSpPr>
+          <p:nvPr>
+            <p:ph type="subTitle" idx="1"/>
+          </p:nvPr>
+        </p:nvSpPr>
+        <p:spPr/>
+        <p:txBody>
+          <a:bodyPr/>
+          <a:lstStyle/>
+          <a:p>
+            <a:r>
+              <a:rPr lang="fr-FR" dirty="0"/>
+              <a:t>DESIGN / OPTIMISATION / SIMPLIFCATION</a:t>
+            </a:r>
+          </a:p>
+        </p:txBody>
+      </p:sp>
+      <p:sp>
+        <p:nvSpPr>
+          <p:cNvPr id="4" name="Espace réservé de la date 3">
+            <a:extLst>
+              <a:ext uri="{FF2B5EF4-FFF2-40B4-BE49-F238E27FC236}">
+                <a16:creationId xmlns:a16="http://schemas.microsoft.com/office/drawing/2014/main" id="{030B0D3A-6441-43DC-BDBC-2E9EE16205E9}"/>
+              </a:ext>
+            </a:extLst>
+          </p:cNvPr>
+          <p:cNvSpPr>
+            <a:spLocks noGrp="1"/>
+          </p:cNvSpPr>
+          <p:nvPr>
+            <p:ph type="dt" sz="half" idx="10"/>
+          </p:nvPr>
+        </p:nvSpPr>
+        <p:spPr/>
+        <p:txBody>
+          <a:bodyPr/>
+          <a:lstStyle/>
+          <a:p>
+            <a:pPr rtl="0"/>
+            <a:fld id="{802FE938-1586-4780-B61A-DD3B60BAB93C}" type="datetime1">
+              <a:rPr lang="fr-FR" smtClean="0"/>
+              <a:t>22/06/2021</a:t>
+            </a:fld>
+            <a:endParaRPr lang="en-US"/>
+          </a:p>
+        </p:txBody>
+      </p:sp>
+    </p:spTree>
+    <p:extLst>
+      <p:ext uri="{BB962C8B-B14F-4D97-AF65-F5344CB8AC3E}">
+        <p14:creationId xmlns:p14="http://schemas.microsoft.com/office/powerpoint/2010/main" val="1130815813"/>
+      </p:ext>
+    </p:extLst>
+  </p:cSld>
+  <p:clrMapOvr>
+    <a:masterClrMapping/>
+  </p:clrMapOvr>
+</p:sld>
+</file>
+
+<file path=ppt/slides/slide41.xml><?xml version="1.0" encoding="utf-8"?>
+<p:sld xmlns:a="http://schemas.openxmlformats.org/drawingml/2006/main" xmlns:r="http://schemas.openxmlformats.org/officeDocument/2006/relationships" xmlns:p="http://schemas.openxmlformats.org/presentationml/2006/main">
+  <p:cSld>
+    <p:spTree>
+      <p:nvGrpSpPr>
+        <p:cNvPr id="1" name=""/>
+        <p:cNvGrpSpPr/>
+        <p:nvPr/>
+      </p:nvGrpSpPr>
+      <p:grpSpPr>
+        <a:xfrm>
+          <a:off x="0" y="0"/>
+          <a:ext cx="0" cy="0"/>
+          <a:chOff x="0" y="0"/>
+          <a:chExt cx="0" cy="0"/>
+        </a:xfrm>
+      </p:grpSpPr>
+      <p:sp>
+        <p:nvSpPr>
+          <p:cNvPr id="5" name="Titre 4">
+            <a:extLst>
+              <a:ext uri="{FF2B5EF4-FFF2-40B4-BE49-F238E27FC236}">
+                <a16:creationId xmlns:a16="http://schemas.microsoft.com/office/drawing/2014/main" id="{B535D397-2E1B-4C1E-A392-E2A43916D949}"/>
+              </a:ext>
+            </a:extLst>
+          </p:cNvPr>
+          <p:cNvSpPr>
+            <a:spLocks noGrp="1"/>
+          </p:cNvSpPr>
+          <p:nvPr>
+            <p:ph type="ctrTitle"/>
+          </p:nvPr>
+        </p:nvSpPr>
+        <p:spPr/>
+        <p:txBody>
+          <a:bodyPr/>
+          <a:lstStyle/>
+          <a:p>
+            <a:r>
+              <a:rPr lang="fr-FR" dirty="0"/>
+              <a:t>DEMONSTRATION</a:t>
+            </a:r>
+          </a:p>
+        </p:txBody>
+      </p:sp>
+      <p:sp>
+        <p:nvSpPr>
+          <p:cNvPr id="6" name="Sous-titre 5">
+            <a:extLst>
+              <a:ext uri="{FF2B5EF4-FFF2-40B4-BE49-F238E27FC236}">
+                <a16:creationId xmlns:a16="http://schemas.microsoft.com/office/drawing/2014/main" id="{42DF712F-84EC-48F3-B510-83E590DD97F0}"/>
+              </a:ext>
+            </a:extLst>
+          </p:cNvPr>
+          <p:cNvSpPr>
+            <a:spLocks noGrp="1"/>
+          </p:cNvSpPr>
+          <p:nvPr>
+            <p:ph type="subTitle" idx="1"/>
+          </p:nvPr>
+        </p:nvSpPr>
+        <p:spPr/>
+        <p:txBody>
+          <a:bodyPr/>
+          <a:lstStyle/>
+          <a:p>
+            <a:r>
+              <a:rPr lang="fr-FR" dirty="0"/>
+              <a:t>DEMO DU LOGICIEL FINI</a:t>
+            </a:r>
+          </a:p>
+        </p:txBody>
+      </p:sp>
+      <p:sp>
+        <p:nvSpPr>
+          <p:cNvPr id="4" name="Espace réservé de la date 3">
+            <a:extLst>
+              <a:ext uri="{FF2B5EF4-FFF2-40B4-BE49-F238E27FC236}">
+                <a16:creationId xmlns:a16="http://schemas.microsoft.com/office/drawing/2014/main" id="{030B0D3A-6441-43DC-BDBC-2E9EE16205E9}"/>
+              </a:ext>
+            </a:extLst>
+          </p:cNvPr>
+          <p:cNvSpPr>
+            <a:spLocks noGrp="1"/>
+          </p:cNvSpPr>
+          <p:nvPr>
+            <p:ph type="dt" sz="half" idx="10"/>
+          </p:nvPr>
+        </p:nvSpPr>
+        <p:spPr/>
+        <p:txBody>
+          <a:bodyPr/>
+          <a:lstStyle/>
+          <a:p>
+            <a:pPr rtl="0"/>
+            <a:fld id="{802FE938-1586-4780-B61A-DD3B60BAB93C}" type="datetime1">
+              <a:rPr lang="fr-FR" smtClean="0"/>
+              <a:t>22/06/2021</a:t>
+            </a:fld>
+            <a:endParaRPr lang="en-US"/>
+          </a:p>
+        </p:txBody>
+      </p:sp>
+    </p:spTree>
+    <p:extLst>
+      <p:ext uri="{BB962C8B-B14F-4D97-AF65-F5344CB8AC3E}">
+        <p14:creationId xmlns:p14="http://schemas.microsoft.com/office/powerpoint/2010/main" val="962287830"/>
+      </p:ext>
+    </p:extLst>
+  </p:cSld>
+  <p:clrMapOvr>
+    <a:masterClrMapping/>
+  </p:clrMapOvr>
+</p:sld>
+</file>
+
+<file path=ppt/slides/slide42.xml><?xml version="1.0" encoding="utf-8"?>
+<p:sld xmlns:a="http://schemas.openxmlformats.org/drawingml/2006/main" xmlns:r="http://schemas.openxmlformats.org/officeDocument/2006/relationships" xmlns:p="http://schemas.openxmlformats.org/presentationml/2006/main">
+  <p:cSld>
+    <p:spTree>
+      <p:nvGrpSpPr>
+        <p:cNvPr id="1" name=""/>
+        <p:cNvGrpSpPr/>
+        <p:nvPr/>
+      </p:nvGrpSpPr>
+      <p:grpSpPr>
+        <a:xfrm>
+          <a:off x="0" y="0"/>
+          <a:ext cx="0" cy="0"/>
+          <a:chOff x="0" y="0"/>
+          <a:chExt cx="0" cy="0"/>
+        </a:xfrm>
+      </p:grpSpPr>
+      <p:sp>
+        <p:nvSpPr>
+          <p:cNvPr id="5" name="Titre 4">
+            <a:extLst>
+              <a:ext uri="{FF2B5EF4-FFF2-40B4-BE49-F238E27FC236}">
+                <a16:creationId xmlns:a16="http://schemas.microsoft.com/office/drawing/2014/main" id="{B535D397-2E1B-4C1E-A392-E2A43916D949}"/>
+              </a:ext>
+            </a:extLst>
+          </p:cNvPr>
+          <p:cNvSpPr>
+            <a:spLocks noGrp="1"/>
+          </p:cNvSpPr>
+          <p:nvPr>
+            <p:ph type="ctrTitle"/>
+          </p:nvPr>
+        </p:nvSpPr>
+        <p:spPr/>
+        <p:txBody>
+          <a:bodyPr/>
+          <a:lstStyle/>
+          <a:p>
+            <a:r>
+              <a:rPr lang="fr-FR" dirty="0"/>
+              <a:t>CONCLUSION</a:t>
+            </a:r>
+          </a:p>
+        </p:txBody>
+      </p:sp>
+      <p:sp>
+        <p:nvSpPr>
+          <p:cNvPr id="6" name="Sous-titre 5">
+            <a:extLst>
+              <a:ext uri="{FF2B5EF4-FFF2-40B4-BE49-F238E27FC236}">
+                <a16:creationId xmlns:a16="http://schemas.microsoft.com/office/drawing/2014/main" id="{42DF712F-84EC-48F3-B510-83E590DD97F0}"/>
+              </a:ext>
+            </a:extLst>
+          </p:cNvPr>
+          <p:cNvSpPr>
+            <a:spLocks noGrp="1"/>
+          </p:cNvSpPr>
+          <p:nvPr>
+            <p:ph type="subTitle" idx="1"/>
+          </p:nvPr>
+        </p:nvSpPr>
+        <p:spPr/>
+        <p:txBody>
+          <a:bodyPr>
+            <a:normAutofit fontScale="92500"/>
+          </a:bodyPr>
+          <a:lstStyle/>
+          <a:p>
+            <a:r>
+              <a:rPr lang="fr-FR" dirty="0"/>
+              <a:t>PROBLEMES RENCONTRES / EVOLUTIONS POSSIBLES / APPORTS PERSONNELS </a:t>
+            </a:r>
+          </a:p>
+        </p:txBody>
+      </p:sp>
+      <p:sp>
+        <p:nvSpPr>
+          <p:cNvPr id="4" name="Espace réservé de la date 3">
+            <a:extLst>
+              <a:ext uri="{FF2B5EF4-FFF2-40B4-BE49-F238E27FC236}">
+                <a16:creationId xmlns:a16="http://schemas.microsoft.com/office/drawing/2014/main" id="{030B0D3A-6441-43DC-BDBC-2E9EE16205E9}"/>
+              </a:ext>
+            </a:extLst>
+          </p:cNvPr>
+          <p:cNvSpPr>
+            <a:spLocks noGrp="1"/>
+          </p:cNvSpPr>
+          <p:nvPr>
+            <p:ph type="dt" sz="half" idx="10"/>
+          </p:nvPr>
+        </p:nvSpPr>
+        <p:spPr/>
+        <p:txBody>
+          <a:bodyPr/>
+          <a:lstStyle/>
+          <a:p>
+            <a:pPr rtl="0"/>
+            <a:fld id="{802FE938-1586-4780-B61A-DD3B60BAB93C}" type="datetime1">
+              <a:rPr lang="fr-FR" smtClean="0"/>
+              <a:t>22/06/2021</a:t>
+            </a:fld>
+            <a:endParaRPr lang="en-US"/>
+          </a:p>
+        </p:txBody>
+      </p:sp>
+    </p:spTree>
+    <p:extLst>
+      <p:ext uri="{BB962C8B-B14F-4D97-AF65-F5344CB8AC3E}">
+        <p14:creationId xmlns:p14="http://schemas.microsoft.com/office/powerpoint/2010/main" val="2085507041"/>
       </p:ext>
     </p:extLst>
   </p:cSld>

--- a/doc/StationMeteo_Soutenance_Lucas.pptx
+++ b/doc/StationMeteo_Soutenance_Lucas.pptx
@@ -5,10 +5,10 @@
     <p:sldMasterId id="2147483673" r:id="rId1"/>
   </p:sldMasterIdLst>
   <p:notesMasterIdLst>
-    <p:notesMasterId r:id="rId44"/>
+    <p:notesMasterId r:id="rId50"/>
   </p:notesMasterIdLst>
   <p:handoutMasterIdLst>
-    <p:handoutMasterId r:id="rId45"/>
+    <p:handoutMasterId r:id="rId51"/>
   </p:handoutMasterIdLst>
   <p:sldIdLst>
     <p:sldId id="257" r:id="rId2"/>
@@ -49,10 +49,16 @@
     <p:sldId id="301" r:id="rId37"/>
     <p:sldId id="302" r:id="rId38"/>
     <p:sldId id="303" r:id="rId39"/>
-    <p:sldId id="304" r:id="rId40"/>
-    <p:sldId id="269" r:id="rId41"/>
-    <p:sldId id="271" r:id="rId42"/>
-    <p:sldId id="270" r:id="rId43"/>
+    <p:sldId id="305" r:id="rId40"/>
+    <p:sldId id="306" r:id="rId41"/>
+    <p:sldId id="304" r:id="rId42"/>
+    <p:sldId id="307" r:id="rId43"/>
+    <p:sldId id="309" r:id="rId44"/>
+    <p:sldId id="310" r:id="rId45"/>
+    <p:sldId id="308" r:id="rId46"/>
+    <p:sldId id="269" r:id="rId47"/>
+    <p:sldId id="271" r:id="rId48"/>
+    <p:sldId id="270" r:id="rId49"/>
   </p:sldIdLst>
   <p:sldSz cx="12192000" cy="6858000"/>
   <p:notesSz cx="6858000" cy="9144000"/>
@@ -202,7 +208,13 @@
             <p14:sldId id="301"/>
             <p14:sldId id="302"/>
             <p14:sldId id="303"/>
+            <p14:sldId id="305"/>
+            <p14:sldId id="306"/>
             <p14:sldId id="304"/>
+            <p14:sldId id="307"/>
+            <p14:sldId id="309"/>
+            <p14:sldId id="310"/>
+            <p14:sldId id="308"/>
           </p14:sldIdLst>
         </p14:section>
         <p14:section name="Section sans titre" id="{5E998F6C-49E5-4BF9-9BF2-C29AB7723E6F}">
@@ -308,7 +320,7 @@
             <a:pPr rtl="0"/>
             <a:fld id="{D541C455-0541-42CB-85F2-EF2EB726E407}" type="datetime1">
               <a:rPr lang="fr-FR" smtClean="0"/>
-              <a:t>22/06/2021</a:t>
+              <a:t>23/06/2021</a:t>
             </a:fld>
             <a:endParaRPr lang="en-US" dirty="0"/>
           </a:p>
@@ -478,7 +490,7 @@
             <a:pPr rtl="0"/>
             <a:fld id="{139F4AB6-716B-4E95-AAD2-DB349D9AC9BA}" type="datetime1">
               <a:rPr lang="fr-FR" smtClean="0"/>
-              <a:t>22/06/2021</a:t>
+              <a:t>23/06/2021</a:t>
             </a:fld>
             <a:endParaRPr lang="en-US"/>
           </a:p>
@@ -832,7 +844,7 @@
             <a:pPr rtl="0"/>
             <a:fld id="{139F4AB6-716B-4E95-AAD2-DB349D9AC9BA}" type="datetime1">
               <a:rPr lang="fr-FR" smtClean="0"/>
-              <a:t>22/06/2021</a:t>
+              <a:t>23/06/2021</a:t>
             </a:fld>
             <a:endParaRPr lang="en-US"/>
           </a:p>
@@ -866,6 +878,240 @@
     <p:extLst>
       <p:ext uri="{BB962C8B-B14F-4D97-AF65-F5344CB8AC3E}">
         <p14:creationId xmlns:p14="http://schemas.microsoft.com/office/powerpoint/2010/main" val="2984386660"/>
+      </p:ext>
+    </p:extLst>
+  </p:cSld>
+  <p:clrMapOvr>
+    <a:masterClrMapping/>
+  </p:clrMapOvr>
+</p:notes>
+</file>
+
+<file path=ppt/notesSlides/notesSlide10.xml><?xml version="1.0" encoding="utf-8"?>
+<p:notes xmlns:a="http://schemas.openxmlformats.org/drawingml/2006/main" xmlns:r="http://schemas.openxmlformats.org/officeDocument/2006/relationships" xmlns:p="http://schemas.openxmlformats.org/presentationml/2006/main">
+  <p:cSld>
+    <p:spTree>
+      <p:nvGrpSpPr>
+        <p:cNvPr id="1" name=""/>
+        <p:cNvGrpSpPr/>
+        <p:nvPr/>
+      </p:nvGrpSpPr>
+      <p:grpSpPr>
+        <a:xfrm>
+          <a:off x="0" y="0"/>
+          <a:ext cx="0" cy="0"/>
+          <a:chOff x="0" y="0"/>
+          <a:chExt cx="0" cy="0"/>
+        </a:xfrm>
+      </p:grpSpPr>
+      <p:sp>
+        <p:nvSpPr>
+          <p:cNvPr id="2" name="Espace réservé de l'image des diapositives 1"/>
+          <p:cNvSpPr>
+            <a:spLocks noGrp="1" noRot="1" noChangeAspect="1"/>
+          </p:cNvSpPr>
+          <p:nvPr>
+            <p:ph type="sldImg"/>
+          </p:nvPr>
+        </p:nvSpPr>
+        <p:spPr/>
+      </p:sp>
+      <p:sp>
+        <p:nvSpPr>
+          <p:cNvPr id="3" name="Espace réservé des notes 2"/>
+          <p:cNvSpPr>
+            <a:spLocks noGrp="1"/>
+          </p:cNvSpPr>
+          <p:nvPr>
+            <p:ph type="body" idx="1"/>
+          </p:nvPr>
+        </p:nvSpPr>
+        <p:spPr/>
+        <p:txBody>
+          <a:bodyPr/>
+          <a:lstStyle/>
+          <a:p>
+            <a:r>
+              <a:rPr lang="fr-FR" dirty="0" err="1"/>
+              <a:t>QtLinguist</a:t>
+            </a:r>
+            <a:r>
+              <a:rPr lang="fr-FR" dirty="0"/>
+              <a:t> affiche donc toutes les variable à traduire que nous avons signalés. On choisit alors la variable (1) puis on entre sa traduction (2) et le logiciel nous affiche directement un aperçu dans l’application (3).</a:t>
+            </a:r>
+          </a:p>
+          <a:p>
+            <a:r>
+              <a:rPr lang="fr-FR" dirty="0"/>
+              <a:t>En recompilant le programme, les fichiers de traductions seront mis à jour.</a:t>
+            </a:r>
+          </a:p>
+        </p:txBody>
+      </p:sp>
+      <p:sp>
+        <p:nvSpPr>
+          <p:cNvPr id="4" name="Espace réservé de la date 3"/>
+          <p:cNvSpPr>
+            <a:spLocks noGrp="1"/>
+          </p:cNvSpPr>
+          <p:nvPr>
+            <p:ph type="dt" idx="1"/>
+          </p:nvPr>
+        </p:nvSpPr>
+        <p:spPr/>
+        <p:txBody>
+          <a:bodyPr/>
+          <a:lstStyle/>
+          <a:p>
+            <a:pPr rtl="0"/>
+            <a:fld id="{139F4AB6-716B-4E95-AAD2-DB349D9AC9BA}" type="datetime1">
+              <a:rPr lang="fr-FR" smtClean="0"/>
+              <a:t>23/06/2021</a:t>
+            </a:fld>
+            <a:endParaRPr lang="en-US"/>
+          </a:p>
+        </p:txBody>
+      </p:sp>
+      <p:sp>
+        <p:nvSpPr>
+          <p:cNvPr id="5" name="Espace réservé du numéro de diapositive 4"/>
+          <p:cNvSpPr>
+            <a:spLocks noGrp="1"/>
+          </p:cNvSpPr>
+          <p:nvPr>
+            <p:ph type="sldNum" sz="quarter" idx="5"/>
+          </p:nvPr>
+        </p:nvSpPr>
+        <p:spPr/>
+        <p:txBody>
+          <a:bodyPr/>
+          <a:lstStyle/>
+          <a:p>
+            <a:pPr rtl="0"/>
+            <a:fld id="{37A705E3-E620-489D-9973-6221209A4B3B}" type="slidenum">
+              <a:rPr lang="en-US" smtClean="0"/>
+              <a:t>44</a:t>
+            </a:fld>
+            <a:endParaRPr lang="en-US"/>
+          </a:p>
+        </p:txBody>
+      </p:sp>
+    </p:spTree>
+    <p:extLst>
+      <p:ext uri="{BB962C8B-B14F-4D97-AF65-F5344CB8AC3E}">
+        <p14:creationId xmlns:p14="http://schemas.microsoft.com/office/powerpoint/2010/main" val="2402702347"/>
+      </p:ext>
+    </p:extLst>
+  </p:cSld>
+  <p:clrMapOvr>
+    <a:masterClrMapping/>
+  </p:clrMapOvr>
+</p:notes>
+</file>
+
+<file path=ppt/notesSlides/notesSlide11.xml><?xml version="1.0" encoding="utf-8"?>
+<p:notes xmlns:a="http://schemas.openxmlformats.org/drawingml/2006/main" xmlns:r="http://schemas.openxmlformats.org/officeDocument/2006/relationships" xmlns:p="http://schemas.openxmlformats.org/presentationml/2006/main">
+  <p:cSld>
+    <p:spTree>
+      <p:nvGrpSpPr>
+        <p:cNvPr id="1" name=""/>
+        <p:cNvGrpSpPr/>
+        <p:nvPr/>
+      </p:nvGrpSpPr>
+      <p:grpSpPr>
+        <a:xfrm>
+          <a:off x="0" y="0"/>
+          <a:ext cx="0" cy="0"/>
+          <a:chOff x="0" y="0"/>
+          <a:chExt cx="0" cy="0"/>
+        </a:xfrm>
+      </p:grpSpPr>
+      <p:sp>
+        <p:nvSpPr>
+          <p:cNvPr id="2" name="Espace réservé de l'image des diapositives 1"/>
+          <p:cNvSpPr>
+            <a:spLocks noGrp="1" noRot="1" noChangeAspect="1"/>
+          </p:cNvSpPr>
+          <p:nvPr>
+            <p:ph type="sldImg"/>
+          </p:nvPr>
+        </p:nvSpPr>
+        <p:spPr/>
+      </p:sp>
+      <p:sp>
+        <p:nvSpPr>
+          <p:cNvPr id="3" name="Espace réservé des notes 2"/>
+          <p:cNvSpPr>
+            <a:spLocks noGrp="1"/>
+          </p:cNvSpPr>
+          <p:nvPr>
+            <p:ph type="body" idx="1"/>
+          </p:nvPr>
+        </p:nvSpPr>
+        <p:spPr/>
+        <p:txBody>
+          <a:bodyPr/>
+          <a:lstStyle/>
+          <a:p>
+            <a:r>
+              <a:rPr lang="fr-FR" dirty="0"/>
+              <a:t>L’algorithme de notre application scanne le répertoire ou sont placé les fichiers de traductions. Il est maintenant possible de sélectionner la langue désirée de l’interface graphique et de l’appliquer.</a:t>
+            </a:r>
+          </a:p>
+        </p:txBody>
+      </p:sp>
+      <p:sp>
+        <p:nvSpPr>
+          <p:cNvPr id="4" name="Espace réservé de la date 3"/>
+          <p:cNvSpPr>
+            <a:spLocks noGrp="1"/>
+          </p:cNvSpPr>
+          <p:nvPr>
+            <p:ph type="dt" idx="1"/>
+          </p:nvPr>
+        </p:nvSpPr>
+        <p:spPr/>
+        <p:txBody>
+          <a:bodyPr/>
+          <a:lstStyle/>
+          <a:p>
+            <a:pPr rtl="0"/>
+            <a:fld id="{139F4AB6-716B-4E95-AAD2-DB349D9AC9BA}" type="datetime1">
+              <a:rPr lang="fr-FR" smtClean="0"/>
+              <a:t>23/06/2021</a:t>
+            </a:fld>
+            <a:endParaRPr lang="en-US"/>
+          </a:p>
+        </p:txBody>
+      </p:sp>
+      <p:sp>
+        <p:nvSpPr>
+          <p:cNvPr id="5" name="Espace réservé du numéro de diapositive 4"/>
+          <p:cNvSpPr>
+            <a:spLocks noGrp="1"/>
+          </p:cNvSpPr>
+          <p:nvPr>
+            <p:ph type="sldNum" sz="quarter" idx="5"/>
+          </p:nvPr>
+        </p:nvSpPr>
+        <p:spPr/>
+        <p:txBody>
+          <a:bodyPr/>
+          <a:lstStyle/>
+          <a:p>
+            <a:pPr rtl="0"/>
+            <a:fld id="{37A705E3-E620-489D-9973-6221209A4B3B}" type="slidenum">
+              <a:rPr lang="en-US" smtClean="0"/>
+              <a:t>45</a:t>
+            </a:fld>
+            <a:endParaRPr lang="en-US"/>
+          </a:p>
+        </p:txBody>
+      </p:sp>
+    </p:spTree>
+    <p:extLst>
+      <p:ext uri="{BB962C8B-B14F-4D97-AF65-F5344CB8AC3E}">
+        <p14:creationId xmlns:p14="http://schemas.microsoft.com/office/powerpoint/2010/main" val="753093505"/>
       </p:ext>
     </p:extLst>
   </p:cSld>
@@ -942,7 +1188,7 @@
             <a:pPr rtl="0"/>
             <a:fld id="{139F4AB6-716B-4E95-AAD2-DB349D9AC9BA}" type="datetime1">
               <a:rPr lang="fr-FR" smtClean="0"/>
-              <a:t>22/06/2021</a:t>
+              <a:t>23/06/2021</a:t>
             </a:fld>
             <a:endParaRPr lang="en-US"/>
           </a:p>
@@ -1061,7 +1307,7 @@
             <a:pPr rtl="0"/>
             <a:fld id="{139F4AB6-716B-4E95-AAD2-DB349D9AC9BA}" type="datetime1">
               <a:rPr lang="fr-FR" smtClean="0"/>
-              <a:t>22/06/2021</a:t>
+              <a:t>23/06/2021</a:t>
             </a:fld>
             <a:endParaRPr lang="en-US"/>
           </a:p>
@@ -1178,7 +1424,7 @@
             <a:pPr rtl="0"/>
             <a:fld id="{139F4AB6-716B-4E95-AAD2-DB349D9AC9BA}" type="datetime1">
               <a:rPr lang="fr-FR" smtClean="0"/>
-              <a:t>22/06/2021</a:t>
+              <a:t>23/06/2021</a:t>
             </a:fld>
             <a:endParaRPr lang="en-US"/>
           </a:p>
@@ -1267,7 +1513,7 @@
           <a:p>
             <a:r>
               <a:rPr lang="fr-FR" dirty="0"/>
-              <a:t>Affichage d’une icone météo en se basant sur la pression. Imitation d’un baromètre traditionnel</a:t>
+              <a:t>Lors de la connexion au serveur, celui-ci procède à une mesure et affiche ensuite les données sous forme d’un fichier JSON</a:t>
             </a:r>
           </a:p>
         </p:txBody>
@@ -1290,7 +1536,7 @@
             <a:pPr rtl="0"/>
             <a:fld id="{139F4AB6-716B-4E95-AAD2-DB349D9AC9BA}" type="datetime1">
               <a:rPr lang="fr-FR" smtClean="0"/>
-              <a:t>22/06/2021</a:t>
+              <a:t>23/06/2021</a:t>
             </a:fld>
             <a:endParaRPr lang="en-US"/>
           </a:p>
@@ -1323,7 +1569,508 @@
     </p:spTree>
     <p:extLst>
       <p:ext uri="{BB962C8B-B14F-4D97-AF65-F5344CB8AC3E}">
+        <p14:creationId xmlns:p14="http://schemas.microsoft.com/office/powerpoint/2010/main" val="2800881202"/>
+      </p:ext>
+    </p:extLst>
+  </p:cSld>
+  <p:clrMapOvr>
+    <a:masterClrMapping/>
+  </p:clrMapOvr>
+</p:notes>
+</file>
+
+<file path=ppt/notesSlides/notesSlide6.xml><?xml version="1.0" encoding="utf-8"?>
+<p:notes xmlns:a="http://schemas.openxmlformats.org/drawingml/2006/main" xmlns:r="http://schemas.openxmlformats.org/officeDocument/2006/relationships" xmlns:p="http://schemas.openxmlformats.org/presentationml/2006/main">
+  <p:cSld>
+    <p:spTree>
+      <p:nvGrpSpPr>
+        <p:cNvPr id="1" name=""/>
+        <p:cNvGrpSpPr/>
+        <p:nvPr/>
+      </p:nvGrpSpPr>
+      <p:grpSpPr>
+        <a:xfrm>
+          <a:off x="0" y="0"/>
+          <a:ext cx="0" cy="0"/>
+          <a:chOff x="0" y="0"/>
+          <a:chExt cx="0" cy="0"/>
+        </a:xfrm>
+      </p:grpSpPr>
+      <p:sp>
+        <p:nvSpPr>
+          <p:cNvPr id="2" name="Espace réservé de l'image des diapositives 1"/>
+          <p:cNvSpPr>
+            <a:spLocks noGrp="1" noRot="1" noChangeAspect="1"/>
+          </p:cNvSpPr>
+          <p:nvPr>
+            <p:ph type="sldImg"/>
+          </p:nvPr>
+        </p:nvSpPr>
+        <p:spPr/>
+      </p:sp>
+      <p:sp>
+        <p:nvSpPr>
+          <p:cNvPr id="3" name="Espace réservé des notes 2"/>
+          <p:cNvSpPr>
+            <a:spLocks noGrp="1"/>
+          </p:cNvSpPr>
+          <p:nvPr>
+            <p:ph type="body" idx="1"/>
+          </p:nvPr>
+        </p:nvSpPr>
+        <p:spPr/>
+        <p:txBody>
+          <a:bodyPr/>
+          <a:lstStyle/>
+          <a:p>
+            <a:r>
+              <a:rPr lang="fr-FR" dirty="0"/>
+              <a:t>Les algorithmes de notre application récupères ces informations pour ensuite les afficher dans l’interface graphique après les avoir traitées (calcul de la température moyenne, arrondis </a:t>
+            </a:r>
+            <a:r>
+              <a:rPr lang="fr-FR" dirty="0" err="1"/>
+              <a:t>nécéssaires</a:t>
+            </a:r>
+            <a:r>
+              <a:rPr lang="fr-FR" dirty="0"/>
+              <a:t>)</a:t>
+            </a:r>
+          </a:p>
+        </p:txBody>
+      </p:sp>
+      <p:sp>
+        <p:nvSpPr>
+          <p:cNvPr id="4" name="Espace réservé de la date 3"/>
+          <p:cNvSpPr>
+            <a:spLocks noGrp="1"/>
+          </p:cNvSpPr>
+          <p:nvPr>
+            <p:ph type="dt" idx="1"/>
+          </p:nvPr>
+        </p:nvSpPr>
+        <p:spPr/>
+        <p:txBody>
+          <a:bodyPr/>
+          <a:lstStyle/>
+          <a:p>
+            <a:pPr rtl="0"/>
+            <a:fld id="{139F4AB6-716B-4E95-AAD2-DB349D9AC9BA}" type="datetime1">
+              <a:rPr lang="fr-FR" smtClean="0"/>
+              <a:t>23/06/2021</a:t>
+            </a:fld>
+            <a:endParaRPr lang="en-US"/>
+          </a:p>
+        </p:txBody>
+      </p:sp>
+      <p:sp>
+        <p:nvSpPr>
+          <p:cNvPr id="5" name="Espace réservé du numéro de diapositive 4"/>
+          <p:cNvSpPr>
+            <a:spLocks noGrp="1"/>
+          </p:cNvSpPr>
+          <p:nvPr>
+            <p:ph type="sldNum" sz="quarter" idx="5"/>
+          </p:nvPr>
+        </p:nvSpPr>
+        <p:spPr/>
+        <p:txBody>
+          <a:bodyPr/>
+          <a:lstStyle/>
+          <a:p>
+            <a:pPr rtl="0"/>
+            <a:fld id="{37A705E3-E620-489D-9973-6221209A4B3B}" type="slidenum">
+              <a:rPr lang="en-US" smtClean="0"/>
+              <a:t>40</a:t>
+            </a:fld>
+            <a:endParaRPr lang="en-US"/>
+          </a:p>
+        </p:txBody>
+      </p:sp>
+    </p:spTree>
+    <p:extLst>
+      <p:ext uri="{BB962C8B-B14F-4D97-AF65-F5344CB8AC3E}">
+        <p14:creationId xmlns:p14="http://schemas.microsoft.com/office/powerpoint/2010/main" val="1414904288"/>
+      </p:ext>
+    </p:extLst>
+  </p:cSld>
+  <p:clrMapOvr>
+    <a:masterClrMapping/>
+  </p:clrMapOvr>
+</p:notes>
+</file>
+
+<file path=ppt/notesSlides/notesSlide7.xml><?xml version="1.0" encoding="utf-8"?>
+<p:notes xmlns:a="http://schemas.openxmlformats.org/drawingml/2006/main" xmlns:r="http://schemas.openxmlformats.org/officeDocument/2006/relationships" xmlns:p="http://schemas.openxmlformats.org/presentationml/2006/main">
+  <p:cSld>
+    <p:spTree>
+      <p:nvGrpSpPr>
+        <p:cNvPr id="1" name=""/>
+        <p:cNvGrpSpPr/>
+        <p:nvPr/>
+      </p:nvGrpSpPr>
+      <p:grpSpPr>
+        <a:xfrm>
+          <a:off x="0" y="0"/>
+          <a:ext cx="0" cy="0"/>
+          <a:chOff x="0" y="0"/>
+          <a:chExt cx="0" cy="0"/>
+        </a:xfrm>
+      </p:grpSpPr>
+      <p:sp>
+        <p:nvSpPr>
+          <p:cNvPr id="2" name="Espace réservé de l'image des diapositives 1"/>
+          <p:cNvSpPr>
+            <a:spLocks noGrp="1" noRot="1" noChangeAspect="1"/>
+          </p:cNvSpPr>
+          <p:nvPr>
+            <p:ph type="sldImg"/>
+          </p:nvPr>
+        </p:nvSpPr>
+        <p:spPr/>
+      </p:sp>
+      <p:sp>
+        <p:nvSpPr>
+          <p:cNvPr id="3" name="Espace réservé des notes 2"/>
+          <p:cNvSpPr>
+            <a:spLocks noGrp="1"/>
+          </p:cNvSpPr>
+          <p:nvPr>
+            <p:ph type="body" idx="1"/>
+          </p:nvPr>
+        </p:nvSpPr>
+        <p:spPr/>
+        <p:txBody>
+          <a:bodyPr/>
+          <a:lstStyle/>
+          <a:p>
+            <a:r>
+              <a:rPr lang="fr-FR" dirty="0"/>
+              <a:t>En se basant sur le fonctionnement d’un baromètre traditionnel, on peut extrapoler de la même manière le temps qu’il fait en fonction de la pression. Ainsi, en définissant des intervalles de pression, on peut choisir d’afficher l’icône correspondante ce qui rend notre application plus visuelle.</a:t>
+            </a:r>
+          </a:p>
+        </p:txBody>
+      </p:sp>
+      <p:sp>
+        <p:nvSpPr>
+          <p:cNvPr id="4" name="Espace réservé de la date 3"/>
+          <p:cNvSpPr>
+            <a:spLocks noGrp="1"/>
+          </p:cNvSpPr>
+          <p:nvPr>
+            <p:ph type="dt" idx="1"/>
+          </p:nvPr>
+        </p:nvSpPr>
+        <p:spPr/>
+        <p:txBody>
+          <a:bodyPr/>
+          <a:lstStyle/>
+          <a:p>
+            <a:pPr rtl="0"/>
+            <a:fld id="{139F4AB6-716B-4E95-AAD2-DB349D9AC9BA}" type="datetime1">
+              <a:rPr lang="fr-FR" smtClean="0"/>
+              <a:t>23/06/2021</a:t>
+            </a:fld>
+            <a:endParaRPr lang="en-US"/>
+          </a:p>
+        </p:txBody>
+      </p:sp>
+      <p:sp>
+        <p:nvSpPr>
+          <p:cNvPr id="5" name="Espace réservé du numéro de diapositive 4"/>
+          <p:cNvSpPr>
+            <a:spLocks noGrp="1"/>
+          </p:cNvSpPr>
+          <p:nvPr>
+            <p:ph type="sldNum" sz="quarter" idx="5"/>
+          </p:nvPr>
+        </p:nvSpPr>
+        <p:spPr/>
+        <p:txBody>
+          <a:bodyPr/>
+          <a:lstStyle/>
+          <a:p>
+            <a:pPr rtl="0"/>
+            <a:fld id="{37A705E3-E620-489D-9973-6221209A4B3B}" type="slidenum">
+              <a:rPr lang="en-US" smtClean="0"/>
+              <a:t>41</a:t>
+            </a:fld>
+            <a:endParaRPr lang="en-US"/>
+          </a:p>
+        </p:txBody>
+      </p:sp>
+    </p:spTree>
+    <p:extLst>
+      <p:ext uri="{BB962C8B-B14F-4D97-AF65-F5344CB8AC3E}">
         <p14:creationId xmlns:p14="http://schemas.microsoft.com/office/powerpoint/2010/main" val="1492101514"/>
+      </p:ext>
+    </p:extLst>
+  </p:cSld>
+  <p:clrMapOvr>
+    <a:masterClrMapping/>
+  </p:clrMapOvr>
+</p:notes>
+</file>
+
+<file path=ppt/notesSlides/notesSlide8.xml><?xml version="1.0" encoding="utf-8"?>
+<p:notes xmlns:a="http://schemas.openxmlformats.org/drawingml/2006/main" xmlns:r="http://schemas.openxmlformats.org/officeDocument/2006/relationships" xmlns:p="http://schemas.openxmlformats.org/presentationml/2006/main">
+  <p:cSld>
+    <p:spTree>
+      <p:nvGrpSpPr>
+        <p:cNvPr id="1" name=""/>
+        <p:cNvGrpSpPr/>
+        <p:nvPr/>
+      </p:nvGrpSpPr>
+      <p:grpSpPr>
+        <a:xfrm>
+          <a:off x="0" y="0"/>
+          <a:ext cx="0" cy="0"/>
+          <a:chOff x="0" y="0"/>
+          <a:chExt cx="0" cy="0"/>
+        </a:xfrm>
+      </p:grpSpPr>
+      <p:sp>
+        <p:nvSpPr>
+          <p:cNvPr id="2" name="Espace réservé de l'image des diapositives 1"/>
+          <p:cNvSpPr>
+            <a:spLocks noGrp="1" noRot="1" noChangeAspect="1"/>
+          </p:cNvSpPr>
+          <p:nvPr>
+            <p:ph type="sldImg"/>
+          </p:nvPr>
+        </p:nvSpPr>
+        <p:spPr/>
+      </p:sp>
+      <p:sp>
+        <p:nvSpPr>
+          <p:cNvPr id="3" name="Espace réservé des notes 2"/>
+          <p:cNvSpPr>
+            <a:spLocks noGrp="1"/>
+          </p:cNvSpPr>
+          <p:nvPr>
+            <p:ph type="body" idx="1"/>
+          </p:nvPr>
+        </p:nvSpPr>
+        <p:spPr/>
+        <p:txBody>
+          <a:bodyPr/>
+          <a:lstStyle/>
+          <a:p>
+            <a:r>
+              <a:rPr lang="fr-FR" dirty="0"/>
+              <a:t>Création de graphiques pour une lecture rapide et informative de la tendance de chaque paramètres.</a:t>
+            </a:r>
+          </a:p>
+        </p:txBody>
+      </p:sp>
+      <p:sp>
+        <p:nvSpPr>
+          <p:cNvPr id="4" name="Espace réservé de la date 3"/>
+          <p:cNvSpPr>
+            <a:spLocks noGrp="1"/>
+          </p:cNvSpPr>
+          <p:nvPr>
+            <p:ph type="dt" idx="1"/>
+          </p:nvPr>
+        </p:nvSpPr>
+        <p:spPr/>
+        <p:txBody>
+          <a:bodyPr/>
+          <a:lstStyle/>
+          <a:p>
+            <a:pPr rtl="0"/>
+            <a:fld id="{139F4AB6-716B-4E95-AAD2-DB349D9AC9BA}" type="datetime1">
+              <a:rPr lang="fr-FR" smtClean="0"/>
+              <a:t>23/06/2021</a:t>
+            </a:fld>
+            <a:endParaRPr lang="en-US"/>
+          </a:p>
+        </p:txBody>
+      </p:sp>
+      <p:sp>
+        <p:nvSpPr>
+          <p:cNvPr id="5" name="Espace réservé du numéro de diapositive 4"/>
+          <p:cNvSpPr>
+            <a:spLocks noGrp="1"/>
+          </p:cNvSpPr>
+          <p:nvPr>
+            <p:ph type="sldNum" sz="quarter" idx="5"/>
+          </p:nvPr>
+        </p:nvSpPr>
+        <p:spPr/>
+        <p:txBody>
+          <a:bodyPr/>
+          <a:lstStyle/>
+          <a:p>
+            <a:pPr rtl="0"/>
+            <a:fld id="{37A705E3-E620-489D-9973-6221209A4B3B}" type="slidenum">
+              <a:rPr lang="en-US" smtClean="0"/>
+              <a:t>42</a:t>
+            </a:fld>
+            <a:endParaRPr lang="en-US"/>
+          </a:p>
+        </p:txBody>
+      </p:sp>
+    </p:spTree>
+    <p:extLst>
+      <p:ext uri="{BB962C8B-B14F-4D97-AF65-F5344CB8AC3E}">
+        <p14:creationId xmlns:p14="http://schemas.microsoft.com/office/powerpoint/2010/main" val="1122376214"/>
+      </p:ext>
+    </p:extLst>
+  </p:cSld>
+  <p:clrMapOvr>
+    <a:masterClrMapping/>
+  </p:clrMapOvr>
+</p:notes>
+</file>
+
+<file path=ppt/notesSlides/notesSlide9.xml><?xml version="1.0" encoding="utf-8"?>
+<p:notes xmlns:a="http://schemas.openxmlformats.org/drawingml/2006/main" xmlns:r="http://schemas.openxmlformats.org/officeDocument/2006/relationships" xmlns:p="http://schemas.openxmlformats.org/presentationml/2006/main">
+  <p:cSld>
+    <p:spTree>
+      <p:nvGrpSpPr>
+        <p:cNvPr id="1" name=""/>
+        <p:cNvGrpSpPr/>
+        <p:nvPr/>
+      </p:nvGrpSpPr>
+      <p:grpSpPr>
+        <a:xfrm>
+          <a:off x="0" y="0"/>
+          <a:ext cx="0" cy="0"/>
+          <a:chOff x="0" y="0"/>
+          <a:chExt cx="0" cy="0"/>
+        </a:xfrm>
+      </p:grpSpPr>
+      <p:sp>
+        <p:nvSpPr>
+          <p:cNvPr id="2" name="Espace réservé de l'image des diapositives 1"/>
+          <p:cNvSpPr>
+            <a:spLocks noGrp="1" noRot="1" noChangeAspect="1"/>
+          </p:cNvSpPr>
+          <p:nvPr>
+            <p:ph type="sldImg"/>
+          </p:nvPr>
+        </p:nvSpPr>
+        <p:spPr/>
+      </p:sp>
+      <p:sp>
+        <p:nvSpPr>
+          <p:cNvPr id="3" name="Espace réservé des notes 2"/>
+          <p:cNvSpPr>
+            <a:spLocks noGrp="1"/>
+          </p:cNvSpPr>
+          <p:nvPr>
+            <p:ph type="body" idx="1"/>
+          </p:nvPr>
+        </p:nvSpPr>
+        <p:spPr/>
+        <p:txBody>
+          <a:bodyPr/>
+          <a:lstStyle/>
+          <a:p>
+            <a:r>
+              <a:rPr lang="fr-FR" dirty="0"/>
+              <a:t>Pour effectuer la traduction, nous avons utilisé </a:t>
+            </a:r>
+            <a:r>
+              <a:rPr lang="fr-FR" dirty="0" err="1"/>
+              <a:t>QtLinguist</a:t>
+            </a:r>
+            <a:r>
+              <a:rPr lang="fr-FR" dirty="0"/>
+              <a:t> et ainsi que les fonctions de traductions préexistantes disponible avec le Framework Qt.</a:t>
+            </a:r>
+          </a:p>
+          <a:p>
+            <a:r>
+              <a:rPr lang="fr-FR" dirty="0"/>
+              <a:t>Concrètement, cela consiste à signaler les variable de notre code contenant du texte à afficher à l’écran. </a:t>
+            </a:r>
+          </a:p>
+          <a:p>
+            <a:endParaRPr lang="fr-FR" dirty="0"/>
+          </a:p>
+          <a:p>
+            <a:r>
+              <a:rPr lang="fr-FR" dirty="0"/>
+              <a:t>Exemple à l’écran : ligne de code qui ne sera pas traduite vs ligne de code signalée et traduisible.</a:t>
+            </a:r>
+          </a:p>
+          <a:p>
+            <a:r>
+              <a:rPr lang="fr-FR" dirty="0"/>
+              <a:t>De cette </a:t>
+            </a:r>
+            <a:r>
+              <a:rPr lang="fr-FR" dirty="0" err="1"/>
+              <a:t>facon</a:t>
+            </a:r>
+            <a:r>
+              <a:rPr lang="fr-FR" dirty="0"/>
+              <a:t>, il suffit de lancer un utilitaire qui va scanner notre code et préparer un fichier de traduction que nous pourrons ensuite éditer avec </a:t>
+            </a:r>
+            <a:r>
+              <a:rPr lang="fr-FR" dirty="0" err="1"/>
+              <a:t>QTLinguist</a:t>
+            </a:r>
+            <a:r>
+              <a:rPr lang="fr-FR" dirty="0"/>
+              <a:t>.</a:t>
+            </a:r>
+          </a:p>
+        </p:txBody>
+      </p:sp>
+      <p:sp>
+        <p:nvSpPr>
+          <p:cNvPr id="4" name="Espace réservé de la date 3"/>
+          <p:cNvSpPr>
+            <a:spLocks noGrp="1"/>
+          </p:cNvSpPr>
+          <p:nvPr>
+            <p:ph type="dt" idx="1"/>
+          </p:nvPr>
+        </p:nvSpPr>
+        <p:spPr/>
+        <p:txBody>
+          <a:bodyPr/>
+          <a:lstStyle/>
+          <a:p>
+            <a:pPr rtl="0"/>
+            <a:fld id="{139F4AB6-716B-4E95-AAD2-DB349D9AC9BA}" type="datetime1">
+              <a:rPr lang="fr-FR" smtClean="0"/>
+              <a:t>23/06/2021</a:t>
+            </a:fld>
+            <a:endParaRPr lang="en-US"/>
+          </a:p>
+        </p:txBody>
+      </p:sp>
+      <p:sp>
+        <p:nvSpPr>
+          <p:cNvPr id="5" name="Espace réservé du numéro de diapositive 4"/>
+          <p:cNvSpPr>
+            <a:spLocks noGrp="1"/>
+          </p:cNvSpPr>
+          <p:nvPr>
+            <p:ph type="sldNum" sz="quarter" idx="5"/>
+          </p:nvPr>
+        </p:nvSpPr>
+        <p:spPr/>
+        <p:txBody>
+          <a:bodyPr/>
+          <a:lstStyle/>
+          <a:p>
+            <a:pPr rtl="0"/>
+            <a:fld id="{37A705E3-E620-489D-9973-6221209A4B3B}" type="slidenum">
+              <a:rPr lang="en-US" smtClean="0"/>
+              <a:t>43</a:t>
+            </a:fld>
+            <a:endParaRPr lang="en-US"/>
+          </a:p>
+        </p:txBody>
+      </p:sp>
+    </p:spTree>
+    <p:extLst>
+      <p:ext uri="{BB962C8B-B14F-4D97-AF65-F5344CB8AC3E}">
+        <p14:creationId xmlns:p14="http://schemas.microsoft.com/office/powerpoint/2010/main" val="1448152584"/>
       </p:ext>
     </p:extLst>
   </p:cSld>
@@ -1805,7 +2552,7 @@
             <a:pPr rtl="0"/>
             <a:fld id="{43B6331D-8BD5-4AF5-97EE-8FB3C79FE924}" type="datetime1">
               <a:rPr lang="fr-FR" smtClean="0"/>
-              <a:t>22/06/2021</a:t>
+              <a:t>23/06/2021</a:t>
             </a:fld>
             <a:endParaRPr lang="en-US" dirty="0"/>
           </a:p>
@@ -2011,7 +2758,7 @@
             <a:pPr rtl="0"/>
             <a:fld id="{C09D1B91-EF9C-42FB-BBE2-597FDE1B14D7}" type="datetime1">
               <a:rPr lang="fr-FR" smtClean="0"/>
-              <a:t>22/06/2021</a:t>
+              <a:t>23/06/2021</a:t>
             </a:fld>
             <a:endParaRPr lang="en-US"/>
           </a:p>
@@ -2199,7 +2946,7 @@
             <a:pPr rtl="0"/>
             <a:fld id="{2F733226-97BF-4FE9-8F44-80542C0EB53C}" type="datetime1">
               <a:rPr lang="fr-FR" smtClean="0"/>
-              <a:t>22/06/2021</a:t>
+              <a:t>23/06/2021</a:t>
             </a:fld>
             <a:endParaRPr lang="en-US"/>
           </a:p>
@@ -2373,7 +3120,7 @@
             <a:pPr rtl="0"/>
             <a:fld id="{802FE938-1586-4780-B61A-DD3B60BAB93C}" type="datetime1">
               <a:rPr lang="fr-FR" smtClean="0"/>
-              <a:t>22/06/2021</a:t>
+              <a:t>23/06/2021</a:t>
             </a:fld>
             <a:endParaRPr lang="en-US"/>
           </a:p>
@@ -2976,7 +3723,7 @@
             <a:pPr rtl="0"/>
             <a:fld id="{57CE27EF-4081-4F92-AC85-8FD255C3955B}" type="datetime1">
               <a:rPr lang="fr-FR" smtClean="0"/>
-              <a:t>22/06/2021</a:t>
+              <a:t>23/06/2021</a:t>
             </a:fld>
             <a:endParaRPr lang="en-US" dirty="0"/>
           </a:p>
@@ -3300,7 +4047,7 @@
             <a:pPr rtl="0"/>
             <a:fld id="{22E52E25-1182-4E86-836C-7D703787597C}" type="datetime1">
               <a:rPr lang="fr-FR" smtClean="0"/>
-              <a:t>22/06/2021</a:t>
+              <a:t>23/06/2021</a:t>
             </a:fld>
             <a:endParaRPr lang="en-US"/>
           </a:p>
@@ -3741,7 +4488,7 @@
             <a:pPr rtl="0"/>
             <a:fld id="{007B49E2-AD49-4B10-A213-CF194D4A25A3}" type="datetime1">
               <a:rPr lang="fr-FR" smtClean="0"/>
-              <a:t>22/06/2021</a:t>
+              <a:t>23/06/2021</a:t>
             </a:fld>
             <a:endParaRPr lang="en-US"/>
           </a:p>
@@ -3863,7 +4610,7 @@
             <a:pPr rtl="0"/>
             <a:fld id="{25FB4F25-64BB-460E-8192-B4AC51BA66FC}" type="datetime1">
               <a:rPr lang="fr-FR" smtClean="0"/>
-              <a:t>22/06/2021</a:t>
+              <a:t>23/06/2021</a:t>
             </a:fld>
             <a:endParaRPr lang="en-US"/>
           </a:p>
@@ -3961,7 +4708,7 @@
             <a:pPr rtl="0"/>
             <a:fld id="{2BD66AC7-6890-4F0E-B000-A39D822B7C00}" type="datetime1">
               <a:rPr lang="fr-FR" smtClean="0"/>
-              <a:t>22/06/2021</a:t>
+              <a:t>23/06/2021</a:t>
             </a:fld>
             <a:endParaRPr lang="en-US"/>
           </a:p>
@@ -4382,7 +5129,7 @@
             <a:pPr rtl="0"/>
             <a:fld id="{F7B0F5FB-B743-44F1-84BA-99C248DB6023}" type="datetime1">
               <a:rPr lang="fr-FR" smtClean="0"/>
-              <a:t>22/06/2021</a:t>
+              <a:t>23/06/2021</a:t>
             </a:fld>
             <a:endParaRPr lang="en-US"/>
           </a:p>
@@ -4647,7 +5394,7 @@
             <a:pPr rtl="0"/>
             <a:fld id="{C80E5F3D-7A62-48B1-A43E-C6091B37429D}" type="datetime1">
               <a:rPr lang="fr-FR" smtClean="0"/>
-              <a:t>22/06/2021</a:t>
+              <a:t>23/06/2021</a:t>
             </a:fld>
             <a:endParaRPr lang="en-US" dirty="0"/>
           </a:p>
@@ -5167,7 +5914,7 @@
             <a:pPr rtl="0"/>
             <a:fld id="{020D9D58-8984-498B-A4DA-61EAC8A72DD8}" type="datetime1">
               <a:rPr lang="fr-FR" smtClean="0"/>
-              <a:t>22/06/2021</a:t>
+              <a:t>23/06/2021</a:t>
             </a:fld>
             <a:endParaRPr lang="en-US" dirty="0"/>
           </a:p>
@@ -6061,7 +6808,7 @@
             <a:pPr rtl="0"/>
             <a:fld id="{25FB4F25-64BB-460E-8192-B4AC51BA66FC}" type="datetime1">
               <a:rPr lang="fr-FR" smtClean="0"/>
-              <a:t>22/06/2021</a:t>
+              <a:t>23/06/2021</a:t>
             </a:fld>
             <a:endParaRPr lang="en-US"/>
           </a:p>
@@ -6965,7 +7712,7 @@
             <a:pPr rtl="0"/>
             <a:fld id="{25FB4F25-64BB-460E-8192-B4AC51BA66FC}" type="datetime1">
               <a:rPr lang="fr-FR" smtClean="0"/>
-              <a:t>22/06/2021</a:t>
+              <a:t>23/06/2021</a:t>
             </a:fld>
             <a:endParaRPr lang="en-US"/>
           </a:p>
@@ -8750,7 +9497,7 @@
             <a:pPr rtl="0"/>
             <a:fld id="{25FB4F25-64BB-460E-8192-B4AC51BA66FC}" type="datetime1">
               <a:rPr lang="fr-FR" smtClean="0"/>
-              <a:t>22/06/2021</a:t>
+              <a:t>23/06/2021</a:t>
             </a:fld>
             <a:endParaRPr lang="en-US"/>
           </a:p>
@@ -10285,7 +11032,7 @@
             <a:pPr rtl="0"/>
             <a:fld id="{25FB4F25-64BB-460E-8192-B4AC51BA66FC}" type="datetime1">
               <a:rPr lang="fr-FR" smtClean="0"/>
-              <a:t>22/06/2021</a:t>
+              <a:t>23/06/2021</a:t>
             </a:fld>
             <a:endParaRPr lang="en-US"/>
           </a:p>
@@ -11064,7 +11811,7 @@
             <a:pPr rtl="0"/>
             <a:fld id="{802FE938-1586-4780-B61A-DD3B60BAB93C}" type="datetime1">
               <a:rPr lang="fr-FR" smtClean="0"/>
-              <a:t>22/06/2021</a:t>
+              <a:t>23/06/2021</a:t>
             </a:fld>
             <a:endParaRPr lang="en-US"/>
           </a:p>
@@ -11217,7 +11964,7 @@
             <a:pPr rtl="0"/>
             <a:fld id="{802FE938-1586-4780-B61A-DD3B60BAB93C}" type="datetime1">
               <a:rPr lang="fr-FR" smtClean="0"/>
-              <a:t>22/06/2021</a:t>
+              <a:t>23/06/2021</a:t>
             </a:fld>
             <a:endParaRPr lang="en-US"/>
           </a:p>
@@ -11333,7 +12080,7 @@
             <a:pPr rtl="0"/>
             <a:fld id="{802FE938-1586-4780-B61A-DD3B60BAB93C}" type="datetime1">
               <a:rPr lang="fr-FR" smtClean="0"/>
-              <a:t>22/06/2021</a:t>
+              <a:t>23/06/2021</a:t>
             </a:fld>
             <a:endParaRPr lang="en-US"/>
           </a:p>
@@ -11421,7 +12168,7 @@
             <a:pPr rtl="0"/>
             <a:fld id="{802FE938-1586-4780-B61A-DD3B60BAB93C}" type="datetime1">
               <a:rPr lang="fr-FR" smtClean="0"/>
-              <a:t>22/06/2021</a:t>
+              <a:t>23/06/2021</a:t>
             </a:fld>
             <a:endParaRPr lang="en-US"/>
           </a:p>
@@ -11680,7 +12427,7 @@
             <a:pPr rtl="0"/>
             <a:fld id="{802FE938-1586-4780-B61A-DD3B60BAB93C}" type="datetime1">
               <a:rPr lang="fr-FR" smtClean="0"/>
-              <a:t>22/06/2021</a:t>
+              <a:t>23/06/2021</a:t>
             </a:fld>
             <a:endParaRPr lang="en-US"/>
           </a:p>
@@ -11842,7 +12589,7 @@
             <a:pPr rtl="0"/>
             <a:fld id="{802FE938-1586-4780-B61A-DD3B60BAB93C}" type="datetime1">
               <a:rPr lang="fr-FR" smtClean="0"/>
-              <a:t>22/06/2021</a:t>
+              <a:t>23/06/2021</a:t>
             </a:fld>
             <a:endParaRPr lang="en-US"/>
           </a:p>
@@ -11958,7 +12705,7 @@
             <a:pPr rtl="0"/>
             <a:fld id="{802FE938-1586-4780-B61A-DD3B60BAB93C}" type="datetime1">
               <a:rPr lang="fr-FR" smtClean="0"/>
-              <a:t>22/06/2021</a:t>
+              <a:t>23/06/2021</a:t>
             </a:fld>
             <a:endParaRPr lang="en-US" dirty="0"/>
           </a:p>
@@ -12321,7 +13068,7 @@
             <a:pPr rtl="0"/>
             <a:fld id="{802FE938-1586-4780-B61A-DD3B60BAB93C}" type="datetime1">
               <a:rPr lang="fr-FR" smtClean="0"/>
-              <a:t>22/06/2021</a:t>
+              <a:t>23/06/2021</a:t>
             </a:fld>
             <a:endParaRPr lang="en-US"/>
           </a:p>
@@ -12526,7 +13273,7 @@
             <a:pPr rtl="0"/>
             <a:fld id="{802FE938-1586-4780-B61A-DD3B60BAB93C}" type="datetime1">
               <a:rPr lang="fr-FR" smtClean="0"/>
-              <a:t>22/06/2021</a:t>
+              <a:t>23/06/2021</a:t>
             </a:fld>
             <a:endParaRPr lang="en-US"/>
           </a:p>
@@ -13327,7 +14074,7 @@
             <a:pPr rtl="0"/>
             <a:fld id="{802FE938-1586-4780-B61A-DD3B60BAB93C}" type="datetime1">
               <a:rPr lang="fr-FR" smtClean="0"/>
-              <a:t>22/06/2021</a:t>
+              <a:t>23/06/2021</a:t>
             </a:fld>
             <a:endParaRPr lang="en-US"/>
           </a:p>
@@ -13581,7 +14328,7 @@
             <a:pPr rtl="0"/>
             <a:fld id="{802FE938-1586-4780-B61A-DD3B60BAB93C}" type="datetime1">
               <a:rPr lang="fr-FR" smtClean="0"/>
-              <a:t>22/06/2021</a:t>
+              <a:t>23/06/2021</a:t>
             </a:fld>
             <a:endParaRPr lang="en-US"/>
           </a:p>
@@ -13886,7 +14633,7 @@
             <a:pPr rtl="0"/>
             <a:fld id="{802FE938-1586-4780-B61A-DD3B60BAB93C}" type="datetime1">
               <a:rPr lang="fr-FR" smtClean="0"/>
-              <a:t>22/06/2021</a:t>
+              <a:t>23/06/2021</a:t>
             </a:fld>
             <a:endParaRPr lang="en-US"/>
           </a:p>
@@ -14012,7 +14759,7 @@
             <a:pPr rtl="0"/>
             <a:fld id="{802FE938-1586-4780-B61A-DD3B60BAB93C}" type="datetime1">
               <a:rPr lang="fr-FR" smtClean="0"/>
-              <a:t>22/06/2021</a:t>
+              <a:t>23/06/2021</a:t>
             </a:fld>
             <a:endParaRPr lang="en-US"/>
           </a:p>
@@ -14252,7 +14999,7 @@
             <a:pPr rtl="0"/>
             <a:fld id="{802FE938-1586-4780-B61A-DD3B60BAB93C}" type="datetime1">
               <a:rPr lang="fr-FR" smtClean="0"/>
-              <a:t>22/06/2021</a:t>
+              <a:t>23/06/2021</a:t>
             </a:fld>
             <a:endParaRPr lang="en-US"/>
           </a:p>
@@ -14692,7 +15439,7 @@
             <a:pPr rtl="0"/>
             <a:fld id="{802FE938-1586-4780-B61A-DD3B60BAB93C}" type="datetime1">
               <a:rPr lang="fr-FR" smtClean="0"/>
-              <a:t>22/06/2021</a:t>
+              <a:t>23/06/2021</a:t>
             </a:fld>
             <a:endParaRPr lang="en-US" dirty="0"/>
           </a:p>
@@ -14802,7 +15549,7 @@
             <a:pPr rtl="0"/>
             <a:fld id="{802FE938-1586-4780-B61A-DD3B60BAB93C}" type="datetime1">
               <a:rPr lang="fr-FR" smtClean="0"/>
-              <a:t>22/06/2021</a:t>
+              <a:t>23/06/2021</a:t>
             </a:fld>
             <a:endParaRPr lang="en-US"/>
           </a:p>
@@ -15087,7 +15834,7 @@
             <a:pPr rtl="0"/>
             <a:fld id="{802FE938-1586-4780-B61A-DD3B60BAB93C}" type="datetime1">
               <a:rPr lang="fr-FR" smtClean="0"/>
-              <a:t>22/06/2021</a:t>
+              <a:t>23/06/2021</a:t>
             </a:fld>
             <a:endParaRPr lang="en-US"/>
           </a:p>
@@ -15309,7 +16056,7 @@
             <a:pPr rtl="0"/>
             <a:fld id="{802FE938-1586-4780-B61A-DD3B60BAB93C}" type="datetime1">
               <a:rPr lang="fr-FR" smtClean="0"/>
-              <a:t>22/06/2021</a:t>
+              <a:t>23/06/2021</a:t>
             </a:fld>
             <a:endParaRPr lang="en-US"/>
           </a:p>
@@ -15570,7 +16317,7 @@
             <a:pPr rtl="0"/>
             <a:fld id="{802FE938-1586-4780-B61A-DD3B60BAB93C}" type="datetime1">
               <a:rPr lang="fr-FR" smtClean="0"/>
-              <a:t>22/06/2021</a:t>
+              <a:t>23/06/2021</a:t>
             </a:fld>
             <a:endParaRPr lang="en-US"/>
           </a:p>
@@ -15919,7 +16666,7 @@
             <a:pPr rtl="0"/>
             <a:fld id="{802FE938-1586-4780-B61A-DD3B60BAB93C}" type="datetime1">
               <a:rPr lang="fr-FR" smtClean="0"/>
-              <a:t>22/06/2021</a:t>
+              <a:t>23/06/2021</a:t>
             </a:fld>
             <a:endParaRPr lang="en-US"/>
           </a:p>
@@ -16267,7 +17014,7 @@
             <a:pPr rtl="0"/>
             <a:fld id="{802FE938-1586-4780-B61A-DD3B60BAB93C}" type="datetime1">
               <a:rPr lang="fr-FR" smtClean="0"/>
-              <a:t>22/06/2021</a:t>
+              <a:t>23/06/2021</a:t>
             </a:fld>
             <a:endParaRPr lang="en-US"/>
           </a:p>
@@ -17370,7 +18117,7 @@
             <a:pPr rtl="0"/>
             <a:fld id="{802FE938-1586-4780-B61A-DD3B60BAB93C}" type="datetime1">
               <a:rPr lang="fr-FR" smtClean="0"/>
-              <a:t>22/06/2021</a:t>
+              <a:t>23/06/2021</a:t>
             </a:fld>
             <a:endParaRPr lang="en-US"/>
           </a:p>
@@ -17949,7 +18696,7 @@
             <a:pPr rtl="0"/>
             <a:fld id="{802FE938-1586-4780-B61A-DD3B60BAB93C}" type="datetime1">
               <a:rPr lang="fr-FR" smtClean="0"/>
-              <a:t>22/06/2021</a:t>
+              <a:t>23/06/2021</a:t>
             </a:fld>
             <a:endParaRPr lang="en-US"/>
           </a:p>
@@ -18398,7 +19145,7 @@
             <a:pPr rtl="0"/>
             <a:fld id="{802FE938-1586-4780-B61A-DD3B60BAB93C}" type="datetime1">
               <a:rPr lang="fr-FR" smtClean="0"/>
-              <a:t>22/06/2021</a:t>
+              <a:t>23/06/2021</a:t>
             </a:fld>
             <a:endParaRPr lang="en-US"/>
           </a:p>
@@ -18787,7 +19534,7 @@
             <a:pPr rtl="0"/>
             <a:fld id="{802FE938-1586-4780-B61A-DD3B60BAB93C}" type="datetime1">
               <a:rPr lang="fr-FR" smtClean="0"/>
-              <a:t>22/06/2021</a:t>
+              <a:t>23/06/2021</a:t>
             </a:fld>
             <a:endParaRPr lang="en-US"/>
           </a:p>
@@ -19006,7 +19753,7 @@
             <a:pPr rtl="0"/>
             <a:fld id="{802FE938-1586-4780-B61A-DD3B60BAB93C}" type="datetime1">
               <a:rPr lang="fr-FR" smtClean="0"/>
-              <a:t>22/06/2021</a:t>
+              <a:t>23/06/2021</a:t>
             </a:fld>
             <a:endParaRPr lang="en-US"/>
           </a:p>
@@ -19224,7 +19971,7 @@
             <a:pPr rtl="0"/>
             <a:fld id="{802FE938-1586-4780-B61A-DD3B60BAB93C}" type="datetime1">
               <a:rPr lang="fr-FR" smtClean="0"/>
-              <a:t>22/06/2021</a:t>
+              <a:t>23/06/2021</a:t>
             </a:fld>
             <a:endParaRPr lang="en-US"/>
           </a:p>
@@ -19359,6 +20106,47 @@
           <a:chExt cx="0" cy="0"/>
         </a:xfrm>
       </p:grpSpPr>
+      <p:cxnSp>
+        <p:nvCxnSpPr>
+          <p:cNvPr id="20" name="Connecteur droit avec flèche 19">
+            <a:extLst>
+              <a:ext uri="{FF2B5EF4-FFF2-40B4-BE49-F238E27FC236}">
+                <a16:creationId xmlns:a16="http://schemas.microsoft.com/office/drawing/2014/main" id="{8D7001E5-86EB-414D-AB52-37D2C49AA368}"/>
+              </a:ext>
+            </a:extLst>
+          </p:cNvPr>
+          <p:cNvCxnSpPr>
+            <a:cxnSpLocks/>
+          </p:cNvCxnSpPr>
+          <p:nvPr/>
+        </p:nvCxnSpPr>
+        <p:spPr>
+          <a:xfrm flipV="1">
+            <a:off x="2884714" y="3483232"/>
+            <a:ext cx="2841172" cy="827511"/>
+          </a:xfrm>
+          <a:prstGeom prst="straightConnector1">
+            <a:avLst/>
+          </a:prstGeom>
+          <a:ln w="57150">
+            <a:tailEnd type="triangle"/>
+          </a:ln>
+        </p:spPr>
+        <p:style>
+          <a:lnRef idx="3">
+            <a:schemeClr val="accent3"/>
+          </a:lnRef>
+          <a:fillRef idx="0">
+            <a:schemeClr val="accent3"/>
+          </a:fillRef>
+          <a:effectRef idx="2">
+            <a:schemeClr val="accent3"/>
+          </a:effectRef>
+          <a:fontRef idx="minor">
+            <a:schemeClr val="tx1"/>
+          </a:fontRef>
+        </p:style>
+      </p:cxnSp>
       <p:sp>
         <p:nvSpPr>
           <p:cNvPr id="5" name="Titre 1">
@@ -19389,7 +20177,7 @@
           <a:p>
             <a:r>
               <a:rPr lang="fr-FR" dirty="0"/>
-              <a:t>Ajout de fonctionnalités - Icônes</a:t>
+              <a:t>Fonctionnalités</a:t>
             </a:r>
           </a:p>
         </p:txBody>
@@ -19423,7 +20211,7 @@
             <a:pPr rtl="0"/>
             <a:fld id="{802FE938-1586-4780-B61A-DD3B60BAB93C}" type="datetime1">
               <a:rPr lang="fr-FR" smtClean="0"/>
-              <a:t>22/06/2021</a:t>
+              <a:t>23/06/2021</a:t>
             </a:fld>
             <a:endParaRPr lang="en-US"/>
           </a:p>
@@ -19472,7 +20260,7 @@
                   <a:prstClr val="black"/>
                 </a:solidFill>
               </a:rPr>
-              <a:t>Concevoir une application intuitive, design et pertinente</a:t>
+              <a:t>Récupération des paramètres température, pression, humidité</a:t>
             </a:r>
           </a:p>
           <a:p>
@@ -19493,163 +20281,42 @@
           </a:p>
         </p:txBody>
       </p:sp>
-      <p:pic>
-        <p:nvPicPr>
-          <p:cNvPr id="1026" name="Picture 2" descr="XLTWKK Thermomètre mural maison hygromètre baromètre baromètre marin  baromètre famille baromètre ménage mural: Amazon.fr: Sports et Loisirs">
-            <a:extLst>
-              <a:ext uri="{FF2B5EF4-FFF2-40B4-BE49-F238E27FC236}">
-                <a16:creationId xmlns:a16="http://schemas.microsoft.com/office/drawing/2014/main" id="{C58F336D-D5C3-4F0C-AA8F-A100A0D0E9C7}"/>
-              </a:ext>
-            </a:extLst>
-          </p:cNvPr>
-          <p:cNvPicPr>
-            <a:picLocks noChangeAspect="1" noChangeArrowheads="1"/>
-          </p:cNvPicPr>
+      <p:sp>
+        <p:nvSpPr>
+          <p:cNvPr id="15" name="Rectangle 14">
+            <a:extLst>
+              <a:ext uri="{FF2B5EF4-FFF2-40B4-BE49-F238E27FC236}">
+                <a16:creationId xmlns:a16="http://schemas.microsoft.com/office/drawing/2014/main" id="{BF84020D-EB28-43AB-97D3-886FAB7FC4CB}"/>
+              </a:ext>
+            </a:extLst>
+          </p:cNvPr>
+          <p:cNvSpPr/>
           <p:nvPr/>
-        </p:nvPicPr>
-        <p:blipFill>
-          <a:blip r:embed="rId3">
-            <a:extLst>
-              <a:ext uri="{BEBA8EAE-BF5A-486C-A8C5-ECC9F3942E4B}">
-                <a14:imgProps xmlns:a14="http://schemas.microsoft.com/office/drawing/2010/main">
-                  <a14:imgLayer r:embed="rId4">
-                    <a14:imgEffect>
-                      <a14:backgroundRemoval t="2353" b="98588" l="1412" r="98353">
-                        <a14:foregroundMark x1="8252" y1="25228" x2="1176" y2="45647"/>
-                        <a14:foregroundMark x1="1176" y1="45647" x2="1125" y2="51403"/>
-                        <a14:foregroundMark x1="16785" y1="86095" x2="45412" y2="97882"/>
-                        <a14:foregroundMark x1="45412" y1="97882" x2="54439" y2="98566"/>
-                        <a14:foregroundMark x1="88117" y1="80668" x2="96160" y2="58509"/>
-                        <a14:foregroundMark x1="97119" y1="42759" x2="97027" y2="38887"/>
-                        <a14:foregroundMark x1="70607" y1="5904" x2="38118" y2="2588"/>
-                        <a14:foregroundMark x1="38118" y1="2588" x2="25527" y2="7649"/>
-                        <a14:foregroundMark x1="19294" y1="12706" x2="19294" y2="12706"/>
-                        <a14:foregroundMark x1="21176" y1="11529" x2="21176" y2="11529"/>
-                        <a14:foregroundMark x1="90588" y1="28471" x2="90588" y2="28471"/>
-                        <a14:foregroundMark x1="92941" y1="33412" x2="92941" y2="33412"/>
-                        <a14:foregroundMark x1="93647" y1="39059" x2="93647" y2="39059"/>
-                        <a14:foregroundMark x1="94824" y1="44000" x2="94824" y2="44000"/>
-                        <a14:foregroundMark x1="96000" y1="63765" x2="96000" y2="63765"/>
-                        <a14:foregroundMark x1="81412" y1="84000" x2="81412" y2="84000"/>
-                        <a14:foregroundMark x1="69412" y1="92000" x2="69412" y2="92000"/>
-                        <a14:foregroundMark x1="56000" y1="93412" x2="56000" y2="93412"/>
-                        <a14:foregroundMark x1="50353" y1="95294" x2="50353" y2="95294"/>
-                        <a14:foregroundMark x1="18588" y1="82353" x2="18588" y2="82353"/>
-                        <a14:foregroundMark x1="10588" y1="70118" x2="10588" y2="70118"/>
-                        <a14:foregroundMark x1="8000" y1="66353" x2="8000" y2="66353"/>
-                        <a14:foregroundMark x1="21176" y1="11294" x2="21176" y2="11294"/>
-                        <a14:foregroundMark x1="21539" y1="10959" x2="20706" y2="12000"/>
-                        <a14:foregroundMark x1="21176" y1="11294" x2="16000" y2="17176"/>
-                        <a14:foregroundMark x1="76706" y1="9647" x2="83294" y2="15294"/>
-                        <a14:foregroundMark x1="97882" y1="43294" x2="98118" y2="51059"/>
-                        <a14:foregroundMark x1="98588" y1="49882" x2="97176" y2="59765"/>
-                        <a14:foregroundMark x1="41647" y1="98118" x2="53412" y2="98588"/>
-                        <a14:foregroundMark x1="63684" y1="96355" x2="64235" y2="96235"/>
-                        <a14:foregroundMark x1="53412" y1="98588" x2="54315" y2="98392"/>
-                        <a14:foregroundMark x1="26353" y1="7294" x2="20706" y2="11294"/>
-                        <a14:foregroundMark x1="14353" y1="16941" x2="11811" y2="19737"/>
-                        <a14:backgroundMark x1="13318" y1="16177" x2="13981" y2="15719"/>
-                        <a14:backgroundMark x1="15069" y1="12205" x2="9412" y2="13647"/>
-                        <a14:backgroundMark x1="9412" y1="13647" x2="10346" y2="15431"/>
-                        <a14:backgroundMark x1="1647" y1="68000" x2="1647" y2="68000"/>
-                        <a14:backgroundMark x1="235" y1="62118" x2="4471" y2="77647"/>
-                        <a14:backgroundMark x1="4941" y1="76941" x2="13176" y2="84941"/>
-                        <a14:backgroundMark x1="13647" y1="85176" x2="14824" y2="86118"/>
-                        <a14:backgroundMark x1="14588" y1="84706" x2="14588" y2="84706"/>
-                        <a14:backgroundMark x1="14353" y1="84706" x2="14353" y2="84706"/>
-                        <a14:backgroundMark x1="63128" y1="98212" x2="86118" y2="87529"/>
-                        <a14:backgroundMark x1="86118" y1="87529" x2="89647" y2="84471"/>
-                        <a14:backgroundMark x1="88706" y1="83059" x2="85882" y2="84706"/>
-                        <a14:backgroundMark x1="84286" y1="14439" x2="91294" y2="20235"/>
-                        <a14:backgroundMark x1="72235" y1="4471" x2="77581" y2="8893"/>
-                        <a14:backgroundMark x1="91294" y1="20235" x2="99765" y2="37647"/>
-                        <a14:backgroundMark x1="92235" y1="20471" x2="92235" y2="20471"/>
-                        <a14:backgroundMark x1="471" y1="55765" x2="1882" y2="63059"/>
-                        <a14:backgroundMark x1="8991" y1="21634" x2="6824" y2="24235"/>
-                        <a14:backgroundMark x1="92235" y1="20000" x2="92235" y2="20000"/>
-                        <a14:backgroundMark x1="91529" y1="18824" x2="92471" y2="21176"/>
-                        <a14:backgroundMark x1="99294" y1="42824" x2="99281" y2="43252"/>
-                        <a14:backgroundMark x1="64941" y1="98118" x2="55294" y2="99765"/>
-                        <a14:backgroundMark x1="88706" y1="80941" x2="87529" y2="83294"/>
-                        <a14:backgroundMark x1="13176" y1="84706" x2="16000" y2="86824"/>
-                        <a14:backgroundMark x1="11059" y1="19294" x2="8235" y2="23529"/>
-                        <a14:backgroundMark x1="235" y1="51529" x2="1412" y2="59765"/>
-                      </a14:backgroundRemoval>
-                    </a14:imgEffect>
-                  </a14:imgLayer>
-                </a14:imgProps>
-              </a:ext>
-              <a:ext uri="{28A0092B-C50C-407E-A947-70E740481C1C}">
-                <a14:useLocalDpi xmlns:a14="http://schemas.microsoft.com/office/drawing/2010/main" val="0"/>
-              </a:ext>
-            </a:extLst>
-          </a:blip>
-          <a:srcRect/>
-          <a:stretch>
-            <a:fillRect/>
-          </a:stretch>
-        </p:blipFill>
-        <p:spPr bwMode="auto">
-          <a:xfrm>
-            <a:off x="1066800" y="1904619"/>
-            <a:ext cx="4048125" cy="4048125"/>
+        </p:nvSpPr>
+        <p:spPr>
+          <a:xfrm>
+            <a:off x="1214846" y="3062634"/>
+            <a:ext cx="1800000" cy="2227823"/>
           </a:xfrm>
           <a:prstGeom prst="rect">
             <a:avLst/>
           </a:prstGeom>
-          <a:noFill/>
-          <a:extLst>
-            <a:ext uri="{909E8E84-426E-40DD-AFC4-6F175D3DCCD1}">
-              <a14:hiddenFill xmlns:a14="http://schemas.microsoft.com/office/drawing/2010/main">
-                <a:solidFill>
-                  <a:srgbClr val="FFFFFF"/>
-                </a:solidFill>
-              </a14:hiddenFill>
-            </a:ext>
-          </a:extLst>
-        </p:spPr>
-      </p:pic>
-      <p:sp>
-        <p:nvSpPr>
-          <p:cNvPr id="2" name="Arc 1">
-            <a:extLst>
-              <a:ext uri="{FF2B5EF4-FFF2-40B4-BE49-F238E27FC236}">
-                <a16:creationId xmlns:a16="http://schemas.microsoft.com/office/drawing/2014/main" id="{00BEC3AA-8F15-48CB-89EC-5B218ADF0DF9}"/>
-              </a:ext>
-            </a:extLst>
-          </p:cNvPr>
-          <p:cNvSpPr/>
-          <p:nvPr/>
-        </p:nvSpPr>
-        <p:spPr>
-          <a:xfrm>
-            <a:off x="1699480" y="2521461"/>
-            <a:ext cx="2772000" cy="2772000"/>
-          </a:xfrm>
-          <a:prstGeom prst="arc">
-            <a:avLst>
-              <a:gd name="adj1" fmla="val 8092805"/>
-              <a:gd name="adj2" fmla="val 14514872"/>
-            </a:avLst>
-          </a:prstGeom>
-          <a:ln w="57150">
-            <a:solidFill>
-              <a:srgbClr val="FF0000"/>
-            </a:solidFill>
-          </a:ln>
+          <a:solidFill>
+            <a:srgbClr val="00B0F0"/>
+          </a:solidFill>
         </p:spPr>
         <p:style>
-          <a:lnRef idx="1">
-            <a:schemeClr val="accent1"/>
+          <a:lnRef idx="0">
+            <a:schemeClr val="accent3"/>
           </a:lnRef>
-          <a:fillRef idx="0">
-            <a:schemeClr val="accent1"/>
+          <a:fillRef idx="3">
+            <a:schemeClr val="accent3"/>
           </a:fillRef>
-          <a:effectRef idx="0">
-            <a:schemeClr val="accent1"/>
+          <a:effectRef idx="3">
+            <a:schemeClr val="accent3"/>
           </a:effectRef>
           <a:fontRef idx="minor">
-            <a:schemeClr val="tx1"/>
+            <a:schemeClr val="lt1"/>
           </a:fontRef>
         </p:style>
         <p:txBody>
@@ -19657,120 +20324,19 @@
           <a:lstStyle/>
           <a:p>
             <a:pPr algn="ctr"/>
-            <a:endParaRPr lang="en-US"/>
-          </a:p>
-        </p:txBody>
-      </p:sp>
-      <p:sp>
-        <p:nvSpPr>
-          <p:cNvPr id="8" name="Arc 7">
-            <a:extLst>
-              <a:ext uri="{FF2B5EF4-FFF2-40B4-BE49-F238E27FC236}">
-                <a16:creationId xmlns:a16="http://schemas.microsoft.com/office/drawing/2014/main" id="{FC423597-CA8D-412D-8138-B8ADE58AFC93}"/>
-              </a:ext>
-            </a:extLst>
-          </p:cNvPr>
-          <p:cNvSpPr/>
-          <p:nvPr/>
-        </p:nvSpPr>
-        <p:spPr>
-          <a:xfrm>
-            <a:off x="1718530" y="2530986"/>
-            <a:ext cx="2772000" cy="2772000"/>
-          </a:xfrm>
-          <a:prstGeom prst="arc">
-            <a:avLst>
-              <a:gd name="adj1" fmla="val 14556024"/>
-              <a:gd name="adj2" fmla="val 17752038"/>
-            </a:avLst>
-          </a:prstGeom>
-          <a:ln w="57150">
-            <a:solidFill>
-              <a:srgbClr val="00B0F0"/>
-            </a:solidFill>
-          </a:ln>
-        </p:spPr>
-        <p:style>
-          <a:lnRef idx="1">
-            <a:schemeClr val="accent1"/>
-          </a:lnRef>
-          <a:fillRef idx="0">
-            <a:schemeClr val="accent1"/>
-          </a:fillRef>
-          <a:effectRef idx="0">
-            <a:schemeClr val="accent1"/>
-          </a:effectRef>
-          <a:fontRef idx="minor">
-            <a:schemeClr val="tx1"/>
-          </a:fontRef>
-        </p:style>
-        <p:txBody>
-          <a:bodyPr rtlCol="0" anchor="ctr"/>
-          <a:lstStyle/>
-          <a:p>
-            <a:pPr algn="ctr"/>
-            <a:endParaRPr lang="en-US"/>
-          </a:p>
-        </p:txBody>
-      </p:sp>
-      <p:sp>
-        <p:nvSpPr>
-          <p:cNvPr id="9" name="Arc 8">
-            <a:extLst>
-              <a:ext uri="{FF2B5EF4-FFF2-40B4-BE49-F238E27FC236}">
-                <a16:creationId xmlns:a16="http://schemas.microsoft.com/office/drawing/2014/main" id="{B7A5C65C-9344-4088-A8EF-7EB68EF12D55}"/>
-              </a:ext>
-            </a:extLst>
-          </p:cNvPr>
-          <p:cNvSpPr/>
-          <p:nvPr/>
-        </p:nvSpPr>
-        <p:spPr>
-          <a:xfrm>
-            <a:off x="1728055" y="2530986"/>
-            <a:ext cx="2772000" cy="2772000"/>
-          </a:xfrm>
-          <a:prstGeom prst="arc">
-            <a:avLst>
-              <a:gd name="adj1" fmla="val 17719475"/>
-              <a:gd name="adj2" fmla="val 2692175"/>
-            </a:avLst>
-          </a:prstGeom>
-          <a:ln w="57150">
-            <a:solidFill>
-              <a:srgbClr val="00B050"/>
-            </a:solidFill>
-          </a:ln>
-        </p:spPr>
-        <p:style>
-          <a:lnRef idx="1">
-            <a:schemeClr val="accent1"/>
-          </a:lnRef>
-          <a:fillRef idx="0">
-            <a:schemeClr val="accent1"/>
-          </a:fillRef>
-          <a:effectRef idx="0">
-            <a:schemeClr val="accent1"/>
-          </a:effectRef>
-          <a:fontRef idx="minor">
-            <a:schemeClr val="tx1"/>
-          </a:fontRef>
-        </p:style>
-        <p:txBody>
-          <a:bodyPr rtlCol="0" anchor="ctr"/>
-          <a:lstStyle/>
-          <a:p>
-            <a:pPr algn="ctr"/>
-            <a:endParaRPr lang="en-US"/>
+            <a:r>
+              <a:rPr lang="fr-FR" sz="1400" dirty="0"/>
+              <a:t>Envoie requête serveur</a:t>
+            </a:r>
           </a:p>
         </p:txBody>
       </p:sp>
       <p:pic>
         <p:nvPicPr>
-          <p:cNvPr id="10" name="Image 9">
-            <a:extLst>
-              <a:ext uri="{FF2B5EF4-FFF2-40B4-BE49-F238E27FC236}">
-                <a16:creationId xmlns:a16="http://schemas.microsoft.com/office/drawing/2014/main" id="{25E74573-98AD-476E-B88F-21D1E7C6A2E4}"/>
+          <p:cNvPr id="26" name="Image 25">
+            <a:extLst>
+              <a:ext uri="{FF2B5EF4-FFF2-40B4-BE49-F238E27FC236}">
+                <a16:creationId xmlns:a16="http://schemas.microsoft.com/office/drawing/2014/main" id="{B7F60D9A-7D06-4A4A-9F09-291677CAC0A5}"/>
               </a:ext>
             </a:extLst>
           </p:cNvPr>
@@ -19780,7 +20346,7 @@
           <p:nvPr/>
         </p:nvPicPr>
         <p:blipFill>
-          <a:blip r:embed="rId5">
+          <a:blip r:embed="rId3">
             <a:extLst>
               <a:ext uri="{28A0092B-C50C-407E-A947-70E740481C1C}">
                 <a14:useLocalDpi xmlns:a14="http://schemas.microsoft.com/office/drawing/2010/main" val="0"/>
@@ -19793,105 +20359,69 @@
         </p:blipFill>
         <p:spPr>
           <a:xfrm>
-            <a:off x="7849596" y="1954295"/>
-            <a:ext cx="1440000" cy="1440000"/>
+            <a:off x="5823821" y="2443636"/>
+            <a:ext cx="5391902" cy="1486107"/>
           </a:xfrm>
           <a:prstGeom prst="rect">
             <a:avLst/>
           </a:prstGeom>
-          <a:ln>
-            <a:solidFill>
-              <a:srgbClr val="00B0F0"/>
-            </a:solidFill>
-          </a:ln>
         </p:spPr>
       </p:pic>
-      <p:pic>
-        <p:nvPicPr>
-          <p:cNvPr id="12" name="Image 11">
-            <a:extLst>
-              <a:ext uri="{FF2B5EF4-FFF2-40B4-BE49-F238E27FC236}">
-                <a16:creationId xmlns:a16="http://schemas.microsoft.com/office/drawing/2014/main" id="{8C366201-C981-4DFE-9C33-82FBBDD067F6}"/>
-              </a:ext>
-            </a:extLst>
-          </p:cNvPr>
-          <p:cNvPicPr>
-            <a:picLocks noChangeAspect="1"/>
-          </p:cNvPicPr>
+      <p:sp>
+        <p:nvSpPr>
+          <p:cNvPr id="29" name="Rectangle 28">
+            <a:extLst>
+              <a:ext uri="{FF2B5EF4-FFF2-40B4-BE49-F238E27FC236}">
+                <a16:creationId xmlns:a16="http://schemas.microsoft.com/office/drawing/2014/main" id="{B2C9A16F-16AF-4CA0-8B9F-00EB27D7884C}"/>
+              </a:ext>
+            </a:extLst>
+          </p:cNvPr>
+          <p:cNvSpPr/>
           <p:nvPr/>
-        </p:nvPicPr>
-        <p:blipFill>
-          <a:blip r:embed="rId6">
-            <a:extLst>
-              <a:ext uri="{28A0092B-C50C-407E-A947-70E740481C1C}">
-                <a14:useLocalDpi xmlns:a14="http://schemas.microsoft.com/office/drawing/2010/main" val="0"/>
-              </a:ext>
-            </a:extLst>
-          </a:blip>
-          <a:stretch>
-            <a:fillRect/>
-          </a:stretch>
-        </p:blipFill>
-        <p:spPr>
-          <a:xfrm>
-            <a:off x="6096000" y="3394295"/>
-            <a:ext cx="1440000" cy="1440000"/>
+        </p:nvSpPr>
+        <p:spPr>
+          <a:xfrm>
+            <a:off x="1214233" y="3062634"/>
+            <a:ext cx="1800000" cy="569950"/>
           </a:xfrm>
           <a:prstGeom prst="rect">
             <a:avLst/>
           </a:prstGeom>
-          <a:ln>
-            <a:solidFill>
-              <a:srgbClr val="FF0000"/>
-            </a:solidFill>
-          </a:ln>
-        </p:spPr>
-      </p:pic>
-      <p:pic>
-        <p:nvPicPr>
-          <p:cNvPr id="14" name="Image 13">
-            <a:extLst>
-              <a:ext uri="{FF2B5EF4-FFF2-40B4-BE49-F238E27FC236}">
-                <a16:creationId xmlns:a16="http://schemas.microsoft.com/office/drawing/2014/main" id="{53A25302-AF31-4257-968D-FC5F37D9C0B4}"/>
-              </a:ext>
-            </a:extLst>
-          </p:cNvPr>
-          <p:cNvPicPr>
-            <a:picLocks noChangeAspect="1"/>
-          </p:cNvPicPr>
-          <p:nvPr/>
-        </p:nvPicPr>
-        <p:blipFill>
-          <a:blip r:embed="rId7">
-            <a:extLst>
-              <a:ext uri="{28A0092B-C50C-407E-A947-70E740481C1C}">
-                <a14:useLocalDpi xmlns:a14="http://schemas.microsoft.com/office/drawing/2010/main" val="0"/>
-              </a:ext>
-            </a:extLst>
-          </a:blip>
-          <a:stretch>
-            <a:fillRect/>
-          </a:stretch>
-        </p:blipFill>
-        <p:spPr>
-          <a:xfrm>
-            <a:off x="9603193" y="3394295"/>
-            <a:ext cx="1440000" cy="1440000"/>
-          </a:xfrm>
-          <a:prstGeom prst="rect">
-            <a:avLst/>
-          </a:prstGeom>
-          <a:ln>
-            <a:solidFill>
-              <a:srgbClr val="00CC99"/>
-            </a:solidFill>
-          </a:ln>
-        </p:spPr>
-      </p:pic>
+          <a:solidFill>
+            <a:srgbClr val="00B0F0"/>
+          </a:solidFill>
+        </p:spPr>
+        <p:style>
+          <a:lnRef idx="0">
+            <a:schemeClr val="accent3"/>
+          </a:lnRef>
+          <a:fillRef idx="3">
+            <a:schemeClr val="accent3"/>
+          </a:fillRef>
+          <a:effectRef idx="3">
+            <a:schemeClr val="accent3"/>
+          </a:effectRef>
+          <a:fontRef idx="minor">
+            <a:schemeClr val="lt1"/>
+          </a:fontRef>
+        </p:style>
+        <p:txBody>
+          <a:bodyPr rtlCol="0" anchor="ctr"/>
+          <a:lstStyle/>
+          <a:p>
+            <a:pPr algn="ctr"/>
+            <a:r>
+              <a:rPr lang="fr-FR" sz="1200" dirty="0"/>
+              <a:t>Application Météo</a:t>
+            </a:r>
+            <a:endParaRPr lang="fr-FR" sz="1400" dirty="0"/>
+          </a:p>
+        </p:txBody>
+      </p:sp>
     </p:spTree>
     <p:extLst>
       <p:ext uri="{BB962C8B-B14F-4D97-AF65-F5344CB8AC3E}">
-        <p14:creationId xmlns:p14="http://schemas.microsoft.com/office/powerpoint/2010/main" val="571211001"/>
+        <p14:creationId xmlns:p14="http://schemas.microsoft.com/office/powerpoint/2010/main" val="562142817"/>
       </p:ext>
     </p:extLst>
   </p:cSld>
@@ -20122,7 +20652,7 @@
             <a:pPr rtl="0"/>
             <a:fld id="{802FE938-1586-4780-B61A-DD3B60BAB93C}" type="datetime1">
               <a:rPr lang="fr-FR" smtClean="0"/>
-              <a:t>22/06/2021</a:t>
+              <a:t>23/06/2021</a:t>
             </a:fld>
             <a:endParaRPr lang="en-US"/>
           </a:p>
@@ -20188,12 +20718,49 @@
           <a:chExt cx="0" cy="0"/>
         </a:xfrm>
       </p:grpSpPr>
-      <p:sp>
-        <p:nvSpPr>
-          <p:cNvPr id="5" name="Titre 4">
-            <a:extLst>
-              <a:ext uri="{FF2B5EF4-FFF2-40B4-BE49-F238E27FC236}">
-                <a16:creationId xmlns:a16="http://schemas.microsoft.com/office/drawing/2014/main" id="{B535D397-2E1B-4C1E-A392-E2A43916D949}"/>
+      <p:pic>
+        <p:nvPicPr>
+          <p:cNvPr id="9" name="Image 8">
+            <a:extLst>
+              <a:ext uri="{FF2B5EF4-FFF2-40B4-BE49-F238E27FC236}">
+                <a16:creationId xmlns:a16="http://schemas.microsoft.com/office/drawing/2014/main" id="{5D24852D-1542-4788-9B4E-A237FBDD8E6C}"/>
+              </a:ext>
+            </a:extLst>
+          </p:cNvPr>
+          <p:cNvPicPr>
+            <a:picLocks noChangeAspect="1"/>
+          </p:cNvPicPr>
+          <p:nvPr/>
+        </p:nvPicPr>
+        <p:blipFill>
+          <a:blip r:embed="rId3">
+            <a:alphaModFix amt="35000"/>
+            <a:extLst>
+              <a:ext uri="{28A0092B-C50C-407E-A947-70E740481C1C}">
+                <a14:useLocalDpi xmlns:a14="http://schemas.microsoft.com/office/drawing/2010/main" val="0"/>
+              </a:ext>
+            </a:extLst>
+          </a:blip>
+          <a:stretch>
+            <a:fillRect/>
+          </a:stretch>
+        </p:blipFill>
+        <p:spPr>
+          <a:xfrm>
+            <a:off x="4777681" y="2066002"/>
+            <a:ext cx="6697010" cy="3886742"/>
+          </a:xfrm>
+          <a:prstGeom prst="rect">
+            <a:avLst/>
+          </a:prstGeom>
+        </p:spPr>
+      </p:pic>
+      <p:sp>
+        <p:nvSpPr>
+          <p:cNvPr id="5" name="Titre 1">
+            <a:extLst>
+              <a:ext uri="{FF2B5EF4-FFF2-40B4-BE49-F238E27FC236}">
+                <a16:creationId xmlns:a16="http://schemas.microsoft.com/office/drawing/2014/main" id="{EAF59B4F-9428-4CC9-AD08-268A94AC5CF9}"/>
               </a:ext>
             </a:extLst>
           </p:cNvPr>
@@ -20201,55 +20768,34 @@
             <a:spLocks noGrp="1"/>
           </p:cNvSpPr>
           <p:nvPr>
-            <p:ph type="ctrTitle"/>
+            <p:ph type="title"/>
           </p:nvPr>
         </p:nvSpPr>
-        <p:spPr/>
-        <p:txBody>
-          <a:bodyPr/>
-          <a:lstStyle/>
-          <a:p>
-            <a:r>
-              <a:rPr lang="fr-FR" dirty="0"/>
-              <a:t>LA FINITION</a:t>
-            </a:r>
-          </a:p>
-        </p:txBody>
-      </p:sp>
-      <p:sp>
-        <p:nvSpPr>
-          <p:cNvPr id="6" name="Sous-titre 5">
-            <a:extLst>
-              <a:ext uri="{FF2B5EF4-FFF2-40B4-BE49-F238E27FC236}">
-                <a16:creationId xmlns:a16="http://schemas.microsoft.com/office/drawing/2014/main" id="{42DF712F-84EC-48F3-B510-83E590DD97F0}"/>
-              </a:ext>
-            </a:extLst>
-          </p:cNvPr>
-          <p:cNvSpPr>
-            <a:spLocks noGrp="1"/>
-          </p:cNvSpPr>
-          <p:nvPr>
-            <p:ph type="subTitle" idx="1"/>
-          </p:nvPr>
-        </p:nvSpPr>
-        <p:spPr/>
-        <p:txBody>
-          <a:bodyPr/>
-          <a:lstStyle/>
-          <a:p>
-            <a:r>
-              <a:rPr lang="fr-FR" dirty="0"/>
-              <a:t>DESIGN / OPTIMISATION / SIMPLIFCATION</a:t>
-            </a:r>
-          </a:p>
-        </p:txBody>
-      </p:sp>
-      <p:sp>
-        <p:nvSpPr>
-          <p:cNvPr id="4" name="Espace réservé de la date 3">
-            <a:extLst>
-              <a:ext uri="{FF2B5EF4-FFF2-40B4-BE49-F238E27FC236}">
-                <a16:creationId xmlns:a16="http://schemas.microsoft.com/office/drawing/2014/main" id="{030B0D3A-6441-43DC-BDBC-2E9EE16205E9}"/>
+        <p:spPr>
+          <a:xfrm>
+            <a:off x="1066800" y="642594"/>
+            <a:ext cx="10058400" cy="556814"/>
+          </a:xfrm>
+        </p:spPr>
+        <p:txBody>
+          <a:bodyPr>
+            <a:normAutofit fontScale="90000"/>
+          </a:bodyPr>
+          <a:lstStyle/>
+          <a:p>
+            <a:r>
+              <a:rPr lang="fr-FR" dirty="0"/>
+              <a:t>Fonctionnalités</a:t>
+            </a:r>
+          </a:p>
+        </p:txBody>
+      </p:sp>
+      <p:sp>
+        <p:nvSpPr>
+          <p:cNvPr id="7" name="Espace réservé de la date 3">
+            <a:extLst>
+              <a:ext uri="{FF2B5EF4-FFF2-40B4-BE49-F238E27FC236}">
+                <a16:creationId xmlns:a16="http://schemas.microsoft.com/office/drawing/2014/main" id="{D239ED06-4DCB-44DF-AA9C-1BD54E2823A9}"/>
               </a:ext>
             </a:extLst>
           </p:cNvPr>
@@ -20260,7 +20806,12 @@
             <p:ph type="dt" sz="half" idx="10"/>
           </p:nvPr>
         </p:nvSpPr>
-        <p:spPr/>
+        <p:spPr>
+          <a:xfrm>
+            <a:off x="7256794" y="6035040"/>
+            <a:ext cx="2893045" cy="365760"/>
+          </a:xfrm>
+        </p:spPr>
         <p:txBody>
           <a:bodyPr/>
           <a:lstStyle/>
@@ -20268,16 +20819,553 @@
             <a:pPr rtl="0"/>
             <a:fld id="{802FE938-1586-4780-B61A-DD3B60BAB93C}" type="datetime1">
               <a:rPr lang="fr-FR" smtClean="0"/>
-              <a:t>22/06/2021</a:t>
+              <a:t>23/06/2021</a:t>
             </a:fld>
             <a:endParaRPr lang="en-US"/>
+          </a:p>
+        </p:txBody>
+      </p:sp>
+      <p:sp>
+        <p:nvSpPr>
+          <p:cNvPr id="36" name="Espace réservé du contenu 2">
+            <a:extLst>
+              <a:ext uri="{FF2B5EF4-FFF2-40B4-BE49-F238E27FC236}">
+                <a16:creationId xmlns:a16="http://schemas.microsoft.com/office/drawing/2014/main" id="{3FF35677-6192-408A-AA48-73F50617F656}"/>
+              </a:ext>
+            </a:extLst>
+          </p:cNvPr>
+          <p:cNvSpPr>
+            <a:spLocks noGrp="1"/>
+          </p:cNvSpPr>
+          <p:nvPr>
+            <p:ph idx="1"/>
+          </p:nvPr>
+        </p:nvSpPr>
+        <p:spPr>
+          <a:xfrm>
+            <a:off x="1066800" y="1300348"/>
+            <a:ext cx="10058400" cy="4652396"/>
+          </a:xfrm>
+        </p:spPr>
+        <p:txBody>
+          <a:bodyPr>
+            <a:normAutofit/>
+          </a:bodyPr>
+          <a:lstStyle/>
+          <a:p>
+            <a:pPr marL="0" lvl="0" indent="0">
+              <a:buClr>
+                <a:prstClr val="black">
+                  <a:lumMod val="85000"/>
+                  <a:lumOff val="15000"/>
+                </a:prstClr>
+              </a:buClr>
+              <a:buNone/>
+            </a:pPr>
+            <a:r>
+              <a:rPr lang="fr-FR" sz="1500" dirty="0">
+                <a:solidFill>
+                  <a:prstClr val="black"/>
+                </a:solidFill>
+              </a:rPr>
+              <a:t>Récupération des paramètres température, pression, humidité</a:t>
+            </a:r>
+          </a:p>
+          <a:p>
+            <a:pPr marL="822960" lvl="3" indent="0">
+              <a:buNone/>
+            </a:pPr>
+            <a:endParaRPr lang="fr-FR" sz="1500" dirty="0">
+              <a:solidFill>
+                <a:prstClr val="black"/>
+              </a:solidFill>
+            </a:endParaRPr>
+          </a:p>
+          <a:p>
+            <a:pPr marL="0" indent="0">
+              <a:buNone/>
+            </a:pPr>
+            <a:endParaRPr lang="fr-FR" dirty="0"/>
+          </a:p>
+        </p:txBody>
+      </p:sp>
+      <p:sp>
+        <p:nvSpPr>
+          <p:cNvPr id="15" name="Rectangle 14">
+            <a:extLst>
+              <a:ext uri="{FF2B5EF4-FFF2-40B4-BE49-F238E27FC236}">
+                <a16:creationId xmlns:a16="http://schemas.microsoft.com/office/drawing/2014/main" id="{BF84020D-EB28-43AB-97D3-886FAB7FC4CB}"/>
+              </a:ext>
+            </a:extLst>
+          </p:cNvPr>
+          <p:cNvSpPr/>
+          <p:nvPr/>
+        </p:nvSpPr>
+        <p:spPr>
+          <a:xfrm>
+            <a:off x="717922" y="2431262"/>
+            <a:ext cx="1800000" cy="2227823"/>
+          </a:xfrm>
+          <a:prstGeom prst="rect">
+            <a:avLst/>
+          </a:prstGeom>
+          <a:solidFill>
+            <a:srgbClr val="00B0F0"/>
+          </a:solidFill>
+        </p:spPr>
+        <p:style>
+          <a:lnRef idx="0">
+            <a:schemeClr val="accent3"/>
+          </a:lnRef>
+          <a:fillRef idx="3">
+            <a:schemeClr val="accent3"/>
+          </a:fillRef>
+          <a:effectRef idx="3">
+            <a:schemeClr val="accent3"/>
+          </a:effectRef>
+          <a:fontRef idx="minor">
+            <a:schemeClr val="lt1"/>
+          </a:fontRef>
+        </p:style>
+        <p:txBody>
+          <a:bodyPr rtlCol="0" anchor="ctr"/>
+          <a:lstStyle/>
+          <a:p>
+            <a:pPr algn="ctr"/>
+            <a:endParaRPr lang="fr-FR" sz="1400" dirty="0"/>
+          </a:p>
+          <a:p>
+            <a:pPr algn="ctr"/>
+            <a:r>
+              <a:rPr lang="fr-FR" sz="1400" dirty="0"/>
+              <a:t>Traitement des infos pour affichage</a:t>
+            </a:r>
+          </a:p>
+        </p:txBody>
+      </p:sp>
+      <p:cxnSp>
+        <p:nvCxnSpPr>
+          <p:cNvPr id="20" name="Connecteur droit avec flèche 19">
+            <a:extLst>
+              <a:ext uri="{FF2B5EF4-FFF2-40B4-BE49-F238E27FC236}">
+                <a16:creationId xmlns:a16="http://schemas.microsoft.com/office/drawing/2014/main" id="{8D7001E5-86EB-414D-AB52-37D2C49AA368}"/>
+              </a:ext>
+            </a:extLst>
+          </p:cNvPr>
+          <p:cNvCxnSpPr>
+            <a:cxnSpLocks/>
+            <a:stCxn id="8" idx="3"/>
+          </p:cNvCxnSpPr>
+          <p:nvPr/>
+        </p:nvCxnSpPr>
+        <p:spPr>
+          <a:xfrm>
+            <a:off x="2517309" y="2716237"/>
+            <a:ext cx="3350091" cy="910309"/>
+          </a:xfrm>
+          <a:prstGeom prst="straightConnector1">
+            <a:avLst/>
+          </a:prstGeom>
+          <a:ln w="28575">
+            <a:solidFill>
+              <a:srgbClr val="00AFEF"/>
+            </a:solidFill>
+            <a:tailEnd type="triangle"/>
+          </a:ln>
+        </p:spPr>
+        <p:style>
+          <a:lnRef idx="3">
+            <a:schemeClr val="accent3"/>
+          </a:lnRef>
+          <a:fillRef idx="0">
+            <a:schemeClr val="accent3"/>
+          </a:fillRef>
+          <a:effectRef idx="2">
+            <a:schemeClr val="accent3"/>
+          </a:effectRef>
+          <a:fontRef idx="minor">
+            <a:schemeClr val="tx1"/>
+          </a:fontRef>
+        </p:style>
+      </p:cxnSp>
+      <p:pic>
+        <p:nvPicPr>
+          <p:cNvPr id="21" name="Image 20">
+            <a:extLst>
+              <a:ext uri="{FF2B5EF4-FFF2-40B4-BE49-F238E27FC236}">
+                <a16:creationId xmlns:a16="http://schemas.microsoft.com/office/drawing/2014/main" id="{2B895285-85CF-44CF-9602-032F2376C96B}"/>
+              </a:ext>
+            </a:extLst>
+          </p:cNvPr>
+          <p:cNvPicPr>
+            <a:picLocks noChangeAspect="1"/>
+          </p:cNvPicPr>
+          <p:nvPr/>
+        </p:nvPicPr>
+        <p:blipFill rotWithShape="1">
+          <a:blip r:embed="rId3">
+            <a:extLst>
+              <a:ext uri="{28A0092B-C50C-407E-A947-70E740481C1C}">
+                <a14:useLocalDpi xmlns:a14="http://schemas.microsoft.com/office/drawing/2010/main" val="0"/>
+              </a:ext>
+            </a:extLst>
+          </a:blip>
+          <a:srcRect l="14812" t="72489" r="41666" b="19811"/>
+          <a:stretch/>
+        </p:blipFill>
+        <p:spPr>
+          <a:xfrm>
+            <a:off x="5789943" y="4889939"/>
+            <a:ext cx="2914651" cy="299296"/>
+          </a:xfrm>
+          <a:prstGeom prst="roundRect">
+            <a:avLst>
+              <a:gd name="adj" fmla="val 16667"/>
+            </a:avLst>
+          </a:prstGeom>
+          <a:ln>
+            <a:noFill/>
+          </a:ln>
+          <a:effectLst>
+            <a:outerShdw blurRad="76200" dist="38100" dir="7800000" algn="tl" rotWithShape="0">
+              <a:srgbClr val="000000">
+                <a:alpha val="40000"/>
+              </a:srgbClr>
+            </a:outerShdw>
+          </a:effectLst>
+        </p:spPr>
+      </p:pic>
+      <p:pic>
+        <p:nvPicPr>
+          <p:cNvPr id="22" name="Image 21">
+            <a:extLst>
+              <a:ext uri="{FF2B5EF4-FFF2-40B4-BE49-F238E27FC236}">
+                <a16:creationId xmlns:a16="http://schemas.microsoft.com/office/drawing/2014/main" id="{7B97F3E1-B338-4C4A-A690-0D7BD9A9BCD5}"/>
+              </a:ext>
+            </a:extLst>
+          </p:cNvPr>
+          <p:cNvPicPr>
+            <a:picLocks noChangeAspect="1"/>
+          </p:cNvPicPr>
+          <p:nvPr/>
+        </p:nvPicPr>
+        <p:blipFill rotWithShape="1">
+          <a:blip r:embed="rId3">
+            <a:extLst>
+              <a:ext uri="{28A0092B-C50C-407E-A947-70E740481C1C}">
+                <a14:useLocalDpi xmlns:a14="http://schemas.microsoft.com/office/drawing/2010/main" val="0"/>
+              </a:ext>
+            </a:extLst>
+          </a:blip>
+          <a:srcRect l="73020" t="37553" r="4637" b="54746"/>
+          <a:stretch/>
+        </p:blipFill>
+        <p:spPr>
+          <a:xfrm>
+            <a:off x="9695527" y="3526123"/>
+            <a:ext cx="1496311" cy="299296"/>
+          </a:xfrm>
+          <a:prstGeom prst="roundRect">
+            <a:avLst>
+              <a:gd name="adj" fmla="val 16667"/>
+            </a:avLst>
+          </a:prstGeom>
+          <a:ln>
+            <a:noFill/>
+          </a:ln>
+          <a:effectLst>
+            <a:outerShdw blurRad="76200" dist="38100" dir="7800000" algn="tl" rotWithShape="0">
+              <a:srgbClr val="000000">
+                <a:alpha val="40000"/>
+              </a:srgbClr>
+            </a:outerShdw>
+          </a:effectLst>
+        </p:spPr>
+      </p:pic>
+      <p:pic>
+        <p:nvPicPr>
+          <p:cNvPr id="23" name="Image 22">
+            <a:extLst>
+              <a:ext uri="{FF2B5EF4-FFF2-40B4-BE49-F238E27FC236}">
+                <a16:creationId xmlns:a16="http://schemas.microsoft.com/office/drawing/2014/main" id="{448C1E3B-4DA4-4FD0-B56C-464FF2F21258}"/>
+              </a:ext>
+            </a:extLst>
+          </p:cNvPr>
+          <p:cNvPicPr>
+            <a:picLocks noChangeAspect="1"/>
+          </p:cNvPicPr>
+          <p:nvPr/>
+        </p:nvPicPr>
+        <p:blipFill rotWithShape="1">
+          <a:blip r:embed="rId3">
+            <a:extLst>
+              <a:ext uri="{28A0092B-C50C-407E-A947-70E740481C1C}">
+                <a14:useLocalDpi xmlns:a14="http://schemas.microsoft.com/office/drawing/2010/main" val="0"/>
+              </a:ext>
+            </a:extLst>
+          </a:blip>
+          <a:srcRect l="74406" t="72296" r="5398" b="20004"/>
+          <a:stretch/>
+        </p:blipFill>
+        <p:spPr>
+          <a:xfrm>
+            <a:off x="9782174" y="4872988"/>
+            <a:ext cx="1352551" cy="299296"/>
+          </a:xfrm>
+          <a:prstGeom prst="roundRect">
+            <a:avLst>
+              <a:gd name="adj" fmla="val 16667"/>
+            </a:avLst>
+          </a:prstGeom>
+          <a:ln>
+            <a:noFill/>
+          </a:ln>
+          <a:effectLst>
+            <a:outerShdw blurRad="76200" dist="38100" dir="7800000" algn="tl" rotWithShape="0">
+              <a:srgbClr val="000000">
+                <a:alpha val="40000"/>
+              </a:srgbClr>
+            </a:outerShdw>
+          </a:effectLst>
+        </p:spPr>
+      </p:pic>
+      <p:cxnSp>
+        <p:nvCxnSpPr>
+          <p:cNvPr id="24" name="Connecteur droit avec flèche 23">
+            <a:extLst>
+              <a:ext uri="{FF2B5EF4-FFF2-40B4-BE49-F238E27FC236}">
+                <a16:creationId xmlns:a16="http://schemas.microsoft.com/office/drawing/2014/main" id="{7E8630C6-4A01-452C-954A-0189F8FE2F27}"/>
+              </a:ext>
+            </a:extLst>
+          </p:cNvPr>
+          <p:cNvCxnSpPr>
+            <a:cxnSpLocks/>
+            <a:endCxn id="21" idx="1"/>
+          </p:cNvCxnSpPr>
+          <p:nvPr/>
+        </p:nvCxnSpPr>
+        <p:spPr>
+          <a:xfrm>
+            <a:off x="2517309" y="2745421"/>
+            <a:ext cx="3272634" cy="2294166"/>
+          </a:xfrm>
+          <a:prstGeom prst="straightConnector1">
+            <a:avLst/>
+          </a:prstGeom>
+          <a:ln w="28575">
+            <a:solidFill>
+              <a:srgbClr val="00AFEF"/>
+            </a:solidFill>
+            <a:tailEnd type="triangle"/>
+          </a:ln>
+        </p:spPr>
+        <p:style>
+          <a:lnRef idx="3">
+            <a:schemeClr val="accent3"/>
+          </a:lnRef>
+          <a:fillRef idx="0">
+            <a:schemeClr val="accent3"/>
+          </a:fillRef>
+          <a:effectRef idx="2">
+            <a:schemeClr val="accent3"/>
+          </a:effectRef>
+          <a:fontRef idx="minor">
+            <a:schemeClr val="tx1"/>
+          </a:fontRef>
+        </p:style>
+      </p:cxnSp>
+      <p:cxnSp>
+        <p:nvCxnSpPr>
+          <p:cNvPr id="27" name="Connecteur droit avec flèche 26">
+            <a:extLst>
+              <a:ext uri="{FF2B5EF4-FFF2-40B4-BE49-F238E27FC236}">
+                <a16:creationId xmlns:a16="http://schemas.microsoft.com/office/drawing/2014/main" id="{5BFE0B3C-E11D-498D-8D4D-C48AE5612BA4}"/>
+              </a:ext>
+            </a:extLst>
+          </p:cNvPr>
+          <p:cNvCxnSpPr>
+            <a:cxnSpLocks/>
+            <a:stCxn id="8" idx="3"/>
+          </p:cNvCxnSpPr>
+          <p:nvPr/>
+        </p:nvCxnSpPr>
+        <p:spPr>
+          <a:xfrm>
+            <a:off x="2517309" y="2716237"/>
+            <a:ext cx="7157382" cy="910309"/>
+          </a:xfrm>
+          <a:prstGeom prst="straightConnector1">
+            <a:avLst/>
+          </a:prstGeom>
+          <a:ln w="28575">
+            <a:solidFill>
+              <a:srgbClr val="00AFEF"/>
+            </a:solidFill>
+            <a:tailEnd type="triangle"/>
+          </a:ln>
+        </p:spPr>
+        <p:style>
+          <a:lnRef idx="3">
+            <a:schemeClr val="accent3"/>
+          </a:lnRef>
+          <a:fillRef idx="0">
+            <a:schemeClr val="accent3"/>
+          </a:fillRef>
+          <a:effectRef idx="2">
+            <a:schemeClr val="accent3"/>
+          </a:effectRef>
+          <a:fontRef idx="minor">
+            <a:schemeClr val="tx1"/>
+          </a:fontRef>
+        </p:style>
+      </p:cxnSp>
+      <p:cxnSp>
+        <p:nvCxnSpPr>
+          <p:cNvPr id="30" name="Connecteur droit avec flèche 29">
+            <a:extLst>
+              <a:ext uri="{FF2B5EF4-FFF2-40B4-BE49-F238E27FC236}">
+                <a16:creationId xmlns:a16="http://schemas.microsoft.com/office/drawing/2014/main" id="{6FFB37B7-710A-48D6-ADD3-6821BF2DCD8C}"/>
+              </a:ext>
+            </a:extLst>
+          </p:cNvPr>
+          <p:cNvCxnSpPr>
+            <a:cxnSpLocks/>
+            <a:endCxn id="23" idx="1"/>
+          </p:cNvCxnSpPr>
+          <p:nvPr/>
+        </p:nvCxnSpPr>
+        <p:spPr>
+          <a:xfrm>
+            <a:off x="2529305" y="2716237"/>
+            <a:ext cx="7252869" cy="2306399"/>
+          </a:xfrm>
+          <a:prstGeom prst="straightConnector1">
+            <a:avLst/>
+          </a:prstGeom>
+          <a:ln w="28575">
+            <a:solidFill>
+              <a:srgbClr val="00AFEF"/>
+            </a:solidFill>
+            <a:tailEnd type="triangle"/>
+          </a:ln>
+        </p:spPr>
+        <p:style>
+          <a:lnRef idx="3">
+            <a:schemeClr val="accent3"/>
+          </a:lnRef>
+          <a:fillRef idx="0">
+            <a:schemeClr val="accent3"/>
+          </a:fillRef>
+          <a:effectRef idx="2">
+            <a:schemeClr val="accent3"/>
+          </a:effectRef>
+          <a:fontRef idx="minor">
+            <a:schemeClr val="tx1"/>
+          </a:fontRef>
+        </p:style>
+      </p:cxnSp>
+      <p:pic>
+        <p:nvPicPr>
+          <p:cNvPr id="19" name="Image 18">
+            <a:extLst>
+              <a:ext uri="{FF2B5EF4-FFF2-40B4-BE49-F238E27FC236}">
+                <a16:creationId xmlns:a16="http://schemas.microsoft.com/office/drawing/2014/main" id="{1AF7C73B-EEDD-4037-924B-F8527EA4F1A0}"/>
+              </a:ext>
+            </a:extLst>
+          </p:cNvPr>
+          <p:cNvPicPr>
+            <a:picLocks noChangeAspect="1"/>
+          </p:cNvPicPr>
+          <p:nvPr/>
+        </p:nvPicPr>
+        <p:blipFill rotWithShape="1">
+          <a:blip r:embed="rId3">
+            <a:extLst>
+              <a:ext uri="{28A0092B-C50C-407E-A947-70E740481C1C}">
+                <a14:useLocalDpi xmlns:a14="http://schemas.microsoft.com/office/drawing/2010/main" val="0"/>
+              </a:ext>
+            </a:extLst>
+          </a:blip>
+          <a:srcRect l="18060" t="39990" r="59597" b="35649"/>
+          <a:stretch/>
+        </p:blipFill>
+        <p:spPr>
+          <a:xfrm>
+            <a:off x="5994171" y="3626546"/>
+            <a:ext cx="1496311" cy="946879"/>
+          </a:xfrm>
+          <a:prstGeom prst="roundRect">
+            <a:avLst>
+              <a:gd name="adj" fmla="val 16667"/>
+            </a:avLst>
+          </a:prstGeom>
+          <a:ln>
+            <a:noFill/>
+          </a:ln>
+          <a:effectLst>
+            <a:outerShdw blurRad="76200" dist="38100" dir="7800000" algn="tl" rotWithShape="0">
+              <a:srgbClr val="000000">
+                <a:alpha val="40000"/>
+              </a:srgbClr>
+            </a:outerShdw>
+          </a:effectLst>
+        </p:spPr>
+      </p:pic>
+      <p:sp>
+        <p:nvSpPr>
+          <p:cNvPr id="8" name="Rectangle 7">
+            <a:extLst>
+              <a:ext uri="{FF2B5EF4-FFF2-40B4-BE49-F238E27FC236}">
+                <a16:creationId xmlns:a16="http://schemas.microsoft.com/office/drawing/2014/main" id="{F15C2FC2-8BA9-4F01-A1BB-F0B9EFAB6787}"/>
+              </a:ext>
+            </a:extLst>
+          </p:cNvPr>
+          <p:cNvSpPr/>
+          <p:nvPr/>
+        </p:nvSpPr>
+        <p:spPr>
+          <a:xfrm>
+            <a:off x="717309" y="2431262"/>
+            <a:ext cx="1800000" cy="569950"/>
+          </a:xfrm>
+          <a:prstGeom prst="rect">
+            <a:avLst/>
+          </a:prstGeom>
+          <a:solidFill>
+            <a:srgbClr val="00B0F0"/>
+          </a:solidFill>
+        </p:spPr>
+        <p:style>
+          <a:lnRef idx="0">
+            <a:schemeClr val="accent3"/>
+          </a:lnRef>
+          <a:fillRef idx="3">
+            <a:schemeClr val="accent3"/>
+          </a:fillRef>
+          <a:effectRef idx="3">
+            <a:schemeClr val="accent3"/>
+          </a:effectRef>
+          <a:fontRef idx="minor">
+            <a:schemeClr val="lt1"/>
+          </a:fontRef>
+        </p:style>
+        <p:txBody>
+          <a:bodyPr rtlCol="0" anchor="ctr"/>
+          <a:lstStyle/>
+          <a:p>
+            <a:pPr algn="ctr"/>
+            <a:r>
+              <a:rPr lang="fr-FR" sz="1200" dirty="0"/>
+              <a:t>Application Météo</a:t>
+            </a:r>
+            <a:endParaRPr lang="fr-FR" sz="1400" dirty="0"/>
           </a:p>
         </p:txBody>
       </p:sp>
     </p:spTree>
     <p:extLst>
       <p:ext uri="{BB962C8B-B14F-4D97-AF65-F5344CB8AC3E}">
-        <p14:creationId xmlns:p14="http://schemas.microsoft.com/office/powerpoint/2010/main" val="1130815813"/>
+        <p14:creationId xmlns:p14="http://schemas.microsoft.com/office/powerpoint/2010/main" val="1883169348"/>
       </p:ext>
     </p:extLst>
   </p:cSld>
@@ -20304,68 +21392,49 @@
           <a:chExt cx="0" cy="0"/>
         </a:xfrm>
       </p:grpSpPr>
-      <p:sp>
-        <p:nvSpPr>
-          <p:cNvPr id="5" name="Titre 4">
-            <a:extLst>
-              <a:ext uri="{FF2B5EF4-FFF2-40B4-BE49-F238E27FC236}">
-                <a16:creationId xmlns:a16="http://schemas.microsoft.com/office/drawing/2014/main" id="{B535D397-2E1B-4C1E-A392-E2A43916D949}"/>
-              </a:ext>
-            </a:extLst>
-          </p:cNvPr>
-          <p:cNvSpPr>
-            <a:spLocks noGrp="1"/>
-          </p:cNvSpPr>
-          <p:nvPr>
-            <p:ph type="ctrTitle"/>
-          </p:nvPr>
-        </p:nvSpPr>
-        <p:spPr/>
-        <p:txBody>
-          <a:bodyPr/>
-          <a:lstStyle/>
-          <a:p>
-            <a:r>
-              <a:rPr lang="fr-FR" dirty="0"/>
-              <a:t>DEMONSTRATION</a:t>
-            </a:r>
-          </a:p>
-        </p:txBody>
-      </p:sp>
-      <p:sp>
-        <p:nvSpPr>
-          <p:cNvPr id="6" name="Sous-titre 5">
-            <a:extLst>
-              <a:ext uri="{FF2B5EF4-FFF2-40B4-BE49-F238E27FC236}">
-                <a16:creationId xmlns:a16="http://schemas.microsoft.com/office/drawing/2014/main" id="{42DF712F-84EC-48F3-B510-83E590DD97F0}"/>
-              </a:ext>
-            </a:extLst>
-          </p:cNvPr>
-          <p:cNvSpPr>
-            <a:spLocks noGrp="1"/>
-          </p:cNvSpPr>
-          <p:nvPr>
-            <p:ph type="subTitle" idx="1"/>
-          </p:nvPr>
-        </p:nvSpPr>
-        <p:spPr/>
-        <p:txBody>
-          <a:bodyPr/>
-          <a:lstStyle/>
-          <a:p>
-            <a:r>
-              <a:rPr lang="fr-FR" dirty="0"/>
-              <a:t>DEMO DU LOGICIEL FINI</a:t>
-            </a:r>
-          </a:p>
-        </p:txBody>
-      </p:sp>
-      <p:sp>
-        <p:nvSpPr>
-          <p:cNvPr id="4" name="Espace réservé de la date 3">
-            <a:extLst>
-              <a:ext uri="{FF2B5EF4-FFF2-40B4-BE49-F238E27FC236}">
-                <a16:creationId xmlns:a16="http://schemas.microsoft.com/office/drawing/2014/main" id="{030B0D3A-6441-43DC-BDBC-2E9EE16205E9}"/>
+      <p:pic>
+        <p:nvPicPr>
+          <p:cNvPr id="17" name="Image 16">
+            <a:extLst>
+              <a:ext uri="{FF2B5EF4-FFF2-40B4-BE49-F238E27FC236}">
+                <a16:creationId xmlns:a16="http://schemas.microsoft.com/office/drawing/2014/main" id="{4416C0C5-A441-47BE-B32B-CA83C534D0C9}"/>
+              </a:ext>
+            </a:extLst>
+          </p:cNvPr>
+          <p:cNvPicPr>
+            <a:picLocks noChangeAspect="1"/>
+          </p:cNvPicPr>
+          <p:nvPr/>
+        </p:nvPicPr>
+        <p:blipFill>
+          <a:blip r:embed="rId3">
+            <a:alphaModFix amt="35000"/>
+            <a:extLst>
+              <a:ext uri="{28A0092B-C50C-407E-A947-70E740481C1C}">
+                <a14:useLocalDpi xmlns:a14="http://schemas.microsoft.com/office/drawing/2010/main" val="0"/>
+              </a:ext>
+            </a:extLst>
+          </a:blip>
+          <a:stretch>
+            <a:fillRect/>
+          </a:stretch>
+        </p:blipFill>
+        <p:spPr>
+          <a:xfrm>
+            <a:off x="4854271" y="1623278"/>
+            <a:ext cx="6601746" cy="3934374"/>
+          </a:xfrm>
+          <a:prstGeom prst="rect">
+            <a:avLst/>
+          </a:prstGeom>
+        </p:spPr>
+      </p:pic>
+      <p:sp>
+        <p:nvSpPr>
+          <p:cNvPr id="7" name="Espace réservé de la date 3">
+            <a:extLst>
+              <a:ext uri="{FF2B5EF4-FFF2-40B4-BE49-F238E27FC236}">
+                <a16:creationId xmlns:a16="http://schemas.microsoft.com/office/drawing/2014/main" id="{D239ED06-4DCB-44DF-AA9C-1BD54E2823A9}"/>
               </a:ext>
             </a:extLst>
           </p:cNvPr>
@@ -20376,7 +21445,12 @@
             <p:ph type="dt" sz="half" idx="10"/>
           </p:nvPr>
         </p:nvSpPr>
-        <p:spPr/>
+        <p:spPr>
+          <a:xfrm>
+            <a:off x="7256794" y="6035040"/>
+            <a:ext cx="2893045" cy="365760"/>
+          </a:xfrm>
+        </p:spPr>
         <p:txBody>
           <a:bodyPr/>
           <a:lstStyle/>
@@ -20384,16 +21458,719 @@
             <a:pPr rtl="0"/>
             <a:fld id="{802FE938-1586-4780-B61A-DD3B60BAB93C}" type="datetime1">
               <a:rPr lang="fr-FR" smtClean="0"/>
-              <a:t>22/06/2021</a:t>
+              <a:t>23/06/2021</a:t>
             </a:fld>
             <a:endParaRPr lang="en-US"/>
           </a:p>
         </p:txBody>
       </p:sp>
+      <p:sp>
+        <p:nvSpPr>
+          <p:cNvPr id="36" name="Espace réservé du contenu 2">
+            <a:extLst>
+              <a:ext uri="{FF2B5EF4-FFF2-40B4-BE49-F238E27FC236}">
+                <a16:creationId xmlns:a16="http://schemas.microsoft.com/office/drawing/2014/main" id="{3FF35677-6192-408A-AA48-73F50617F656}"/>
+              </a:ext>
+            </a:extLst>
+          </p:cNvPr>
+          <p:cNvSpPr>
+            <a:spLocks noGrp="1"/>
+          </p:cNvSpPr>
+          <p:nvPr>
+            <p:ph idx="1"/>
+          </p:nvPr>
+        </p:nvSpPr>
+        <p:spPr>
+          <a:xfrm>
+            <a:off x="1066800" y="1300348"/>
+            <a:ext cx="10058400" cy="4652396"/>
+          </a:xfrm>
+        </p:spPr>
+        <p:txBody>
+          <a:bodyPr>
+            <a:normAutofit/>
+          </a:bodyPr>
+          <a:lstStyle/>
+          <a:p>
+            <a:pPr marL="0" lvl="0" indent="0">
+              <a:buClr>
+                <a:prstClr val="black">
+                  <a:lumMod val="85000"/>
+                  <a:lumOff val="15000"/>
+                </a:prstClr>
+              </a:buClr>
+              <a:buNone/>
+            </a:pPr>
+            <a:r>
+              <a:rPr lang="fr-FR" sz="1500" dirty="0">
+                <a:solidFill>
+                  <a:prstClr val="black"/>
+                </a:solidFill>
+              </a:rPr>
+              <a:t>Exploitation des données de pression</a:t>
+            </a:r>
+          </a:p>
+          <a:p>
+            <a:pPr marL="822960" lvl="3" indent="0">
+              <a:buNone/>
+            </a:pPr>
+            <a:endParaRPr lang="fr-FR" sz="1500" dirty="0">
+              <a:solidFill>
+                <a:prstClr val="black"/>
+              </a:solidFill>
+            </a:endParaRPr>
+          </a:p>
+          <a:p>
+            <a:pPr marL="0" indent="0">
+              <a:buNone/>
+            </a:pPr>
+            <a:endParaRPr lang="fr-FR" dirty="0"/>
+          </a:p>
+        </p:txBody>
+      </p:sp>
+      <p:grpSp>
+        <p:nvGrpSpPr>
+          <p:cNvPr id="3" name="Groupe 2">
+            <a:extLst>
+              <a:ext uri="{FF2B5EF4-FFF2-40B4-BE49-F238E27FC236}">
+                <a16:creationId xmlns:a16="http://schemas.microsoft.com/office/drawing/2014/main" id="{A7FCF875-4181-4A73-903C-CCA951D75A2E}"/>
+              </a:ext>
+            </a:extLst>
+          </p:cNvPr>
+          <p:cNvGrpSpPr/>
+          <p:nvPr/>
+        </p:nvGrpSpPr>
+        <p:grpSpPr>
+          <a:xfrm>
+            <a:off x="1066800" y="2208864"/>
+            <a:ext cx="3240000" cy="3240000"/>
+            <a:chOff x="1066800" y="1904619"/>
+            <a:chExt cx="4048125" cy="4048125"/>
+          </a:xfrm>
+        </p:grpSpPr>
+        <p:pic>
+          <p:nvPicPr>
+            <p:cNvPr id="1026" name="Picture 2" descr="XLTWKK Thermomètre mural maison hygromètre baromètre baromètre marin  baromètre famille baromètre ménage mural: Amazon.fr: Sports et Loisirs">
+              <a:extLst>
+                <a:ext uri="{FF2B5EF4-FFF2-40B4-BE49-F238E27FC236}">
+                  <a16:creationId xmlns:a16="http://schemas.microsoft.com/office/drawing/2014/main" id="{C58F336D-D5C3-4F0C-AA8F-A100A0D0E9C7}"/>
+                </a:ext>
+              </a:extLst>
+            </p:cNvPr>
+            <p:cNvPicPr>
+              <a:picLocks noChangeAspect="1" noChangeArrowheads="1"/>
+            </p:cNvPicPr>
+            <p:nvPr/>
+          </p:nvPicPr>
+          <p:blipFill>
+            <a:blip r:embed="rId4">
+              <a:extLst>
+                <a:ext uri="{BEBA8EAE-BF5A-486C-A8C5-ECC9F3942E4B}">
+                  <a14:imgProps xmlns:a14="http://schemas.microsoft.com/office/drawing/2010/main">
+                    <a14:imgLayer r:embed="rId5">
+                      <a14:imgEffect>
+                        <a14:backgroundRemoval t="2353" b="98588" l="1412" r="98353">
+                          <a14:foregroundMark x1="8252" y1="25228" x2="1176" y2="45647"/>
+                          <a14:foregroundMark x1="1176" y1="45647" x2="1125" y2="51403"/>
+                          <a14:foregroundMark x1="16785" y1="86095" x2="45412" y2="97882"/>
+                          <a14:foregroundMark x1="45412" y1="97882" x2="54439" y2="98566"/>
+                          <a14:foregroundMark x1="88117" y1="80668" x2="96160" y2="58509"/>
+                          <a14:foregroundMark x1="97119" y1="42759" x2="97027" y2="38887"/>
+                          <a14:foregroundMark x1="70607" y1="5904" x2="38118" y2="2588"/>
+                          <a14:foregroundMark x1="38118" y1="2588" x2="25527" y2="7649"/>
+                          <a14:foregroundMark x1="19294" y1="12706" x2="19294" y2="12706"/>
+                          <a14:foregroundMark x1="21176" y1="11529" x2="21176" y2="11529"/>
+                          <a14:foregroundMark x1="90588" y1="28471" x2="90588" y2="28471"/>
+                          <a14:foregroundMark x1="92941" y1="33412" x2="92941" y2="33412"/>
+                          <a14:foregroundMark x1="93647" y1="39059" x2="93647" y2="39059"/>
+                          <a14:foregroundMark x1="94824" y1="44000" x2="94824" y2="44000"/>
+                          <a14:foregroundMark x1="96000" y1="63765" x2="96000" y2="63765"/>
+                          <a14:foregroundMark x1="81412" y1="84000" x2="81412" y2="84000"/>
+                          <a14:foregroundMark x1="69412" y1="92000" x2="69412" y2="92000"/>
+                          <a14:foregroundMark x1="56000" y1="93412" x2="56000" y2="93412"/>
+                          <a14:foregroundMark x1="50353" y1="95294" x2="50353" y2="95294"/>
+                          <a14:foregroundMark x1="18588" y1="82353" x2="18588" y2="82353"/>
+                          <a14:foregroundMark x1="10588" y1="70118" x2="10588" y2="70118"/>
+                          <a14:foregroundMark x1="8000" y1="66353" x2="8000" y2="66353"/>
+                          <a14:foregroundMark x1="21176" y1="11294" x2="21176" y2="11294"/>
+                          <a14:foregroundMark x1="21539" y1="10959" x2="20706" y2="12000"/>
+                          <a14:foregroundMark x1="21176" y1="11294" x2="16000" y2="17176"/>
+                          <a14:foregroundMark x1="76706" y1="9647" x2="83294" y2="15294"/>
+                          <a14:foregroundMark x1="97882" y1="43294" x2="98118" y2="51059"/>
+                          <a14:foregroundMark x1="98588" y1="49882" x2="97176" y2="59765"/>
+                          <a14:foregroundMark x1="41647" y1="98118" x2="53412" y2="98588"/>
+                          <a14:foregroundMark x1="63684" y1="96355" x2="64235" y2="96235"/>
+                          <a14:foregroundMark x1="53412" y1="98588" x2="54315" y2="98392"/>
+                          <a14:foregroundMark x1="26353" y1="7294" x2="20706" y2="11294"/>
+                          <a14:foregroundMark x1="14353" y1="16941" x2="11811" y2="19737"/>
+                          <a14:backgroundMark x1="13318" y1="16177" x2="13981" y2="15719"/>
+                          <a14:backgroundMark x1="15069" y1="12205" x2="9412" y2="13647"/>
+                          <a14:backgroundMark x1="9412" y1="13647" x2="10346" y2="15431"/>
+                          <a14:backgroundMark x1="1647" y1="68000" x2="1647" y2="68000"/>
+                          <a14:backgroundMark x1="235" y1="62118" x2="4471" y2="77647"/>
+                          <a14:backgroundMark x1="4941" y1="76941" x2="13176" y2="84941"/>
+                          <a14:backgroundMark x1="13647" y1="85176" x2="14824" y2="86118"/>
+                          <a14:backgroundMark x1="14588" y1="84706" x2="14588" y2="84706"/>
+                          <a14:backgroundMark x1="14353" y1="84706" x2="14353" y2="84706"/>
+                          <a14:backgroundMark x1="63128" y1="98212" x2="86118" y2="87529"/>
+                          <a14:backgroundMark x1="86118" y1="87529" x2="89647" y2="84471"/>
+                          <a14:backgroundMark x1="88706" y1="83059" x2="85882" y2="84706"/>
+                          <a14:backgroundMark x1="84286" y1="14439" x2="91294" y2="20235"/>
+                          <a14:backgroundMark x1="72235" y1="4471" x2="77581" y2="8893"/>
+                          <a14:backgroundMark x1="91294" y1="20235" x2="99765" y2="37647"/>
+                          <a14:backgroundMark x1="92235" y1="20471" x2="92235" y2="20471"/>
+                          <a14:backgroundMark x1="471" y1="55765" x2="1882" y2="63059"/>
+                          <a14:backgroundMark x1="8991" y1="21634" x2="6824" y2="24235"/>
+                          <a14:backgroundMark x1="92235" y1="20000" x2="92235" y2="20000"/>
+                          <a14:backgroundMark x1="91529" y1="18824" x2="92471" y2="21176"/>
+                          <a14:backgroundMark x1="99294" y1="42824" x2="99281" y2="43252"/>
+                          <a14:backgroundMark x1="64941" y1="98118" x2="55294" y2="99765"/>
+                          <a14:backgroundMark x1="88706" y1="80941" x2="87529" y2="83294"/>
+                          <a14:backgroundMark x1="13176" y1="84706" x2="16000" y2="86824"/>
+                          <a14:backgroundMark x1="11059" y1="19294" x2="8235" y2="23529"/>
+                          <a14:backgroundMark x1="235" y1="51529" x2="1412" y2="59765"/>
+                        </a14:backgroundRemoval>
+                      </a14:imgEffect>
+                    </a14:imgLayer>
+                  </a14:imgProps>
+                </a:ext>
+                <a:ext uri="{28A0092B-C50C-407E-A947-70E740481C1C}">
+                  <a14:useLocalDpi xmlns:a14="http://schemas.microsoft.com/office/drawing/2010/main" val="0"/>
+                </a:ext>
+              </a:extLst>
+            </a:blip>
+            <a:srcRect/>
+            <a:stretch>
+              <a:fillRect/>
+            </a:stretch>
+          </p:blipFill>
+          <p:spPr bwMode="auto">
+            <a:xfrm>
+              <a:off x="1066800" y="1904619"/>
+              <a:ext cx="4048125" cy="4048125"/>
+            </a:xfrm>
+            <a:prstGeom prst="rect">
+              <a:avLst/>
+            </a:prstGeom>
+            <a:noFill/>
+            <a:extLst>
+              <a:ext uri="{909E8E84-426E-40DD-AFC4-6F175D3DCCD1}">
+                <a14:hiddenFill xmlns:a14="http://schemas.microsoft.com/office/drawing/2010/main">
+                  <a:solidFill>
+                    <a:srgbClr val="FFFFFF"/>
+                  </a:solidFill>
+                </a14:hiddenFill>
+              </a:ext>
+            </a:extLst>
+          </p:spPr>
+        </p:pic>
+        <p:sp>
+          <p:nvSpPr>
+            <p:cNvPr id="2" name="Arc 1">
+              <a:extLst>
+                <a:ext uri="{FF2B5EF4-FFF2-40B4-BE49-F238E27FC236}">
+                  <a16:creationId xmlns:a16="http://schemas.microsoft.com/office/drawing/2014/main" id="{00BEC3AA-8F15-48CB-89EC-5B218ADF0DF9}"/>
+                </a:ext>
+              </a:extLst>
+            </p:cNvPr>
+            <p:cNvSpPr/>
+            <p:nvPr/>
+          </p:nvSpPr>
+          <p:spPr>
+            <a:xfrm>
+              <a:off x="1699480" y="2521461"/>
+              <a:ext cx="2772000" cy="2772000"/>
+            </a:xfrm>
+            <a:prstGeom prst="arc">
+              <a:avLst>
+                <a:gd name="adj1" fmla="val 8092805"/>
+                <a:gd name="adj2" fmla="val 14514872"/>
+              </a:avLst>
+            </a:prstGeom>
+            <a:ln w="57150">
+              <a:solidFill>
+                <a:srgbClr val="FF0000"/>
+              </a:solidFill>
+            </a:ln>
+          </p:spPr>
+          <p:style>
+            <a:lnRef idx="1">
+              <a:schemeClr val="accent1"/>
+            </a:lnRef>
+            <a:fillRef idx="0">
+              <a:schemeClr val="accent1"/>
+            </a:fillRef>
+            <a:effectRef idx="0">
+              <a:schemeClr val="accent1"/>
+            </a:effectRef>
+            <a:fontRef idx="minor">
+              <a:schemeClr val="tx1"/>
+            </a:fontRef>
+          </p:style>
+          <p:txBody>
+            <a:bodyPr rtlCol="0" anchor="ctr"/>
+            <a:lstStyle/>
+            <a:p>
+              <a:pPr algn="ctr"/>
+              <a:endParaRPr lang="en-US"/>
+            </a:p>
+          </p:txBody>
+        </p:sp>
+        <p:sp>
+          <p:nvSpPr>
+            <p:cNvPr id="8" name="Arc 7">
+              <a:extLst>
+                <a:ext uri="{FF2B5EF4-FFF2-40B4-BE49-F238E27FC236}">
+                  <a16:creationId xmlns:a16="http://schemas.microsoft.com/office/drawing/2014/main" id="{FC423597-CA8D-412D-8138-B8ADE58AFC93}"/>
+                </a:ext>
+              </a:extLst>
+            </p:cNvPr>
+            <p:cNvSpPr/>
+            <p:nvPr/>
+          </p:nvSpPr>
+          <p:spPr>
+            <a:xfrm>
+              <a:off x="1718530" y="2530986"/>
+              <a:ext cx="2772000" cy="2772000"/>
+            </a:xfrm>
+            <a:prstGeom prst="arc">
+              <a:avLst>
+                <a:gd name="adj1" fmla="val 14556024"/>
+                <a:gd name="adj2" fmla="val 17752038"/>
+              </a:avLst>
+            </a:prstGeom>
+            <a:ln w="57150">
+              <a:solidFill>
+                <a:srgbClr val="00B0F0"/>
+              </a:solidFill>
+            </a:ln>
+          </p:spPr>
+          <p:style>
+            <a:lnRef idx="1">
+              <a:schemeClr val="accent1"/>
+            </a:lnRef>
+            <a:fillRef idx="0">
+              <a:schemeClr val="accent1"/>
+            </a:fillRef>
+            <a:effectRef idx="0">
+              <a:schemeClr val="accent1"/>
+            </a:effectRef>
+            <a:fontRef idx="minor">
+              <a:schemeClr val="tx1"/>
+            </a:fontRef>
+          </p:style>
+          <p:txBody>
+            <a:bodyPr rtlCol="0" anchor="ctr"/>
+            <a:lstStyle/>
+            <a:p>
+              <a:pPr algn="ctr"/>
+              <a:endParaRPr lang="en-US"/>
+            </a:p>
+          </p:txBody>
+        </p:sp>
+        <p:sp>
+          <p:nvSpPr>
+            <p:cNvPr id="9" name="Arc 8">
+              <a:extLst>
+                <a:ext uri="{FF2B5EF4-FFF2-40B4-BE49-F238E27FC236}">
+                  <a16:creationId xmlns:a16="http://schemas.microsoft.com/office/drawing/2014/main" id="{B7A5C65C-9344-4088-A8EF-7EB68EF12D55}"/>
+                </a:ext>
+              </a:extLst>
+            </p:cNvPr>
+            <p:cNvSpPr/>
+            <p:nvPr/>
+          </p:nvSpPr>
+          <p:spPr>
+            <a:xfrm>
+              <a:off x="1728055" y="2530986"/>
+              <a:ext cx="2772000" cy="2772000"/>
+            </a:xfrm>
+            <a:prstGeom prst="arc">
+              <a:avLst>
+                <a:gd name="adj1" fmla="val 17719475"/>
+                <a:gd name="adj2" fmla="val 2692175"/>
+              </a:avLst>
+            </a:prstGeom>
+            <a:ln w="57150">
+              <a:solidFill>
+                <a:srgbClr val="00B050"/>
+              </a:solidFill>
+            </a:ln>
+          </p:spPr>
+          <p:style>
+            <a:lnRef idx="1">
+              <a:schemeClr val="accent1"/>
+            </a:lnRef>
+            <a:fillRef idx="0">
+              <a:schemeClr val="accent1"/>
+            </a:fillRef>
+            <a:effectRef idx="0">
+              <a:schemeClr val="accent1"/>
+            </a:effectRef>
+            <a:fontRef idx="minor">
+              <a:schemeClr val="tx1"/>
+            </a:fontRef>
+          </p:style>
+          <p:txBody>
+            <a:bodyPr rtlCol="0" anchor="ctr"/>
+            <a:lstStyle/>
+            <a:p>
+              <a:pPr algn="ctr"/>
+              <a:endParaRPr lang="en-US"/>
+            </a:p>
+          </p:txBody>
+        </p:sp>
+      </p:grpSp>
+      <p:sp>
+        <p:nvSpPr>
+          <p:cNvPr id="15" name="Titre 1">
+            <a:extLst>
+              <a:ext uri="{FF2B5EF4-FFF2-40B4-BE49-F238E27FC236}">
+                <a16:creationId xmlns:a16="http://schemas.microsoft.com/office/drawing/2014/main" id="{455FDA57-4828-4A73-ABEE-296C21EEADE1}"/>
+              </a:ext>
+            </a:extLst>
+          </p:cNvPr>
+          <p:cNvSpPr txBox="1">
+            <a:spLocks/>
+          </p:cNvSpPr>
+          <p:nvPr/>
+        </p:nvSpPr>
+        <p:spPr>
+          <a:xfrm>
+            <a:off x="1066800" y="642594"/>
+            <a:ext cx="10058400" cy="556814"/>
+          </a:xfrm>
+          <a:prstGeom prst="rect">
+            <a:avLst/>
+          </a:prstGeom>
+        </p:spPr>
+        <p:txBody>
+          <a:bodyPr vert="horz" lIns="91440" tIns="45720" rIns="91440" bIns="45720" rtlCol="0" anchor="ctr">
+            <a:normAutofit fontScale="90000" lnSpcReduction="10000"/>
+          </a:bodyPr>
+          <a:lstStyle>
+            <a:lvl1pPr algn="l" defTabSz="914400" rtl="0" eaLnBrk="1" latinLnBrk="0" hangingPunct="1">
+              <a:lnSpc>
+                <a:spcPct val="90000"/>
+              </a:lnSpc>
+              <a:spcBef>
+                <a:spcPct val="0"/>
+              </a:spcBef>
+              <a:buNone/>
+              <a:defRPr lang="en-US" sz="4000" i="0" kern="1200" cap="none" spc="0" baseline="0" dirty="0">
+                <a:solidFill>
+                  <a:schemeClr val="tx1">
+                    <a:lumMod val="85000"/>
+                    <a:lumOff val="15000"/>
+                  </a:schemeClr>
+                </a:solidFill>
+                <a:effectLst/>
+                <a:latin typeface="+mj-lt"/>
+                <a:ea typeface="+mn-ea"/>
+                <a:cs typeface="+mn-cs"/>
+              </a:defRPr>
+            </a:lvl1pPr>
+          </a:lstStyle>
+          <a:p>
+            <a:r>
+              <a:rPr lang="fr-FR"/>
+              <a:t>Fonctionnalités</a:t>
+            </a:r>
+          </a:p>
+        </p:txBody>
+      </p:sp>
+      <p:sp>
+        <p:nvSpPr>
+          <p:cNvPr id="21" name="Forme libre : forme 20">
+            <a:extLst>
+              <a:ext uri="{FF2B5EF4-FFF2-40B4-BE49-F238E27FC236}">
+                <a16:creationId xmlns:a16="http://schemas.microsoft.com/office/drawing/2014/main" id="{0B8F4146-3DB6-4E35-BD3F-87342E3C655F}"/>
+              </a:ext>
+            </a:extLst>
+          </p:cNvPr>
+          <p:cNvSpPr/>
+          <p:nvPr/>
+        </p:nvSpPr>
+        <p:spPr>
+          <a:xfrm>
+            <a:off x="2436648" y="1690467"/>
+            <a:ext cx="8176923" cy="1303104"/>
+          </a:xfrm>
+          <a:custGeom>
+            <a:avLst/>
+            <a:gdLst>
+              <a:gd name="connsiteX0" fmla="*/ 8176923 w 8176923"/>
+              <a:gd name="connsiteY0" fmla="*/ 1303104 h 1303104"/>
+              <a:gd name="connsiteX1" fmla="*/ 4236295 w 8176923"/>
+              <a:gd name="connsiteY1" fmla="*/ 83904 h 1303104"/>
+              <a:gd name="connsiteX2" fmla="*/ 654895 w 8176923"/>
+              <a:gd name="connsiteY2" fmla="*/ 192762 h 1303104"/>
+              <a:gd name="connsiteX3" fmla="*/ 12638 w 8176923"/>
+              <a:gd name="connsiteY3" fmla="*/ 889447 h 1303104"/>
+            </a:gdLst>
+            <a:ahLst/>
+            <a:cxnLst>
+              <a:cxn ang="0">
+                <a:pos x="connsiteX0" y="connsiteY0"/>
+              </a:cxn>
+              <a:cxn ang="0">
+                <a:pos x="connsiteX1" y="connsiteY1"/>
+              </a:cxn>
+              <a:cxn ang="0">
+                <a:pos x="connsiteX2" y="connsiteY2"/>
+              </a:cxn>
+              <a:cxn ang="0">
+                <a:pos x="connsiteX3" y="connsiteY3"/>
+              </a:cxn>
+            </a:cxnLst>
+            <a:rect l="l" t="t" r="r" b="b"/>
+            <a:pathLst>
+              <a:path w="8176923" h="1303104">
+                <a:moveTo>
+                  <a:pt x="8176923" y="1303104"/>
+                </a:moveTo>
+                <a:cubicBezTo>
+                  <a:pt x="6833444" y="786032"/>
+                  <a:pt x="5489966" y="268961"/>
+                  <a:pt x="4236295" y="83904"/>
+                </a:cubicBezTo>
+                <a:cubicBezTo>
+                  <a:pt x="2982624" y="-101153"/>
+                  <a:pt x="1358838" y="58505"/>
+                  <a:pt x="654895" y="192762"/>
+                </a:cubicBezTo>
+                <a:cubicBezTo>
+                  <a:pt x="-49048" y="327019"/>
+                  <a:pt x="-18205" y="608233"/>
+                  <a:pt x="12638" y="889447"/>
+                </a:cubicBezTo>
+              </a:path>
+            </a:pathLst>
+          </a:custGeom>
+          <a:noFill/>
+          <a:ln w="38100">
+            <a:solidFill>
+              <a:srgbClr val="002060"/>
+            </a:solidFill>
+            <a:headEnd type="none" w="med" len="med"/>
+            <a:tailEnd type="triangle" w="med" len="med"/>
+          </a:ln>
+        </p:spPr>
+        <p:style>
+          <a:lnRef idx="2">
+            <a:schemeClr val="accent1">
+              <a:shade val="50000"/>
+            </a:schemeClr>
+          </a:lnRef>
+          <a:fillRef idx="1">
+            <a:schemeClr val="accent1"/>
+          </a:fillRef>
+          <a:effectRef idx="0">
+            <a:schemeClr val="accent1"/>
+          </a:effectRef>
+          <a:fontRef idx="minor">
+            <a:schemeClr val="lt1"/>
+          </a:fontRef>
+        </p:style>
+        <p:txBody>
+          <a:bodyPr rtlCol="0" anchor="ctr"/>
+          <a:lstStyle/>
+          <a:p>
+            <a:pPr algn="ctr"/>
+            <a:endParaRPr lang="en-US"/>
+          </a:p>
+        </p:txBody>
+      </p:sp>
+      <p:sp>
+        <p:nvSpPr>
+          <p:cNvPr id="22" name="Forme libre : forme 21">
+            <a:extLst>
+              <a:ext uri="{FF2B5EF4-FFF2-40B4-BE49-F238E27FC236}">
+                <a16:creationId xmlns:a16="http://schemas.microsoft.com/office/drawing/2014/main" id="{61ADC78A-5FF4-4140-BC67-7538CE60DE7D}"/>
+              </a:ext>
+            </a:extLst>
+          </p:cNvPr>
+          <p:cNvSpPr/>
+          <p:nvPr/>
+        </p:nvSpPr>
+        <p:spPr>
+          <a:xfrm>
+            <a:off x="3067050" y="2667000"/>
+            <a:ext cx="1896836" cy="566057"/>
+          </a:xfrm>
+          <a:custGeom>
+            <a:avLst/>
+            <a:gdLst>
+              <a:gd name="connsiteX0" fmla="*/ 0 w 2046515"/>
+              <a:gd name="connsiteY0" fmla="*/ 0 h 566057"/>
+              <a:gd name="connsiteX1" fmla="*/ 1621972 w 2046515"/>
+              <a:gd name="connsiteY1" fmla="*/ 359229 h 566057"/>
+              <a:gd name="connsiteX2" fmla="*/ 2046515 w 2046515"/>
+              <a:gd name="connsiteY2" fmla="*/ 566057 h 566057"/>
+            </a:gdLst>
+            <a:ahLst/>
+            <a:cxnLst>
+              <a:cxn ang="0">
+                <a:pos x="connsiteX0" y="connsiteY0"/>
+              </a:cxn>
+              <a:cxn ang="0">
+                <a:pos x="connsiteX1" y="connsiteY1"/>
+              </a:cxn>
+              <a:cxn ang="0">
+                <a:pos x="connsiteX2" y="connsiteY2"/>
+              </a:cxn>
+            </a:cxnLst>
+            <a:rect l="l" t="t" r="r" b="b"/>
+            <a:pathLst>
+              <a:path w="2046515" h="566057">
+                <a:moveTo>
+                  <a:pt x="0" y="0"/>
+                </a:moveTo>
+                <a:cubicBezTo>
+                  <a:pt x="640443" y="132443"/>
+                  <a:pt x="1280886" y="264886"/>
+                  <a:pt x="1621972" y="359229"/>
+                </a:cubicBezTo>
+                <a:cubicBezTo>
+                  <a:pt x="1963058" y="453572"/>
+                  <a:pt x="2004786" y="509814"/>
+                  <a:pt x="2046515" y="566057"/>
+                </a:cubicBezTo>
+              </a:path>
+            </a:pathLst>
+          </a:custGeom>
+          <a:noFill/>
+          <a:ln w="38100">
+            <a:solidFill>
+              <a:srgbClr val="002060"/>
+            </a:solidFill>
+            <a:headEnd type="none" w="med" len="med"/>
+            <a:tailEnd type="triangle" w="med" len="med"/>
+          </a:ln>
+        </p:spPr>
+        <p:style>
+          <a:lnRef idx="2">
+            <a:schemeClr val="accent1">
+              <a:shade val="50000"/>
+            </a:schemeClr>
+          </a:lnRef>
+          <a:fillRef idx="1">
+            <a:schemeClr val="accent1"/>
+          </a:fillRef>
+          <a:effectRef idx="0">
+            <a:schemeClr val="accent1"/>
+          </a:effectRef>
+          <a:fontRef idx="minor">
+            <a:schemeClr val="lt1"/>
+          </a:fontRef>
+        </p:style>
+        <p:txBody>
+          <a:bodyPr rtlCol="0" anchor="ctr"/>
+          <a:lstStyle/>
+          <a:p>
+            <a:pPr algn="ctr"/>
+            <a:endParaRPr lang="en-US"/>
+          </a:p>
+        </p:txBody>
+      </p:sp>
+      <p:pic>
+        <p:nvPicPr>
+          <p:cNvPr id="25" name="Image 24">
+            <a:extLst>
+              <a:ext uri="{FF2B5EF4-FFF2-40B4-BE49-F238E27FC236}">
+                <a16:creationId xmlns:a16="http://schemas.microsoft.com/office/drawing/2014/main" id="{D2CA2C5E-79F7-4902-9F7B-A641F13A90E3}"/>
+              </a:ext>
+            </a:extLst>
+          </p:cNvPr>
+          <p:cNvPicPr>
+            <a:picLocks noChangeAspect="1"/>
+          </p:cNvPicPr>
+          <p:nvPr/>
+        </p:nvPicPr>
+        <p:blipFill rotWithShape="1">
+          <a:blip r:embed="rId3">
+            <a:extLst>
+              <a:ext uri="{28A0092B-C50C-407E-A947-70E740481C1C}">
+                <a14:useLocalDpi xmlns:a14="http://schemas.microsoft.com/office/drawing/2010/main" val="0"/>
+              </a:ext>
+            </a:extLst>
+          </a:blip>
+          <a:srcRect l="3530" t="38265" r="81300" b="34921"/>
+          <a:stretch/>
+        </p:blipFill>
+        <p:spPr>
+          <a:xfrm>
+            <a:off x="5137289" y="3175258"/>
+            <a:ext cx="1001486" cy="1054980"/>
+          </a:xfrm>
+          <a:prstGeom prst="roundRect">
+            <a:avLst>
+              <a:gd name="adj" fmla="val 16667"/>
+            </a:avLst>
+          </a:prstGeom>
+          <a:ln>
+            <a:noFill/>
+          </a:ln>
+          <a:effectLst>
+            <a:outerShdw blurRad="76200" dist="38100" dir="7800000" algn="tl" rotWithShape="0">
+              <a:srgbClr val="000000">
+                <a:alpha val="40000"/>
+              </a:srgbClr>
+            </a:outerShdw>
+          </a:effectLst>
+        </p:spPr>
+      </p:pic>
+      <p:pic>
+        <p:nvPicPr>
+          <p:cNvPr id="26" name="Image 25">
+            <a:extLst>
+              <a:ext uri="{FF2B5EF4-FFF2-40B4-BE49-F238E27FC236}">
+                <a16:creationId xmlns:a16="http://schemas.microsoft.com/office/drawing/2014/main" id="{7E228D52-949F-4E90-BB9C-057847B15209}"/>
+              </a:ext>
+            </a:extLst>
+          </p:cNvPr>
+          <p:cNvPicPr>
+            <a:picLocks noChangeAspect="1"/>
+          </p:cNvPicPr>
+          <p:nvPr/>
+        </p:nvPicPr>
+        <p:blipFill rotWithShape="1">
+          <a:blip r:embed="rId3">
+            <a:extLst>
+              <a:ext uri="{28A0092B-C50C-407E-A947-70E740481C1C}">
+                <a14:useLocalDpi xmlns:a14="http://schemas.microsoft.com/office/drawing/2010/main" val="0"/>
+              </a:ext>
+            </a:extLst>
+          </a:blip>
+          <a:srcRect l="66984" t="36813" r="3104" b="54012"/>
+          <a:stretch/>
+        </p:blipFill>
+        <p:spPr>
+          <a:xfrm>
+            <a:off x="9258996" y="3083625"/>
+            <a:ext cx="1974677" cy="360996"/>
+          </a:xfrm>
+          <a:prstGeom prst="roundRect">
+            <a:avLst>
+              <a:gd name="adj" fmla="val 16667"/>
+            </a:avLst>
+          </a:prstGeom>
+          <a:ln>
+            <a:noFill/>
+          </a:ln>
+          <a:effectLst>
+            <a:outerShdw blurRad="76200" dist="38100" dir="7800000" algn="tl" rotWithShape="0">
+              <a:srgbClr val="000000">
+                <a:alpha val="40000"/>
+              </a:srgbClr>
+            </a:outerShdw>
+          </a:effectLst>
+        </p:spPr>
+      </p:pic>
     </p:spTree>
     <p:extLst>
       <p:ext uri="{BB962C8B-B14F-4D97-AF65-F5344CB8AC3E}">
-        <p14:creationId xmlns:p14="http://schemas.microsoft.com/office/powerpoint/2010/main" val="962287830"/>
+        <p14:creationId xmlns:p14="http://schemas.microsoft.com/office/powerpoint/2010/main" val="571211001"/>
       </p:ext>
     </p:extLst>
   </p:cSld>
@@ -20420,6 +22197,1460 @@
           <a:chExt cx="0" cy="0"/>
         </a:xfrm>
       </p:grpSpPr>
+      <p:pic>
+        <p:nvPicPr>
+          <p:cNvPr id="17" name="Image 16">
+            <a:extLst>
+              <a:ext uri="{FF2B5EF4-FFF2-40B4-BE49-F238E27FC236}">
+                <a16:creationId xmlns:a16="http://schemas.microsoft.com/office/drawing/2014/main" id="{4416C0C5-A441-47BE-B32B-CA83C534D0C9}"/>
+              </a:ext>
+            </a:extLst>
+          </p:cNvPr>
+          <p:cNvPicPr>
+            <a:picLocks noChangeAspect="1"/>
+          </p:cNvPicPr>
+          <p:nvPr/>
+        </p:nvPicPr>
+        <p:blipFill>
+          <a:blip r:embed="rId3">
+            <a:alphaModFix amt="35000"/>
+            <a:extLst>
+              <a:ext uri="{28A0092B-C50C-407E-A947-70E740481C1C}">
+                <a14:useLocalDpi xmlns:a14="http://schemas.microsoft.com/office/drawing/2010/main" val="0"/>
+              </a:ext>
+            </a:extLst>
+          </a:blip>
+          <a:stretch>
+            <a:fillRect/>
+          </a:stretch>
+        </p:blipFill>
+        <p:spPr>
+          <a:xfrm>
+            <a:off x="2590042" y="1949848"/>
+            <a:ext cx="6601746" cy="3934374"/>
+          </a:xfrm>
+          <a:prstGeom prst="rect">
+            <a:avLst/>
+          </a:prstGeom>
+        </p:spPr>
+      </p:pic>
+      <p:sp>
+        <p:nvSpPr>
+          <p:cNvPr id="7" name="Espace réservé de la date 3">
+            <a:extLst>
+              <a:ext uri="{FF2B5EF4-FFF2-40B4-BE49-F238E27FC236}">
+                <a16:creationId xmlns:a16="http://schemas.microsoft.com/office/drawing/2014/main" id="{D239ED06-4DCB-44DF-AA9C-1BD54E2823A9}"/>
+              </a:ext>
+            </a:extLst>
+          </p:cNvPr>
+          <p:cNvSpPr>
+            <a:spLocks noGrp="1"/>
+          </p:cNvSpPr>
+          <p:nvPr>
+            <p:ph type="dt" sz="half" idx="10"/>
+          </p:nvPr>
+        </p:nvSpPr>
+        <p:spPr>
+          <a:xfrm>
+            <a:off x="7256794" y="6035040"/>
+            <a:ext cx="2893045" cy="365760"/>
+          </a:xfrm>
+        </p:spPr>
+        <p:txBody>
+          <a:bodyPr/>
+          <a:lstStyle/>
+          <a:p>
+            <a:pPr rtl="0"/>
+            <a:fld id="{802FE938-1586-4780-B61A-DD3B60BAB93C}" type="datetime1">
+              <a:rPr lang="fr-FR" smtClean="0"/>
+              <a:t>23/06/2021</a:t>
+            </a:fld>
+            <a:endParaRPr lang="en-US"/>
+          </a:p>
+        </p:txBody>
+      </p:sp>
+      <p:sp>
+        <p:nvSpPr>
+          <p:cNvPr id="36" name="Espace réservé du contenu 2">
+            <a:extLst>
+              <a:ext uri="{FF2B5EF4-FFF2-40B4-BE49-F238E27FC236}">
+                <a16:creationId xmlns:a16="http://schemas.microsoft.com/office/drawing/2014/main" id="{3FF35677-6192-408A-AA48-73F50617F656}"/>
+              </a:ext>
+            </a:extLst>
+          </p:cNvPr>
+          <p:cNvSpPr>
+            <a:spLocks noGrp="1"/>
+          </p:cNvSpPr>
+          <p:nvPr>
+            <p:ph idx="1"/>
+          </p:nvPr>
+        </p:nvSpPr>
+        <p:spPr>
+          <a:xfrm>
+            <a:off x="1066800" y="1300348"/>
+            <a:ext cx="10058400" cy="4652396"/>
+          </a:xfrm>
+        </p:spPr>
+        <p:txBody>
+          <a:bodyPr>
+            <a:normAutofit/>
+          </a:bodyPr>
+          <a:lstStyle/>
+          <a:p>
+            <a:pPr marL="0" lvl="0" indent="0">
+              <a:buClr>
+                <a:prstClr val="black">
+                  <a:lumMod val="85000"/>
+                  <a:lumOff val="15000"/>
+                </a:prstClr>
+              </a:buClr>
+              <a:buNone/>
+            </a:pPr>
+            <a:r>
+              <a:rPr lang="fr-FR" dirty="0">
+                <a:solidFill>
+                  <a:prstClr val="black"/>
+                </a:solidFill>
+              </a:rPr>
+              <a:t>Représentation graphique des données</a:t>
+            </a:r>
+            <a:endParaRPr lang="fr-FR" sz="1500" dirty="0">
+              <a:solidFill>
+                <a:prstClr val="black"/>
+              </a:solidFill>
+            </a:endParaRPr>
+          </a:p>
+          <a:p>
+            <a:pPr marL="822960" lvl="3" indent="0">
+              <a:buNone/>
+            </a:pPr>
+            <a:endParaRPr lang="fr-FR" sz="1500" dirty="0">
+              <a:solidFill>
+                <a:prstClr val="black"/>
+              </a:solidFill>
+            </a:endParaRPr>
+          </a:p>
+          <a:p>
+            <a:pPr marL="0" indent="0">
+              <a:buNone/>
+            </a:pPr>
+            <a:endParaRPr lang="fr-FR" dirty="0"/>
+          </a:p>
+        </p:txBody>
+      </p:sp>
+      <p:sp>
+        <p:nvSpPr>
+          <p:cNvPr id="15" name="Titre 1">
+            <a:extLst>
+              <a:ext uri="{FF2B5EF4-FFF2-40B4-BE49-F238E27FC236}">
+                <a16:creationId xmlns:a16="http://schemas.microsoft.com/office/drawing/2014/main" id="{455FDA57-4828-4A73-ABEE-296C21EEADE1}"/>
+              </a:ext>
+            </a:extLst>
+          </p:cNvPr>
+          <p:cNvSpPr txBox="1">
+            <a:spLocks/>
+          </p:cNvSpPr>
+          <p:nvPr/>
+        </p:nvSpPr>
+        <p:spPr>
+          <a:xfrm>
+            <a:off x="1066800" y="642594"/>
+            <a:ext cx="10058400" cy="556814"/>
+          </a:xfrm>
+          <a:prstGeom prst="rect">
+            <a:avLst/>
+          </a:prstGeom>
+        </p:spPr>
+        <p:txBody>
+          <a:bodyPr vert="horz" lIns="91440" tIns="45720" rIns="91440" bIns="45720" rtlCol="0" anchor="ctr">
+            <a:normAutofit fontScale="90000" lnSpcReduction="10000"/>
+          </a:bodyPr>
+          <a:lstStyle>
+            <a:lvl1pPr algn="l" defTabSz="914400" rtl="0" eaLnBrk="1" latinLnBrk="0" hangingPunct="1">
+              <a:lnSpc>
+                <a:spcPct val="90000"/>
+              </a:lnSpc>
+              <a:spcBef>
+                <a:spcPct val="0"/>
+              </a:spcBef>
+              <a:buNone/>
+              <a:defRPr lang="en-US" sz="4000" i="0" kern="1200" cap="none" spc="0" baseline="0" dirty="0">
+                <a:solidFill>
+                  <a:schemeClr val="tx1">
+                    <a:lumMod val="85000"/>
+                    <a:lumOff val="15000"/>
+                  </a:schemeClr>
+                </a:solidFill>
+                <a:effectLst/>
+                <a:latin typeface="+mj-lt"/>
+                <a:ea typeface="+mn-ea"/>
+                <a:cs typeface="+mn-cs"/>
+              </a:defRPr>
+            </a:lvl1pPr>
+          </a:lstStyle>
+          <a:p>
+            <a:r>
+              <a:rPr lang="fr-FR"/>
+              <a:t>Fonctionnalités</a:t>
+            </a:r>
+          </a:p>
+        </p:txBody>
+      </p:sp>
+      <p:pic>
+        <p:nvPicPr>
+          <p:cNvPr id="16" name="Image 15">
+            <a:extLst>
+              <a:ext uri="{FF2B5EF4-FFF2-40B4-BE49-F238E27FC236}">
+                <a16:creationId xmlns:a16="http://schemas.microsoft.com/office/drawing/2014/main" id="{784436BD-E730-43CC-88C0-F08B262E43A4}"/>
+              </a:ext>
+            </a:extLst>
+          </p:cNvPr>
+          <p:cNvPicPr>
+            <a:picLocks noChangeAspect="1"/>
+          </p:cNvPicPr>
+          <p:nvPr/>
+        </p:nvPicPr>
+        <p:blipFill rotWithShape="1">
+          <a:blip r:embed="rId3">
+            <a:alphaModFix/>
+            <a:extLst>
+              <a:ext uri="{28A0092B-C50C-407E-A947-70E740481C1C}">
+                <a14:useLocalDpi xmlns:a14="http://schemas.microsoft.com/office/drawing/2010/main" val="0"/>
+              </a:ext>
+            </a:extLst>
+          </a:blip>
+          <a:srcRect l="2938" t="71631" r="34401" b="2465"/>
+          <a:stretch/>
+        </p:blipFill>
+        <p:spPr>
+          <a:xfrm>
+            <a:off x="2751148" y="4778998"/>
+            <a:ext cx="4136716" cy="1019176"/>
+          </a:xfrm>
+          <a:prstGeom prst="roundRect">
+            <a:avLst>
+              <a:gd name="adj" fmla="val 16667"/>
+            </a:avLst>
+          </a:prstGeom>
+          <a:ln>
+            <a:noFill/>
+          </a:ln>
+          <a:effectLst>
+            <a:outerShdw blurRad="76200" dist="38100" dir="7800000" algn="tl" rotWithShape="0">
+              <a:srgbClr val="000000">
+                <a:alpha val="40000"/>
+              </a:srgbClr>
+            </a:outerShdw>
+          </a:effectLst>
+        </p:spPr>
+      </p:pic>
+      <p:pic>
+        <p:nvPicPr>
+          <p:cNvPr id="18" name="Image 17">
+            <a:extLst>
+              <a:ext uri="{FF2B5EF4-FFF2-40B4-BE49-F238E27FC236}">
+                <a16:creationId xmlns:a16="http://schemas.microsoft.com/office/drawing/2014/main" id="{E36D3A34-4777-4574-98C5-53CE90F1734E}"/>
+              </a:ext>
+            </a:extLst>
+          </p:cNvPr>
+          <p:cNvPicPr>
+            <a:picLocks noChangeAspect="1"/>
+          </p:cNvPicPr>
+          <p:nvPr/>
+        </p:nvPicPr>
+        <p:blipFill rotWithShape="1">
+          <a:blip r:embed="rId3">
+            <a:alphaModFix/>
+            <a:extLst>
+              <a:ext uri="{28A0092B-C50C-407E-A947-70E740481C1C}">
+                <a14:useLocalDpi xmlns:a14="http://schemas.microsoft.com/office/drawing/2010/main" val="0"/>
+              </a:ext>
+            </a:extLst>
+          </a:blip>
+          <a:srcRect l="66818" t="71640" r="2162" b="2457"/>
+          <a:stretch/>
+        </p:blipFill>
+        <p:spPr>
+          <a:xfrm>
+            <a:off x="7003597" y="4767019"/>
+            <a:ext cx="2047875" cy="1019177"/>
+          </a:xfrm>
+          <a:prstGeom prst="roundRect">
+            <a:avLst>
+              <a:gd name="adj" fmla="val 16667"/>
+            </a:avLst>
+          </a:prstGeom>
+          <a:ln>
+            <a:noFill/>
+          </a:ln>
+          <a:effectLst>
+            <a:outerShdw blurRad="76200" dist="38100" dir="7800000" algn="tl" rotWithShape="0">
+              <a:srgbClr val="000000">
+                <a:alpha val="40000"/>
+              </a:srgbClr>
+            </a:outerShdw>
+          </a:effectLst>
+        </p:spPr>
+      </p:pic>
+      <p:pic>
+        <p:nvPicPr>
+          <p:cNvPr id="19" name="Image 18">
+            <a:extLst>
+              <a:ext uri="{FF2B5EF4-FFF2-40B4-BE49-F238E27FC236}">
+                <a16:creationId xmlns:a16="http://schemas.microsoft.com/office/drawing/2014/main" id="{4C3C9AC4-B550-4CB7-8A4C-81B16368DFB9}"/>
+              </a:ext>
+            </a:extLst>
+          </p:cNvPr>
+          <p:cNvPicPr>
+            <a:picLocks noChangeAspect="1"/>
+          </p:cNvPicPr>
+          <p:nvPr/>
+        </p:nvPicPr>
+        <p:blipFill rotWithShape="1">
+          <a:blip r:embed="rId3">
+            <a:alphaModFix/>
+            <a:extLst>
+              <a:ext uri="{28A0092B-C50C-407E-A947-70E740481C1C}">
+                <a14:useLocalDpi xmlns:a14="http://schemas.microsoft.com/office/drawing/2010/main" val="0"/>
+              </a:ext>
+            </a:extLst>
+          </a:blip>
+          <a:srcRect l="66907" t="37399" r="1820" b="30281"/>
+          <a:stretch/>
+        </p:blipFill>
+        <p:spPr>
+          <a:xfrm>
+            <a:off x="6990897" y="3419216"/>
+            <a:ext cx="2064544" cy="1271587"/>
+          </a:xfrm>
+          <a:prstGeom prst="roundRect">
+            <a:avLst>
+              <a:gd name="adj" fmla="val 16667"/>
+            </a:avLst>
+          </a:prstGeom>
+          <a:ln>
+            <a:noFill/>
+          </a:ln>
+          <a:effectLst>
+            <a:outerShdw blurRad="76200" dist="38100" dir="7800000" algn="tl" rotWithShape="0">
+              <a:srgbClr val="000000">
+                <a:alpha val="40000"/>
+              </a:srgbClr>
+            </a:outerShdw>
+          </a:effectLst>
+        </p:spPr>
+      </p:pic>
+    </p:spTree>
+    <p:extLst>
+      <p:ext uri="{BB962C8B-B14F-4D97-AF65-F5344CB8AC3E}">
+        <p14:creationId xmlns:p14="http://schemas.microsoft.com/office/powerpoint/2010/main" val="3785771080"/>
+      </p:ext>
+    </p:extLst>
+  </p:cSld>
+  <p:clrMapOvr>
+    <a:masterClrMapping/>
+  </p:clrMapOvr>
+</p:sld>
+</file>
+
+<file path=ppt/slides/slide43.xml><?xml version="1.0" encoding="utf-8"?>
+<p:sld xmlns:a="http://schemas.openxmlformats.org/drawingml/2006/main" xmlns:r="http://schemas.openxmlformats.org/officeDocument/2006/relationships" xmlns:p="http://schemas.openxmlformats.org/presentationml/2006/main">
+  <p:cSld>
+    <p:spTree>
+      <p:nvGrpSpPr>
+        <p:cNvPr id="1" name=""/>
+        <p:cNvGrpSpPr/>
+        <p:nvPr/>
+      </p:nvGrpSpPr>
+      <p:grpSpPr>
+        <a:xfrm>
+          <a:off x="0" y="0"/>
+          <a:ext cx="0" cy="0"/>
+          <a:chOff x="0" y="0"/>
+          <a:chExt cx="0" cy="0"/>
+        </a:xfrm>
+      </p:grpSpPr>
+      <p:sp>
+        <p:nvSpPr>
+          <p:cNvPr id="7" name="Espace réservé de la date 3">
+            <a:extLst>
+              <a:ext uri="{FF2B5EF4-FFF2-40B4-BE49-F238E27FC236}">
+                <a16:creationId xmlns:a16="http://schemas.microsoft.com/office/drawing/2014/main" id="{D239ED06-4DCB-44DF-AA9C-1BD54E2823A9}"/>
+              </a:ext>
+            </a:extLst>
+          </p:cNvPr>
+          <p:cNvSpPr>
+            <a:spLocks noGrp="1"/>
+          </p:cNvSpPr>
+          <p:nvPr>
+            <p:ph type="dt" sz="half" idx="10"/>
+          </p:nvPr>
+        </p:nvSpPr>
+        <p:spPr>
+          <a:xfrm>
+            <a:off x="7256794" y="6035040"/>
+            <a:ext cx="2893045" cy="365760"/>
+          </a:xfrm>
+        </p:spPr>
+        <p:txBody>
+          <a:bodyPr/>
+          <a:lstStyle/>
+          <a:p>
+            <a:pPr rtl="0"/>
+            <a:fld id="{802FE938-1586-4780-B61A-DD3B60BAB93C}" type="datetime1">
+              <a:rPr lang="fr-FR" smtClean="0"/>
+              <a:t>23/06/2021</a:t>
+            </a:fld>
+            <a:endParaRPr lang="en-US"/>
+          </a:p>
+        </p:txBody>
+      </p:sp>
+      <p:sp>
+        <p:nvSpPr>
+          <p:cNvPr id="36" name="Espace réservé du contenu 2">
+            <a:extLst>
+              <a:ext uri="{FF2B5EF4-FFF2-40B4-BE49-F238E27FC236}">
+                <a16:creationId xmlns:a16="http://schemas.microsoft.com/office/drawing/2014/main" id="{3FF35677-6192-408A-AA48-73F50617F656}"/>
+              </a:ext>
+            </a:extLst>
+          </p:cNvPr>
+          <p:cNvSpPr>
+            <a:spLocks noGrp="1"/>
+          </p:cNvSpPr>
+          <p:nvPr>
+            <p:ph idx="1"/>
+          </p:nvPr>
+        </p:nvSpPr>
+        <p:spPr>
+          <a:xfrm>
+            <a:off x="1066800" y="1300348"/>
+            <a:ext cx="10058400" cy="4652396"/>
+          </a:xfrm>
+        </p:spPr>
+        <p:txBody>
+          <a:bodyPr>
+            <a:normAutofit/>
+          </a:bodyPr>
+          <a:lstStyle/>
+          <a:p>
+            <a:pPr marL="0" lvl="0" indent="0">
+              <a:buClr>
+                <a:prstClr val="black">
+                  <a:lumMod val="85000"/>
+                  <a:lumOff val="15000"/>
+                </a:prstClr>
+              </a:buClr>
+              <a:buNone/>
+            </a:pPr>
+            <a:r>
+              <a:rPr lang="fr-FR" dirty="0">
+                <a:solidFill>
+                  <a:prstClr val="black"/>
+                </a:solidFill>
+              </a:rPr>
+              <a:t>Traduction de l’application</a:t>
+            </a:r>
+            <a:endParaRPr lang="fr-FR" sz="1500" dirty="0">
+              <a:solidFill>
+                <a:prstClr val="black"/>
+              </a:solidFill>
+            </a:endParaRPr>
+          </a:p>
+          <a:p>
+            <a:pPr marL="822960" lvl="3" indent="0">
+              <a:buNone/>
+            </a:pPr>
+            <a:endParaRPr lang="fr-FR" sz="1500" dirty="0">
+              <a:solidFill>
+                <a:prstClr val="black"/>
+              </a:solidFill>
+            </a:endParaRPr>
+          </a:p>
+          <a:p>
+            <a:pPr marL="0" indent="0">
+              <a:buNone/>
+            </a:pPr>
+            <a:endParaRPr lang="fr-FR" dirty="0"/>
+          </a:p>
+        </p:txBody>
+      </p:sp>
+      <p:sp>
+        <p:nvSpPr>
+          <p:cNvPr id="15" name="Titre 1">
+            <a:extLst>
+              <a:ext uri="{FF2B5EF4-FFF2-40B4-BE49-F238E27FC236}">
+                <a16:creationId xmlns:a16="http://schemas.microsoft.com/office/drawing/2014/main" id="{455FDA57-4828-4A73-ABEE-296C21EEADE1}"/>
+              </a:ext>
+            </a:extLst>
+          </p:cNvPr>
+          <p:cNvSpPr txBox="1">
+            <a:spLocks/>
+          </p:cNvSpPr>
+          <p:nvPr/>
+        </p:nvSpPr>
+        <p:spPr>
+          <a:xfrm>
+            <a:off x="1066800" y="642594"/>
+            <a:ext cx="10058400" cy="556814"/>
+          </a:xfrm>
+          <a:prstGeom prst="rect">
+            <a:avLst/>
+          </a:prstGeom>
+        </p:spPr>
+        <p:txBody>
+          <a:bodyPr vert="horz" lIns="91440" tIns="45720" rIns="91440" bIns="45720" rtlCol="0" anchor="ctr">
+            <a:normAutofit fontScale="90000" lnSpcReduction="10000"/>
+          </a:bodyPr>
+          <a:lstStyle>
+            <a:lvl1pPr algn="l" defTabSz="914400" rtl="0" eaLnBrk="1" latinLnBrk="0" hangingPunct="1">
+              <a:lnSpc>
+                <a:spcPct val="90000"/>
+              </a:lnSpc>
+              <a:spcBef>
+                <a:spcPct val="0"/>
+              </a:spcBef>
+              <a:buNone/>
+              <a:defRPr lang="en-US" sz="4000" i="0" kern="1200" cap="none" spc="0" baseline="0" dirty="0">
+                <a:solidFill>
+                  <a:schemeClr val="tx1">
+                    <a:lumMod val="85000"/>
+                    <a:lumOff val="15000"/>
+                  </a:schemeClr>
+                </a:solidFill>
+                <a:effectLst/>
+                <a:latin typeface="+mj-lt"/>
+                <a:ea typeface="+mn-ea"/>
+                <a:cs typeface="+mn-cs"/>
+              </a:defRPr>
+            </a:lvl1pPr>
+          </a:lstStyle>
+          <a:p>
+            <a:r>
+              <a:rPr lang="fr-FR"/>
+              <a:t>Fonctionnalités</a:t>
+            </a:r>
+          </a:p>
+        </p:txBody>
+      </p:sp>
+      <p:pic>
+        <p:nvPicPr>
+          <p:cNvPr id="2" name="Image 1">
+            <a:extLst>
+              <a:ext uri="{FF2B5EF4-FFF2-40B4-BE49-F238E27FC236}">
+                <a16:creationId xmlns:a16="http://schemas.microsoft.com/office/drawing/2014/main" id="{D53EBD7B-5FA0-486F-A41C-F4E602D6CFB8}"/>
+              </a:ext>
+            </a:extLst>
+          </p:cNvPr>
+          <p:cNvPicPr>
+            <a:picLocks noChangeAspect="1"/>
+          </p:cNvPicPr>
+          <p:nvPr/>
+        </p:nvPicPr>
+        <p:blipFill rotWithShape="1">
+          <a:blip r:embed="rId3"/>
+          <a:srcRect l="11582" t="48829" r="73581" b="46758"/>
+          <a:stretch/>
+        </p:blipFill>
+        <p:spPr>
+          <a:xfrm>
+            <a:off x="1638298" y="2238375"/>
+            <a:ext cx="8086725" cy="790575"/>
+          </a:xfrm>
+          <a:prstGeom prst="roundRect">
+            <a:avLst>
+              <a:gd name="adj" fmla="val 16667"/>
+            </a:avLst>
+          </a:prstGeom>
+          <a:ln>
+            <a:noFill/>
+          </a:ln>
+          <a:effectLst>
+            <a:outerShdw blurRad="76200" dist="38100" dir="7800000" algn="tl" rotWithShape="0">
+              <a:srgbClr val="000000">
+                <a:alpha val="40000"/>
+              </a:srgbClr>
+            </a:outerShdw>
+          </a:effectLst>
+        </p:spPr>
+      </p:pic>
+      <p:pic>
+        <p:nvPicPr>
+          <p:cNvPr id="10" name="Image 9">
+            <a:extLst>
+              <a:ext uri="{FF2B5EF4-FFF2-40B4-BE49-F238E27FC236}">
+                <a16:creationId xmlns:a16="http://schemas.microsoft.com/office/drawing/2014/main" id="{8BF03331-E0C9-480C-84E3-80EAF35390C8}"/>
+              </a:ext>
+            </a:extLst>
+          </p:cNvPr>
+          <p:cNvPicPr>
+            <a:picLocks noChangeAspect="1"/>
+          </p:cNvPicPr>
+          <p:nvPr/>
+        </p:nvPicPr>
+        <p:blipFill rotWithShape="1">
+          <a:blip r:embed="rId3">
+            <a:alphaModFix amt="50000"/>
+          </a:blip>
+          <a:srcRect l="11582" t="51859" r="73581" b="43728"/>
+          <a:stretch/>
+        </p:blipFill>
+        <p:spPr>
+          <a:xfrm>
+            <a:off x="1638297" y="4252727"/>
+            <a:ext cx="8086725" cy="790576"/>
+          </a:xfrm>
+          <a:prstGeom prst="roundRect">
+            <a:avLst>
+              <a:gd name="adj" fmla="val 16667"/>
+            </a:avLst>
+          </a:prstGeom>
+          <a:ln>
+            <a:noFill/>
+          </a:ln>
+          <a:effectLst>
+            <a:outerShdw blurRad="76200" dist="38100" dir="7800000" algn="tl" rotWithShape="0">
+              <a:srgbClr val="000000">
+                <a:alpha val="40000"/>
+              </a:srgbClr>
+            </a:outerShdw>
+          </a:effectLst>
+        </p:spPr>
+      </p:pic>
+      <p:cxnSp>
+        <p:nvCxnSpPr>
+          <p:cNvPr id="11" name="Connecteur droit avec flèche 10">
+            <a:extLst>
+              <a:ext uri="{FF2B5EF4-FFF2-40B4-BE49-F238E27FC236}">
+                <a16:creationId xmlns:a16="http://schemas.microsoft.com/office/drawing/2014/main" id="{64E2A127-8E3B-4357-A312-1491E05D70E5}"/>
+              </a:ext>
+            </a:extLst>
+          </p:cNvPr>
+          <p:cNvCxnSpPr>
+            <a:cxnSpLocks/>
+            <a:stCxn id="2" idx="2"/>
+            <a:endCxn id="10" idx="0"/>
+          </p:cNvCxnSpPr>
+          <p:nvPr/>
+        </p:nvCxnSpPr>
+        <p:spPr>
+          <a:xfrm flipH="1">
+            <a:off x="5681660" y="3028950"/>
+            <a:ext cx="1" cy="1223777"/>
+          </a:xfrm>
+          <a:prstGeom prst="straightConnector1">
+            <a:avLst/>
+          </a:prstGeom>
+          <a:ln w="57150">
+            <a:solidFill>
+              <a:srgbClr val="00AFEF"/>
+            </a:solidFill>
+            <a:tailEnd type="triangle"/>
+          </a:ln>
+        </p:spPr>
+        <p:style>
+          <a:lnRef idx="3">
+            <a:schemeClr val="accent3"/>
+          </a:lnRef>
+          <a:fillRef idx="0">
+            <a:schemeClr val="accent3"/>
+          </a:fillRef>
+          <a:effectRef idx="2">
+            <a:schemeClr val="accent3"/>
+          </a:effectRef>
+          <a:fontRef idx="minor">
+            <a:schemeClr val="tx1"/>
+          </a:fontRef>
+        </p:style>
+      </p:cxnSp>
+      <p:pic>
+        <p:nvPicPr>
+          <p:cNvPr id="14" name="Image 13">
+            <a:extLst>
+              <a:ext uri="{FF2B5EF4-FFF2-40B4-BE49-F238E27FC236}">
+                <a16:creationId xmlns:a16="http://schemas.microsoft.com/office/drawing/2014/main" id="{1E860D4E-9B86-4472-BFBE-A1AD485A5E42}"/>
+              </a:ext>
+            </a:extLst>
+          </p:cNvPr>
+          <p:cNvPicPr>
+            <a:picLocks noChangeAspect="1"/>
+          </p:cNvPicPr>
+          <p:nvPr/>
+        </p:nvPicPr>
+        <p:blipFill rotWithShape="1">
+          <a:blip r:embed="rId3"/>
+          <a:srcRect l="20364" t="51859" r="77229" b="43728"/>
+          <a:stretch/>
+        </p:blipFill>
+        <p:spPr>
+          <a:xfrm>
+            <a:off x="6424613" y="4255009"/>
+            <a:ext cx="1312067" cy="790576"/>
+          </a:xfrm>
+          <a:prstGeom prst="roundRect">
+            <a:avLst>
+              <a:gd name="adj" fmla="val 16667"/>
+            </a:avLst>
+          </a:prstGeom>
+          <a:ln>
+            <a:noFill/>
+          </a:ln>
+          <a:effectLst>
+            <a:outerShdw blurRad="76200" dist="38100" dir="7800000" algn="tl" rotWithShape="0">
+              <a:srgbClr val="000000">
+                <a:alpha val="40000"/>
+              </a:srgbClr>
+            </a:outerShdw>
+          </a:effectLst>
+        </p:spPr>
+      </p:pic>
+    </p:spTree>
+    <p:extLst>
+      <p:ext uri="{BB962C8B-B14F-4D97-AF65-F5344CB8AC3E}">
+        <p14:creationId xmlns:p14="http://schemas.microsoft.com/office/powerpoint/2010/main" val="4233698071"/>
+      </p:ext>
+    </p:extLst>
+  </p:cSld>
+  <p:clrMapOvr>
+    <a:masterClrMapping/>
+  </p:clrMapOvr>
+</p:sld>
+</file>
+
+<file path=ppt/slides/slide44.xml><?xml version="1.0" encoding="utf-8"?>
+<p:sld xmlns:a="http://schemas.openxmlformats.org/drawingml/2006/main" xmlns:r="http://schemas.openxmlformats.org/officeDocument/2006/relationships" xmlns:p="http://schemas.openxmlformats.org/presentationml/2006/main">
+  <p:cSld>
+    <p:spTree>
+      <p:nvGrpSpPr>
+        <p:cNvPr id="1" name=""/>
+        <p:cNvGrpSpPr/>
+        <p:nvPr/>
+      </p:nvGrpSpPr>
+      <p:grpSpPr>
+        <a:xfrm>
+          <a:off x="0" y="0"/>
+          <a:ext cx="0" cy="0"/>
+          <a:chOff x="0" y="0"/>
+          <a:chExt cx="0" cy="0"/>
+        </a:xfrm>
+      </p:grpSpPr>
+      <p:pic>
+        <p:nvPicPr>
+          <p:cNvPr id="6" name="Image 5">
+            <a:extLst>
+              <a:ext uri="{FF2B5EF4-FFF2-40B4-BE49-F238E27FC236}">
+                <a16:creationId xmlns:a16="http://schemas.microsoft.com/office/drawing/2014/main" id="{360039D6-B929-4185-A623-AB6994D062E6}"/>
+              </a:ext>
+            </a:extLst>
+          </p:cNvPr>
+          <p:cNvPicPr>
+            <a:picLocks noChangeAspect="1"/>
+          </p:cNvPicPr>
+          <p:nvPr/>
+        </p:nvPicPr>
+        <p:blipFill>
+          <a:blip r:embed="rId3">
+            <a:extLst>
+              <a:ext uri="{28A0092B-C50C-407E-A947-70E740481C1C}">
+                <a14:useLocalDpi xmlns:a14="http://schemas.microsoft.com/office/drawing/2010/main" val="0"/>
+              </a:ext>
+            </a:extLst>
+          </a:blip>
+          <a:stretch>
+            <a:fillRect/>
+          </a:stretch>
+        </p:blipFill>
+        <p:spPr>
+          <a:xfrm>
+            <a:off x="2579545" y="1792785"/>
+            <a:ext cx="7030431" cy="4172532"/>
+          </a:xfrm>
+          <a:prstGeom prst="rect">
+            <a:avLst/>
+          </a:prstGeom>
+        </p:spPr>
+      </p:pic>
+      <p:sp>
+        <p:nvSpPr>
+          <p:cNvPr id="7" name="Espace réservé de la date 3">
+            <a:extLst>
+              <a:ext uri="{FF2B5EF4-FFF2-40B4-BE49-F238E27FC236}">
+                <a16:creationId xmlns:a16="http://schemas.microsoft.com/office/drawing/2014/main" id="{D239ED06-4DCB-44DF-AA9C-1BD54E2823A9}"/>
+              </a:ext>
+            </a:extLst>
+          </p:cNvPr>
+          <p:cNvSpPr>
+            <a:spLocks noGrp="1"/>
+          </p:cNvSpPr>
+          <p:nvPr>
+            <p:ph type="dt" sz="half" idx="10"/>
+          </p:nvPr>
+        </p:nvSpPr>
+        <p:spPr>
+          <a:xfrm>
+            <a:off x="7256794" y="6035040"/>
+            <a:ext cx="2893045" cy="365760"/>
+          </a:xfrm>
+        </p:spPr>
+        <p:txBody>
+          <a:bodyPr/>
+          <a:lstStyle/>
+          <a:p>
+            <a:pPr rtl="0"/>
+            <a:fld id="{802FE938-1586-4780-B61A-DD3B60BAB93C}" type="datetime1">
+              <a:rPr lang="fr-FR" smtClean="0"/>
+              <a:t>23/06/2021</a:t>
+            </a:fld>
+            <a:endParaRPr lang="en-US"/>
+          </a:p>
+        </p:txBody>
+      </p:sp>
+      <p:sp>
+        <p:nvSpPr>
+          <p:cNvPr id="36" name="Espace réservé du contenu 2">
+            <a:extLst>
+              <a:ext uri="{FF2B5EF4-FFF2-40B4-BE49-F238E27FC236}">
+                <a16:creationId xmlns:a16="http://schemas.microsoft.com/office/drawing/2014/main" id="{3FF35677-6192-408A-AA48-73F50617F656}"/>
+              </a:ext>
+            </a:extLst>
+          </p:cNvPr>
+          <p:cNvSpPr>
+            <a:spLocks noGrp="1"/>
+          </p:cNvSpPr>
+          <p:nvPr>
+            <p:ph idx="1"/>
+          </p:nvPr>
+        </p:nvSpPr>
+        <p:spPr>
+          <a:xfrm>
+            <a:off x="1066800" y="1300348"/>
+            <a:ext cx="10058400" cy="4652396"/>
+          </a:xfrm>
+        </p:spPr>
+        <p:txBody>
+          <a:bodyPr>
+            <a:normAutofit/>
+          </a:bodyPr>
+          <a:lstStyle/>
+          <a:p>
+            <a:pPr marL="0" lvl="0" indent="0">
+              <a:buClr>
+                <a:prstClr val="black">
+                  <a:lumMod val="85000"/>
+                  <a:lumOff val="15000"/>
+                </a:prstClr>
+              </a:buClr>
+              <a:buNone/>
+            </a:pPr>
+            <a:r>
+              <a:rPr lang="fr-FR" dirty="0">
+                <a:solidFill>
+                  <a:prstClr val="black"/>
+                </a:solidFill>
+              </a:rPr>
+              <a:t>Traduction de l’application</a:t>
+            </a:r>
+            <a:endParaRPr lang="fr-FR" sz="1500" dirty="0">
+              <a:solidFill>
+                <a:prstClr val="black"/>
+              </a:solidFill>
+            </a:endParaRPr>
+          </a:p>
+          <a:p>
+            <a:pPr marL="822960" lvl="3" indent="0">
+              <a:buNone/>
+            </a:pPr>
+            <a:endParaRPr lang="fr-FR" sz="1500" dirty="0">
+              <a:solidFill>
+                <a:prstClr val="black"/>
+              </a:solidFill>
+            </a:endParaRPr>
+          </a:p>
+          <a:p>
+            <a:pPr marL="0" indent="0">
+              <a:buNone/>
+            </a:pPr>
+            <a:endParaRPr lang="fr-FR" dirty="0"/>
+          </a:p>
+        </p:txBody>
+      </p:sp>
+      <p:sp>
+        <p:nvSpPr>
+          <p:cNvPr id="15" name="Titre 1">
+            <a:extLst>
+              <a:ext uri="{FF2B5EF4-FFF2-40B4-BE49-F238E27FC236}">
+                <a16:creationId xmlns:a16="http://schemas.microsoft.com/office/drawing/2014/main" id="{455FDA57-4828-4A73-ABEE-296C21EEADE1}"/>
+              </a:ext>
+            </a:extLst>
+          </p:cNvPr>
+          <p:cNvSpPr txBox="1">
+            <a:spLocks/>
+          </p:cNvSpPr>
+          <p:nvPr/>
+        </p:nvSpPr>
+        <p:spPr>
+          <a:xfrm>
+            <a:off x="1066800" y="642594"/>
+            <a:ext cx="10058400" cy="556814"/>
+          </a:xfrm>
+          <a:prstGeom prst="rect">
+            <a:avLst/>
+          </a:prstGeom>
+        </p:spPr>
+        <p:txBody>
+          <a:bodyPr vert="horz" lIns="91440" tIns="45720" rIns="91440" bIns="45720" rtlCol="0" anchor="ctr">
+            <a:normAutofit fontScale="90000" lnSpcReduction="10000"/>
+          </a:bodyPr>
+          <a:lstStyle>
+            <a:lvl1pPr algn="l" defTabSz="914400" rtl="0" eaLnBrk="1" latinLnBrk="0" hangingPunct="1">
+              <a:lnSpc>
+                <a:spcPct val="90000"/>
+              </a:lnSpc>
+              <a:spcBef>
+                <a:spcPct val="0"/>
+              </a:spcBef>
+              <a:buNone/>
+              <a:defRPr lang="en-US" sz="4000" i="0" kern="1200" cap="none" spc="0" baseline="0" dirty="0">
+                <a:solidFill>
+                  <a:schemeClr val="tx1">
+                    <a:lumMod val="85000"/>
+                    <a:lumOff val="15000"/>
+                  </a:schemeClr>
+                </a:solidFill>
+                <a:effectLst/>
+                <a:latin typeface="+mj-lt"/>
+                <a:ea typeface="+mn-ea"/>
+                <a:cs typeface="+mn-cs"/>
+              </a:defRPr>
+            </a:lvl1pPr>
+          </a:lstStyle>
+          <a:p>
+            <a:r>
+              <a:rPr lang="fr-FR"/>
+              <a:t>Fonctionnalités</a:t>
+            </a:r>
+          </a:p>
+        </p:txBody>
+      </p:sp>
+      <p:sp>
+        <p:nvSpPr>
+          <p:cNvPr id="4" name="ZoneTexte 3">
+            <a:extLst>
+              <a:ext uri="{FF2B5EF4-FFF2-40B4-BE49-F238E27FC236}">
+                <a16:creationId xmlns:a16="http://schemas.microsoft.com/office/drawing/2014/main" id="{EF8A00E5-45E1-445C-8B9D-FE611AD06996}"/>
+              </a:ext>
+            </a:extLst>
+          </p:cNvPr>
+          <p:cNvSpPr txBox="1"/>
+          <p:nvPr/>
+        </p:nvSpPr>
+        <p:spPr>
+          <a:xfrm>
+            <a:off x="4733925" y="2895600"/>
+            <a:ext cx="423514" cy="307777"/>
+          </a:xfrm>
+          <a:prstGeom prst="rect">
+            <a:avLst/>
+          </a:prstGeom>
+          <a:noFill/>
+        </p:spPr>
+        <p:txBody>
+          <a:bodyPr wrap="none" rtlCol="0">
+            <a:spAutoFit/>
+          </a:bodyPr>
+          <a:lstStyle/>
+          <a:p>
+            <a:r>
+              <a:rPr lang="fr-FR" sz="1400" b="1" i="1" dirty="0">
+                <a:solidFill>
+                  <a:srgbClr val="0170C3"/>
+                </a:solidFill>
+              </a:rPr>
+              <a:t>(1)</a:t>
+            </a:r>
+            <a:endParaRPr lang="en-US" sz="1400" b="1" i="1" dirty="0">
+              <a:solidFill>
+                <a:srgbClr val="0170C3"/>
+              </a:solidFill>
+            </a:endParaRPr>
+          </a:p>
+        </p:txBody>
+      </p:sp>
+      <p:sp>
+        <p:nvSpPr>
+          <p:cNvPr id="12" name="ZoneTexte 11">
+            <a:extLst>
+              <a:ext uri="{FF2B5EF4-FFF2-40B4-BE49-F238E27FC236}">
+                <a16:creationId xmlns:a16="http://schemas.microsoft.com/office/drawing/2014/main" id="{B35188DD-51F7-4DA7-B795-9C6BE87FC788}"/>
+              </a:ext>
+            </a:extLst>
+          </p:cNvPr>
+          <p:cNvSpPr txBox="1"/>
+          <p:nvPr/>
+        </p:nvSpPr>
+        <p:spPr>
+          <a:xfrm>
+            <a:off x="4522168" y="5644967"/>
+            <a:ext cx="423514" cy="307777"/>
+          </a:xfrm>
+          <a:prstGeom prst="rect">
+            <a:avLst/>
+          </a:prstGeom>
+          <a:noFill/>
+        </p:spPr>
+        <p:txBody>
+          <a:bodyPr wrap="none" rtlCol="0">
+            <a:spAutoFit/>
+          </a:bodyPr>
+          <a:lstStyle/>
+          <a:p>
+            <a:r>
+              <a:rPr lang="fr-FR" sz="1400" b="1" i="1" dirty="0">
+                <a:solidFill>
+                  <a:srgbClr val="0170C3"/>
+                </a:solidFill>
+              </a:rPr>
+              <a:t>(2)</a:t>
+            </a:r>
+            <a:endParaRPr lang="en-US" sz="1400" b="1" i="1" dirty="0">
+              <a:solidFill>
+                <a:srgbClr val="0170C3"/>
+              </a:solidFill>
+            </a:endParaRPr>
+          </a:p>
+        </p:txBody>
+      </p:sp>
+      <p:sp>
+        <p:nvSpPr>
+          <p:cNvPr id="13" name="ZoneTexte 12">
+            <a:extLst>
+              <a:ext uri="{FF2B5EF4-FFF2-40B4-BE49-F238E27FC236}">
+                <a16:creationId xmlns:a16="http://schemas.microsoft.com/office/drawing/2014/main" id="{5C230002-F92E-4DC2-A0E9-376546B8BA8C}"/>
+              </a:ext>
+            </a:extLst>
+          </p:cNvPr>
+          <p:cNvSpPr txBox="1"/>
+          <p:nvPr/>
+        </p:nvSpPr>
+        <p:spPr>
+          <a:xfrm>
+            <a:off x="6466236" y="2712278"/>
+            <a:ext cx="423514" cy="307777"/>
+          </a:xfrm>
+          <a:prstGeom prst="rect">
+            <a:avLst/>
+          </a:prstGeom>
+          <a:noFill/>
+        </p:spPr>
+        <p:txBody>
+          <a:bodyPr wrap="none" rtlCol="0">
+            <a:spAutoFit/>
+          </a:bodyPr>
+          <a:lstStyle/>
+          <a:p>
+            <a:r>
+              <a:rPr lang="fr-FR" sz="1400" b="1" i="1" dirty="0">
+                <a:solidFill>
+                  <a:srgbClr val="0170C3"/>
+                </a:solidFill>
+              </a:rPr>
+              <a:t>(3)</a:t>
+            </a:r>
+            <a:endParaRPr lang="en-US" sz="1400" b="1" i="1" dirty="0">
+              <a:solidFill>
+                <a:srgbClr val="0170C3"/>
+              </a:solidFill>
+            </a:endParaRPr>
+          </a:p>
+        </p:txBody>
+      </p:sp>
+    </p:spTree>
+    <p:extLst>
+      <p:ext uri="{BB962C8B-B14F-4D97-AF65-F5344CB8AC3E}">
+        <p14:creationId xmlns:p14="http://schemas.microsoft.com/office/powerpoint/2010/main" val="4071063209"/>
+      </p:ext>
+    </p:extLst>
+  </p:cSld>
+  <p:clrMapOvr>
+    <a:masterClrMapping/>
+  </p:clrMapOvr>
+</p:sld>
+</file>
+
+<file path=ppt/slides/slide45.xml><?xml version="1.0" encoding="utf-8"?>
+<p:sld xmlns:a="http://schemas.openxmlformats.org/drawingml/2006/main" xmlns:r="http://schemas.openxmlformats.org/officeDocument/2006/relationships" xmlns:p="http://schemas.openxmlformats.org/presentationml/2006/main">
+  <p:cSld>
+    <p:spTree>
+      <p:nvGrpSpPr>
+        <p:cNvPr id="1" name=""/>
+        <p:cNvGrpSpPr/>
+        <p:nvPr/>
+      </p:nvGrpSpPr>
+      <p:grpSpPr>
+        <a:xfrm>
+          <a:off x="0" y="0"/>
+          <a:ext cx="0" cy="0"/>
+          <a:chOff x="0" y="0"/>
+          <a:chExt cx="0" cy="0"/>
+        </a:xfrm>
+      </p:grpSpPr>
+      <p:sp>
+        <p:nvSpPr>
+          <p:cNvPr id="7" name="Espace réservé de la date 3">
+            <a:extLst>
+              <a:ext uri="{FF2B5EF4-FFF2-40B4-BE49-F238E27FC236}">
+                <a16:creationId xmlns:a16="http://schemas.microsoft.com/office/drawing/2014/main" id="{D239ED06-4DCB-44DF-AA9C-1BD54E2823A9}"/>
+              </a:ext>
+            </a:extLst>
+          </p:cNvPr>
+          <p:cNvSpPr>
+            <a:spLocks noGrp="1"/>
+          </p:cNvSpPr>
+          <p:nvPr>
+            <p:ph type="dt" sz="half" idx="10"/>
+          </p:nvPr>
+        </p:nvSpPr>
+        <p:spPr>
+          <a:xfrm>
+            <a:off x="7256794" y="6035040"/>
+            <a:ext cx="2893045" cy="365760"/>
+          </a:xfrm>
+        </p:spPr>
+        <p:txBody>
+          <a:bodyPr/>
+          <a:lstStyle/>
+          <a:p>
+            <a:pPr rtl="0"/>
+            <a:fld id="{802FE938-1586-4780-B61A-DD3B60BAB93C}" type="datetime1">
+              <a:rPr lang="fr-FR" smtClean="0"/>
+              <a:t>23/06/2021</a:t>
+            </a:fld>
+            <a:endParaRPr lang="en-US"/>
+          </a:p>
+        </p:txBody>
+      </p:sp>
+      <p:sp>
+        <p:nvSpPr>
+          <p:cNvPr id="36" name="Espace réservé du contenu 2">
+            <a:extLst>
+              <a:ext uri="{FF2B5EF4-FFF2-40B4-BE49-F238E27FC236}">
+                <a16:creationId xmlns:a16="http://schemas.microsoft.com/office/drawing/2014/main" id="{3FF35677-6192-408A-AA48-73F50617F656}"/>
+              </a:ext>
+            </a:extLst>
+          </p:cNvPr>
+          <p:cNvSpPr>
+            <a:spLocks noGrp="1"/>
+          </p:cNvSpPr>
+          <p:nvPr>
+            <p:ph idx="1"/>
+          </p:nvPr>
+        </p:nvSpPr>
+        <p:spPr>
+          <a:xfrm>
+            <a:off x="1066800" y="1300348"/>
+            <a:ext cx="10058400" cy="4652396"/>
+          </a:xfrm>
+        </p:spPr>
+        <p:txBody>
+          <a:bodyPr>
+            <a:normAutofit/>
+          </a:bodyPr>
+          <a:lstStyle/>
+          <a:p>
+            <a:pPr marL="0" lvl="0" indent="0">
+              <a:buClr>
+                <a:prstClr val="black">
+                  <a:lumMod val="85000"/>
+                  <a:lumOff val="15000"/>
+                </a:prstClr>
+              </a:buClr>
+              <a:buNone/>
+            </a:pPr>
+            <a:r>
+              <a:rPr lang="fr-FR" dirty="0">
+                <a:solidFill>
+                  <a:prstClr val="black"/>
+                </a:solidFill>
+              </a:rPr>
+              <a:t>Traduction de l’application</a:t>
+            </a:r>
+            <a:endParaRPr lang="fr-FR" sz="1500" dirty="0">
+              <a:solidFill>
+                <a:prstClr val="black"/>
+              </a:solidFill>
+            </a:endParaRPr>
+          </a:p>
+          <a:p>
+            <a:pPr marL="822960" lvl="3" indent="0">
+              <a:buNone/>
+            </a:pPr>
+            <a:endParaRPr lang="fr-FR" sz="1500" dirty="0">
+              <a:solidFill>
+                <a:prstClr val="black"/>
+              </a:solidFill>
+            </a:endParaRPr>
+          </a:p>
+          <a:p>
+            <a:pPr marL="0" indent="0">
+              <a:buNone/>
+            </a:pPr>
+            <a:endParaRPr lang="fr-FR" dirty="0"/>
+          </a:p>
+        </p:txBody>
+      </p:sp>
+      <p:sp>
+        <p:nvSpPr>
+          <p:cNvPr id="15" name="Titre 1">
+            <a:extLst>
+              <a:ext uri="{FF2B5EF4-FFF2-40B4-BE49-F238E27FC236}">
+                <a16:creationId xmlns:a16="http://schemas.microsoft.com/office/drawing/2014/main" id="{455FDA57-4828-4A73-ABEE-296C21EEADE1}"/>
+              </a:ext>
+            </a:extLst>
+          </p:cNvPr>
+          <p:cNvSpPr txBox="1">
+            <a:spLocks/>
+          </p:cNvSpPr>
+          <p:nvPr/>
+        </p:nvSpPr>
+        <p:spPr>
+          <a:xfrm>
+            <a:off x="1066800" y="642594"/>
+            <a:ext cx="10058400" cy="556814"/>
+          </a:xfrm>
+          <a:prstGeom prst="rect">
+            <a:avLst/>
+          </a:prstGeom>
+        </p:spPr>
+        <p:txBody>
+          <a:bodyPr vert="horz" lIns="91440" tIns="45720" rIns="91440" bIns="45720" rtlCol="0" anchor="ctr">
+            <a:normAutofit fontScale="90000" lnSpcReduction="10000"/>
+          </a:bodyPr>
+          <a:lstStyle>
+            <a:lvl1pPr algn="l" defTabSz="914400" rtl="0" eaLnBrk="1" latinLnBrk="0" hangingPunct="1">
+              <a:lnSpc>
+                <a:spcPct val="90000"/>
+              </a:lnSpc>
+              <a:spcBef>
+                <a:spcPct val="0"/>
+              </a:spcBef>
+              <a:buNone/>
+              <a:defRPr lang="en-US" sz="4000" i="0" kern="1200" cap="none" spc="0" baseline="0" dirty="0">
+                <a:solidFill>
+                  <a:schemeClr val="tx1">
+                    <a:lumMod val="85000"/>
+                    <a:lumOff val="15000"/>
+                  </a:schemeClr>
+                </a:solidFill>
+                <a:effectLst/>
+                <a:latin typeface="+mj-lt"/>
+                <a:ea typeface="+mn-ea"/>
+                <a:cs typeface="+mn-cs"/>
+              </a:defRPr>
+            </a:lvl1pPr>
+          </a:lstStyle>
+          <a:p>
+            <a:r>
+              <a:rPr lang="fr-FR"/>
+              <a:t>Fonctionnalités</a:t>
+            </a:r>
+          </a:p>
+        </p:txBody>
+      </p:sp>
+      <p:pic>
+        <p:nvPicPr>
+          <p:cNvPr id="4" name="Image 3">
+            <a:extLst>
+              <a:ext uri="{FF2B5EF4-FFF2-40B4-BE49-F238E27FC236}">
+                <a16:creationId xmlns:a16="http://schemas.microsoft.com/office/drawing/2014/main" id="{461345C6-3D6F-418D-9D50-71F7DB8C452F}"/>
+              </a:ext>
+            </a:extLst>
+          </p:cNvPr>
+          <p:cNvPicPr>
+            <a:picLocks noChangeAspect="1"/>
+          </p:cNvPicPr>
+          <p:nvPr/>
+        </p:nvPicPr>
+        <p:blipFill>
+          <a:blip r:embed="rId3">
+            <a:alphaModFix amt="35000"/>
+            <a:extLst>
+              <a:ext uri="{28A0092B-C50C-407E-A947-70E740481C1C}">
+                <a14:useLocalDpi xmlns:a14="http://schemas.microsoft.com/office/drawing/2010/main" val="0"/>
+              </a:ext>
+            </a:extLst>
+          </a:blip>
+          <a:stretch>
+            <a:fillRect/>
+          </a:stretch>
+        </p:blipFill>
+        <p:spPr>
+          <a:xfrm>
+            <a:off x="818783" y="1785663"/>
+            <a:ext cx="3820058" cy="4429743"/>
+          </a:xfrm>
+          <a:prstGeom prst="rect">
+            <a:avLst/>
+          </a:prstGeom>
+        </p:spPr>
+      </p:pic>
+      <p:pic>
+        <p:nvPicPr>
+          <p:cNvPr id="8" name="Image 7">
+            <a:extLst>
+              <a:ext uri="{FF2B5EF4-FFF2-40B4-BE49-F238E27FC236}">
+                <a16:creationId xmlns:a16="http://schemas.microsoft.com/office/drawing/2014/main" id="{96296870-4CF0-44DB-B44D-F10AC1B76667}"/>
+              </a:ext>
+            </a:extLst>
+          </p:cNvPr>
+          <p:cNvPicPr>
+            <a:picLocks noChangeAspect="1"/>
+          </p:cNvPicPr>
+          <p:nvPr/>
+        </p:nvPicPr>
+        <p:blipFill rotWithShape="1">
+          <a:blip r:embed="rId4">
+            <a:extLst>
+              <a:ext uri="{28A0092B-C50C-407E-A947-70E740481C1C}">
+                <a14:useLocalDpi xmlns:a14="http://schemas.microsoft.com/office/drawing/2010/main" val="0"/>
+              </a:ext>
+            </a:extLst>
+          </a:blip>
+          <a:srcRect l="12696" t="32827" r="3562" b="60740"/>
+          <a:stretch/>
+        </p:blipFill>
+        <p:spPr>
+          <a:xfrm>
+            <a:off x="1328636" y="3247159"/>
+            <a:ext cx="3166801" cy="283369"/>
+          </a:xfrm>
+          <a:prstGeom prst="roundRect">
+            <a:avLst>
+              <a:gd name="adj" fmla="val 16667"/>
+            </a:avLst>
+          </a:prstGeom>
+          <a:ln>
+            <a:noFill/>
+          </a:ln>
+          <a:effectLst>
+            <a:outerShdw blurRad="76200" dist="38100" dir="7800000" algn="tl" rotWithShape="0">
+              <a:srgbClr val="000000">
+                <a:alpha val="40000"/>
+              </a:srgbClr>
+            </a:outerShdw>
+          </a:effectLst>
+        </p:spPr>
+      </p:pic>
+      <p:pic>
+        <p:nvPicPr>
+          <p:cNvPr id="13" name="Image 12">
+            <a:extLst>
+              <a:ext uri="{FF2B5EF4-FFF2-40B4-BE49-F238E27FC236}">
+                <a16:creationId xmlns:a16="http://schemas.microsoft.com/office/drawing/2014/main" id="{25D96AE5-760A-44CE-8D68-F7A4BAEBA235}"/>
+              </a:ext>
+            </a:extLst>
+          </p:cNvPr>
+          <p:cNvPicPr>
+            <a:picLocks noChangeAspect="1"/>
+          </p:cNvPicPr>
+          <p:nvPr/>
+        </p:nvPicPr>
+        <p:blipFill>
+          <a:blip r:embed="rId5">
+            <a:extLst>
+              <a:ext uri="{28A0092B-C50C-407E-A947-70E740481C1C}">
+                <a14:useLocalDpi xmlns:a14="http://schemas.microsoft.com/office/drawing/2010/main" val="0"/>
+              </a:ext>
+            </a:extLst>
+          </a:blip>
+          <a:stretch>
+            <a:fillRect/>
+          </a:stretch>
+        </p:blipFill>
+        <p:spPr>
+          <a:xfrm>
+            <a:off x="6655905" y="1785663"/>
+            <a:ext cx="3819600" cy="4471074"/>
+          </a:xfrm>
+          <a:prstGeom prst="rect">
+            <a:avLst/>
+          </a:prstGeom>
+        </p:spPr>
+      </p:pic>
+      <p:cxnSp>
+        <p:nvCxnSpPr>
+          <p:cNvPr id="20" name="Connecteur droit avec flèche 19">
+            <a:extLst>
+              <a:ext uri="{FF2B5EF4-FFF2-40B4-BE49-F238E27FC236}">
+                <a16:creationId xmlns:a16="http://schemas.microsoft.com/office/drawing/2014/main" id="{85B5C9DE-0414-4479-ABFA-018986248A95}"/>
+              </a:ext>
+            </a:extLst>
+          </p:cNvPr>
+          <p:cNvCxnSpPr>
+            <a:cxnSpLocks/>
+            <a:stCxn id="4" idx="3"/>
+            <a:endCxn id="13" idx="1"/>
+          </p:cNvCxnSpPr>
+          <p:nvPr/>
+        </p:nvCxnSpPr>
+        <p:spPr>
+          <a:xfrm>
+            <a:off x="4638841" y="4000535"/>
+            <a:ext cx="2017064" cy="20665"/>
+          </a:xfrm>
+          <a:prstGeom prst="straightConnector1">
+            <a:avLst/>
+          </a:prstGeom>
+          <a:ln w="57150">
+            <a:solidFill>
+              <a:srgbClr val="00AFEF"/>
+            </a:solidFill>
+            <a:tailEnd type="triangle"/>
+          </a:ln>
+        </p:spPr>
+        <p:style>
+          <a:lnRef idx="3">
+            <a:schemeClr val="accent3"/>
+          </a:lnRef>
+          <a:fillRef idx="0">
+            <a:schemeClr val="accent3"/>
+          </a:fillRef>
+          <a:effectRef idx="2">
+            <a:schemeClr val="accent3"/>
+          </a:effectRef>
+          <a:fontRef idx="minor">
+            <a:schemeClr val="tx1"/>
+          </a:fontRef>
+        </p:style>
+      </p:cxnSp>
+    </p:spTree>
+    <p:extLst>
+      <p:ext uri="{BB962C8B-B14F-4D97-AF65-F5344CB8AC3E}">
+        <p14:creationId xmlns:p14="http://schemas.microsoft.com/office/powerpoint/2010/main" val="3646680358"/>
+      </p:ext>
+    </p:extLst>
+  </p:cSld>
+  <p:clrMapOvr>
+    <a:masterClrMapping/>
+  </p:clrMapOvr>
+</p:sld>
+</file>
+
+<file path=ppt/slides/slide46.xml><?xml version="1.0" encoding="utf-8"?>
+<p:sld xmlns:a="http://schemas.openxmlformats.org/drawingml/2006/main" xmlns:r="http://schemas.openxmlformats.org/officeDocument/2006/relationships" xmlns:p="http://schemas.openxmlformats.org/presentationml/2006/main">
+  <p:cSld>
+    <p:spTree>
+      <p:nvGrpSpPr>
+        <p:cNvPr id="1" name=""/>
+        <p:cNvGrpSpPr/>
+        <p:nvPr/>
+      </p:nvGrpSpPr>
+      <p:grpSpPr>
+        <a:xfrm>
+          <a:off x="0" y="0"/>
+          <a:ext cx="0" cy="0"/>
+          <a:chOff x="0" y="0"/>
+          <a:chExt cx="0" cy="0"/>
+        </a:xfrm>
+      </p:grpSpPr>
       <p:sp>
         <p:nvSpPr>
           <p:cNvPr id="5" name="Titre 4">
@@ -20443,7 +23674,7 @@
           <a:p>
             <a:r>
               <a:rPr lang="fr-FR" dirty="0"/>
-              <a:t>CONCLUSION</a:t>
+              <a:t>LA FINITION</a:t>
             </a:r>
           </a:p>
         </p:txBody>
@@ -20466,14 +23697,12 @@
         </p:nvSpPr>
         <p:spPr/>
         <p:txBody>
-          <a:bodyPr>
-            <a:normAutofit fontScale="92500"/>
-          </a:bodyPr>
-          <a:lstStyle/>
-          <a:p>
-            <a:r>
-              <a:rPr lang="fr-FR" dirty="0"/>
-              <a:t>PROBLEMES RENCONTRES / EVOLUTIONS POSSIBLES / APPORTS PERSONNELS </a:t>
+          <a:bodyPr/>
+          <a:lstStyle/>
+          <a:p>
+            <a:r>
+              <a:rPr lang="fr-FR" dirty="0"/>
+              <a:t>DESIGN / OPTIMISATION / SIMPLIFCATION</a:t>
             </a:r>
           </a:p>
         </p:txBody>
@@ -20502,7 +23731,241 @@
             <a:pPr rtl="0"/>
             <a:fld id="{802FE938-1586-4780-B61A-DD3B60BAB93C}" type="datetime1">
               <a:rPr lang="fr-FR" smtClean="0"/>
-              <a:t>22/06/2021</a:t>
+              <a:t>23/06/2021</a:t>
+            </a:fld>
+            <a:endParaRPr lang="en-US"/>
+          </a:p>
+        </p:txBody>
+      </p:sp>
+    </p:spTree>
+    <p:extLst>
+      <p:ext uri="{BB962C8B-B14F-4D97-AF65-F5344CB8AC3E}">
+        <p14:creationId xmlns:p14="http://schemas.microsoft.com/office/powerpoint/2010/main" val="1130815813"/>
+      </p:ext>
+    </p:extLst>
+  </p:cSld>
+  <p:clrMapOvr>
+    <a:masterClrMapping/>
+  </p:clrMapOvr>
+</p:sld>
+</file>
+
+<file path=ppt/slides/slide47.xml><?xml version="1.0" encoding="utf-8"?>
+<p:sld xmlns:a="http://schemas.openxmlformats.org/drawingml/2006/main" xmlns:r="http://schemas.openxmlformats.org/officeDocument/2006/relationships" xmlns:p="http://schemas.openxmlformats.org/presentationml/2006/main">
+  <p:cSld>
+    <p:spTree>
+      <p:nvGrpSpPr>
+        <p:cNvPr id="1" name=""/>
+        <p:cNvGrpSpPr/>
+        <p:nvPr/>
+      </p:nvGrpSpPr>
+      <p:grpSpPr>
+        <a:xfrm>
+          <a:off x="0" y="0"/>
+          <a:ext cx="0" cy="0"/>
+          <a:chOff x="0" y="0"/>
+          <a:chExt cx="0" cy="0"/>
+        </a:xfrm>
+      </p:grpSpPr>
+      <p:sp>
+        <p:nvSpPr>
+          <p:cNvPr id="5" name="Titre 4">
+            <a:extLst>
+              <a:ext uri="{FF2B5EF4-FFF2-40B4-BE49-F238E27FC236}">
+                <a16:creationId xmlns:a16="http://schemas.microsoft.com/office/drawing/2014/main" id="{B535D397-2E1B-4C1E-A392-E2A43916D949}"/>
+              </a:ext>
+            </a:extLst>
+          </p:cNvPr>
+          <p:cNvSpPr>
+            <a:spLocks noGrp="1"/>
+          </p:cNvSpPr>
+          <p:nvPr>
+            <p:ph type="ctrTitle"/>
+          </p:nvPr>
+        </p:nvSpPr>
+        <p:spPr/>
+        <p:txBody>
+          <a:bodyPr/>
+          <a:lstStyle/>
+          <a:p>
+            <a:r>
+              <a:rPr lang="fr-FR" dirty="0"/>
+              <a:t>DEMONSTRATION</a:t>
+            </a:r>
+          </a:p>
+        </p:txBody>
+      </p:sp>
+      <p:sp>
+        <p:nvSpPr>
+          <p:cNvPr id="6" name="Sous-titre 5">
+            <a:extLst>
+              <a:ext uri="{FF2B5EF4-FFF2-40B4-BE49-F238E27FC236}">
+                <a16:creationId xmlns:a16="http://schemas.microsoft.com/office/drawing/2014/main" id="{42DF712F-84EC-48F3-B510-83E590DD97F0}"/>
+              </a:ext>
+            </a:extLst>
+          </p:cNvPr>
+          <p:cNvSpPr>
+            <a:spLocks noGrp="1"/>
+          </p:cNvSpPr>
+          <p:nvPr>
+            <p:ph type="subTitle" idx="1"/>
+          </p:nvPr>
+        </p:nvSpPr>
+        <p:spPr/>
+        <p:txBody>
+          <a:bodyPr/>
+          <a:lstStyle/>
+          <a:p>
+            <a:r>
+              <a:rPr lang="fr-FR" dirty="0"/>
+              <a:t>DEMO DU LOGICIEL FINI</a:t>
+            </a:r>
+          </a:p>
+        </p:txBody>
+      </p:sp>
+      <p:sp>
+        <p:nvSpPr>
+          <p:cNvPr id="4" name="Espace réservé de la date 3">
+            <a:extLst>
+              <a:ext uri="{FF2B5EF4-FFF2-40B4-BE49-F238E27FC236}">
+                <a16:creationId xmlns:a16="http://schemas.microsoft.com/office/drawing/2014/main" id="{030B0D3A-6441-43DC-BDBC-2E9EE16205E9}"/>
+              </a:ext>
+            </a:extLst>
+          </p:cNvPr>
+          <p:cNvSpPr>
+            <a:spLocks noGrp="1"/>
+          </p:cNvSpPr>
+          <p:nvPr>
+            <p:ph type="dt" sz="half" idx="10"/>
+          </p:nvPr>
+        </p:nvSpPr>
+        <p:spPr/>
+        <p:txBody>
+          <a:bodyPr/>
+          <a:lstStyle/>
+          <a:p>
+            <a:pPr rtl="0"/>
+            <a:fld id="{802FE938-1586-4780-B61A-DD3B60BAB93C}" type="datetime1">
+              <a:rPr lang="fr-FR" smtClean="0"/>
+              <a:t>23/06/2021</a:t>
+            </a:fld>
+            <a:endParaRPr lang="en-US"/>
+          </a:p>
+        </p:txBody>
+      </p:sp>
+    </p:spTree>
+    <p:extLst>
+      <p:ext uri="{BB962C8B-B14F-4D97-AF65-F5344CB8AC3E}">
+        <p14:creationId xmlns:p14="http://schemas.microsoft.com/office/powerpoint/2010/main" val="962287830"/>
+      </p:ext>
+    </p:extLst>
+  </p:cSld>
+  <p:clrMapOvr>
+    <a:masterClrMapping/>
+  </p:clrMapOvr>
+</p:sld>
+</file>
+
+<file path=ppt/slides/slide48.xml><?xml version="1.0" encoding="utf-8"?>
+<p:sld xmlns:a="http://schemas.openxmlformats.org/drawingml/2006/main" xmlns:r="http://schemas.openxmlformats.org/officeDocument/2006/relationships" xmlns:p="http://schemas.openxmlformats.org/presentationml/2006/main">
+  <p:cSld>
+    <p:spTree>
+      <p:nvGrpSpPr>
+        <p:cNvPr id="1" name=""/>
+        <p:cNvGrpSpPr/>
+        <p:nvPr/>
+      </p:nvGrpSpPr>
+      <p:grpSpPr>
+        <a:xfrm>
+          <a:off x="0" y="0"/>
+          <a:ext cx="0" cy="0"/>
+          <a:chOff x="0" y="0"/>
+          <a:chExt cx="0" cy="0"/>
+        </a:xfrm>
+      </p:grpSpPr>
+      <p:sp>
+        <p:nvSpPr>
+          <p:cNvPr id="5" name="Titre 4">
+            <a:extLst>
+              <a:ext uri="{FF2B5EF4-FFF2-40B4-BE49-F238E27FC236}">
+                <a16:creationId xmlns:a16="http://schemas.microsoft.com/office/drawing/2014/main" id="{B535D397-2E1B-4C1E-A392-E2A43916D949}"/>
+              </a:ext>
+            </a:extLst>
+          </p:cNvPr>
+          <p:cNvSpPr>
+            <a:spLocks noGrp="1"/>
+          </p:cNvSpPr>
+          <p:nvPr>
+            <p:ph type="ctrTitle"/>
+          </p:nvPr>
+        </p:nvSpPr>
+        <p:spPr/>
+        <p:txBody>
+          <a:bodyPr/>
+          <a:lstStyle/>
+          <a:p>
+            <a:r>
+              <a:rPr lang="fr-FR" dirty="0"/>
+              <a:t>CONCLUSION</a:t>
+            </a:r>
+          </a:p>
+        </p:txBody>
+      </p:sp>
+      <p:sp>
+        <p:nvSpPr>
+          <p:cNvPr id="6" name="Sous-titre 5">
+            <a:extLst>
+              <a:ext uri="{FF2B5EF4-FFF2-40B4-BE49-F238E27FC236}">
+                <a16:creationId xmlns:a16="http://schemas.microsoft.com/office/drawing/2014/main" id="{42DF712F-84EC-48F3-B510-83E590DD97F0}"/>
+              </a:ext>
+            </a:extLst>
+          </p:cNvPr>
+          <p:cNvSpPr>
+            <a:spLocks noGrp="1"/>
+          </p:cNvSpPr>
+          <p:nvPr>
+            <p:ph type="subTitle" idx="1"/>
+          </p:nvPr>
+        </p:nvSpPr>
+        <p:spPr/>
+        <p:txBody>
+          <a:bodyPr>
+            <a:normAutofit fontScale="92500"/>
+          </a:bodyPr>
+          <a:lstStyle/>
+          <a:p>
+            <a:r>
+              <a:rPr lang="fr-FR" dirty="0"/>
+              <a:t>PROBLEMES RENCONTRES / EVOLUTIONS POSSIBLES / APPORTS PERSONNELS </a:t>
+            </a:r>
+          </a:p>
+        </p:txBody>
+      </p:sp>
+      <p:sp>
+        <p:nvSpPr>
+          <p:cNvPr id="4" name="Espace réservé de la date 3">
+            <a:extLst>
+              <a:ext uri="{FF2B5EF4-FFF2-40B4-BE49-F238E27FC236}">
+                <a16:creationId xmlns:a16="http://schemas.microsoft.com/office/drawing/2014/main" id="{030B0D3A-6441-43DC-BDBC-2E9EE16205E9}"/>
+              </a:ext>
+            </a:extLst>
+          </p:cNvPr>
+          <p:cNvSpPr>
+            <a:spLocks noGrp="1"/>
+          </p:cNvSpPr>
+          <p:nvPr>
+            <p:ph type="dt" sz="half" idx="10"/>
+          </p:nvPr>
+        </p:nvSpPr>
+        <p:spPr/>
+        <p:txBody>
+          <a:bodyPr/>
+          <a:lstStyle/>
+          <a:p>
+            <a:pPr rtl="0"/>
+            <a:fld id="{802FE938-1586-4780-B61A-DD3B60BAB93C}" type="datetime1">
+              <a:rPr lang="fr-FR" smtClean="0"/>
+              <a:t>23/06/2021</a:t>
             </a:fld>
             <a:endParaRPr lang="en-US"/>
           </a:p>
@@ -20793,7 +24256,7 @@
             <a:pPr rtl="0"/>
             <a:fld id="{802FE938-1586-4780-B61A-DD3B60BAB93C}" type="datetime1">
               <a:rPr lang="fr-FR" smtClean="0"/>
-              <a:t>22/06/2021</a:t>
+              <a:t>23/06/2021</a:t>
             </a:fld>
             <a:endParaRPr lang="en-US"/>
           </a:p>
@@ -21126,7 +24589,7 @@
             <a:pPr rtl="0"/>
             <a:fld id="{802FE938-1586-4780-B61A-DD3B60BAB93C}" type="datetime1">
               <a:rPr lang="fr-FR" smtClean="0"/>
-              <a:t>22/06/2021</a:t>
+              <a:t>23/06/2021</a:t>
             </a:fld>
             <a:endParaRPr lang="en-US"/>
           </a:p>
@@ -21447,7 +24910,7 @@
             <a:pPr rtl="0"/>
             <a:fld id="{802FE938-1586-4780-B61A-DD3B60BAB93C}" type="datetime1">
               <a:rPr lang="fr-FR" smtClean="0"/>
-              <a:t>22/06/2021</a:t>
+              <a:t>23/06/2021</a:t>
             </a:fld>
             <a:endParaRPr lang="en-US"/>
           </a:p>
@@ -21570,7 +25033,7 @@
             <a:pPr rtl="0"/>
             <a:fld id="{802FE938-1586-4780-B61A-DD3B60BAB93C}" type="datetime1">
               <a:rPr lang="fr-FR" smtClean="0"/>
-              <a:t>22/06/2021</a:t>
+              <a:t>23/06/2021</a:t>
             </a:fld>
             <a:endParaRPr lang="en-US"/>
           </a:p>
@@ -21725,7 +25188,7 @@
             <a:pPr rtl="0"/>
             <a:fld id="{802FE938-1586-4780-B61A-DD3B60BAB93C}" type="datetime1">
               <a:rPr lang="fr-FR" smtClean="0"/>
-              <a:t>22/06/2021</a:t>
+              <a:t>23/06/2021</a:t>
             </a:fld>
             <a:endParaRPr lang="en-US"/>
           </a:p>
